--- a/java-11-17.pptx
+++ b/java-11-17.pptx
@@ -5,46 +5,56 @@
     <p:sldMasterId id="2147483899" r:id="rId1"/>
   </p:sldMasterIdLst>
   <p:notesMasterIdLst>
-    <p:notesMasterId r:id="rId36"/>
+    <p:notesMasterId r:id="rId46"/>
   </p:notesMasterIdLst>
   <p:handoutMasterIdLst>
-    <p:handoutMasterId r:id="rId37"/>
+    <p:handoutMasterId r:id="rId47"/>
   </p:handoutMasterIdLst>
   <p:sldIdLst>
     <p:sldId id="256" r:id="rId2"/>
     <p:sldId id="260" r:id="rId3"/>
-    <p:sldId id="259" r:id="rId4"/>
-    <p:sldId id="288" r:id="rId5"/>
-    <p:sldId id="291" r:id="rId6"/>
-    <p:sldId id="292" r:id="rId7"/>
-    <p:sldId id="289" r:id="rId8"/>
-    <p:sldId id="290" r:id="rId9"/>
-    <p:sldId id="261" r:id="rId10"/>
-    <p:sldId id="262" r:id="rId11"/>
-    <p:sldId id="263" r:id="rId12"/>
-    <p:sldId id="266" r:id="rId13"/>
-    <p:sldId id="264" r:id="rId14"/>
-    <p:sldId id="265" r:id="rId15"/>
-    <p:sldId id="267" r:id="rId16"/>
-    <p:sldId id="268" r:id="rId17"/>
-    <p:sldId id="269" r:id="rId18"/>
-    <p:sldId id="270" r:id="rId19"/>
-    <p:sldId id="271" r:id="rId20"/>
-    <p:sldId id="272" r:id="rId21"/>
-    <p:sldId id="274" r:id="rId22"/>
-    <p:sldId id="275" r:id="rId23"/>
-    <p:sldId id="276" r:id="rId24"/>
-    <p:sldId id="277" r:id="rId25"/>
-    <p:sldId id="278" r:id="rId26"/>
-    <p:sldId id="279" r:id="rId27"/>
-    <p:sldId id="280" r:id="rId28"/>
-    <p:sldId id="281" r:id="rId29"/>
-    <p:sldId id="283" r:id="rId30"/>
-    <p:sldId id="282" r:id="rId31"/>
-    <p:sldId id="284" r:id="rId32"/>
-    <p:sldId id="285" r:id="rId33"/>
-    <p:sldId id="286" r:id="rId34"/>
-    <p:sldId id="287" r:id="rId35"/>
+    <p:sldId id="295" r:id="rId4"/>
+    <p:sldId id="259" r:id="rId5"/>
+    <p:sldId id="288" r:id="rId6"/>
+    <p:sldId id="291" r:id="rId7"/>
+    <p:sldId id="292" r:id="rId8"/>
+    <p:sldId id="289" r:id="rId9"/>
+    <p:sldId id="290" r:id="rId10"/>
+    <p:sldId id="261" r:id="rId11"/>
+    <p:sldId id="262" r:id="rId12"/>
+    <p:sldId id="263" r:id="rId13"/>
+    <p:sldId id="266" r:id="rId14"/>
+    <p:sldId id="264" r:id="rId15"/>
+    <p:sldId id="265" r:id="rId16"/>
+    <p:sldId id="267" r:id="rId17"/>
+    <p:sldId id="268" r:id="rId18"/>
+    <p:sldId id="269" r:id="rId19"/>
+    <p:sldId id="270" r:id="rId20"/>
+    <p:sldId id="271" r:id="rId21"/>
+    <p:sldId id="272" r:id="rId22"/>
+    <p:sldId id="274" r:id="rId23"/>
+    <p:sldId id="275" r:id="rId24"/>
+    <p:sldId id="276" r:id="rId25"/>
+    <p:sldId id="277" r:id="rId26"/>
+    <p:sldId id="278" r:id="rId27"/>
+    <p:sldId id="279" r:id="rId28"/>
+    <p:sldId id="280" r:id="rId29"/>
+    <p:sldId id="281" r:id="rId30"/>
+    <p:sldId id="283" r:id="rId31"/>
+    <p:sldId id="282" r:id="rId32"/>
+    <p:sldId id="284" r:id="rId33"/>
+    <p:sldId id="285" r:id="rId34"/>
+    <p:sldId id="286" r:id="rId35"/>
+    <p:sldId id="287" r:id="rId36"/>
+    <p:sldId id="296" r:id="rId37"/>
+    <p:sldId id="297" r:id="rId38"/>
+    <p:sldId id="305" r:id="rId39"/>
+    <p:sldId id="299" r:id="rId40"/>
+    <p:sldId id="304" r:id="rId41"/>
+    <p:sldId id="300" r:id="rId42"/>
+    <p:sldId id="306" r:id="rId43"/>
+    <p:sldId id="303" r:id="rId44"/>
+    <p:sldId id="302" r:id="rId45"/>
   </p:sldIdLst>
   <p:sldSz cx="12192000" cy="6858000"/>
   <p:notesSz cx="6858000" cy="9144000"/>
@@ -248,7 +258,7 @@
           <a:p>
             <a:fld id="{C0691E93-FCE9-4637-A231-41265759DF2A}" type="datetimeFigureOut">
               <a:rPr lang="fr-FR" smtClean="0"/>
-              <a:t>12/12/2021</a:t>
+              <a:t>14/12/2021</a:t>
             </a:fld>
             <a:endParaRPr lang="fr-FR"/>
           </a:p>
@@ -425,7 +435,7 @@
           <a:p>
             <a:fld id="{F55AC44C-65B7-406C-A849-BD91E2E102C5}" type="datetimeFigureOut">
               <a:rPr lang="fr-FR" smtClean="0"/>
-              <a:t>12/12/2021</a:t>
+              <a:t>14/12/2021</a:t>
             </a:fld>
             <a:endParaRPr lang="fr-FR"/>
           </a:p>
@@ -760,7 +770,7 @@
           <a:p>
             <a:fld id="{3FF4E6BB-AC26-47B6-9605-8412E8089B25}" type="slidenum">
               <a:rPr lang="fr-FR" smtClean="0"/>
-              <a:t>10</a:t>
+              <a:t>11</a:t>
             </a:fld>
             <a:endParaRPr lang="fr-FR"/>
           </a:p>
@@ -844,7 +854,7 @@
           <a:p>
             <a:fld id="{3FF4E6BB-AC26-47B6-9605-8412E8089B25}" type="slidenum">
               <a:rPr lang="fr-FR" smtClean="0"/>
-              <a:t>26</a:t>
+              <a:t>27</a:t>
             </a:fld>
             <a:endParaRPr lang="fr-FR"/>
           </a:p>
@@ -928,7 +938,7 @@
           <a:p>
             <a:fld id="{3FF4E6BB-AC26-47B6-9605-8412E8089B25}" type="slidenum">
               <a:rPr lang="fr-FR" smtClean="0"/>
-              <a:t>28</a:t>
+              <a:t>29</a:t>
             </a:fld>
             <a:endParaRPr lang="fr-FR"/>
           </a:p>
@@ -1012,7 +1022,7 @@
           <a:p>
             <a:fld id="{3FF4E6BB-AC26-47B6-9605-8412E8089B25}" type="slidenum">
               <a:rPr lang="fr-FR" smtClean="0"/>
-              <a:t>29</a:t>
+              <a:t>30</a:t>
             </a:fld>
             <a:endParaRPr lang="fr-FR"/>
           </a:p>
@@ -1096,7 +1106,7 @@
           <a:p>
             <a:fld id="{3FF4E6BB-AC26-47B6-9605-8412E8089B25}" type="slidenum">
               <a:rPr lang="fr-FR" smtClean="0"/>
-              <a:t>30</a:t>
+              <a:t>31</a:t>
             </a:fld>
             <a:endParaRPr lang="fr-FR"/>
           </a:p>
@@ -1187,7 +1197,7 @@
           <a:p>
             <a:fld id="{3FF4E6BB-AC26-47B6-9605-8412E8089B25}" type="slidenum">
               <a:rPr lang="fr-FR" smtClean="0"/>
-              <a:t>31</a:t>
+              <a:t>32</a:t>
             </a:fld>
             <a:endParaRPr lang="fr-FR"/>
           </a:p>
@@ -1271,7 +1281,7 @@
           <a:p>
             <a:fld id="{3FF4E6BB-AC26-47B6-9605-8412E8089B25}" type="slidenum">
               <a:rPr lang="fr-FR" smtClean="0"/>
-              <a:t>32</a:t>
+              <a:t>33</a:t>
             </a:fld>
             <a:endParaRPr lang="fr-FR"/>
           </a:p>
@@ -1362,7 +1372,7 @@
           <a:p>
             <a:fld id="{3FF4E6BB-AC26-47B6-9605-8412E8089B25}" type="slidenum">
               <a:rPr lang="fr-FR" smtClean="0"/>
-              <a:t>33</a:t>
+              <a:t>34</a:t>
             </a:fld>
             <a:endParaRPr lang="fr-FR"/>
           </a:p>
@@ -1425,14 +1435,7 @@
           <a:bodyPr/>
           <a:lstStyle/>
           <a:p>
-            <a:r>
-              <a:rPr lang="fr-FR" dirty="0" err="1"/>
-              <a:t>Demo</a:t>
-            </a:r>
-            <a:r>
-              <a:rPr lang="fr-FR" dirty="0"/>
-              <a:t>!!!!!!!!!!!!!!!!!</a:t>
-            </a:r>
+            <a:endParaRPr lang="fr-FR" dirty="0"/>
           </a:p>
         </p:txBody>
       </p:sp>
@@ -1453,7 +1456,7 @@
           <a:p>
             <a:fld id="{3FF4E6BB-AC26-47B6-9605-8412E8089B25}" type="slidenum">
               <a:rPr lang="fr-FR" smtClean="0"/>
-              <a:t>34</a:t>
+              <a:t>35</a:t>
             </a:fld>
             <a:endParaRPr lang="fr-FR"/>
           </a:p>
@@ -1463,6 +1466,174 @@
     <p:extLst>
       <p:ext uri="{BB962C8B-B14F-4D97-AF65-F5344CB8AC3E}">
         <p14:creationId xmlns:p14="http://schemas.microsoft.com/office/powerpoint/2010/main" val="2437272672"/>
+      </p:ext>
+    </p:extLst>
+  </p:cSld>
+  <p:clrMapOvr>
+    <a:masterClrMapping/>
+  </p:clrMapOvr>
+</p:notes>
+</file>
+
+<file path=ppt/notesSlides/notesSlide18.xml><?xml version="1.0" encoding="utf-8"?>
+<p:notes xmlns:a="http://schemas.openxmlformats.org/drawingml/2006/main" xmlns:r="http://schemas.openxmlformats.org/officeDocument/2006/relationships" xmlns:p="http://schemas.openxmlformats.org/presentationml/2006/main">
+  <p:cSld>
+    <p:spTree>
+      <p:nvGrpSpPr>
+        <p:cNvPr id="1" name=""/>
+        <p:cNvGrpSpPr/>
+        <p:nvPr/>
+      </p:nvGrpSpPr>
+      <p:grpSpPr>
+        <a:xfrm>
+          <a:off x="0" y="0"/>
+          <a:ext cx="0" cy="0"/>
+          <a:chOff x="0" y="0"/>
+          <a:chExt cx="0" cy="0"/>
+        </a:xfrm>
+      </p:grpSpPr>
+      <p:sp>
+        <p:nvSpPr>
+          <p:cNvPr id="2" name="Espace réservé de l'image des diapositives 1"/>
+          <p:cNvSpPr>
+            <a:spLocks noGrp="1" noRot="1" noChangeAspect="1"/>
+          </p:cNvSpPr>
+          <p:nvPr>
+            <p:ph type="sldImg"/>
+          </p:nvPr>
+        </p:nvSpPr>
+        <p:spPr/>
+      </p:sp>
+      <p:sp>
+        <p:nvSpPr>
+          <p:cNvPr id="3" name="Espace réservé des notes 2"/>
+          <p:cNvSpPr>
+            <a:spLocks noGrp="1"/>
+          </p:cNvSpPr>
+          <p:nvPr>
+            <p:ph type="body" idx="1"/>
+          </p:nvPr>
+        </p:nvSpPr>
+        <p:spPr/>
+        <p:txBody>
+          <a:bodyPr/>
+          <a:lstStyle/>
+          <a:p>
+            <a:endParaRPr lang="fr-FR" dirty="0"/>
+          </a:p>
+        </p:txBody>
+      </p:sp>
+      <p:sp>
+        <p:nvSpPr>
+          <p:cNvPr id="4" name="Espace réservé du numéro de diapositive 3"/>
+          <p:cNvSpPr>
+            <a:spLocks noGrp="1"/>
+          </p:cNvSpPr>
+          <p:nvPr>
+            <p:ph type="sldNum" sz="quarter" idx="5"/>
+          </p:nvPr>
+        </p:nvSpPr>
+        <p:spPr/>
+        <p:txBody>
+          <a:bodyPr/>
+          <a:lstStyle/>
+          <a:p>
+            <a:fld id="{3FF4E6BB-AC26-47B6-9605-8412E8089B25}" type="slidenum">
+              <a:rPr lang="fr-FR" smtClean="0"/>
+              <a:t>38</a:t>
+            </a:fld>
+            <a:endParaRPr lang="fr-FR"/>
+          </a:p>
+        </p:txBody>
+      </p:sp>
+    </p:spTree>
+    <p:extLst>
+      <p:ext uri="{BB962C8B-B14F-4D97-AF65-F5344CB8AC3E}">
+        <p14:creationId xmlns:p14="http://schemas.microsoft.com/office/powerpoint/2010/main" val="1693667360"/>
+      </p:ext>
+    </p:extLst>
+  </p:cSld>
+  <p:clrMapOvr>
+    <a:masterClrMapping/>
+  </p:clrMapOvr>
+</p:notes>
+</file>
+
+<file path=ppt/notesSlides/notesSlide19.xml><?xml version="1.0" encoding="utf-8"?>
+<p:notes xmlns:a="http://schemas.openxmlformats.org/drawingml/2006/main" xmlns:r="http://schemas.openxmlformats.org/officeDocument/2006/relationships" xmlns:p="http://schemas.openxmlformats.org/presentationml/2006/main">
+  <p:cSld>
+    <p:spTree>
+      <p:nvGrpSpPr>
+        <p:cNvPr id="1" name=""/>
+        <p:cNvGrpSpPr/>
+        <p:nvPr/>
+      </p:nvGrpSpPr>
+      <p:grpSpPr>
+        <a:xfrm>
+          <a:off x="0" y="0"/>
+          <a:ext cx="0" cy="0"/>
+          <a:chOff x="0" y="0"/>
+          <a:chExt cx="0" cy="0"/>
+        </a:xfrm>
+      </p:grpSpPr>
+      <p:sp>
+        <p:nvSpPr>
+          <p:cNvPr id="2" name="Espace réservé de l'image des diapositives 1"/>
+          <p:cNvSpPr>
+            <a:spLocks noGrp="1" noRot="1" noChangeAspect="1"/>
+          </p:cNvSpPr>
+          <p:nvPr>
+            <p:ph type="sldImg"/>
+          </p:nvPr>
+        </p:nvSpPr>
+        <p:spPr/>
+      </p:sp>
+      <p:sp>
+        <p:nvSpPr>
+          <p:cNvPr id="3" name="Espace réservé des notes 2"/>
+          <p:cNvSpPr>
+            <a:spLocks noGrp="1"/>
+          </p:cNvSpPr>
+          <p:nvPr>
+            <p:ph type="body" idx="1"/>
+          </p:nvPr>
+        </p:nvSpPr>
+        <p:spPr/>
+        <p:txBody>
+          <a:bodyPr/>
+          <a:lstStyle/>
+          <a:p>
+            <a:endParaRPr lang="fr-FR" dirty="0"/>
+          </a:p>
+        </p:txBody>
+      </p:sp>
+      <p:sp>
+        <p:nvSpPr>
+          <p:cNvPr id="4" name="Espace réservé du numéro de diapositive 3"/>
+          <p:cNvSpPr>
+            <a:spLocks noGrp="1"/>
+          </p:cNvSpPr>
+          <p:nvPr>
+            <p:ph type="sldNum" sz="quarter" idx="5"/>
+          </p:nvPr>
+        </p:nvSpPr>
+        <p:spPr/>
+        <p:txBody>
+          <a:bodyPr/>
+          <a:lstStyle/>
+          <a:p>
+            <a:fld id="{3FF4E6BB-AC26-47B6-9605-8412E8089B25}" type="slidenum">
+              <a:rPr lang="fr-FR" smtClean="0"/>
+              <a:t>40</a:t>
+            </a:fld>
+            <a:endParaRPr lang="fr-FR"/>
+          </a:p>
+        </p:txBody>
+      </p:sp>
+    </p:spTree>
+    <p:extLst>
+      <p:ext uri="{BB962C8B-B14F-4D97-AF65-F5344CB8AC3E}">
+        <p14:creationId xmlns:p14="http://schemas.microsoft.com/office/powerpoint/2010/main" val="3204142077"/>
       </p:ext>
     </p:extLst>
   </p:cSld>
@@ -1540,7 +1711,7 @@
           <a:p>
             <a:fld id="{3FF4E6BB-AC26-47B6-9605-8412E8089B25}" type="slidenum">
               <a:rPr lang="fr-FR" smtClean="0"/>
-              <a:t>11</a:t>
+              <a:t>12</a:t>
             </a:fld>
             <a:endParaRPr lang="fr-FR"/>
           </a:p>
@@ -1550,6 +1721,90 @@
     <p:extLst>
       <p:ext uri="{BB962C8B-B14F-4D97-AF65-F5344CB8AC3E}">
         <p14:creationId xmlns:p14="http://schemas.microsoft.com/office/powerpoint/2010/main" val="2218367480"/>
+      </p:ext>
+    </p:extLst>
+  </p:cSld>
+  <p:clrMapOvr>
+    <a:masterClrMapping/>
+  </p:clrMapOvr>
+</p:notes>
+</file>
+
+<file path=ppt/notesSlides/notesSlide20.xml><?xml version="1.0" encoding="utf-8"?>
+<p:notes xmlns:a="http://schemas.openxmlformats.org/drawingml/2006/main" xmlns:r="http://schemas.openxmlformats.org/officeDocument/2006/relationships" xmlns:p="http://schemas.openxmlformats.org/presentationml/2006/main">
+  <p:cSld>
+    <p:spTree>
+      <p:nvGrpSpPr>
+        <p:cNvPr id="1" name=""/>
+        <p:cNvGrpSpPr/>
+        <p:nvPr/>
+      </p:nvGrpSpPr>
+      <p:grpSpPr>
+        <a:xfrm>
+          <a:off x="0" y="0"/>
+          <a:ext cx="0" cy="0"/>
+          <a:chOff x="0" y="0"/>
+          <a:chExt cx="0" cy="0"/>
+        </a:xfrm>
+      </p:grpSpPr>
+      <p:sp>
+        <p:nvSpPr>
+          <p:cNvPr id="2" name="Espace réservé de l'image des diapositives 1"/>
+          <p:cNvSpPr>
+            <a:spLocks noGrp="1" noRot="1" noChangeAspect="1"/>
+          </p:cNvSpPr>
+          <p:nvPr>
+            <p:ph type="sldImg"/>
+          </p:nvPr>
+        </p:nvSpPr>
+        <p:spPr/>
+      </p:sp>
+      <p:sp>
+        <p:nvSpPr>
+          <p:cNvPr id="3" name="Espace réservé des notes 2"/>
+          <p:cNvSpPr>
+            <a:spLocks noGrp="1"/>
+          </p:cNvSpPr>
+          <p:nvPr>
+            <p:ph type="body" idx="1"/>
+          </p:nvPr>
+        </p:nvSpPr>
+        <p:spPr/>
+        <p:txBody>
+          <a:bodyPr/>
+          <a:lstStyle/>
+          <a:p>
+            <a:endParaRPr lang="fr-FR" dirty="0"/>
+          </a:p>
+        </p:txBody>
+      </p:sp>
+      <p:sp>
+        <p:nvSpPr>
+          <p:cNvPr id="4" name="Espace réservé du numéro de diapositive 3"/>
+          <p:cNvSpPr>
+            <a:spLocks noGrp="1"/>
+          </p:cNvSpPr>
+          <p:nvPr>
+            <p:ph type="sldNum" sz="quarter" idx="5"/>
+          </p:nvPr>
+        </p:nvSpPr>
+        <p:spPr/>
+        <p:txBody>
+          <a:bodyPr/>
+          <a:lstStyle/>
+          <a:p>
+            <a:fld id="{3FF4E6BB-AC26-47B6-9605-8412E8089B25}" type="slidenum">
+              <a:rPr lang="fr-FR" smtClean="0"/>
+              <a:t>42</a:t>
+            </a:fld>
+            <a:endParaRPr lang="fr-FR"/>
+          </a:p>
+        </p:txBody>
+      </p:sp>
+    </p:spTree>
+    <p:extLst>
+      <p:ext uri="{BB962C8B-B14F-4D97-AF65-F5344CB8AC3E}">
+        <p14:creationId xmlns:p14="http://schemas.microsoft.com/office/powerpoint/2010/main" val="3592912171"/>
       </p:ext>
     </p:extLst>
   </p:cSld>
@@ -1627,7 +1882,7 @@
           <a:p>
             <a:fld id="{3FF4E6BB-AC26-47B6-9605-8412E8089B25}" type="slidenum">
               <a:rPr lang="fr-FR" smtClean="0"/>
-              <a:t>12</a:t>
+              <a:t>13</a:t>
             </a:fld>
             <a:endParaRPr lang="fr-FR"/>
           </a:p>
@@ -1714,7 +1969,7 @@
           <a:p>
             <a:fld id="{3FF4E6BB-AC26-47B6-9605-8412E8089B25}" type="slidenum">
               <a:rPr lang="fr-FR" smtClean="0"/>
-              <a:t>15</a:t>
+              <a:t>16</a:t>
             </a:fld>
             <a:endParaRPr lang="fr-FR"/>
           </a:p>
@@ -1801,7 +2056,7 @@
           <a:p>
             <a:fld id="{3FF4E6BB-AC26-47B6-9605-8412E8089B25}" type="slidenum">
               <a:rPr lang="fr-FR" smtClean="0"/>
-              <a:t>16</a:t>
+              <a:t>17</a:t>
             </a:fld>
             <a:endParaRPr lang="fr-FR"/>
           </a:p>
@@ -1885,7 +2140,7 @@
           <a:p>
             <a:fld id="{3FF4E6BB-AC26-47B6-9605-8412E8089B25}" type="slidenum">
               <a:rPr lang="fr-FR" smtClean="0"/>
-              <a:t>17</a:t>
+              <a:t>18</a:t>
             </a:fld>
             <a:endParaRPr lang="fr-FR"/>
           </a:p>
@@ -1976,7 +2231,7 @@
           <a:p>
             <a:fld id="{3FF4E6BB-AC26-47B6-9605-8412E8089B25}" type="slidenum">
               <a:rPr lang="fr-FR" smtClean="0"/>
-              <a:t>19</a:t>
+              <a:t>20</a:t>
             </a:fld>
             <a:endParaRPr lang="fr-FR"/>
           </a:p>
@@ -2067,7 +2322,7 @@
           <a:p>
             <a:fld id="{3FF4E6BB-AC26-47B6-9605-8412E8089B25}" type="slidenum">
               <a:rPr lang="fr-FR" smtClean="0"/>
-              <a:t>23</a:t>
+              <a:t>24</a:t>
             </a:fld>
             <a:endParaRPr lang="fr-FR"/>
           </a:p>
@@ -2151,7 +2406,7 @@
           <a:p>
             <a:fld id="{3FF4E6BB-AC26-47B6-9605-8412E8089B25}" type="slidenum">
               <a:rPr lang="fr-FR" smtClean="0"/>
-              <a:t>25</a:t>
+              <a:t>26</a:t>
             </a:fld>
             <a:endParaRPr lang="fr-FR"/>
           </a:p>
@@ -2396,7 +2651,7 @@
           <a:p>
             <a:fld id="{3E9A7E9A-ED42-4501-8D90-C284A0C74BA0}" type="datetime1">
               <a:rPr lang="fr-FR" smtClean="0"/>
-              <a:t>12/12/2021</a:t>
+              <a:t>14/12/2021</a:t>
             </a:fld>
             <a:endParaRPr lang="fr-FR"/>
           </a:p>
@@ -2482,6 +2737,42 @@
           </a:fontRef>
         </p:style>
       </p:cxnSp>
+      <p:pic>
+        <p:nvPicPr>
+          <p:cNvPr id="10" name="Image 9" descr="Une image contenant texte, silhouette&#10;&#10;Description générée automatiquement">
+            <a:extLst>
+              <a:ext uri="{FF2B5EF4-FFF2-40B4-BE49-F238E27FC236}">
+                <a16:creationId xmlns:a16="http://schemas.microsoft.com/office/drawing/2014/main" id="{6B8802BB-2F1E-4786-9A2A-294FCFE61B70}"/>
+              </a:ext>
+            </a:extLst>
+          </p:cNvPr>
+          <p:cNvPicPr>
+            <a:picLocks noChangeAspect="1"/>
+          </p:cNvPicPr>
+          <p:nvPr userDrawn="1"/>
+        </p:nvPicPr>
+        <p:blipFill>
+          <a:blip r:embed="rId2">
+            <a:extLst>
+              <a:ext uri="{28A0092B-C50C-407E-A947-70E740481C1C}">
+                <a14:useLocalDpi xmlns:a14="http://schemas.microsoft.com/office/drawing/2010/main" val="0"/>
+              </a:ext>
+            </a:extLst>
+          </a:blip>
+          <a:stretch>
+            <a:fillRect/>
+          </a:stretch>
+        </p:blipFill>
+        <p:spPr>
+          <a:xfrm>
+            <a:off x="11089758" y="6312154"/>
+            <a:ext cx="1101649" cy="619738"/>
+          </a:xfrm>
+          <a:prstGeom prst="rect">
+            <a:avLst/>
+          </a:prstGeom>
+        </p:spPr>
+      </p:pic>
     </p:spTree>
     <p:extLst>
       <p:ext uri="{BB962C8B-B14F-4D97-AF65-F5344CB8AC3E}">
@@ -2604,7 +2895,7 @@
           <a:p>
             <a:fld id="{011731C5-66D9-40D1-AD62-85284915D8C0}" type="datetime1">
               <a:rPr lang="fr-FR" smtClean="0"/>
-              <a:t>12/12/2021</a:t>
+              <a:t>14/12/2021</a:t>
             </a:fld>
             <a:endParaRPr lang="fr-FR"/>
           </a:p>
@@ -2860,7 +3151,7 @@
           <a:p>
             <a:fld id="{69A0C85A-3B63-44EA-B3D9-9A0F52CCE6A2}" type="datetime1">
               <a:rPr lang="fr-FR" smtClean="0"/>
-              <a:t>12/12/2021</a:t>
+              <a:t>14/12/2021</a:t>
             </a:fld>
             <a:endParaRPr lang="fr-FR"/>
           </a:p>
@@ -3034,7 +3325,7 @@
           <a:p>
             <a:fld id="{3CE03D01-19B8-47BE-948A-3CFA30B826BF}" type="datetime1">
               <a:rPr lang="fr-FR" smtClean="0"/>
-              <a:t>12/12/2021</a:t>
+              <a:t>14/12/2021</a:t>
             </a:fld>
             <a:endParaRPr lang="fr-FR"/>
           </a:p>
@@ -3377,7 +3668,7 @@
           <a:p>
             <a:fld id="{007DEB42-D5C0-4A8E-97F2-008433135B73}" type="datetime1">
               <a:rPr lang="fr-FR" smtClean="0"/>
-              <a:t>12/12/2021</a:t>
+              <a:t>14/12/2021</a:t>
             </a:fld>
             <a:endParaRPr lang="fr-FR"/>
           </a:p>
@@ -3463,6 +3754,42 @@
           </a:fontRef>
         </p:style>
       </p:cxnSp>
+      <p:pic>
+        <p:nvPicPr>
+          <p:cNvPr id="10" name="Image 9" descr="Une image contenant texte, silhouette&#10;&#10;Description générée automatiquement">
+            <a:extLst>
+              <a:ext uri="{FF2B5EF4-FFF2-40B4-BE49-F238E27FC236}">
+                <a16:creationId xmlns:a16="http://schemas.microsoft.com/office/drawing/2014/main" id="{5A415FDD-D908-4912-8F72-019E39DC4509}"/>
+              </a:ext>
+            </a:extLst>
+          </p:cNvPr>
+          <p:cNvPicPr>
+            <a:picLocks noChangeAspect="1"/>
+          </p:cNvPicPr>
+          <p:nvPr userDrawn="1"/>
+        </p:nvPicPr>
+        <p:blipFill>
+          <a:blip r:embed="rId2">
+            <a:extLst>
+              <a:ext uri="{28A0092B-C50C-407E-A947-70E740481C1C}">
+                <a14:useLocalDpi xmlns:a14="http://schemas.microsoft.com/office/drawing/2010/main" val="0"/>
+              </a:ext>
+            </a:extLst>
+          </a:blip>
+          <a:stretch>
+            <a:fillRect/>
+          </a:stretch>
+        </p:blipFill>
+        <p:spPr>
+          <a:xfrm>
+            <a:off x="11089758" y="6312154"/>
+            <a:ext cx="1101649" cy="619738"/>
+          </a:xfrm>
+          <a:prstGeom prst="rect">
+            <a:avLst/>
+          </a:prstGeom>
+        </p:spPr>
+      </p:pic>
     </p:spTree>
     <p:extLst>
       <p:ext uri="{BB962C8B-B14F-4D97-AF65-F5344CB8AC3E}">
@@ -3652,7 +3979,7 @@
           <a:p>
             <a:fld id="{179C7A2F-A17B-42D2-BE59-8C278563A5C9}" type="datetime1">
               <a:rPr lang="fr-FR" smtClean="0"/>
-              <a:t>12/12/2021</a:t>
+              <a:t>14/12/2021</a:t>
             </a:fld>
             <a:endParaRPr lang="fr-FR"/>
           </a:p>
@@ -4031,7 +4358,7 @@
           <a:p>
             <a:fld id="{02A30240-5FA3-4E5C-9030-7B7F07508C75}" type="datetime1">
               <a:rPr lang="fr-FR" smtClean="0"/>
-              <a:t>12/12/2021</a:t>
+              <a:t>14/12/2021</a:t>
             </a:fld>
             <a:endParaRPr lang="fr-FR"/>
           </a:p>
@@ -4149,7 +4476,7 @@
           <a:p>
             <a:fld id="{0A5C02E6-A879-4622-BC22-B453EA43177A}" type="datetime1">
               <a:rPr lang="fr-FR" smtClean="0"/>
-              <a:t>12/12/2021</a:t>
+              <a:t>14/12/2021</a:t>
             </a:fld>
             <a:endParaRPr lang="fr-FR"/>
           </a:p>
@@ -4320,7 +4647,7 @@
           <a:p>
             <a:fld id="{E1866222-02FE-4D51-8558-4201C298598E}" type="datetime1">
               <a:rPr lang="fr-FR" smtClean="0"/>
-              <a:t>12/12/2021</a:t>
+              <a:t>14/12/2021</a:t>
             </a:fld>
             <a:endParaRPr lang="fr-FR"/>
           </a:p>
@@ -4376,6 +4703,42 @@
           </a:p>
         </p:txBody>
       </p:sp>
+      <p:pic>
+        <p:nvPicPr>
+          <p:cNvPr id="10" name="Image 9" descr="Une image contenant texte, silhouette&#10;&#10;Description générée automatiquement">
+            <a:extLst>
+              <a:ext uri="{FF2B5EF4-FFF2-40B4-BE49-F238E27FC236}">
+                <a16:creationId xmlns:a16="http://schemas.microsoft.com/office/drawing/2014/main" id="{FE3A8E46-FDE4-492B-AFBF-02F125A4D61A}"/>
+              </a:ext>
+            </a:extLst>
+          </p:cNvPr>
+          <p:cNvPicPr>
+            <a:picLocks noChangeAspect="1"/>
+          </p:cNvPicPr>
+          <p:nvPr userDrawn="1"/>
+        </p:nvPicPr>
+        <p:blipFill>
+          <a:blip r:embed="rId2">
+            <a:extLst>
+              <a:ext uri="{28A0092B-C50C-407E-A947-70E740481C1C}">
+                <a14:useLocalDpi xmlns:a14="http://schemas.microsoft.com/office/drawing/2010/main" val="0"/>
+              </a:ext>
+            </a:extLst>
+          </a:blip>
+          <a:stretch>
+            <a:fillRect/>
+          </a:stretch>
+        </p:blipFill>
+        <p:spPr>
+          <a:xfrm>
+            <a:off x="11089758" y="6312154"/>
+            <a:ext cx="1101649" cy="619738"/>
+          </a:xfrm>
+          <a:prstGeom prst="rect">
+            <a:avLst/>
+          </a:prstGeom>
+        </p:spPr>
+      </p:pic>
     </p:spTree>
     <p:extLst>
       <p:ext uri="{BB962C8B-B14F-4D97-AF65-F5344CB8AC3E}">
@@ -4674,7 +5037,7 @@
           <a:p>
             <a:fld id="{FC48FF92-93C7-4711-8B84-E9634535DE69}" type="datetime1">
               <a:rPr lang="fr-FR" smtClean="0"/>
-              <a:t>12/12/2021</a:t>
+              <a:t>14/12/2021</a:t>
             </a:fld>
             <a:endParaRPr lang="fr-FR"/>
           </a:p>
@@ -5056,7 +5419,7 @@
           <a:p>
             <a:fld id="{9006B5A5-1C1D-440B-B69F-35DCE3DE75D0}" type="datetime1">
               <a:rPr lang="fr-FR" smtClean="0"/>
-              <a:t>12/12/2021</a:t>
+              <a:t>14/12/2021</a:t>
             </a:fld>
             <a:endParaRPr lang="fr-FR"/>
           </a:p>
@@ -5176,6 +5539,13 @@
             <a:schemeClr val="lt1"/>
           </a:fontRef>
         </p:style>
+        <p:txBody>
+          <a:bodyPr/>
+          <a:lstStyle/>
+          <a:p>
+            <a:endParaRPr lang="fr-FR" dirty="0"/>
+          </a:p>
+        </p:txBody>
       </p:sp>
       <p:sp>
         <p:nvSpPr>
@@ -5343,7 +5713,7 @@
           <a:p>
             <a:fld id="{F85A370E-A298-4B06-946F-FB83BDD5ADB9}" type="datetime1">
               <a:rPr lang="fr-FR" smtClean="0"/>
-              <a:t>12/12/2021</a:t>
+              <a:t>14/12/2021</a:t>
             </a:fld>
             <a:endParaRPr lang="fr-FR"/>
           </a:p>
@@ -5396,7 +5766,7 @@
         </p:nvSpPr>
         <p:spPr>
           <a:xfrm>
-            <a:off x="9900458" y="6459785"/>
+            <a:off x="9724968" y="6459785"/>
             <a:ext cx="1312025" cy="365125"/>
           </a:xfrm>
           <a:prstGeom prst="rect">
@@ -5489,7 +5859,7 @@
         </p:blipFill>
         <p:spPr>
           <a:xfrm>
-            <a:off x="11089758" y="6238262"/>
+            <a:off x="11089758" y="6312154"/>
             <a:ext cx="1101649" cy="619738"/>
           </a:xfrm>
           <a:prstGeom prst="rect">
@@ -5920,7 +6290,12 @@
             <p:ph type="ctrTitle"/>
           </p:nvPr>
         </p:nvSpPr>
-        <p:spPr/>
+        <p:spPr>
+          <a:xfrm>
+            <a:off x="1097280" y="-12573"/>
+            <a:ext cx="10058400" cy="3566160"/>
+          </a:xfrm>
+        </p:spPr>
         <p:txBody>
           <a:bodyPr/>
           <a:lstStyle/>
@@ -5948,7 +6323,12 @@
             <p:ph type="subTitle" idx="1"/>
           </p:nvPr>
         </p:nvSpPr>
-        <p:spPr/>
+        <p:spPr>
+          <a:xfrm>
+            <a:off x="1100051" y="3684095"/>
+            <a:ext cx="10058400" cy="1143000"/>
+          </a:xfrm>
+        </p:spPr>
         <p:txBody>
           <a:bodyPr/>
           <a:lstStyle/>
@@ -5986,6 +6366,52 @@
               <a:t>1</a:t>
             </a:fld>
             <a:endParaRPr lang="fr-FR"/>
+          </a:p>
+        </p:txBody>
+      </p:sp>
+      <p:sp>
+        <p:nvSpPr>
+          <p:cNvPr id="5" name="ZoneTexte 4">
+            <a:extLst>
+              <a:ext uri="{FF2B5EF4-FFF2-40B4-BE49-F238E27FC236}">
+                <a16:creationId xmlns:a16="http://schemas.microsoft.com/office/drawing/2014/main" id="{C2992E8F-B527-432F-A1E2-CA415797B2D3}"/>
+              </a:ext>
+            </a:extLst>
+          </p:cNvPr>
+          <p:cNvSpPr txBox="1"/>
+          <p:nvPr/>
+        </p:nvSpPr>
+        <p:spPr>
+          <a:xfrm>
+            <a:off x="1323975" y="4448175"/>
+            <a:ext cx="5495925" cy="646331"/>
+          </a:xfrm>
+          <a:prstGeom prst="rect">
+            <a:avLst/>
+          </a:prstGeom>
+          <a:noFill/>
+        </p:spPr>
+        <p:txBody>
+          <a:bodyPr wrap="square" rtlCol="0">
+            <a:spAutoFit/>
+          </a:bodyPr>
+          <a:lstStyle/>
+          <a:p>
+            <a:r>
+              <a:rPr lang="fr-FR" dirty="0"/>
+              <a:t>Bertrand NAU</a:t>
+            </a:r>
+          </a:p>
+          <a:p>
+            <a:r>
+              <a:rPr lang="fr-FR" i="1" dirty="0"/>
+              <a:t>Lead Développeur @ Talan </a:t>
+            </a:r>
+            <a:r>
+              <a:rPr lang="fr-FR" i="1" dirty="0" err="1"/>
+              <a:t>Labs</a:t>
+            </a:r>
+            <a:endParaRPr lang="fr-FR" i="1" dirty="0"/>
           </a:p>
         </p:txBody>
       </p:sp>
@@ -6054,6 +6480,242 @@
       </p:sp>
       <p:sp>
         <p:nvSpPr>
+          <p:cNvPr id="4" name="Espace réservé du numéro de diapositive 3">
+            <a:extLst>
+              <a:ext uri="{FF2B5EF4-FFF2-40B4-BE49-F238E27FC236}">
+                <a16:creationId xmlns:a16="http://schemas.microsoft.com/office/drawing/2014/main" id="{9EF3796C-0468-41E7-B03F-D7A2CF73FD65}"/>
+              </a:ext>
+            </a:extLst>
+          </p:cNvPr>
+          <p:cNvSpPr>
+            <a:spLocks noGrp="1"/>
+          </p:cNvSpPr>
+          <p:nvPr>
+            <p:ph type="sldNum" sz="quarter" idx="12"/>
+          </p:nvPr>
+        </p:nvSpPr>
+        <p:spPr/>
+        <p:txBody>
+          <a:bodyPr/>
+          <a:lstStyle/>
+          <a:p>
+            <a:fld id="{4EA40E75-4466-4188-A2CC-18D20372CC4F}" type="slidenum">
+              <a:rPr lang="fr-FR" smtClean="0"/>
+              <a:t>10</a:t>
+            </a:fld>
+            <a:endParaRPr lang="fr-FR"/>
+          </a:p>
+        </p:txBody>
+      </p:sp>
+      <p:sp>
+        <p:nvSpPr>
+          <p:cNvPr id="9" name="ZoneTexte 8">
+            <a:extLst>
+              <a:ext uri="{FF2B5EF4-FFF2-40B4-BE49-F238E27FC236}">
+                <a16:creationId xmlns:a16="http://schemas.microsoft.com/office/drawing/2014/main" id="{388EA872-79CA-410A-8F0E-A3A723D9861C}"/>
+              </a:ext>
+            </a:extLst>
+          </p:cNvPr>
+          <p:cNvSpPr txBox="1"/>
+          <p:nvPr/>
+        </p:nvSpPr>
+        <p:spPr>
+          <a:xfrm>
+            <a:off x="501939" y="2600950"/>
+            <a:ext cx="5464753" cy="461665"/>
+          </a:xfrm>
+          <a:prstGeom prst="rect">
+            <a:avLst/>
+          </a:prstGeom>
+          <a:noFill/>
+        </p:spPr>
+        <p:txBody>
+          <a:bodyPr wrap="square" rtlCol="0">
+            <a:spAutoFit/>
+          </a:bodyPr>
+          <a:lstStyle/>
+          <a:p>
+            <a:pPr algn="ctr"/>
+            <a:r>
+              <a:rPr lang="fr-FR" sz="2400" dirty="0"/>
+              <a:t>Java 11</a:t>
+            </a:r>
+          </a:p>
+        </p:txBody>
+      </p:sp>
+      <p:pic>
+        <p:nvPicPr>
+          <p:cNvPr id="19" name="Image 18" descr="Une image contenant texte&#10;&#10;Description générée automatiquement">
+            <a:extLst>
+              <a:ext uri="{FF2B5EF4-FFF2-40B4-BE49-F238E27FC236}">
+                <a16:creationId xmlns:a16="http://schemas.microsoft.com/office/drawing/2014/main" id="{C6ABD838-490F-4115-973F-E1D5CD24C8DE}"/>
+              </a:ext>
+            </a:extLst>
+          </p:cNvPr>
+          <p:cNvPicPr>
+            <a:picLocks noChangeAspect="1"/>
+          </p:cNvPicPr>
+          <p:nvPr/>
+        </p:nvPicPr>
+        <p:blipFill>
+          <a:blip r:embed="rId2">
+            <a:extLst>
+              <a:ext uri="{28A0092B-C50C-407E-A947-70E740481C1C}">
+                <a14:useLocalDpi xmlns:a14="http://schemas.microsoft.com/office/drawing/2010/main" val="0"/>
+              </a:ext>
+            </a:extLst>
+          </a:blip>
+          <a:stretch>
+            <a:fillRect/>
+          </a:stretch>
+        </p:blipFill>
+        <p:spPr>
+          <a:xfrm>
+            <a:off x="501939" y="3150351"/>
+            <a:ext cx="5464753" cy="2723534"/>
+          </a:xfrm>
+          <a:prstGeom prst="rect">
+            <a:avLst/>
+          </a:prstGeom>
+        </p:spPr>
+      </p:pic>
+      <p:pic>
+        <p:nvPicPr>
+          <p:cNvPr id="23" name="Image 22">
+            <a:extLst>
+              <a:ext uri="{FF2B5EF4-FFF2-40B4-BE49-F238E27FC236}">
+                <a16:creationId xmlns:a16="http://schemas.microsoft.com/office/drawing/2014/main" id="{35DCE139-F182-46A3-A034-A3F2D3B77747}"/>
+              </a:ext>
+            </a:extLst>
+          </p:cNvPr>
+          <p:cNvPicPr>
+            <a:picLocks noChangeAspect="1"/>
+          </p:cNvPicPr>
+          <p:nvPr/>
+        </p:nvPicPr>
+        <p:blipFill>
+          <a:blip r:embed="rId3">
+            <a:extLst>
+              <a:ext uri="{28A0092B-C50C-407E-A947-70E740481C1C}">
+                <a14:useLocalDpi xmlns:a14="http://schemas.microsoft.com/office/drawing/2010/main" val="0"/>
+              </a:ext>
+            </a:extLst>
+          </a:blip>
+          <a:stretch>
+            <a:fillRect/>
+          </a:stretch>
+        </p:blipFill>
+        <p:spPr>
+          <a:xfrm>
+            <a:off x="6692612" y="2758312"/>
+            <a:ext cx="4935970" cy="3507612"/>
+          </a:xfrm>
+          <a:prstGeom prst="rect">
+            <a:avLst/>
+          </a:prstGeom>
+        </p:spPr>
+      </p:pic>
+      <p:sp>
+        <p:nvSpPr>
+          <p:cNvPr id="24" name="ZoneTexte 23">
+            <a:extLst>
+              <a:ext uri="{FF2B5EF4-FFF2-40B4-BE49-F238E27FC236}">
+                <a16:creationId xmlns:a16="http://schemas.microsoft.com/office/drawing/2014/main" id="{1449C898-5F44-4E3A-B7E7-B6C6E5C279C6}"/>
+              </a:ext>
+            </a:extLst>
+          </p:cNvPr>
+          <p:cNvSpPr txBox="1"/>
+          <p:nvPr/>
+        </p:nvSpPr>
+        <p:spPr>
+          <a:xfrm>
+            <a:off x="6692612" y="2220022"/>
+            <a:ext cx="4935970" cy="461665"/>
+          </a:xfrm>
+          <a:prstGeom prst="rect">
+            <a:avLst/>
+          </a:prstGeom>
+          <a:noFill/>
+        </p:spPr>
+        <p:txBody>
+          <a:bodyPr wrap="square" rtlCol="0">
+            <a:spAutoFit/>
+          </a:bodyPr>
+          <a:lstStyle/>
+          <a:p>
+            <a:pPr algn="ctr"/>
+            <a:r>
+              <a:rPr lang="fr-FR" sz="2400" dirty="0"/>
+              <a:t>Java 17</a:t>
+            </a:r>
+          </a:p>
+        </p:txBody>
+      </p:sp>
+    </p:spTree>
+    <p:extLst>
+      <p:ext uri="{BB962C8B-B14F-4D97-AF65-F5344CB8AC3E}">
+        <p14:creationId xmlns:p14="http://schemas.microsoft.com/office/powerpoint/2010/main" val="893655152"/>
+      </p:ext>
+    </p:extLst>
+  </p:cSld>
+  <p:clrMapOvr>
+    <a:masterClrMapping/>
+  </p:clrMapOvr>
+</p:sld>
+</file>
+
+<file path=ppt/slides/slide11.xml><?xml version="1.0" encoding="utf-8"?>
+<p:sld xmlns:a="http://schemas.openxmlformats.org/drawingml/2006/main" xmlns:r="http://schemas.openxmlformats.org/officeDocument/2006/relationships" xmlns:p="http://schemas.openxmlformats.org/presentationml/2006/main">
+  <p:cSld>
+    <p:spTree>
+      <p:nvGrpSpPr>
+        <p:cNvPr id="1" name=""/>
+        <p:cNvGrpSpPr/>
+        <p:nvPr/>
+      </p:nvGrpSpPr>
+      <p:grpSpPr>
+        <a:xfrm>
+          <a:off x="0" y="0"/>
+          <a:ext cx="0" cy="0"/>
+          <a:chOff x="0" y="0"/>
+          <a:chExt cx="0" cy="0"/>
+        </a:xfrm>
+      </p:grpSpPr>
+      <p:sp>
+        <p:nvSpPr>
+          <p:cNvPr id="2" name="Titre 1">
+            <a:extLst>
+              <a:ext uri="{FF2B5EF4-FFF2-40B4-BE49-F238E27FC236}">
+                <a16:creationId xmlns:a16="http://schemas.microsoft.com/office/drawing/2014/main" id="{E5C9D29C-AE6D-45B1-B9D3-106826227453}"/>
+              </a:ext>
+            </a:extLst>
+          </p:cNvPr>
+          <p:cNvSpPr>
+            <a:spLocks noGrp="1"/>
+          </p:cNvSpPr>
+          <p:nvPr>
+            <p:ph type="title"/>
+          </p:nvPr>
+        </p:nvSpPr>
+        <p:spPr/>
+        <p:txBody>
+          <a:bodyPr/>
+          <a:lstStyle/>
+          <a:p>
+            <a:pPr algn="ctr"/>
+            <a:r>
+              <a:rPr lang="fr-FR" dirty="0" err="1"/>
+              <a:t>Text</a:t>
+            </a:r>
+            <a:r>
+              <a:rPr lang="fr-FR" dirty="0"/>
+              <a:t> Blocks</a:t>
+            </a:r>
+          </a:p>
+        </p:txBody>
+      </p:sp>
+      <p:sp>
+        <p:nvSpPr>
           <p:cNvPr id="3" name="Espace réservé du contenu 2">
             <a:extLst>
               <a:ext uri="{FF2B5EF4-FFF2-40B4-BE49-F238E27FC236}">
@@ -6217,7 +6879,7 @@
           <a:p>
             <a:fld id="{4EA40E75-4466-4188-A2CC-18D20372CC4F}" type="slidenum">
               <a:rPr lang="fr-FR" smtClean="0"/>
-              <a:t>10</a:t>
+              <a:t>11</a:t>
             </a:fld>
             <a:endParaRPr lang="fr-FR"/>
           </a:p>
@@ -6416,7 +7078,7 @@
 </p:sld>
 </file>
 
-<file path=ppt/slides/slide11.xml><?xml version="1.0" encoding="utf-8"?>
+<file path=ppt/slides/slide12.xml><?xml version="1.0" encoding="utf-8"?>
 <p:sld xmlns:a="http://schemas.openxmlformats.org/drawingml/2006/main" xmlns:r="http://schemas.openxmlformats.org/officeDocument/2006/relationships" xmlns:p="http://schemas.openxmlformats.org/presentationml/2006/main">
   <p:cSld>
     <p:spTree>
@@ -6643,7 +7305,7 @@
           <a:p>
             <a:fld id="{4EA40E75-4466-4188-A2CC-18D20372CC4F}" type="slidenum">
               <a:rPr lang="fr-FR" smtClean="0"/>
-              <a:t>11</a:t>
+              <a:t>12</a:t>
             </a:fld>
             <a:endParaRPr lang="fr-FR"/>
           </a:p>
@@ -6891,7 +7553,7 @@
 </p:sld>
 </file>
 
-<file path=ppt/slides/slide12.xml><?xml version="1.0" encoding="utf-8"?>
+<file path=ppt/slides/slide13.xml><?xml version="1.0" encoding="utf-8"?>
 <p:sld xmlns:a="http://schemas.openxmlformats.org/drawingml/2006/main" xmlns:r="http://schemas.openxmlformats.org/officeDocument/2006/relationships" xmlns:p="http://schemas.openxmlformats.org/presentationml/2006/main">
   <p:cSld>
     <p:spTree>
@@ -7050,7 +7712,7 @@
           <a:p>
             <a:fld id="{4EA40E75-4466-4188-A2CC-18D20372CC4F}" type="slidenum">
               <a:rPr lang="fr-FR" smtClean="0"/>
-              <a:t>12</a:t>
+              <a:t>13</a:t>
             </a:fld>
             <a:endParaRPr lang="fr-FR"/>
           </a:p>
@@ -7249,138 +7911,6 @@
 </p:sld>
 </file>
 
-<file path=ppt/slides/slide13.xml><?xml version="1.0" encoding="utf-8"?>
-<p:sld xmlns:a="http://schemas.openxmlformats.org/drawingml/2006/main" xmlns:r="http://schemas.openxmlformats.org/officeDocument/2006/relationships" xmlns:p="http://schemas.openxmlformats.org/presentationml/2006/main">
-  <p:cSld>
-    <p:spTree>
-      <p:nvGrpSpPr>
-        <p:cNvPr id="1" name=""/>
-        <p:cNvGrpSpPr/>
-        <p:nvPr/>
-      </p:nvGrpSpPr>
-      <p:grpSpPr>
-        <a:xfrm>
-          <a:off x="0" y="0"/>
-          <a:ext cx="0" cy="0"/>
-          <a:chOff x="0" y="0"/>
-          <a:chExt cx="0" cy="0"/>
-        </a:xfrm>
-      </p:grpSpPr>
-      <p:sp>
-        <p:nvSpPr>
-          <p:cNvPr id="2" name="Titre 1">
-            <a:extLst>
-              <a:ext uri="{FF2B5EF4-FFF2-40B4-BE49-F238E27FC236}">
-                <a16:creationId xmlns:a16="http://schemas.microsoft.com/office/drawing/2014/main" id="{771BD97B-BCF0-4516-89AB-2A00110D79A7}"/>
-              </a:ext>
-            </a:extLst>
-          </p:cNvPr>
-          <p:cNvSpPr>
-            <a:spLocks noGrp="1"/>
-          </p:cNvSpPr>
-          <p:nvPr>
-            <p:ph type="title"/>
-          </p:nvPr>
-        </p:nvSpPr>
-        <p:spPr>
-          <a:xfrm>
-            <a:off x="1097280" y="2479336"/>
-            <a:ext cx="10058400" cy="1635178"/>
-          </a:xfrm>
-        </p:spPr>
-        <p:txBody>
-          <a:bodyPr/>
-          <a:lstStyle/>
-          <a:p>
-            <a:pPr algn="ctr"/>
-            <a:r>
-              <a:rPr lang="fr-FR" dirty="0"/>
-              <a:t>Records</a:t>
-            </a:r>
-          </a:p>
-        </p:txBody>
-      </p:sp>
-      <p:sp>
-        <p:nvSpPr>
-          <p:cNvPr id="4" name="Espace réservé du numéro de diapositive 3">
-            <a:extLst>
-              <a:ext uri="{FF2B5EF4-FFF2-40B4-BE49-F238E27FC236}">
-                <a16:creationId xmlns:a16="http://schemas.microsoft.com/office/drawing/2014/main" id="{E2417486-AE2E-40EB-9FD4-6373FECB55F7}"/>
-              </a:ext>
-            </a:extLst>
-          </p:cNvPr>
-          <p:cNvSpPr>
-            <a:spLocks noGrp="1"/>
-          </p:cNvSpPr>
-          <p:nvPr>
-            <p:ph type="sldNum" sz="quarter" idx="12"/>
-          </p:nvPr>
-        </p:nvSpPr>
-        <p:spPr/>
-        <p:txBody>
-          <a:bodyPr/>
-          <a:lstStyle/>
-          <a:p>
-            <a:fld id="{4EA40E75-4466-4188-A2CC-18D20372CC4F}" type="slidenum">
-              <a:rPr lang="fr-FR" smtClean="0"/>
-              <a:t>13</a:t>
-            </a:fld>
-            <a:endParaRPr lang="fr-FR"/>
-          </a:p>
-        </p:txBody>
-      </p:sp>
-      <p:sp>
-        <p:nvSpPr>
-          <p:cNvPr id="6" name="Espace réservé du texte 5">
-            <a:extLst>
-              <a:ext uri="{FF2B5EF4-FFF2-40B4-BE49-F238E27FC236}">
-                <a16:creationId xmlns:a16="http://schemas.microsoft.com/office/drawing/2014/main" id="{08E130C1-B7A1-4125-A138-8B742C339780}"/>
-              </a:ext>
-            </a:extLst>
-          </p:cNvPr>
-          <p:cNvSpPr>
-            <a:spLocks noGrp="1"/>
-          </p:cNvSpPr>
-          <p:nvPr>
-            <p:ph type="body" idx="1"/>
-          </p:nvPr>
-        </p:nvSpPr>
-        <p:spPr>
-          <a:xfrm>
-            <a:off x="1097280" y="4515271"/>
-            <a:ext cx="10058400" cy="1143000"/>
-          </a:xfrm>
-        </p:spPr>
-        <p:txBody>
-          <a:bodyPr>
-            <a:normAutofit/>
-          </a:bodyPr>
-          <a:lstStyle/>
-          <a:p>
-            <a:pPr algn="ctr"/>
-            <a:r>
-              <a:rPr lang="fr-FR" sz="4000" dirty="0">
-                <a:hlinkClick r:id="rId2"/>
-              </a:rPr>
-              <a:t>JEP 395</a:t>
-            </a:r>
-            <a:endParaRPr lang="fr-FR" sz="4000" dirty="0"/>
-          </a:p>
-        </p:txBody>
-      </p:sp>
-    </p:spTree>
-    <p:extLst>
-      <p:ext uri="{BB962C8B-B14F-4D97-AF65-F5344CB8AC3E}">
-        <p14:creationId xmlns:p14="http://schemas.microsoft.com/office/powerpoint/2010/main" val="3485859263"/>
-      </p:ext>
-    </p:extLst>
-  </p:cSld>
-  <p:clrMapOvr>
-    <a:masterClrMapping/>
-  </p:clrMapOvr>
-</p:sld>
-</file>
-
 <file path=ppt/slides/slide14.xml><?xml version="1.0" encoding="utf-8"?>
 <p:sld xmlns:a="http://schemas.openxmlformats.org/drawingml/2006/main" xmlns:r="http://schemas.openxmlformats.org/officeDocument/2006/relationships" xmlns:p="http://schemas.openxmlformats.org/presentationml/2006/main">
   <p:cSld>
@@ -7403,6 +7933,138 @@
           <p:cNvPr id="2" name="Titre 1">
             <a:extLst>
               <a:ext uri="{FF2B5EF4-FFF2-40B4-BE49-F238E27FC236}">
+                <a16:creationId xmlns:a16="http://schemas.microsoft.com/office/drawing/2014/main" id="{771BD97B-BCF0-4516-89AB-2A00110D79A7}"/>
+              </a:ext>
+            </a:extLst>
+          </p:cNvPr>
+          <p:cNvSpPr>
+            <a:spLocks noGrp="1"/>
+          </p:cNvSpPr>
+          <p:nvPr>
+            <p:ph type="title"/>
+          </p:nvPr>
+        </p:nvSpPr>
+        <p:spPr>
+          <a:xfrm>
+            <a:off x="1097280" y="2479336"/>
+            <a:ext cx="10058400" cy="1635178"/>
+          </a:xfrm>
+        </p:spPr>
+        <p:txBody>
+          <a:bodyPr/>
+          <a:lstStyle/>
+          <a:p>
+            <a:pPr algn="ctr"/>
+            <a:r>
+              <a:rPr lang="fr-FR" dirty="0"/>
+              <a:t>Records</a:t>
+            </a:r>
+          </a:p>
+        </p:txBody>
+      </p:sp>
+      <p:sp>
+        <p:nvSpPr>
+          <p:cNvPr id="4" name="Espace réservé du numéro de diapositive 3">
+            <a:extLst>
+              <a:ext uri="{FF2B5EF4-FFF2-40B4-BE49-F238E27FC236}">
+                <a16:creationId xmlns:a16="http://schemas.microsoft.com/office/drawing/2014/main" id="{E2417486-AE2E-40EB-9FD4-6373FECB55F7}"/>
+              </a:ext>
+            </a:extLst>
+          </p:cNvPr>
+          <p:cNvSpPr>
+            <a:spLocks noGrp="1"/>
+          </p:cNvSpPr>
+          <p:nvPr>
+            <p:ph type="sldNum" sz="quarter" idx="12"/>
+          </p:nvPr>
+        </p:nvSpPr>
+        <p:spPr/>
+        <p:txBody>
+          <a:bodyPr/>
+          <a:lstStyle/>
+          <a:p>
+            <a:fld id="{4EA40E75-4466-4188-A2CC-18D20372CC4F}" type="slidenum">
+              <a:rPr lang="fr-FR" smtClean="0"/>
+              <a:t>14</a:t>
+            </a:fld>
+            <a:endParaRPr lang="fr-FR"/>
+          </a:p>
+        </p:txBody>
+      </p:sp>
+      <p:sp>
+        <p:nvSpPr>
+          <p:cNvPr id="6" name="Espace réservé du texte 5">
+            <a:extLst>
+              <a:ext uri="{FF2B5EF4-FFF2-40B4-BE49-F238E27FC236}">
+                <a16:creationId xmlns:a16="http://schemas.microsoft.com/office/drawing/2014/main" id="{08E130C1-B7A1-4125-A138-8B742C339780}"/>
+              </a:ext>
+            </a:extLst>
+          </p:cNvPr>
+          <p:cNvSpPr>
+            <a:spLocks noGrp="1"/>
+          </p:cNvSpPr>
+          <p:nvPr>
+            <p:ph type="body" idx="1"/>
+          </p:nvPr>
+        </p:nvSpPr>
+        <p:spPr>
+          <a:xfrm>
+            <a:off x="1097280" y="4515271"/>
+            <a:ext cx="10058400" cy="1143000"/>
+          </a:xfrm>
+        </p:spPr>
+        <p:txBody>
+          <a:bodyPr>
+            <a:normAutofit/>
+          </a:bodyPr>
+          <a:lstStyle/>
+          <a:p>
+            <a:pPr algn="ctr"/>
+            <a:r>
+              <a:rPr lang="fr-FR" sz="4000" dirty="0">
+                <a:hlinkClick r:id="rId2"/>
+              </a:rPr>
+              <a:t>JEP 395</a:t>
+            </a:r>
+            <a:endParaRPr lang="fr-FR" sz="4000" dirty="0"/>
+          </a:p>
+        </p:txBody>
+      </p:sp>
+    </p:spTree>
+    <p:extLst>
+      <p:ext uri="{BB962C8B-B14F-4D97-AF65-F5344CB8AC3E}">
+        <p14:creationId xmlns:p14="http://schemas.microsoft.com/office/powerpoint/2010/main" val="3485859263"/>
+      </p:ext>
+    </p:extLst>
+  </p:cSld>
+  <p:clrMapOvr>
+    <a:masterClrMapping/>
+  </p:clrMapOvr>
+</p:sld>
+</file>
+
+<file path=ppt/slides/slide15.xml><?xml version="1.0" encoding="utf-8"?>
+<p:sld xmlns:a="http://schemas.openxmlformats.org/drawingml/2006/main" xmlns:r="http://schemas.openxmlformats.org/officeDocument/2006/relationships" xmlns:p="http://schemas.openxmlformats.org/presentationml/2006/main">
+  <p:cSld>
+    <p:spTree>
+      <p:nvGrpSpPr>
+        <p:cNvPr id="1" name=""/>
+        <p:cNvGrpSpPr/>
+        <p:nvPr/>
+      </p:nvGrpSpPr>
+      <p:grpSpPr>
+        <a:xfrm>
+          <a:off x="0" y="0"/>
+          <a:ext cx="0" cy="0"/>
+          <a:chOff x="0" y="0"/>
+          <a:chExt cx="0" cy="0"/>
+        </a:xfrm>
+      </p:grpSpPr>
+      <p:sp>
+        <p:nvSpPr>
+          <p:cNvPr id="2" name="Titre 1">
+            <a:extLst>
+              <a:ext uri="{FF2B5EF4-FFF2-40B4-BE49-F238E27FC236}">
                 <a16:creationId xmlns:a16="http://schemas.microsoft.com/office/drawing/2014/main" id="{E5C9D29C-AE6D-45B1-B9D3-106826227453}"/>
               </a:ext>
             </a:extLst>
@@ -7497,7 +8159,7 @@
           <a:p>
             <a:fld id="{4EA40E75-4466-4188-A2CC-18D20372CC4F}" type="slidenum">
               <a:rPr lang="fr-FR" smtClean="0"/>
-              <a:t>14</a:t>
+              <a:t>15</a:t>
             </a:fld>
             <a:endParaRPr lang="fr-FR"/>
           </a:p>
@@ -7728,7 +8390,7 @@
 </p:sld>
 </file>
 
-<file path=ppt/slides/slide15.xml><?xml version="1.0" encoding="utf-8"?>
+<file path=ppt/slides/slide16.xml><?xml version="1.0" encoding="utf-8"?>
 <p:sld xmlns:a="http://schemas.openxmlformats.org/drawingml/2006/main" xmlns:r="http://schemas.openxmlformats.org/officeDocument/2006/relationships" xmlns:p="http://schemas.openxmlformats.org/presentationml/2006/main">
   <p:cSld>
     <p:spTree>
@@ -7933,7 +8595,7 @@
           <a:p>
             <a:fld id="{4EA40E75-4466-4188-A2CC-18D20372CC4F}" type="slidenum">
               <a:rPr lang="fr-FR" smtClean="0"/>
-              <a:t>15</a:t>
+              <a:t>16</a:t>
             </a:fld>
             <a:endParaRPr lang="fr-FR"/>
           </a:p>
@@ -8132,7 +8794,7 @@
 </p:sld>
 </file>
 
-<file path=ppt/slides/slide16.xml><?xml version="1.0" encoding="utf-8"?>
+<file path=ppt/slides/slide17.xml><?xml version="1.0" encoding="utf-8"?>
 <p:sld xmlns:a="http://schemas.openxmlformats.org/drawingml/2006/main" xmlns:r="http://schemas.openxmlformats.org/officeDocument/2006/relationships" xmlns:p="http://schemas.openxmlformats.org/presentationml/2006/main">
   <p:cSld>
     <p:spTree>
@@ -8332,7 +8994,7 @@
           <a:p>
             <a:fld id="{4EA40E75-4466-4188-A2CC-18D20372CC4F}" type="slidenum">
               <a:rPr lang="fr-FR" smtClean="0"/>
-              <a:t>16</a:t>
+              <a:t>17</a:t>
             </a:fld>
             <a:endParaRPr lang="fr-FR"/>
           </a:p>
@@ -8580,7 +9242,7 @@
 </p:sld>
 </file>
 
-<file path=ppt/slides/slide17.xml><?xml version="1.0" encoding="utf-8"?>
+<file path=ppt/slides/slide18.xml><?xml version="1.0" encoding="utf-8"?>
 <p:sld xmlns:a="http://schemas.openxmlformats.org/drawingml/2006/main" xmlns:r="http://schemas.openxmlformats.org/officeDocument/2006/relationships" xmlns:p="http://schemas.openxmlformats.org/presentationml/2006/main">
   <p:cSld>
     <p:spTree>
@@ -8817,7 +9479,7 @@
           <a:p>
             <a:fld id="{4EA40E75-4466-4188-A2CC-18D20372CC4F}" type="slidenum">
               <a:rPr lang="fr-FR" smtClean="0"/>
-              <a:t>17</a:t>
+              <a:t>18</a:t>
             </a:fld>
             <a:endParaRPr lang="fr-FR"/>
           </a:p>
@@ -9114,142 +9776,6 @@
 </p:sld>
 </file>
 
-<file path=ppt/slides/slide18.xml><?xml version="1.0" encoding="utf-8"?>
-<p:sld xmlns:a="http://schemas.openxmlformats.org/drawingml/2006/main" xmlns:r="http://schemas.openxmlformats.org/officeDocument/2006/relationships" xmlns:p="http://schemas.openxmlformats.org/presentationml/2006/main">
-  <p:cSld>
-    <p:spTree>
-      <p:nvGrpSpPr>
-        <p:cNvPr id="1" name=""/>
-        <p:cNvGrpSpPr/>
-        <p:nvPr/>
-      </p:nvGrpSpPr>
-      <p:grpSpPr>
-        <a:xfrm>
-          <a:off x="0" y="0"/>
-          <a:ext cx="0" cy="0"/>
-          <a:chOff x="0" y="0"/>
-          <a:chExt cx="0" cy="0"/>
-        </a:xfrm>
-      </p:grpSpPr>
-      <p:sp>
-        <p:nvSpPr>
-          <p:cNvPr id="2" name="Titre 1">
-            <a:extLst>
-              <a:ext uri="{FF2B5EF4-FFF2-40B4-BE49-F238E27FC236}">
-                <a16:creationId xmlns:a16="http://schemas.microsoft.com/office/drawing/2014/main" id="{771BD97B-BCF0-4516-89AB-2A00110D79A7}"/>
-              </a:ext>
-            </a:extLst>
-          </p:cNvPr>
-          <p:cNvSpPr>
-            <a:spLocks noGrp="1"/>
-          </p:cNvSpPr>
-          <p:nvPr>
-            <p:ph type="title"/>
-          </p:nvPr>
-        </p:nvSpPr>
-        <p:spPr>
-          <a:xfrm>
-            <a:off x="1097280" y="2479336"/>
-            <a:ext cx="10058400" cy="1635178"/>
-          </a:xfrm>
-        </p:spPr>
-        <p:txBody>
-          <a:bodyPr/>
-          <a:lstStyle/>
-          <a:p>
-            <a:pPr algn="ctr"/>
-            <a:r>
-              <a:rPr lang="fr-FR" dirty="0" err="1"/>
-              <a:t>Sealed</a:t>
-            </a:r>
-            <a:r>
-              <a:rPr lang="fr-FR" dirty="0"/>
-              <a:t> classes</a:t>
-            </a:r>
-          </a:p>
-        </p:txBody>
-      </p:sp>
-      <p:sp>
-        <p:nvSpPr>
-          <p:cNvPr id="4" name="Espace réservé du numéro de diapositive 3">
-            <a:extLst>
-              <a:ext uri="{FF2B5EF4-FFF2-40B4-BE49-F238E27FC236}">
-                <a16:creationId xmlns:a16="http://schemas.microsoft.com/office/drawing/2014/main" id="{E2417486-AE2E-40EB-9FD4-6373FECB55F7}"/>
-              </a:ext>
-            </a:extLst>
-          </p:cNvPr>
-          <p:cNvSpPr>
-            <a:spLocks noGrp="1"/>
-          </p:cNvSpPr>
-          <p:nvPr>
-            <p:ph type="sldNum" sz="quarter" idx="12"/>
-          </p:nvPr>
-        </p:nvSpPr>
-        <p:spPr/>
-        <p:txBody>
-          <a:bodyPr/>
-          <a:lstStyle/>
-          <a:p>
-            <a:fld id="{4EA40E75-4466-4188-A2CC-18D20372CC4F}" type="slidenum">
-              <a:rPr lang="fr-FR" smtClean="0"/>
-              <a:t>18</a:t>
-            </a:fld>
-            <a:endParaRPr lang="fr-FR"/>
-          </a:p>
-        </p:txBody>
-      </p:sp>
-      <p:sp>
-        <p:nvSpPr>
-          <p:cNvPr id="6" name="Espace réservé du texte 5">
-            <a:extLst>
-              <a:ext uri="{FF2B5EF4-FFF2-40B4-BE49-F238E27FC236}">
-                <a16:creationId xmlns:a16="http://schemas.microsoft.com/office/drawing/2014/main" id="{08E130C1-B7A1-4125-A138-8B742C339780}"/>
-              </a:ext>
-            </a:extLst>
-          </p:cNvPr>
-          <p:cNvSpPr>
-            <a:spLocks noGrp="1"/>
-          </p:cNvSpPr>
-          <p:nvPr>
-            <p:ph type="body" idx="1"/>
-          </p:nvPr>
-        </p:nvSpPr>
-        <p:spPr>
-          <a:xfrm>
-            <a:off x="1097280" y="4515271"/>
-            <a:ext cx="10058400" cy="1143000"/>
-          </a:xfrm>
-        </p:spPr>
-        <p:txBody>
-          <a:bodyPr>
-            <a:normAutofit/>
-          </a:bodyPr>
-          <a:lstStyle/>
-          <a:p>
-            <a:pPr algn="ctr"/>
-            <a:r>
-              <a:rPr lang="fr-FR" sz="4000" dirty="0">
-                <a:hlinkClick r:id="rId2"/>
-              </a:rPr>
-              <a:t>JEP 409</a:t>
-            </a:r>
-            <a:endParaRPr lang="fr-FR" sz="4000" dirty="0"/>
-          </a:p>
-        </p:txBody>
-      </p:sp>
-    </p:spTree>
-    <p:extLst>
-      <p:ext uri="{BB962C8B-B14F-4D97-AF65-F5344CB8AC3E}">
-        <p14:creationId xmlns:p14="http://schemas.microsoft.com/office/powerpoint/2010/main" val="4101659572"/>
-      </p:ext>
-    </p:extLst>
-  </p:cSld>
-  <p:clrMapOvr>
-    <a:masterClrMapping/>
-  </p:clrMapOvr>
-</p:sld>
-</file>
-
 <file path=ppt/slides/slide19.xml><?xml version="1.0" encoding="utf-8"?>
 <p:sld xmlns:a="http://schemas.openxmlformats.org/drawingml/2006/main" xmlns:r="http://schemas.openxmlformats.org/officeDocument/2006/relationships" xmlns:p="http://schemas.openxmlformats.org/presentationml/2006/main">
   <p:cSld>
@@ -9272,6 +9798,267 @@
           <p:cNvPr id="2" name="Titre 1">
             <a:extLst>
               <a:ext uri="{FF2B5EF4-FFF2-40B4-BE49-F238E27FC236}">
+                <a16:creationId xmlns:a16="http://schemas.microsoft.com/office/drawing/2014/main" id="{771BD97B-BCF0-4516-89AB-2A00110D79A7}"/>
+              </a:ext>
+            </a:extLst>
+          </p:cNvPr>
+          <p:cNvSpPr>
+            <a:spLocks noGrp="1"/>
+          </p:cNvSpPr>
+          <p:nvPr>
+            <p:ph type="title"/>
+          </p:nvPr>
+        </p:nvSpPr>
+        <p:spPr>
+          <a:xfrm>
+            <a:off x="1097280" y="2479336"/>
+            <a:ext cx="10058400" cy="1635178"/>
+          </a:xfrm>
+        </p:spPr>
+        <p:txBody>
+          <a:bodyPr/>
+          <a:lstStyle/>
+          <a:p>
+            <a:pPr algn="ctr"/>
+            <a:r>
+              <a:rPr lang="fr-FR" dirty="0" err="1"/>
+              <a:t>Sealed</a:t>
+            </a:r>
+            <a:r>
+              <a:rPr lang="fr-FR" dirty="0"/>
+              <a:t> classes</a:t>
+            </a:r>
+          </a:p>
+        </p:txBody>
+      </p:sp>
+      <p:sp>
+        <p:nvSpPr>
+          <p:cNvPr id="4" name="Espace réservé du numéro de diapositive 3">
+            <a:extLst>
+              <a:ext uri="{FF2B5EF4-FFF2-40B4-BE49-F238E27FC236}">
+                <a16:creationId xmlns:a16="http://schemas.microsoft.com/office/drawing/2014/main" id="{E2417486-AE2E-40EB-9FD4-6373FECB55F7}"/>
+              </a:ext>
+            </a:extLst>
+          </p:cNvPr>
+          <p:cNvSpPr>
+            <a:spLocks noGrp="1"/>
+          </p:cNvSpPr>
+          <p:nvPr>
+            <p:ph type="sldNum" sz="quarter" idx="12"/>
+          </p:nvPr>
+        </p:nvSpPr>
+        <p:spPr/>
+        <p:txBody>
+          <a:bodyPr/>
+          <a:lstStyle/>
+          <a:p>
+            <a:fld id="{4EA40E75-4466-4188-A2CC-18D20372CC4F}" type="slidenum">
+              <a:rPr lang="fr-FR" smtClean="0"/>
+              <a:t>19</a:t>
+            </a:fld>
+            <a:endParaRPr lang="fr-FR"/>
+          </a:p>
+        </p:txBody>
+      </p:sp>
+      <p:sp>
+        <p:nvSpPr>
+          <p:cNvPr id="6" name="Espace réservé du texte 5">
+            <a:extLst>
+              <a:ext uri="{FF2B5EF4-FFF2-40B4-BE49-F238E27FC236}">
+                <a16:creationId xmlns:a16="http://schemas.microsoft.com/office/drawing/2014/main" id="{08E130C1-B7A1-4125-A138-8B742C339780}"/>
+              </a:ext>
+            </a:extLst>
+          </p:cNvPr>
+          <p:cNvSpPr>
+            <a:spLocks noGrp="1"/>
+          </p:cNvSpPr>
+          <p:nvPr>
+            <p:ph type="body" idx="1"/>
+          </p:nvPr>
+        </p:nvSpPr>
+        <p:spPr>
+          <a:xfrm>
+            <a:off x="1097280" y="4515271"/>
+            <a:ext cx="10058400" cy="1143000"/>
+          </a:xfrm>
+        </p:spPr>
+        <p:txBody>
+          <a:bodyPr>
+            <a:normAutofit/>
+          </a:bodyPr>
+          <a:lstStyle/>
+          <a:p>
+            <a:pPr algn="ctr"/>
+            <a:r>
+              <a:rPr lang="fr-FR" sz="4000" dirty="0">
+                <a:hlinkClick r:id="rId2"/>
+              </a:rPr>
+              <a:t>JEP 409</a:t>
+            </a:r>
+            <a:endParaRPr lang="fr-FR" sz="4000" dirty="0"/>
+          </a:p>
+        </p:txBody>
+      </p:sp>
+    </p:spTree>
+    <p:extLst>
+      <p:ext uri="{BB962C8B-B14F-4D97-AF65-F5344CB8AC3E}">
+        <p14:creationId xmlns:p14="http://schemas.microsoft.com/office/powerpoint/2010/main" val="4101659572"/>
+      </p:ext>
+    </p:extLst>
+  </p:cSld>
+  <p:clrMapOvr>
+    <a:masterClrMapping/>
+  </p:clrMapOvr>
+</p:sld>
+</file>
+
+<file path=ppt/slides/slide2.xml><?xml version="1.0" encoding="utf-8"?>
+<p:sld xmlns:a="http://schemas.openxmlformats.org/drawingml/2006/main" xmlns:r="http://schemas.openxmlformats.org/officeDocument/2006/relationships" xmlns:p="http://schemas.openxmlformats.org/presentationml/2006/main">
+  <p:cSld>
+    <p:spTree>
+      <p:nvGrpSpPr>
+        <p:cNvPr id="1" name=""/>
+        <p:cNvGrpSpPr/>
+        <p:nvPr/>
+      </p:nvGrpSpPr>
+      <p:grpSpPr>
+        <a:xfrm>
+          <a:off x="0" y="0"/>
+          <a:ext cx="0" cy="0"/>
+          <a:chOff x="0" y="0"/>
+          <a:chExt cx="0" cy="0"/>
+        </a:xfrm>
+      </p:grpSpPr>
+      <p:sp>
+        <p:nvSpPr>
+          <p:cNvPr id="2" name="Titre 1">
+            <a:extLst>
+              <a:ext uri="{FF2B5EF4-FFF2-40B4-BE49-F238E27FC236}">
+                <a16:creationId xmlns:a16="http://schemas.microsoft.com/office/drawing/2014/main" id="{E5C9D29C-AE6D-45B1-B9D3-106826227453}"/>
+              </a:ext>
+            </a:extLst>
+          </p:cNvPr>
+          <p:cNvSpPr>
+            <a:spLocks noGrp="1"/>
+          </p:cNvSpPr>
+          <p:nvPr>
+            <p:ph type="title"/>
+          </p:nvPr>
+        </p:nvSpPr>
+        <p:spPr/>
+        <p:txBody>
+          <a:bodyPr/>
+          <a:lstStyle/>
+          <a:p>
+            <a:pPr algn="ctr"/>
+            <a:r>
+              <a:rPr lang="fr-FR" dirty="0" err="1"/>
+              <a:t>Lifecycle</a:t>
+            </a:r>
+            <a:endParaRPr lang="fr-FR" dirty="0"/>
+          </a:p>
+        </p:txBody>
+      </p:sp>
+      <p:sp>
+        <p:nvSpPr>
+          <p:cNvPr id="4" name="Espace réservé du numéro de diapositive 3">
+            <a:extLst>
+              <a:ext uri="{FF2B5EF4-FFF2-40B4-BE49-F238E27FC236}">
+                <a16:creationId xmlns:a16="http://schemas.microsoft.com/office/drawing/2014/main" id="{9EF3796C-0468-41E7-B03F-D7A2CF73FD65}"/>
+              </a:ext>
+            </a:extLst>
+          </p:cNvPr>
+          <p:cNvSpPr>
+            <a:spLocks noGrp="1"/>
+          </p:cNvSpPr>
+          <p:nvPr>
+            <p:ph type="sldNum" sz="quarter" idx="12"/>
+          </p:nvPr>
+        </p:nvSpPr>
+        <p:spPr/>
+        <p:txBody>
+          <a:bodyPr/>
+          <a:lstStyle/>
+          <a:p>
+            <a:fld id="{4EA40E75-4466-4188-A2CC-18D20372CC4F}" type="slidenum">
+              <a:rPr lang="fr-FR" smtClean="0"/>
+              <a:t>2</a:t>
+            </a:fld>
+            <a:endParaRPr lang="fr-FR"/>
+          </a:p>
+        </p:txBody>
+      </p:sp>
+      <p:pic>
+        <p:nvPicPr>
+          <p:cNvPr id="8" name="Image 7">
+            <a:extLst>
+              <a:ext uri="{FF2B5EF4-FFF2-40B4-BE49-F238E27FC236}">
+                <a16:creationId xmlns:a16="http://schemas.microsoft.com/office/drawing/2014/main" id="{49E06F1D-F2E1-46CB-A868-54631CD38907}"/>
+              </a:ext>
+            </a:extLst>
+          </p:cNvPr>
+          <p:cNvPicPr>
+            <a:picLocks noChangeAspect="1"/>
+          </p:cNvPicPr>
+          <p:nvPr/>
+        </p:nvPicPr>
+        <p:blipFill>
+          <a:blip r:embed="rId2">
+            <a:extLst>
+              <a:ext uri="{28A0092B-C50C-407E-A947-70E740481C1C}">
+                <a14:useLocalDpi xmlns:a14="http://schemas.microsoft.com/office/drawing/2010/main" val="0"/>
+              </a:ext>
+            </a:extLst>
+          </a:blip>
+          <a:stretch>
+            <a:fillRect/>
+          </a:stretch>
+        </p:blipFill>
+        <p:spPr>
+          <a:xfrm>
+            <a:off x="3071812" y="2006600"/>
+            <a:ext cx="6048375" cy="4032250"/>
+          </a:xfrm>
+          <a:prstGeom prst="rect">
+            <a:avLst/>
+          </a:prstGeom>
+        </p:spPr>
+      </p:pic>
+    </p:spTree>
+    <p:extLst>
+      <p:ext uri="{BB962C8B-B14F-4D97-AF65-F5344CB8AC3E}">
+        <p14:creationId xmlns:p14="http://schemas.microsoft.com/office/powerpoint/2010/main" val="548283387"/>
+      </p:ext>
+    </p:extLst>
+  </p:cSld>
+  <p:clrMapOvr>
+    <a:masterClrMapping/>
+  </p:clrMapOvr>
+</p:sld>
+</file>
+
+<file path=ppt/slides/slide20.xml><?xml version="1.0" encoding="utf-8"?>
+<p:sld xmlns:a="http://schemas.openxmlformats.org/drawingml/2006/main" xmlns:r="http://schemas.openxmlformats.org/officeDocument/2006/relationships" xmlns:p="http://schemas.openxmlformats.org/presentationml/2006/main">
+  <p:cSld>
+    <p:spTree>
+      <p:nvGrpSpPr>
+        <p:cNvPr id="1" name=""/>
+        <p:cNvGrpSpPr/>
+        <p:nvPr/>
+      </p:nvGrpSpPr>
+      <p:grpSpPr>
+        <a:xfrm>
+          <a:off x="0" y="0"/>
+          <a:ext cx="0" cy="0"/>
+          <a:chOff x="0" y="0"/>
+          <a:chExt cx="0" cy="0"/>
+        </a:xfrm>
+      </p:grpSpPr>
+      <p:sp>
+        <p:nvSpPr>
+          <p:cNvPr id="2" name="Titre 1">
+            <a:extLst>
+              <a:ext uri="{FF2B5EF4-FFF2-40B4-BE49-F238E27FC236}">
                 <a16:creationId xmlns:a16="http://schemas.microsoft.com/office/drawing/2014/main" id="{E5C9D29C-AE6D-45B1-B9D3-106826227453}"/>
               </a:ext>
             </a:extLst>
@@ -9467,7 +10254,7 @@
           <a:p>
             <a:fld id="{4EA40E75-4466-4188-A2CC-18D20372CC4F}" type="slidenum">
               <a:rPr lang="fr-FR" smtClean="0"/>
-              <a:t>19</a:t>
+              <a:t>20</a:t>
             </a:fld>
             <a:endParaRPr lang="fr-FR"/>
           </a:p>
@@ -9666,263 +10453,6 @@
 </p:sld>
 </file>
 
-<file path=ppt/slides/slide2.xml><?xml version="1.0" encoding="utf-8"?>
-<p:sld xmlns:a="http://schemas.openxmlformats.org/drawingml/2006/main" xmlns:r="http://schemas.openxmlformats.org/officeDocument/2006/relationships" xmlns:p="http://schemas.openxmlformats.org/presentationml/2006/main">
-  <p:cSld>
-    <p:spTree>
-      <p:nvGrpSpPr>
-        <p:cNvPr id="1" name=""/>
-        <p:cNvGrpSpPr/>
-        <p:nvPr/>
-      </p:nvGrpSpPr>
-      <p:grpSpPr>
-        <a:xfrm>
-          <a:off x="0" y="0"/>
-          <a:ext cx="0" cy="0"/>
-          <a:chOff x="0" y="0"/>
-          <a:chExt cx="0" cy="0"/>
-        </a:xfrm>
-      </p:grpSpPr>
-      <p:sp>
-        <p:nvSpPr>
-          <p:cNvPr id="2" name="Titre 1">
-            <a:extLst>
-              <a:ext uri="{FF2B5EF4-FFF2-40B4-BE49-F238E27FC236}">
-                <a16:creationId xmlns:a16="http://schemas.microsoft.com/office/drawing/2014/main" id="{E5C9D29C-AE6D-45B1-B9D3-106826227453}"/>
-              </a:ext>
-            </a:extLst>
-          </p:cNvPr>
-          <p:cNvSpPr>
-            <a:spLocks noGrp="1"/>
-          </p:cNvSpPr>
-          <p:nvPr>
-            <p:ph type="title"/>
-          </p:nvPr>
-        </p:nvSpPr>
-        <p:spPr/>
-        <p:txBody>
-          <a:bodyPr/>
-          <a:lstStyle/>
-          <a:p>
-            <a:pPr algn="ctr"/>
-            <a:r>
-              <a:rPr lang="fr-FR" dirty="0" err="1"/>
-              <a:t>Lifecycle</a:t>
-            </a:r>
-            <a:endParaRPr lang="fr-FR" dirty="0"/>
-          </a:p>
-        </p:txBody>
-      </p:sp>
-      <p:sp>
-        <p:nvSpPr>
-          <p:cNvPr id="4" name="Espace réservé du numéro de diapositive 3">
-            <a:extLst>
-              <a:ext uri="{FF2B5EF4-FFF2-40B4-BE49-F238E27FC236}">
-                <a16:creationId xmlns:a16="http://schemas.microsoft.com/office/drawing/2014/main" id="{9EF3796C-0468-41E7-B03F-D7A2CF73FD65}"/>
-              </a:ext>
-            </a:extLst>
-          </p:cNvPr>
-          <p:cNvSpPr>
-            <a:spLocks noGrp="1"/>
-          </p:cNvSpPr>
-          <p:nvPr>
-            <p:ph type="sldNum" sz="quarter" idx="12"/>
-          </p:nvPr>
-        </p:nvSpPr>
-        <p:spPr/>
-        <p:txBody>
-          <a:bodyPr/>
-          <a:lstStyle/>
-          <a:p>
-            <a:fld id="{4EA40E75-4466-4188-A2CC-18D20372CC4F}" type="slidenum">
-              <a:rPr lang="fr-FR" smtClean="0"/>
-              <a:t>2</a:t>
-            </a:fld>
-            <a:endParaRPr lang="fr-FR"/>
-          </a:p>
-        </p:txBody>
-      </p:sp>
-      <p:pic>
-        <p:nvPicPr>
-          <p:cNvPr id="8" name="Image 7">
-            <a:extLst>
-              <a:ext uri="{FF2B5EF4-FFF2-40B4-BE49-F238E27FC236}">
-                <a16:creationId xmlns:a16="http://schemas.microsoft.com/office/drawing/2014/main" id="{49E06F1D-F2E1-46CB-A868-54631CD38907}"/>
-              </a:ext>
-            </a:extLst>
-          </p:cNvPr>
-          <p:cNvPicPr>
-            <a:picLocks noChangeAspect="1"/>
-          </p:cNvPicPr>
-          <p:nvPr/>
-        </p:nvPicPr>
-        <p:blipFill>
-          <a:blip r:embed="rId2">
-            <a:extLst>
-              <a:ext uri="{28A0092B-C50C-407E-A947-70E740481C1C}">
-                <a14:useLocalDpi xmlns:a14="http://schemas.microsoft.com/office/drawing/2010/main" val="0"/>
-              </a:ext>
-            </a:extLst>
-          </a:blip>
-          <a:stretch>
-            <a:fillRect/>
-          </a:stretch>
-        </p:blipFill>
-        <p:spPr>
-          <a:xfrm>
-            <a:off x="3071812" y="2006600"/>
-            <a:ext cx="6048375" cy="4032250"/>
-          </a:xfrm>
-          <a:prstGeom prst="rect">
-            <a:avLst/>
-          </a:prstGeom>
-        </p:spPr>
-      </p:pic>
-    </p:spTree>
-    <p:extLst>
-      <p:ext uri="{BB962C8B-B14F-4D97-AF65-F5344CB8AC3E}">
-        <p14:creationId xmlns:p14="http://schemas.microsoft.com/office/powerpoint/2010/main" val="548283387"/>
-      </p:ext>
-    </p:extLst>
-  </p:cSld>
-  <p:clrMapOvr>
-    <a:masterClrMapping/>
-  </p:clrMapOvr>
-</p:sld>
-</file>
-
-<file path=ppt/slides/slide20.xml><?xml version="1.0" encoding="utf-8"?>
-<p:sld xmlns:a="http://schemas.openxmlformats.org/drawingml/2006/main" xmlns:r="http://schemas.openxmlformats.org/officeDocument/2006/relationships" xmlns:p="http://schemas.openxmlformats.org/presentationml/2006/main">
-  <p:cSld>
-    <p:spTree>
-      <p:nvGrpSpPr>
-        <p:cNvPr id="1" name=""/>
-        <p:cNvGrpSpPr/>
-        <p:nvPr/>
-      </p:nvGrpSpPr>
-      <p:grpSpPr>
-        <a:xfrm>
-          <a:off x="0" y="0"/>
-          <a:ext cx="0" cy="0"/>
-          <a:chOff x="0" y="0"/>
-          <a:chExt cx="0" cy="0"/>
-        </a:xfrm>
-      </p:grpSpPr>
-      <p:sp>
-        <p:nvSpPr>
-          <p:cNvPr id="2" name="Titre 1">
-            <a:extLst>
-              <a:ext uri="{FF2B5EF4-FFF2-40B4-BE49-F238E27FC236}">
-                <a16:creationId xmlns:a16="http://schemas.microsoft.com/office/drawing/2014/main" id="{771BD97B-BCF0-4516-89AB-2A00110D79A7}"/>
-              </a:ext>
-            </a:extLst>
-          </p:cNvPr>
-          <p:cNvSpPr>
-            <a:spLocks noGrp="1"/>
-          </p:cNvSpPr>
-          <p:nvPr>
-            <p:ph type="title"/>
-          </p:nvPr>
-        </p:nvSpPr>
-        <p:spPr>
-          <a:xfrm>
-            <a:off x="1097280" y="2479336"/>
-            <a:ext cx="10058400" cy="1635178"/>
-          </a:xfrm>
-        </p:spPr>
-        <p:txBody>
-          <a:bodyPr/>
-          <a:lstStyle/>
-          <a:p>
-            <a:pPr algn="ctr"/>
-            <a:r>
-              <a:rPr lang="fr-FR" dirty="0"/>
-              <a:t>Switch</a:t>
-            </a:r>
-          </a:p>
-        </p:txBody>
-      </p:sp>
-      <p:sp>
-        <p:nvSpPr>
-          <p:cNvPr id="4" name="Espace réservé du numéro de diapositive 3">
-            <a:extLst>
-              <a:ext uri="{FF2B5EF4-FFF2-40B4-BE49-F238E27FC236}">
-                <a16:creationId xmlns:a16="http://schemas.microsoft.com/office/drawing/2014/main" id="{E2417486-AE2E-40EB-9FD4-6373FECB55F7}"/>
-              </a:ext>
-            </a:extLst>
-          </p:cNvPr>
-          <p:cNvSpPr>
-            <a:spLocks noGrp="1"/>
-          </p:cNvSpPr>
-          <p:nvPr>
-            <p:ph type="sldNum" sz="quarter" idx="12"/>
-          </p:nvPr>
-        </p:nvSpPr>
-        <p:spPr/>
-        <p:txBody>
-          <a:bodyPr/>
-          <a:lstStyle/>
-          <a:p>
-            <a:fld id="{4EA40E75-4466-4188-A2CC-18D20372CC4F}" type="slidenum">
-              <a:rPr lang="fr-FR" smtClean="0"/>
-              <a:t>20</a:t>
-            </a:fld>
-            <a:endParaRPr lang="fr-FR"/>
-          </a:p>
-        </p:txBody>
-      </p:sp>
-      <p:sp>
-        <p:nvSpPr>
-          <p:cNvPr id="6" name="Espace réservé du texte 5">
-            <a:extLst>
-              <a:ext uri="{FF2B5EF4-FFF2-40B4-BE49-F238E27FC236}">
-                <a16:creationId xmlns:a16="http://schemas.microsoft.com/office/drawing/2014/main" id="{08E130C1-B7A1-4125-A138-8B742C339780}"/>
-              </a:ext>
-            </a:extLst>
-          </p:cNvPr>
-          <p:cNvSpPr>
-            <a:spLocks noGrp="1"/>
-          </p:cNvSpPr>
-          <p:nvPr>
-            <p:ph type="body" idx="1"/>
-          </p:nvPr>
-        </p:nvSpPr>
-        <p:spPr>
-          <a:xfrm>
-            <a:off x="1097280" y="4515271"/>
-            <a:ext cx="10058400" cy="1143000"/>
-          </a:xfrm>
-        </p:spPr>
-        <p:txBody>
-          <a:bodyPr>
-            <a:normAutofit/>
-          </a:bodyPr>
-          <a:lstStyle/>
-          <a:p>
-            <a:pPr algn="ctr"/>
-            <a:r>
-              <a:rPr lang="fr-FR" sz="4000" dirty="0">
-                <a:hlinkClick r:id="rId2"/>
-              </a:rPr>
-              <a:t>JEP 361</a:t>
-            </a:r>
-            <a:endParaRPr lang="fr-FR" sz="4000" dirty="0"/>
-          </a:p>
-        </p:txBody>
-      </p:sp>
-    </p:spTree>
-    <p:extLst>
-      <p:ext uri="{BB962C8B-B14F-4D97-AF65-F5344CB8AC3E}">
-        <p14:creationId xmlns:p14="http://schemas.microsoft.com/office/powerpoint/2010/main" val="3936146667"/>
-      </p:ext>
-    </p:extLst>
-  </p:cSld>
-  <p:clrMapOvr>
-    <a:masterClrMapping/>
-  </p:clrMapOvr>
-</p:sld>
-</file>
-
 <file path=ppt/slides/slide21.xml><?xml version="1.0" encoding="utf-8"?>
 <p:sld xmlns:a="http://schemas.openxmlformats.org/drawingml/2006/main" xmlns:r="http://schemas.openxmlformats.org/officeDocument/2006/relationships" xmlns:p="http://schemas.openxmlformats.org/presentationml/2006/main">
   <p:cSld>
@@ -9945,6 +10475,138 @@
           <p:cNvPr id="2" name="Titre 1">
             <a:extLst>
               <a:ext uri="{FF2B5EF4-FFF2-40B4-BE49-F238E27FC236}">
+                <a16:creationId xmlns:a16="http://schemas.microsoft.com/office/drawing/2014/main" id="{771BD97B-BCF0-4516-89AB-2A00110D79A7}"/>
+              </a:ext>
+            </a:extLst>
+          </p:cNvPr>
+          <p:cNvSpPr>
+            <a:spLocks noGrp="1"/>
+          </p:cNvSpPr>
+          <p:nvPr>
+            <p:ph type="title"/>
+          </p:nvPr>
+        </p:nvSpPr>
+        <p:spPr>
+          <a:xfrm>
+            <a:off x="1097280" y="2479336"/>
+            <a:ext cx="10058400" cy="1635178"/>
+          </a:xfrm>
+        </p:spPr>
+        <p:txBody>
+          <a:bodyPr/>
+          <a:lstStyle/>
+          <a:p>
+            <a:pPr algn="ctr"/>
+            <a:r>
+              <a:rPr lang="fr-FR" dirty="0"/>
+              <a:t>Switch</a:t>
+            </a:r>
+          </a:p>
+        </p:txBody>
+      </p:sp>
+      <p:sp>
+        <p:nvSpPr>
+          <p:cNvPr id="4" name="Espace réservé du numéro de diapositive 3">
+            <a:extLst>
+              <a:ext uri="{FF2B5EF4-FFF2-40B4-BE49-F238E27FC236}">
+                <a16:creationId xmlns:a16="http://schemas.microsoft.com/office/drawing/2014/main" id="{E2417486-AE2E-40EB-9FD4-6373FECB55F7}"/>
+              </a:ext>
+            </a:extLst>
+          </p:cNvPr>
+          <p:cNvSpPr>
+            <a:spLocks noGrp="1"/>
+          </p:cNvSpPr>
+          <p:nvPr>
+            <p:ph type="sldNum" sz="quarter" idx="12"/>
+          </p:nvPr>
+        </p:nvSpPr>
+        <p:spPr/>
+        <p:txBody>
+          <a:bodyPr/>
+          <a:lstStyle/>
+          <a:p>
+            <a:fld id="{4EA40E75-4466-4188-A2CC-18D20372CC4F}" type="slidenum">
+              <a:rPr lang="fr-FR" smtClean="0"/>
+              <a:t>21</a:t>
+            </a:fld>
+            <a:endParaRPr lang="fr-FR"/>
+          </a:p>
+        </p:txBody>
+      </p:sp>
+      <p:sp>
+        <p:nvSpPr>
+          <p:cNvPr id="6" name="Espace réservé du texte 5">
+            <a:extLst>
+              <a:ext uri="{FF2B5EF4-FFF2-40B4-BE49-F238E27FC236}">
+                <a16:creationId xmlns:a16="http://schemas.microsoft.com/office/drawing/2014/main" id="{08E130C1-B7A1-4125-A138-8B742C339780}"/>
+              </a:ext>
+            </a:extLst>
+          </p:cNvPr>
+          <p:cNvSpPr>
+            <a:spLocks noGrp="1"/>
+          </p:cNvSpPr>
+          <p:nvPr>
+            <p:ph type="body" idx="1"/>
+          </p:nvPr>
+        </p:nvSpPr>
+        <p:spPr>
+          <a:xfrm>
+            <a:off x="1097280" y="4515271"/>
+            <a:ext cx="10058400" cy="1143000"/>
+          </a:xfrm>
+        </p:spPr>
+        <p:txBody>
+          <a:bodyPr>
+            <a:normAutofit/>
+          </a:bodyPr>
+          <a:lstStyle/>
+          <a:p>
+            <a:pPr algn="ctr"/>
+            <a:r>
+              <a:rPr lang="fr-FR" sz="4000" dirty="0">
+                <a:hlinkClick r:id="rId2"/>
+              </a:rPr>
+              <a:t>JEP 361</a:t>
+            </a:r>
+            <a:endParaRPr lang="fr-FR" sz="4000" dirty="0"/>
+          </a:p>
+        </p:txBody>
+      </p:sp>
+    </p:spTree>
+    <p:extLst>
+      <p:ext uri="{BB962C8B-B14F-4D97-AF65-F5344CB8AC3E}">
+        <p14:creationId xmlns:p14="http://schemas.microsoft.com/office/powerpoint/2010/main" val="3936146667"/>
+      </p:ext>
+    </p:extLst>
+  </p:cSld>
+  <p:clrMapOvr>
+    <a:masterClrMapping/>
+  </p:clrMapOvr>
+</p:sld>
+</file>
+
+<file path=ppt/slides/slide22.xml><?xml version="1.0" encoding="utf-8"?>
+<p:sld xmlns:a="http://schemas.openxmlformats.org/drawingml/2006/main" xmlns:r="http://schemas.openxmlformats.org/officeDocument/2006/relationships" xmlns:p="http://schemas.openxmlformats.org/presentationml/2006/main">
+  <p:cSld>
+    <p:spTree>
+      <p:nvGrpSpPr>
+        <p:cNvPr id="1" name=""/>
+        <p:cNvGrpSpPr/>
+        <p:nvPr/>
+      </p:nvGrpSpPr>
+      <p:grpSpPr>
+        <a:xfrm>
+          <a:off x="0" y="0"/>
+          <a:ext cx="0" cy="0"/>
+          <a:chOff x="0" y="0"/>
+          <a:chExt cx="0" cy="0"/>
+        </a:xfrm>
+      </p:grpSpPr>
+      <p:sp>
+        <p:nvSpPr>
+          <p:cNvPr id="2" name="Titre 1">
+            <a:extLst>
+              <a:ext uri="{FF2B5EF4-FFF2-40B4-BE49-F238E27FC236}">
                 <a16:creationId xmlns:a16="http://schemas.microsoft.com/office/drawing/2014/main" id="{E5C9D29C-AE6D-45B1-B9D3-106826227453}"/>
               </a:ext>
             </a:extLst>
@@ -9992,7 +10654,7 @@
           <a:p>
             <a:fld id="{4EA40E75-4466-4188-A2CC-18D20372CC4F}" type="slidenum">
               <a:rPr lang="fr-FR" smtClean="0"/>
-              <a:t>21</a:t>
+              <a:t>22</a:t>
             </a:fld>
             <a:endParaRPr lang="fr-FR"/>
           </a:p>
@@ -10155,7 +10817,7 @@
 </p:sld>
 </file>
 
-<file path=ppt/slides/slide22.xml><?xml version="1.0" encoding="utf-8"?>
+<file path=ppt/slides/slide23.xml><?xml version="1.0" encoding="utf-8"?>
 <p:sld xmlns:a="http://schemas.openxmlformats.org/drawingml/2006/main" xmlns:r="http://schemas.openxmlformats.org/officeDocument/2006/relationships" xmlns:p="http://schemas.openxmlformats.org/presentationml/2006/main">
   <p:cSld>
     <p:spTree>
@@ -10229,7 +10891,7 @@
           <a:p>
             <a:fld id="{4EA40E75-4466-4188-A2CC-18D20372CC4F}" type="slidenum">
               <a:rPr lang="fr-FR" smtClean="0"/>
-              <a:t>22</a:t>
+              <a:t>23</a:t>
             </a:fld>
             <a:endParaRPr lang="fr-FR"/>
           </a:p>
@@ -10393,7 +11055,7 @@
 </p:sld>
 </file>
 
-<file path=ppt/slides/slide23.xml><?xml version="1.0" encoding="utf-8"?>
+<file path=ppt/slides/slide24.xml><?xml version="1.0" encoding="utf-8"?>
 <p:sld xmlns:a="http://schemas.openxmlformats.org/drawingml/2006/main" xmlns:r="http://schemas.openxmlformats.org/officeDocument/2006/relationships" xmlns:p="http://schemas.openxmlformats.org/presentationml/2006/main">
   <p:cSld>
     <p:spTree>
@@ -10629,7 +11291,7 @@
           <a:p>
             <a:fld id="{4EA40E75-4466-4188-A2CC-18D20372CC4F}" type="slidenum">
               <a:rPr lang="fr-FR" smtClean="0"/>
-              <a:t>23</a:t>
+              <a:t>24</a:t>
             </a:fld>
             <a:endParaRPr lang="fr-FR"/>
           </a:p>
@@ -10877,156 +11539,6 @@
 </p:sld>
 </file>
 
-<file path=ppt/slides/slide24.xml><?xml version="1.0" encoding="utf-8"?>
-<p:sld xmlns:a="http://schemas.openxmlformats.org/drawingml/2006/main" xmlns:r="http://schemas.openxmlformats.org/officeDocument/2006/relationships" xmlns:p="http://schemas.openxmlformats.org/presentationml/2006/main">
-  <p:cSld>
-    <p:spTree>
-      <p:nvGrpSpPr>
-        <p:cNvPr id="1" name=""/>
-        <p:cNvGrpSpPr/>
-        <p:nvPr/>
-      </p:nvGrpSpPr>
-      <p:grpSpPr>
-        <a:xfrm>
-          <a:off x="0" y="0"/>
-          <a:ext cx="0" cy="0"/>
-          <a:chOff x="0" y="0"/>
-          <a:chExt cx="0" cy="0"/>
-        </a:xfrm>
-      </p:grpSpPr>
-      <p:sp>
-        <p:nvSpPr>
-          <p:cNvPr id="2" name="Titre 1">
-            <a:extLst>
-              <a:ext uri="{FF2B5EF4-FFF2-40B4-BE49-F238E27FC236}">
-                <a16:creationId xmlns:a16="http://schemas.microsoft.com/office/drawing/2014/main" id="{771BD97B-BCF0-4516-89AB-2A00110D79A7}"/>
-              </a:ext>
-            </a:extLst>
-          </p:cNvPr>
-          <p:cNvSpPr>
-            <a:spLocks noGrp="1"/>
-          </p:cNvSpPr>
-          <p:nvPr>
-            <p:ph type="title"/>
-          </p:nvPr>
-        </p:nvSpPr>
-        <p:spPr>
-          <a:xfrm>
-            <a:off x="1002597" y="2479336"/>
-            <a:ext cx="10186805" cy="1635178"/>
-          </a:xfrm>
-        </p:spPr>
-        <p:txBody>
-          <a:bodyPr>
-            <a:normAutofit fontScale="90000"/>
-          </a:bodyPr>
-          <a:lstStyle/>
-          <a:p>
-            <a:pPr algn="ctr"/>
-            <a:r>
-              <a:rPr lang="fr-FR" dirty="0"/>
-              <a:t>Pattern </a:t>
-            </a:r>
-            <a:r>
-              <a:rPr lang="fr-FR" dirty="0" err="1"/>
-              <a:t>matching</a:t>
-            </a:r>
-            <a:r>
-              <a:rPr lang="fr-FR" dirty="0"/>
-              <a:t> for switch (</a:t>
-            </a:r>
-            <a:r>
-              <a:rPr lang="fr-FR" dirty="0" err="1"/>
-              <a:t>preview</a:t>
-            </a:r>
-            <a:r>
-              <a:rPr lang="fr-FR" dirty="0"/>
-              <a:t>)</a:t>
-            </a:r>
-          </a:p>
-        </p:txBody>
-      </p:sp>
-      <p:sp>
-        <p:nvSpPr>
-          <p:cNvPr id="4" name="Espace réservé du numéro de diapositive 3">
-            <a:extLst>
-              <a:ext uri="{FF2B5EF4-FFF2-40B4-BE49-F238E27FC236}">
-                <a16:creationId xmlns:a16="http://schemas.microsoft.com/office/drawing/2014/main" id="{E2417486-AE2E-40EB-9FD4-6373FECB55F7}"/>
-              </a:ext>
-            </a:extLst>
-          </p:cNvPr>
-          <p:cNvSpPr>
-            <a:spLocks noGrp="1"/>
-          </p:cNvSpPr>
-          <p:nvPr>
-            <p:ph type="sldNum" sz="quarter" idx="12"/>
-          </p:nvPr>
-        </p:nvSpPr>
-        <p:spPr/>
-        <p:txBody>
-          <a:bodyPr/>
-          <a:lstStyle/>
-          <a:p>
-            <a:fld id="{4EA40E75-4466-4188-A2CC-18D20372CC4F}" type="slidenum">
-              <a:rPr lang="fr-FR" smtClean="0"/>
-              <a:t>24</a:t>
-            </a:fld>
-            <a:endParaRPr lang="fr-FR"/>
-          </a:p>
-        </p:txBody>
-      </p:sp>
-      <p:sp>
-        <p:nvSpPr>
-          <p:cNvPr id="6" name="Espace réservé du texte 5">
-            <a:extLst>
-              <a:ext uri="{FF2B5EF4-FFF2-40B4-BE49-F238E27FC236}">
-                <a16:creationId xmlns:a16="http://schemas.microsoft.com/office/drawing/2014/main" id="{08E130C1-B7A1-4125-A138-8B742C339780}"/>
-              </a:ext>
-            </a:extLst>
-          </p:cNvPr>
-          <p:cNvSpPr>
-            <a:spLocks noGrp="1"/>
-          </p:cNvSpPr>
-          <p:nvPr>
-            <p:ph type="body" idx="1"/>
-          </p:nvPr>
-        </p:nvSpPr>
-        <p:spPr>
-          <a:xfrm>
-            <a:off x="1097280" y="4515271"/>
-            <a:ext cx="10058400" cy="1143000"/>
-          </a:xfrm>
-        </p:spPr>
-        <p:txBody>
-          <a:bodyPr>
-            <a:normAutofit/>
-          </a:bodyPr>
-          <a:lstStyle/>
-          <a:p>
-            <a:pPr algn="ctr"/>
-            <a:r>
-              <a:rPr lang="fr-FR" sz="4000" dirty="0">
-                <a:hlinkClick r:id="rId2"/>
-              </a:rPr>
-              <a:t>JEP 406</a:t>
-            </a:r>
-            <a:endParaRPr lang="fr-FR" sz="4000" dirty="0"/>
-          </a:p>
-        </p:txBody>
-      </p:sp>
-    </p:spTree>
-    <p:extLst>
-      <p:ext uri="{BB962C8B-B14F-4D97-AF65-F5344CB8AC3E}">
-        <p14:creationId xmlns:p14="http://schemas.microsoft.com/office/powerpoint/2010/main" val="2170770271"/>
-      </p:ext>
-    </p:extLst>
-  </p:cSld>
-  <p:clrMapOvr>
-    <a:masterClrMapping/>
-  </p:clrMapOvr>
-</p:sld>
-</file>
-
 <file path=ppt/slides/slide25.xml><?xml version="1.0" encoding="utf-8"?>
 <p:sld xmlns:a="http://schemas.openxmlformats.org/drawingml/2006/main" xmlns:r="http://schemas.openxmlformats.org/officeDocument/2006/relationships" xmlns:p="http://schemas.openxmlformats.org/presentationml/2006/main">
   <p:cSld>
@@ -11049,6 +11561,156 @@
           <p:cNvPr id="2" name="Titre 1">
             <a:extLst>
               <a:ext uri="{FF2B5EF4-FFF2-40B4-BE49-F238E27FC236}">
+                <a16:creationId xmlns:a16="http://schemas.microsoft.com/office/drawing/2014/main" id="{771BD97B-BCF0-4516-89AB-2A00110D79A7}"/>
+              </a:ext>
+            </a:extLst>
+          </p:cNvPr>
+          <p:cNvSpPr>
+            <a:spLocks noGrp="1"/>
+          </p:cNvSpPr>
+          <p:nvPr>
+            <p:ph type="title"/>
+          </p:nvPr>
+        </p:nvSpPr>
+        <p:spPr>
+          <a:xfrm>
+            <a:off x="1002597" y="2479336"/>
+            <a:ext cx="10186805" cy="1635178"/>
+          </a:xfrm>
+        </p:spPr>
+        <p:txBody>
+          <a:bodyPr>
+            <a:normAutofit fontScale="90000"/>
+          </a:bodyPr>
+          <a:lstStyle/>
+          <a:p>
+            <a:pPr algn="ctr"/>
+            <a:r>
+              <a:rPr lang="fr-FR" dirty="0"/>
+              <a:t>Pattern </a:t>
+            </a:r>
+            <a:r>
+              <a:rPr lang="fr-FR" dirty="0" err="1"/>
+              <a:t>matching</a:t>
+            </a:r>
+            <a:r>
+              <a:rPr lang="fr-FR" dirty="0"/>
+              <a:t> for switch (</a:t>
+            </a:r>
+            <a:r>
+              <a:rPr lang="fr-FR" dirty="0" err="1"/>
+              <a:t>preview</a:t>
+            </a:r>
+            <a:r>
+              <a:rPr lang="fr-FR" dirty="0"/>
+              <a:t>)</a:t>
+            </a:r>
+          </a:p>
+        </p:txBody>
+      </p:sp>
+      <p:sp>
+        <p:nvSpPr>
+          <p:cNvPr id="4" name="Espace réservé du numéro de diapositive 3">
+            <a:extLst>
+              <a:ext uri="{FF2B5EF4-FFF2-40B4-BE49-F238E27FC236}">
+                <a16:creationId xmlns:a16="http://schemas.microsoft.com/office/drawing/2014/main" id="{E2417486-AE2E-40EB-9FD4-6373FECB55F7}"/>
+              </a:ext>
+            </a:extLst>
+          </p:cNvPr>
+          <p:cNvSpPr>
+            <a:spLocks noGrp="1"/>
+          </p:cNvSpPr>
+          <p:nvPr>
+            <p:ph type="sldNum" sz="quarter" idx="12"/>
+          </p:nvPr>
+        </p:nvSpPr>
+        <p:spPr/>
+        <p:txBody>
+          <a:bodyPr/>
+          <a:lstStyle/>
+          <a:p>
+            <a:fld id="{4EA40E75-4466-4188-A2CC-18D20372CC4F}" type="slidenum">
+              <a:rPr lang="fr-FR" smtClean="0"/>
+              <a:t>25</a:t>
+            </a:fld>
+            <a:endParaRPr lang="fr-FR"/>
+          </a:p>
+        </p:txBody>
+      </p:sp>
+      <p:sp>
+        <p:nvSpPr>
+          <p:cNvPr id="6" name="Espace réservé du texte 5">
+            <a:extLst>
+              <a:ext uri="{FF2B5EF4-FFF2-40B4-BE49-F238E27FC236}">
+                <a16:creationId xmlns:a16="http://schemas.microsoft.com/office/drawing/2014/main" id="{08E130C1-B7A1-4125-A138-8B742C339780}"/>
+              </a:ext>
+            </a:extLst>
+          </p:cNvPr>
+          <p:cNvSpPr>
+            <a:spLocks noGrp="1"/>
+          </p:cNvSpPr>
+          <p:nvPr>
+            <p:ph type="body" idx="1"/>
+          </p:nvPr>
+        </p:nvSpPr>
+        <p:spPr>
+          <a:xfrm>
+            <a:off x="1097280" y="4515271"/>
+            <a:ext cx="10058400" cy="1143000"/>
+          </a:xfrm>
+        </p:spPr>
+        <p:txBody>
+          <a:bodyPr>
+            <a:normAutofit/>
+          </a:bodyPr>
+          <a:lstStyle/>
+          <a:p>
+            <a:pPr algn="ctr"/>
+            <a:r>
+              <a:rPr lang="fr-FR" sz="4000" dirty="0">
+                <a:hlinkClick r:id="rId2"/>
+              </a:rPr>
+              <a:t>JEP 406</a:t>
+            </a:r>
+            <a:endParaRPr lang="fr-FR" sz="4000" dirty="0"/>
+          </a:p>
+        </p:txBody>
+      </p:sp>
+    </p:spTree>
+    <p:extLst>
+      <p:ext uri="{BB962C8B-B14F-4D97-AF65-F5344CB8AC3E}">
+        <p14:creationId xmlns:p14="http://schemas.microsoft.com/office/powerpoint/2010/main" val="2170770271"/>
+      </p:ext>
+    </p:extLst>
+  </p:cSld>
+  <p:clrMapOvr>
+    <a:masterClrMapping/>
+  </p:clrMapOvr>
+</p:sld>
+</file>
+
+<file path=ppt/slides/slide26.xml><?xml version="1.0" encoding="utf-8"?>
+<p:sld xmlns:a="http://schemas.openxmlformats.org/drawingml/2006/main" xmlns:r="http://schemas.openxmlformats.org/officeDocument/2006/relationships" xmlns:p="http://schemas.openxmlformats.org/presentationml/2006/main">
+  <p:cSld>
+    <p:spTree>
+      <p:nvGrpSpPr>
+        <p:cNvPr id="1" name=""/>
+        <p:cNvGrpSpPr/>
+        <p:nvPr/>
+      </p:nvGrpSpPr>
+      <p:grpSpPr>
+        <a:xfrm>
+          <a:off x="0" y="0"/>
+          <a:ext cx="0" cy="0"/>
+          <a:chOff x="0" y="0"/>
+          <a:chExt cx="0" cy="0"/>
+        </a:xfrm>
+      </p:grpSpPr>
+      <p:sp>
+        <p:nvSpPr>
+          <p:cNvPr id="2" name="Titre 1">
+            <a:extLst>
+              <a:ext uri="{FF2B5EF4-FFF2-40B4-BE49-F238E27FC236}">
                 <a16:creationId xmlns:a16="http://schemas.microsoft.com/office/drawing/2014/main" id="{E5C9D29C-AE6D-45B1-B9D3-106826227453}"/>
               </a:ext>
             </a:extLst>
@@ -11096,7 +11758,7 @@
           <a:p>
             <a:fld id="{4EA40E75-4466-4188-A2CC-18D20372CC4F}" type="slidenum">
               <a:rPr lang="fr-FR" smtClean="0"/>
-              <a:t>25</a:t>
+              <a:t>26</a:t>
             </a:fld>
             <a:endParaRPr lang="fr-FR"/>
           </a:p>
@@ -11150,7 +11812,7 @@
 </p:sld>
 </file>
 
-<file path=ppt/slides/slide26.xml><?xml version="1.0" encoding="utf-8"?>
+<file path=ppt/slides/slide27.xml><?xml version="1.0" encoding="utf-8"?>
 <p:sld xmlns:a="http://schemas.openxmlformats.org/drawingml/2006/main" xmlns:r="http://schemas.openxmlformats.org/officeDocument/2006/relationships" xmlns:p="http://schemas.openxmlformats.org/presentationml/2006/main">
   <p:cSld>
     <p:spTree>
@@ -11324,7 +11986,7 @@
           <a:p>
             <a:fld id="{4EA40E75-4466-4188-A2CC-18D20372CC4F}" type="slidenum">
               <a:rPr lang="fr-FR" smtClean="0"/>
-              <a:t>26</a:t>
+              <a:t>27</a:t>
             </a:fld>
             <a:endParaRPr lang="fr-FR"/>
           </a:p>
@@ -11523,153 +12185,6 @@
 </p:sld>
 </file>
 
-<file path=ppt/slides/slide27.xml><?xml version="1.0" encoding="utf-8"?>
-<p:sld xmlns:a="http://schemas.openxmlformats.org/drawingml/2006/main" xmlns:r="http://schemas.openxmlformats.org/officeDocument/2006/relationships" xmlns:p="http://schemas.openxmlformats.org/presentationml/2006/main">
-  <p:cSld>
-    <p:spTree>
-      <p:nvGrpSpPr>
-        <p:cNvPr id="1" name=""/>
-        <p:cNvGrpSpPr/>
-        <p:nvPr/>
-      </p:nvGrpSpPr>
-      <p:grpSpPr>
-        <a:xfrm>
-          <a:off x="0" y="0"/>
-          <a:ext cx="0" cy="0"/>
-          <a:chOff x="0" y="0"/>
-          <a:chExt cx="0" cy="0"/>
-        </a:xfrm>
-      </p:grpSpPr>
-      <p:sp>
-        <p:nvSpPr>
-          <p:cNvPr id="2" name="Titre 1">
-            <a:extLst>
-              <a:ext uri="{FF2B5EF4-FFF2-40B4-BE49-F238E27FC236}">
-                <a16:creationId xmlns:a16="http://schemas.microsoft.com/office/drawing/2014/main" id="{771BD97B-BCF0-4516-89AB-2A00110D79A7}"/>
-              </a:ext>
-            </a:extLst>
-          </p:cNvPr>
-          <p:cNvSpPr>
-            <a:spLocks noGrp="1"/>
-          </p:cNvSpPr>
-          <p:nvPr>
-            <p:ph type="title"/>
-          </p:nvPr>
-        </p:nvSpPr>
-        <p:spPr>
-          <a:xfrm>
-            <a:off x="1002597" y="2479336"/>
-            <a:ext cx="10186805" cy="1635178"/>
-          </a:xfrm>
-        </p:spPr>
-        <p:txBody>
-          <a:bodyPr>
-            <a:normAutofit fontScale="90000"/>
-          </a:bodyPr>
-          <a:lstStyle/>
-          <a:p>
-            <a:pPr algn="ctr"/>
-            <a:r>
-              <a:rPr lang="fr-FR" dirty="0"/>
-              <a:t>Pattern </a:t>
-            </a:r>
-            <a:r>
-              <a:rPr lang="fr-FR" dirty="0" err="1"/>
-              <a:t>matching</a:t>
-            </a:r>
-            <a:r>
-              <a:rPr lang="fr-FR" dirty="0"/>
-              <a:t> for </a:t>
-            </a:r>
-            <a:r>
-              <a:rPr lang="fr-FR" dirty="0" err="1"/>
-              <a:t>instanceof</a:t>
-            </a:r>
-            <a:endParaRPr lang="fr-FR" dirty="0"/>
-          </a:p>
-        </p:txBody>
-      </p:sp>
-      <p:sp>
-        <p:nvSpPr>
-          <p:cNvPr id="4" name="Espace réservé du numéro de diapositive 3">
-            <a:extLst>
-              <a:ext uri="{FF2B5EF4-FFF2-40B4-BE49-F238E27FC236}">
-                <a16:creationId xmlns:a16="http://schemas.microsoft.com/office/drawing/2014/main" id="{E2417486-AE2E-40EB-9FD4-6373FECB55F7}"/>
-              </a:ext>
-            </a:extLst>
-          </p:cNvPr>
-          <p:cNvSpPr>
-            <a:spLocks noGrp="1"/>
-          </p:cNvSpPr>
-          <p:nvPr>
-            <p:ph type="sldNum" sz="quarter" idx="12"/>
-          </p:nvPr>
-        </p:nvSpPr>
-        <p:spPr/>
-        <p:txBody>
-          <a:bodyPr/>
-          <a:lstStyle/>
-          <a:p>
-            <a:fld id="{4EA40E75-4466-4188-A2CC-18D20372CC4F}" type="slidenum">
-              <a:rPr lang="fr-FR" smtClean="0"/>
-              <a:t>27</a:t>
-            </a:fld>
-            <a:endParaRPr lang="fr-FR"/>
-          </a:p>
-        </p:txBody>
-      </p:sp>
-      <p:sp>
-        <p:nvSpPr>
-          <p:cNvPr id="6" name="Espace réservé du texte 5">
-            <a:extLst>
-              <a:ext uri="{FF2B5EF4-FFF2-40B4-BE49-F238E27FC236}">
-                <a16:creationId xmlns:a16="http://schemas.microsoft.com/office/drawing/2014/main" id="{08E130C1-B7A1-4125-A138-8B742C339780}"/>
-              </a:ext>
-            </a:extLst>
-          </p:cNvPr>
-          <p:cNvSpPr>
-            <a:spLocks noGrp="1"/>
-          </p:cNvSpPr>
-          <p:nvPr>
-            <p:ph type="body" idx="1"/>
-          </p:nvPr>
-        </p:nvSpPr>
-        <p:spPr>
-          <a:xfrm>
-            <a:off x="1097280" y="4515271"/>
-            <a:ext cx="10058400" cy="1143000"/>
-          </a:xfrm>
-        </p:spPr>
-        <p:txBody>
-          <a:bodyPr>
-            <a:normAutofit/>
-          </a:bodyPr>
-          <a:lstStyle/>
-          <a:p>
-            <a:pPr algn="ctr"/>
-            <a:r>
-              <a:rPr lang="fr-FR" sz="4000" dirty="0">
-                <a:hlinkClick r:id="rId2"/>
-              </a:rPr>
-              <a:t>JEP 394</a:t>
-            </a:r>
-            <a:endParaRPr lang="fr-FR" sz="4000" dirty="0"/>
-          </a:p>
-        </p:txBody>
-      </p:sp>
-    </p:spTree>
-    <p:extLst>
-      <p:ext uri="{BB962C8B-B14F-4D97-AF65-F5344CB8AC3E}">
-        <p14:creationId xmlns:p14="http://schemas.microsoft.com/office/powerpoint/2010/main" val="1593909949"/>
-      </p:ext>
-    </p:extLst>
-  </p:cSld>
-  <p:clrMapOvr>
-    <a:masterClrMapping/>
-  </p:clrMapOvr>
-</p:sld>
-</file>
-
 <file path=ppt/slides/slide28.xml><?xml version="1.0" encoding="utf-8"?>
 <p:sld xmlns:a="http://schemas.openxmlformats.org/drawingml/2006/main" xmlns:r="http://schemas.openxmlformats.org/officeDocument/2006/relationships" xmlns:p="http://schemas.openxmlformats.org/presentationml/2006/main">
   <p:cSld>
@@ -11692,7 +12207,7 @@
           <p:cNvPr id="2" name="Titre 1">
             <a:extLst>
               <a:ext uri="{FF2B5EF4-FFF2-40B4-BE49-F238E27FC236}">
-                <a16:creationId xmlns:a16="http://schemas.microsoft.com/office/drawing/2014/main" id="{E5C9D29C-AE6D-45B1-B9D3-106826227453}"/>
+                <a16:creationId xmlns:a16="http://schemas.microsoft.com/office/drawing/2014/main" id="{771BD97B-BCF0-4516-89AB-2A00110D79A7}"/>
               </a:ext>
             </a:extLst>
           </p:cNvPr>
@@ -11703,15 +12218,30 @@
             <p:ph type="title"/>
           </p:nvPr>
         </p:nvSpPr>
-        <p:spPr/>
-        <p:txBody>
-          <a:bodyPr/>
+        <p:spPr>
+          <a:xfrm>
+            <a:off x="1002597" y="2479336"/>
+            <a:ext cx="10186805" cy="1635178"/>
+          </a:xfrm>
+        </p:spPr>
+        <p:txBody>
+          <a:bodyPr>
+            <a:normAutofit fontScale="90000"/>
+          </a:bodyPr>
           <a:lstStyle/>
           <a:p>
             <a:pPr algn="ctr"/>
             <a:r>
               <a:rPr lang="fr-FR" dirty="0"/>
-              <a:t>Pattern Matching for </a:t>
+              <a:t>Pattern </a:t>
+            </a:r>
+            <a:r>
+              <a:rPr lang="fr-FR" dirty="0" err="1"/>
+              <a:t>matching</a:t>
+            </a:r>
+            <a:r>
+              <a:rPr lang="fr-FR" dirty="0"/>
+              <a:t> for </a:t>
             </a:r>
             <a:r>
               <a:rPr lang="fr-FR" dirty="0" err="1"/>
@@ -11726,7 +12256,7 @@
           <p:cNvPr id="4" name="Espace réservé du numéro de diapositive 3">
             <a:extLst>
               <a:ext uri="{FF2B5EF4-FFF2-40B4-BE49-F238E27FC236}">
-                <a16:creationId xmlns:a16="http://schemas.microsoft.com/office/drawing/2014/main" id="{9EF3796C-0468-41E7-B03F-D7A2CF73FD65}"/>
+                <a16:creationId xmlns:a16="http://schemas.microsoft.com/office/drawing/2014/main" id="{E2417486-AE2E-40EB-9FD4-6373FECB55F7}"/>
               </a:ext>
             </a:extLst>
           </p:cNvPr>
@@ -11750,81 +12280,49 @@
           </a:p>
         </p:txBody>
       </p:sp>
-      <p:pic>
-        <p:nvPicPr>
-          <p:cNvPr id="12" name="Espace réservé du contenu 11" descr="Une image contenant texte&#10;&#10;Description générée automatiquement">
+      <p:sp>
+        <p:nvSpPr>
+          <p:cNvPr id="6" name="Espace réservé du texte 5">
             <a:extLst>
               <a:ext uri="{FF2B5EF4-FFF2-40B4-BE49-F238E27FC236}">
-                <a16:creationId xmlns:a16="http://schemas.microsoft.com/office/drawing/2014/main" id="{34F97AFC-7CE7-4CE6-998F-FFBCF74D60D3}"/>
+                <a16:creationId xmlns:a16="http://schemas.microsoft.com/office/drawing/2014/main" id="{08E130C1-B7A1-4125-A138-8B742C339780}"/>
               </a:ext>
             </a:extLst>
           </p:cNvPr>
-          <p:cNvPicPr>
-            <a:picLocks noGrp="1" noChangeAspect="1"/>
-          </p:cNvPicPr>
-          <p:nvPr>
-            <p:ph idx="1"/>
-          </p:nvPr>
-        </p:nvPicPr>
-        <p:blipFill>
-          <a:blip r:embed="rId3">
-            <a:extLst>
-              <a:ext uri="{28A0092B-C50C-407E-A947-70E740481C1C}">
-                <a14:useLocalDpi xmlns:a14="http://schemas.microsoft.com/office/drawing/2010/main" val="0"/>
-              </a:ext>
-            </a:extLst>
-          </a:blip>
-          <a:stretch>
-            <a:fillRect/>
-          </a:stretch>
-        </p:blipFill>
+          <p:cNvSpPr>
+            <a:spLocks noGrp="1"/>
+          </p:cNvSpPr>
+          <p:nvPr>
+            <p:ph type="body" idx="1"/>
+          </p:nvPr>
+        </p:nvSpPr>
         <p:spPr>
           <a:xfrm>
-            <a:off x="1850773" y="2515018"/>
-            <a:ext cx="8490454" cy="3763545"/>
+            <a:off x="1097280" y="4515271"/>
+            <a:ext cx="10058400" cy="1143000"/>
           </a:xfrm>
         </p:spPr>
-      </p:pic>
-      <p:sp>
-        <p:nvSpPr>
-          <p:cNvPr id="13" name="ZoneTexte 12">
-            <a:extLst>
-              <a:ext uri="{FF2B5EF4-FFF2-40B4-BE49-F238E27FC236}">
-                <a16:creationId xmlns:a16="http://schemas.microsoft.com/office/drawing/2014/main" id="{E3E0627E-5E75-4CB9-B736-254550B83448}"/>
-              </a:ext>
-            </a:extLst>
-          </p:cNvPr>
-          <p:cNvSpPr txBox="1"/>
-          <p:nvPr/>
-        </p:nvSpPr>
-        <p:spPr>
-          <a:xfrm>
-            <a:off x="1850773" y="2053353"/>
-            <a:ext cx="8490454" cy="461665"/>
-          </a:xfrm>
-          <a:prstGeom prst="rect">
-            <a:avLst/>
-          </a:prstGeom>
-          <a:noFill/>
-        </p:spPr>
-        <p:txBody>
-          <a:bodyPr wrap="square" rtlCol="0">
-            <a:spAutoFit/>
+        <p:txBody>
+          <a:bodyPr>
+            <a:normAutofit/>
           </a:bodyPr>
           <a:lstStyle/>
           <a:p>
             <a:pPr algn="ctr"/>
             <a:r>
-              <a:rPr lang="fr-FR" sz="2400" dirty="0"/>
-              <a:t>Java 11</a:t>
-            </a:r>
+              <a:rPr lang="fr-FR" sz="4000" dirty="0">
+                <a:hlinkClick r:id="rId2"/>
+              </a:rPr>
+              <a:t>JEP 394</a:t>
+            </a:r>
+            <a:endParaRPr lang="fr-FR" sz="4000" dirty="0"/>
           </a:p>
         </p:txBody>
       </p:sp>
     </p:spTree>
     <p:extLst>
       <p:ext uri="{BB962C8B-B14F-4D97-AF65-F5344CB8AC3E}">
-        <p14:creationId xmlns:p14="http://schemas.microsoft.com/office/powerpoint/2010/main" val="449311541"/>
+        <p14:creationId xmlns:p14="http://schemas.microsoft.com/office/powerpoint/2010/main" val="1593909949"/>
       </p:ext>
     </p:extLst>
   </p:cSld>
@@ -11916,10 +12414,10 @@
       </p:sp>
       <p:pic>
         <p:nvPicPr>
-          <p:cNvPr id="7" name="Espace réservé du contenu 6" descr="Une image contenant texte&#10;&#10;Description générée automatiquement">
+          <p:cNvPr id="12" name="Espace réservé du contenu 11" descr="Une image contenant texte&#10;&#10;Description générée automatiquement">
             <a:extLst>
               <a:ext uri="{FF2B5EF4-FFF2-40B4-BE49-F238E27FC236}">
-                <a16:creationId xmlns:a16="http://schemas.microsoft.com/office/drawing/2014/main" id="{E834EADD-20AF-441F-9861-9EA77E6006EB}"/>
+                <a16:creationId xmlns:a16="http://schemas.microsoft.com/office/drawing/2014/main" id="{34F97AFC-7CE7-4CE6-998F-FFBCF74D60D3}"/>
               </a:ext>
             </a:extLst>
           </p:cNvPr>
@@ -11944,17 +12442,17 @@
         </p:blipFill>
         <p:spPr>
           <a:xfrm>
-            <a:off x="1867694" y="2555297"/>
-            <a:ext cx="8456612" cy="3236796"/>
+            <a:off x="1850773" y="2515018"/>
+            <a:ext cx="8490454" cy="3763545"/>
           </a:xfrm>
         </p:spPr>
       </p:pic>
       <p:sp>
         <p:nvSpPr>
-          <p:cNvPr id="5" name="ZoneTexte 4">
+          <p:cNvPr id="13" name="ZoneTexte 12">
             <a:extLst>
               <a:ext uri="{FF2B5EF4-FFF2-40B4-BE49-F238E27FC236}">
-                <a16:creationId xmlns:a16="http://schemas.microsoft.com/office/drawing/2014/main" id="{95E68526-BF2F-4571-9B96-230C7CDB6D59}"/>
+                <a16:creationId xmlns:a16="http://schemas.microsoft.com/office/drawing/2014/main" id="{E3E0627E-5E75-4CB9-B736-254550B83448}"/>
               </a:ext>
             </a:extLst>
           </p:cNvPr>
@@ -11963,8 +12461,8 @@
         </p:nvSpPr>
         <p:spPr>
           <a:xfrm>
-            <a:off x="1867694" y="2093632"/>
-            <a:ext cx="8456612" cy="461665"/>
+            <a:off x="1850773" y="2053353"/>
+            <a:ext cx="8490454" cy="461665"/>
           </a:xfrm>
           <a:prstGeom prst="rect">
             <a:avLst/>
@@ -11980,7 +12478,7 @@
             <a:pPr algn="ctr"/>
             <a:r>
               <a:rPr lang="fr-FR" sz="2400" dirty="0"/>
-              <a:t>Java 17</a:t>
+              <a:t>Java 11</a:t>
             </a:r>
           </a:p>
         </p:txBody>
@@ -11988,7 +12486,7 @@
     </p:spTree>
     <p:extLst>
       <p:ext uri="{BB962C8B-B14F-4D97-AF65-F5344CB8AC3E}">
-        <p14:creationId xmlns:p14="http://schemas.microsoft.com/office/powerpoint/2010/main" val="1818419250"/>
+        <p14:creationId xmlns:p14="http://schemas.microsoft.com/office/powerpoint/2010/main" val="449311541"/>
       </p:ext>
     </p:extLst>
   </p:cSld>
@@ -12020,7 +12518,7 @@
           <p:cNvPr id="2" name="Titre 1">
             <a:extLst>
               <a:ext uri="{FF2B5EF4-FFF2-40B4-BE49-F238E27FC236}">
-                <a16:creationId xmlns:a16="http://schemas.microsoft.com/office/drawing/2014/main" id="{771BD97B-BCF0-4516-89AB-2A00110D79A7}"/>
+                <a16:creationId xmlns:a16="http://schemas.microsoft.com/office/drawing/2014/main" id="{E5C9D29C-AE6D-45B1-B9D3-106826227453}"/>
               </a:ext>
             </a:extLst>
           </p:cNvPr>
@@ -12031,28 +12529,19 @@
             <p:ph type="title"/>
           </p:nvPr>
         </p:nvSpPr>
-        <p:spPr>
-          <a:xfrm>
-            <a:off x="1097280" y="2479336"/>
-            <a:ext cx="10058400" cy="1635178"/>
-          </a:xfrm>
-        </p:spPr>
+        <p:spPr/>
         <p:txBody>
           <a:bodyPr/>
           <a:lstStyle/>
           <a:p>
             <a:pPr algn="ctr"/>
             <a:r>
+              <a:rPr lang="fr-FR" dirty="0"/>
+              <a:t>Covered </a:t>
+            </a:r>
+            <a:r>
               <a:rPr lang="fr-FR" dirty="0" err="1"/>
-              <a:t>Preview</a:t>
-            </a:r>
-            <a:r>
-              <a:rPr lang="fr-FR" dirty="0"/>
-              <a:t> </a:t>
-            </a:r>
-            <a:r>
-              <a:rPr lang="fr-FR" dirty="0" err="1"/>
-              <a:t>Features</a:t>
+              <a:t>JEPs</a:t>
             </a:r>
             <a:endParaRPr lang="fr-FR" dirty="0"/>
           </a:p>
@@ -12063,7 +12552,7 @@
           <p:cNvPr id="4" name="Espace réservé du numéro de diapositive 3">
             <a:extLst>
               <a:ext uri="{FF2B5EF4-FFF2-40B4-BE49-F238E27FC236}">
-                <a16:creationId xmlns:a16="http://schemas.microsoft.com/office/drawing/2014/main" id="{E2417486-AE2E-40EB-9FD4-6373FECB55F7}"/>
+                <a16:creationId xmlns:a16="http://schemas.microsoft.com/office/drawing/2014/main" id="{9EF3796C-0468-41E7-B03F-D7A2CF73FD65}"/>
               </a:ext>
             </a:extLst>
           </p:cNvPr>
@@ -12087,49 +12576,10 @@
           </a:p>
         </p:txBody>
       </p:sp>
-      <p:sp>
-        <p:nvSpPr>
-          <p:cNvPr id="6" name="Espace réservé du texte 5">
-            <a:extLst>
-              <a:ext uri="{FF2B5EF4-FFF2-40B4-BE49-F238E27FC236}">
-                <a16:creationId xmlns:a16="http://schemas.microsoft.com/office/drawing/2014/main" id="{08E130C1-B7A1-4125-A138-8B742C339780}"/>
-              </a:ext>
-            </a:extLst>
-          </p:cNvPr>
-          <p:cNvSpPr>
-            <a:spLocks noGrp="1"/>
-          </p:cNvSpPr>
-          <p:nvPr>
-            <p:ph type="body" idx="1"/>
-          </p:nvPr>
-        </p:nvSpPr>
-        <p:spPr>
-          <a:xfrm>
-            <a:off x="1097280" y="4515271"/>
-            <a:ext cx="10058400" cy="1143000"/>
-          </a:xfrm>
-        </p:spPr>
-        <p:txBody>
-          <a:bodyPr>
-            <a:normAutofit/>
-          </a:bodyPr>
-          <a:lstStyle/>
-          <a:p>
-            <a:pPr algn="ctr"/>
-            <a:r>
-              <a:rPr lang="fr-FR" sz="4000" dirty="0">
-                <a:hlinkClick r:id="rId2"/>
-              </a:rPr>
-              <a:t>JEP 12</a:t>
-            </a:r>
-            <a:endParaRPr lang="fr-FR" sz="4000" dirty="0"/>
-          </a:p>
-        </p:txBody>
-      </p:sp>
     </p:spTree>
     <p:extLst>
       <p:ext uri="{BB962C8B-B14F-4D97-AF65-F5344CB8AC3E}">
-        <p14:creationId xmlns:p14="http://schemas.microsoft.com/office/powerpoint/2010/main" val="3897539062"/>
+        <p14:creationId xmlns:p14="http://schemas.microsoft.com/office/powerpoint/2010/main" val="1900771081"/>
       </p:ext>
     </p:extLst>
   </p:cSld>
@@ -12180,6 +12630,170 @@
             <a:pPr algn="ctr"/>
             <a:r>
               <a:rPr lang="fr-FR" dirty="0"/>
+              <a:t>Pattern Matching for </a:t>
+            </a:r>
+            <a:r>
+              <a:rPr lang="fr-FR" dirty="0" err="1"/>
+              <a:t>instanceof</a:t>
+            </a:r>
+            <a:endParaRPr lang="fr-FR" dirty="0"/>
+          </a:p>
+        </p:txBody>
+      </p:sp>
+      <p:sp>
+        <p:nvSpPr>
+          <p:cNvPr id="4" name="Espace réservé du numéro de diapositive 3">
+            <a:extLst>
+              <a:ext uri="{FF2B5EF4-FFF2-40B4-BE49-F238E27FC236}">
+                <a16:creationId xmlns:a16="http://schemas.microsoft.com/office/drawing/2014/main" id="{9EF3796C-0468-41E7-B03F-D7A2CF73FD65}"/>
+              </a:ext>
+            </a:extLst>
+          </p:cNvPr>
+          <p:cNvSpPr>
+            <a:spLocks noGrp="1"/>
+          </p:cNvSpPr>
+          <p:nvPr>
+            <p:ph type="sldNum" sz="quarter" idx="12"/>
+          </p:nvPr>
+        </p:nvSpPr>
+        <p:spPr/>
+        <p:txBody>
+          <a:bodyPr/>
+          <a:lstStyle/>
+          <a:p>
+            <a:fld id="{4EA40E75-4466-4188-A2CC-18D20372CC4F}" type="slidenum">
+              <a:rPr lang="fr-FR" smtClean="0"/>
+              <a:t>30</a:t>
+            </a:fld>
+            <a:endParaRPr lang="fr-FR"/>
+          </a:p>
+        </p:txBody>
+      </p:sp>
+      <p:pic>
+        <p:nvPicPr>
+          <p:cNvPr id="7" name="Espace réservé du contenu 6" descr="Une image contenant texte&#10;&#10;Description générée automatiquement">
+            <a:extLst>
+              <a:ext uri="{FF2B5EF4-FFF2-40B4-BE49-F238E27FC236}">
+                <a16:creationId xmlns:a16="http://schemas.microsoft.com/office/drawing/2014/main" id="{E834EADD-20AF-441F-9861-9EA77E6006EB}"/>
+              </a:ext>
+            </a:extLst>
+          </p:cNvPr>
+          <p:cNvPicPr>
+            <a:picLocks noGrp="1" noChangeAspect="1"/>
+          </p:cNvPicPr>
+          <p:nvPr>
+            <p:ph idx="1"/>
+          </p:nvPr>
+        </p:nvPicPr>
+        <p:blipFill>
+          <a:blip r:embed="rId3">
+            <a:extLst>
+              <a:ext uri="{28A0092B-C50C-407E-A947-70E740481C1C}">
+                <a14:useLocalDpi xmlns:a14="http://schemas.microsoft.com/office/drawing/2010/main" val="0"/>
+              </a:ext>
+            </a:extLst>
+          </a:blip>
+          <a:stretch>
+            <a:fillRect/>
+          </a:stretch>
+        </p:blipFill>
+        <p:spPr>
+          <a:xfrm>
+            <a:off x="1867694" y="2555297"/>
+            <a:ext cx="8456612" cy="3236796"/>
+          </a:xfrm>
+        </p:spPr>
+      </p:pic>
+      <p:sp>
+        <p:nvSpPr>
+          <p:cNvPr id="5" name="ZoneTexte 4">
+            <a:extLst>
+              <a:ext uri="{FF2B5EF4-FFF2-40B4-BE49-F238E27FC236}">
+                <a16:creationId xmlns:a16="http://schemas.microsoft.com/office/drawing/2014/main" id="{95E68526-BF2F-4571-9B96-230C7CDB6D59}"/>
+              </a:ext>
+            </a:extLst>
+          </p:cNvPr>
+          <p:cNvSpPr txBox="1"/>
+          <p:nvPr/>
+        </p:nvSpPr>
+        <p:spPr>
+          <a:xfrm>
+            <a:off x="1867694" y="2093632"/>
+            <a:ext cx="8456612" cy="461665"/>
+          </a:xfrm>
+          <a:prstGeom prst="rect">
+            <a:avLst/>
+          </a:prstGeom>
+          <a:noFill/>
+        </p:spPr>
+        <p:txBody>
+          <a:bodyPr wrap="square" rtlCol="0">
+            <a:spAutoFit/>
+          </a:bodyPr>
+          <a:lstStyle/>
+          <a:p>
+            <a:pPr algn="ctr"/>
+            <a:r>
+              <a:rPr lang="fr-FR" sz="2400" dirty="0"/>
+              <a:t>Java 17</a:t>
+            </a:r>
+          </a:p>
+        </p:txBody>
+      </p:sp>
+    </p:spTree>
+    <p:extLst>
+      <p:ext uri="{BB962C8B-B14F-4D97-AF65-F5344CB8AC3E}">
+        <p14:creationId xmlns:p14="http://schemas.microsoft.com/office/powerpoint/2010/main" val="1818419250"/>
+      </p:ext>
+    </p:extLst>
+  </p:cSld>
+  <p:clrMapOvr>
+    <a:masterClrMapping/>
+  </p:clrMapOvr>
+</p:sld>
+</file>
+
+<file path=ppt/slides/slide31.xml><?xml version="1.0" encoding="utf-8"?>
+<p:sld xmlns:a="http://schemas.openxmlformats.org/drawingml/2006/main" xmlns:r="http://schemas.openxmlformats.org/officeDocument/2006/relationships" xmlns:p="http://schemas.openxmlformats.org/presentationml/2006/main">
+  <p:cSld>
+    <p:spTree>
+      <p:nvGrpSpPr>
+        <p:cNvPr id="1" name=""/>
+        <p:cNvGrpSpPr/>
+        <p:nvPr/>
+      </p:nvGrpSpPr>
+      <p:grpSpPr>
+        <a:xfrm>
+          <a:off x="0" y="0"/>
+          <a:ext cx="0" cy="0"/>
+          <a:chOff x="0" y="0"/>
+          <a:chExt cx="0" cy="0"/>
+        </a:xfrm>
+      </p:grpSpPr>
+      <p:sp>
+        <p:nvSpPr>
+          <p:cNvPr id="2" name="Titre 1">
+            <a:extLst>
+              <a:ext uri="{FF2B5EF4-FFF2-40B4-BE49-F238E27FC236}">
+                <a16:creationId xmlns:a16="http://schemas.microsoft.com/office/drawing/2014/main" id="{E5C9D29C-AE6D-45B1-B9D3-106826227453}"/>
+              </a:ext>
+            </a:extLst>
+          </p:cNvPr>
+          <p:cNvSpPr>
+            <a:spLocks noGrp="1"/>
+          </p:cNvSpPr>
+          <p:nvPr>
+            <p:ph type="title"/>
+          </p:nvPr>
+        </p:nvSpPr>
+        <p:spPr/>
+        <p:txBody>
+          <a:bodyPr/>
+          <a:lstStyle/>
+          <a:p>
+            <a:pPr algn="ctr"/>
+            <a:r>
+              <a:rPr lang="fr-FR" dirty="0"/>
               <a:t>Pattern Matching for switch</a:t>
             </a:r>
           </a:p>
@@ -12290,7 +12904,7 @@
           <a:p>
             <a:fld id="{4EA40E75-4466-4188-A2CC-18D20372CC4F}" type="slidenum">
               <a:rPr lang="fr-FR" smtClean="0"/>
-              <a:t>30</a:t>
+              <a:t>31</a:t>
             </a:fld>
             <a:endParaRPr lang="fr-FR"/>
           </a:p>
@@ -12440,124 +13054,6 @@
 </p:sld>
 </file>
 
-<file path=ppt/slides/slide31.xml><?xml version="1.0" encoding="utf-8"?>
-<p:sld xmlns:a="http://schemas.openxmlformats.org/drawingml/2006/main" xmlns:r="http://schemas.openxmlformats.org/officeDocument/2006/relationships" xmlns:p="http://schemas.openxmlformats.org/presentationml/2006/main">
-  <p:cSld>
-    <p:spTree>
-      <p:nvGrpSpPr>
-        <p:cNvPr id="1" name=""/>
-        <p:cNvGrpSpPr/>
-        <p:nvPr/>
-      </p:nvGrpSpPr>
-      <p:grpSpPr>
-        <a:xfrm>
-          <a:off x="0" y="0"/>
-          <a:ext cx="0" cy="0"/>
-          <a:chOff x="0" y="0"/>
-          <a:chExt cx="0" cy="0"/>
-        </a:xfrm>
-      </p:grpSpPr>
-      <p:sp>
-        <p:nvSpPr>
-          <p:cNvPr id="2" name="Titre 1">
-            <a:extLst>
-              <a:ext uri="{FF2B5EF4-FFF2-40B4-BE49-F238E27FC236}">
-                <a16:creationId xmlns:a16="http://schemas.microsoft.com/office/drawing/2014/main" id="{771BD97B-BCF0-4516-89AB-2A00110D79A7}"/>
-              </a:ext>
-            </a:extLst>
-          </p:cNvPr>
-          <p:cNvSpPr>
-            <a:spLocks noGrp="1"/>
-          </p:cNvSpPr>
-          <p:nvPr>
-            <p:ph type="title"/>
-          </p:nvPr>
-        </p:nvSpPr>
-        <p:spPr>
-          <a:xfrm>
-            <a:off x="1097280" y="2479336"/>
-            <a:ext cx="10058400" cy="1635178"/>
-          </a:xfrm>
-        </p:spPr>
-        <p:txBody>
-          <a:bodyPr/>
-          <a:lstStyle/>
-          <a:p>
-            <a:pPr algn="ctr"/>
-            <a:r>
-              <a:rPr lang="fr-FR" dirty="0"/>
-              <a:t>API Evolution</a:t>
-            </a:r>
-          </a:p>
-        </p:txBody>
-      </p:sp>
-      <p:sp>
-        <p:nvSpPr>
-          <p:cNvPr id="4" name="Espace réservé du numéro de diapositive 3">
-            <a:extLst>
-              <a:ext uri="{FF2B5EF4-FFF2-40B4-BE49-F238E27FC236}">
-                <a16:creationId xmlns:a16="http://schemas.microsoft.com/office/drawing/2014/main" id="{E2417486-AE2E-40EB-9FD4-6373FECB55F7}"/>
-              </a:ext>
-            </a:extLst>
-          </p:cNvPr>
-          <p:cNvSpPr>
-            <a:spLocks noGrp="1"/>
-          </p:cNvSpPr>
-          <p:nvPr>
-            <p:ph type="sldNum" sz="quarter" idx="12"/>
-          </p:nvPr>
-        </p:nvSpPr>
-        <p:spPr/>
-        <p:txBody>
-          <a:bodyPr/>
-          <a:lstStyle/>
-          <a:p>
-            <a:fld id="{4EA40E75-4466-4188-A2CC-18D20372CC4F}" type="slidenum">
-              <a:rPr lang="fr-FR" smtClean="0"/>
-              <a:t>31</a:t>
-            </a:fld>
-            <a:endParaRPr lang="fr-FR"/>
-          </a:p>
-        </p:txBody>
-      </p:sp>
-      <p:sp>
-        <p:nvSpPr>
-          <p:cNvPr id="5" name="Espace réservé du texte 4">
-            <a:extLst>
-              <a:ext uri="{FF2B5EF4-FFF2-40B4-BE49-F238E27FC236}">
-                <a16:creationId xmlns:a16="http://schemas.microsoft.com/office/drawing/2014/main" id="{AED7C2A7-7AD5-4FE4-B1FC-332FA216EC98}"/>
-              </a:ext>
-            </a:extLst>
-          </p:cNvPr>
-          <p:cNvSpPr>
-            <a:spLocks noGrp="1"/>
-          </p:cNvSpPr>
-          <p:nvPr>
-            <p:ph type="body" idx="1"/>
-          </p:nvPr>
-        </p:nvSpPr>
-        <p:spPr/>
-        <p:txBody>
-          <a:bodyPr/>
-          <a:lstStyle/>
-          <a:p>
-            <a:endParaRPr lang="fr-FR"/>
-          </a:p>
-        </p:txBody>
-      </p:sp>
-    </p:spTree>
-    <p:extLst>
-      <p:ext uri="{BB962C8B-B14F-4D97-AF65-F5344CB8AC3E}">
-        <p14:creationId xmlns:p14="http://schemas.microsoft.com/office/powerpoint/2010/main" val="1451015180"/>
-      </p:ext>
-    </p:extLst>
-  </p:cSld>
-  <p:clrMapOvr>
-    <a:masterClrMapping/>
-  </p:clrMapOvr>
-</p:sld>
-</file>
-
 <file path=ppt/slides/slide32.xml><?xml version="1.0" encoding="utf-8"?>
 <p:sld xmlns:a="http://schemas.openxmlformats.org/drawingml/2006/main" xmlns:r="http://schemas.openxmlformats.org/officeDocument/2006/relationships" xmlns:p="http://schemas.openxmlformats.org/presentationml/2006/main">
   <p:cSld>
@@ -12580,6 +13076,124 @@
           <p:cNvPr id="2" name="Titre 1">
             <a:extLst>
               <a:ext uri="{FF2B5EF4-FFF2-40B4-BE49-F238E27FC236}">
+                <a16:creationId xmlns:a16="http://schemas.microsoft.com/office/drawing/2014/main" id="{771BD97B-BCF0-4516-89AB-2A00110D79A7}"/>
+              </a:ext>
+            </a:extLst>
+          </p:cNvPr>
+          <p:cNvSpPr>
+            <a:spLocks noGrp="1"/>
+          </p:cNvSpPr>
+          <p:nvPr>
+            <p:ph type="title"/>
+          </p:nvPr>
+        </p:nvSpPr>
+        <p:spPr>
+          <a:xfrm>
+            <a:off x="1097280" y="2479336"/>
+            <a:ext cx="10058400" cy="1635178"/>
+          </a:xfrm>
+        </p:spPr>
+        <p:txBody>
+          <a:bodyPr/>
+          <a:lstStyle/>
+          <a:p>
+            <a:pPr algn="ctr"/>
+            <a:r>
+              <a:rPr lang="fr-FR" dirty="0"/>
+              <a:t>API Evolution</a:t>
+            </a:r>
+          </a:p>
+        </p:txBody>
+      </p:sp>
+      <p:sp>
+        <p:nvSpPr>
+          <p:cNvPr id="4" name="Espace réservé du numéro de diapositive 3">
+            <a:extLst>
+              <a:ext uri="{FF2B5EF4-FFF2-40B4-BE49-F238E27FC236}">
+                <a16:creationId xmlns:a16="http://schemas.microsoft.com/office/drawing/2014/main" id="{E2417486-AE2E-40EB-9FD4-6373FECB55F7}"/>
+              </a:ext>
+            </a:extLst>
+          </p:cNvPr>
+          <p:cNvSpPr>
+            <a:spLocks noGrp="1"/>
+          </p:cNvSpPr>
+          <p:nvPr>
+            <p:ph type="sldNum" sz="quarter" idx="12"/>
+          </p:nvPr>
+        </p:nvSpPr>
+        <p:spPr/>
+        <p:txBody>
+          <a:bodyPr/>
+          <a:lstStyle/>
+          <a:p>
+            <a:fld id="{4EA40E75-4466-4188-A2CC-18D20372CC4F}" type="slidenum">
+              <a:rPr lang="fr-FR" smtClean="0"/>
+              <a:t>32</a:t>
+            </a:fld>
+            <a:endParaRPr lang="fr-FR"/>
+          </a:p>
+        </p:txBody>
+      </p:sp>
+      <p:sp>
+        <p:nvSpPr>
+          <p:cNvPr id="5" name="Espace réservé du texte 4">
+            <a:extLst>
+              <a:ext uri="{FF2B5EF4-FFF2-40B4-BE49-F238E27FC236}">
+                <a16:creationId xmlns:a16="http://schemas.microsoft.com/office/drawing/2014/main" id="{AED7C2A7-7AD5-4FE4-B1FC-332FA216EC98}"/>
+              </a:ext>
+            </a:extLst>
+          </p:cNvPr>
+          <p:cNvSpPr>
+            <a:spLocks noGrp="1"/>
+          </p:cNvSpPr>
+          <p:nvPr>
+            <p:ph type="body" idx="1"/>
+          </p:nvPr>
+        </p:nvSpPr>
+        <p:spPr/>
+        <p:txBody>
+          <a:bodyPr/>
+          <a:lstStyle/>
+          <a:p>
+            <a:endParaRPr lang="fr-FR"/>
+          </a:p>
+        </p:txBody>
+      </p:sp>
+    </p:spTree>
+    <p:extLst>
+      <p:ext uri="{BB962C8B-B14F-4D97-AF65-F5344CB8AC3E}">
+        <p14:creationId xmlns:p14="http://schemas.microsoft.com/office/powerpoint/2010/main" val="1451015180"/>
+      </p:ext>
+    </p:extLst>
+  </p:cSld>
+  <p:clrMapOvr>
+    <a:masterClrMapping/>
+  </p:clrMapOvr>
+</p:sld>
+</file>
+
+<file path=ppt/slides/slide33.xml><?xml version="1.0" encoding="utf-8"?>
+<p:sld xmlns:a="http://schemas.openxmlformats.org/drawingml/2006/main" xmlns:r="http://schemas.openxmlformats.org/officeDocument/2006/relationships" xmlns:p="http://schemas.openxmlformats.org/presentationml/2006/main">
+  <p:cSld>
+    <p:spTree>
+      <p:nvGrpSpPr>
+        <p:cNvPr id="1" name=""/>
+        <p:cNvGrpSpPr/>
+        <p:nvPr/>
+      </p:nvGrpSpPr>
+      <p:grpSpPr>
+        <a:xfrm>
+          <a:off x="0" y="0"/>
+          <a:ext cx="0" cy="0"/>
+          <a:chOff x="0" y="0"/>
+          <a:chExt cx="0" cy="0"/>
+        </a:xfrm>
+      </p:grpSpPr>
+      <p:sp>
+        <p:nvSpPr>
+          <p:cNvPr id="2" name="Titre 1">
+            <a:extLst>
+              <a:ext uri="{FF2B5EF4-FFF2-40B4-BE49-F238E27FC236}">
                 <a16:creationId xmlns:a16="http://schemas.microsoft.com/office/drawing/2014/main" id="{E5C9D29C-AE6D-45B1-B9D3-106826227453}"/>
               </a:ext>
             </a:extLst>
@@ -12627,7 +13241,7 @@
           <a:p>
             <a:fld id="{4EA40E75-4466-4188-A2CC-18D20372CC4F}" type="slidenum">
               <a:rPr lang="fr-FR" smtClean="0"/>
-              <a:t>32</a:t>
+              <a:t>33</a:t>
             </a:fld>
             <a:endParaRPr lang="fr-FR"/>
           </a:p>
@@ -12682,7 +13296,7 @@
 </p:sld>
 </file>
 
-<file path=ppt/slides/slide33.xml><?xml version="1.0" encoding="utf-8"?>
+<file path=ppt/slides/slide34.xml><?xml version="1.0" encoding="utf-8"?>
 <p:sld xmlns:a="http://schemas.openxmlformats.org/drawingml/2006/main" xmlns:r="http://schemas.openxmlformats.org/officeDocument/2006/relationships" xmlns:p="http://schemas.openxmlformats.org/presentationml/2006/main">
   <p:cSld>
     <p:spTree>
@@ -12751,7 +13365,7 @@
           <a:p>
             <a:fld id="{4EA40E75-4466-4188-A2CC-18D20372CC4F}" type="slidenum">
               <a:rPr lang="fr-FR" smtClean="0"/>
-              <a:t>33</a:t>
+              <a:t>34</a:t>
             </a:fld>
             <a:endParaRPr lang="fr-FR"/>
           </a:p>
@@ -12914,7 +13528,7 @@
 </p:sld>
 </file>
 
-<file path=ppt/slides/slide34.xml><?xml version="1.0" encoding="utf-8"?>
+<file path=ppt/slides/slide35.xml><?xml version="1.0" encoding="utf-8"?>
 <p:sld xmlns:a="http://schemas.openxmlformats.org/drawingml/2006/main" xmlns:r="http://schemas.openxmlformats.org/officeDocument/2006/relationships" xmlns:p="http://schemas.openxmlformats.org/presentationml/2006/main">
   <p:cSld>
     <p:spTree>
@@ -12983,7 +13597,7 @@
           <a:p>
             <a:fld id="{4EA40E75-4466-4188-A2CC-18D20372CC4F}" type="slidenum">
               <a:rPr lang="fr-FR" smtClean="0"/>
-              <a:t>34</a:t>
+              <a:t>35</a:t>
             </a:fld>
             <a:endParaRPr lang="fr-FR"/>
           </a:p>
@@ -13052,6 +13666,872 @@
     <p:extLst>
       <p:ext uri="{BB962C8B-B14F-4D97-AF65-F5344CB8AC3E}">
         <p14:creationId xmlns:p14="http://schemas.microsoft.com/office/powerpoint/2010/main" val="4002278459"/>
+      </p:ext>
+    </p:extLst>
+  </p:cSld>
+  <p:clrMapOvr>
+    <a:masterClrMapping/>
+  </p:clrMapOvr>
+</p:sld>
+</file>
+
+<file path=ppt/slides/slide36.xml><?xml version="1.0" encoding="utf-8"?>
+<p:sld xmlns:a="http://schemas.openxmlformats.org/drawingml/2006/main" xmlns:r="http://schemas.openxmlformats.org/officeDocument/2006/relationships" xmlns:p="http://schemas.openxmlformats.org/presentationml/2006/main">
+  <p:cSld>
+    <p:spTree>
+      <p:nvGrpSpPr>
+        <p:cNvPr id="1" name=""/>
+        <p:cNvGrpSpPr/>
+        <p:nvPr/>
+      </p:nvGrpSpPr>
+      <p:grpSpPr>
+        <a:xfrm>
+          <a:off x="0" y="0"/>
+          <a:ext cx="0" cy="0"/>
+          <a:chOff x="0" y="0"/>
+          <a:chExt cx="0" cy="0"/>
+        </a:xfrm>
+      </p:grpSpPr>
+      <p:sp>
+        <p:nvSpPr>
+          <p:cNvPr id="2" name="Titre 1">
+            <a:extLst>
+              <a:ext uri="{FF2B5EF4-FFF2-40B4-BE49-F238E27FC236}">
+                <a16:creationId xmlns:a16="http://schemas.microsoft.com/office/drawing/2014/main" id="{771BD97B-BCF0-4516-89AB-2A00110D79A7}"/>
+              </a:ext>
+            </a:extLst>
+          </p:cNvPr>
+          <p:cNvSpPr>
+            <a:spLocks noGrp="1"/>
+          </p:cNvSpPr>
+          <p:nvPr>
+            <p:ph type="title"/>
+          </p:nvPr>
+        </p:nvSpPr>
+        <p:spPr>
+          <a:xfrm>
+            <a:off x="1002597" y="2479336"/>
+            <a:ext cx="10186805" cy="1635178"/>
+          </a:xfrm>
+        </p:spPr>
+        <p:txBody>
+          <a:bodyPr>
+            <a:normAutofit/>
+          </a:bodyPr>
+          <a:lstStyle/>
+          <a:p>
+            <a:pPr algn="ctr"/>
+            <a:r>
+              <a:rPr lang="fr-FR" dirty="0"/>
+              <a:t>Garbage Collectors</a:t>
+            </a:r>
+          </a:p>
+        </p:txBody>
+      </p:sp>
+      <p:sp>
+        <p:nvSpPr>
+          <p:cNvPr id="4" name="Espace réservé du numéro de diapositive 3">
+            <a:extLst>
+              <a:ext uri="{FF2B5EF4-FFF2-40B4-BE49-F238E27FC236}">
+                <a16:creationId xmlns:a16="http://schemas.microsoft.com/office/drawing/2014/main" id="{E2417486-AE2E-40EB-9FD4-6373FECB55F7}"/>
+              </a:ext>
+            </a:extLst>
+          </p:cNvPr>
+          <p:cNvSpPr>
+            <a:spLocks noGrp="1"/>
+          </p:cNvSpPr>
+          <p:nvPr>
+            <p:ph type="sldNum" sz="quarter" idx="12"/>
+          </p:nvPr>
+        </p:nvSpPr>
+        <p:spPr/>
+        <p:txBody>
+          <a:bodyPr/>
+          <a:lstStyle/>
+          <a:p>
+            <a:fld id="{4EA40E75-4466-4188-A2CC-18D20372CC4F}" type="slidenum">
+              <a:rPr lang="fr-FR" smtClean="0"/>
+              <a:t>36</a:t>
+            </a:fld>
+            <a:endParaRPr lang="fr-FR"/>
+          </a:p>
+        </p:txBody>
+      </p:sp>
+      <p:sp>
+        <p:nvSpPr>
+          <p:cNvPr id="6" name="Espace réservé du texte 5">
+            <a:extLst>
+              <a:ext uri="{FF2B5EF4-FFF2-40B4-BE49-F238E27FC236}">
+                <a16:creationId xmlns:a16="http://schemas.microsoft.com/office/drawing/2014/main" id="{08E130C1-B7A1-4125-A138-8B742C339780}"/>
+              </a:ext>
+            </a:extLst>
+          </p:cNvPr>
+          <p:cNvSpPr>
+            <a:spLocks noGrp="1"/>
+          </p:cNvSpPr>
+          <p:nvPr>
+            <p:ph type="body" idx="1"/>
+          </p:nvPr>
+        </p:nvSpPr>
+        <p:spPr>
+          <a:xfrm>
+            <a:off x="1097280" y="4515271"/>
+            <a:ext cx="10058400" cy="1495004"/>
+          </a:xfrm>
+        </p:spPr>
+        <p:txBody>
+          <a:bodyPr>
+            <a:normAutofit/>
+          </a:bodyPr>
+          <a:lstStyle/>
+          <a:p>
+            <a:pPr algn="ctr"/>
+            <a:r>
+              <a:rPr lang="fr-FR" sz="4000" dirty="0">
+                <a:hlinkClick r:id="rId2"/>
+              </a:rPr>
+              <a:t>JEP 344</a:t>
+            </a:r>
+            <a:r>
+              <a:rPr lang="fr-FR" sz="4000" dirty="0"/>
+              <a:t> </a:t>
+            </a:r>
+            <a:r>
+              <a:rPr lang="fr-FR" sz="4000" dirty="0">
+                <a:hlinkClick r:id="rId3"/>
+              </a:rPr>
+              <a:t>JEP 351</a:t>
+            </a:r>
+            <a:r>
+              <a:rPr lang="fr-FR" sz="4000" dirty="0"/>
+              <a:t> </a:t>
+            </a:r>
+            <a:r>
+              <a:rPr lang="fr-FR" sz="4000" dirty="0">
+                <a:hlinkClick r:id="rId4"/>
+              </a:rPr>
+              <a:t>JEP 345</a:t>
+            </a:r>
+            <a:r>
+              <a:rPr lang="fr-FR" sz="4000" dirty="0"/>
+              <a:t> </a:t>
+            </a:r>
+            <a:r>
+              <a:rPr lang="fr-FR" sz="4000" dirty="0">
+                <a:hlinkClick r:id="rId5"/>
+              </a:rPr>
+              <a:t>JEP 364</a:t>
+            </a:r>
+            <a:r>
+              <a:rPr lang="fr-FR" sz="4000" dirty="0"/>
+              <a:t> </a:t>
+            </a:r>
+          </a:p>
+          <a:p>
+            <a:pPr algn="ctr"/>
+            <a:r>
+              <a:rPr lang="fr-FR" sz="4000" dirty="0">
+                <a:hlinkClick r:id="rId6"/>
+              </a:rPr>
+              <a:t>JEP 365</a:t>
+            </a:r>
+            <a:r>
+              <a:rPr lang="fr-FR" sz="4000" dirty="0"/>
+              <a:t> </a:t>
+            </a:r>
+            <a:r>
+              <a:rPr lang="fr-FR" sz="4000" dirty="0">
+                <a:hlinkClick r:id="rId7"/>
+              </a:rPr>
+              <a:t>JEP 377</a:t>
+            </a:r>
+            <a:r>
+              <a:rPr lang="fr-FR" sz="4000" dirty="0"/>
+              <a:t> </a:t>
+            </a:r>
+            <a:r>
+              <a:rPr lang="fr-FR" sz="4000" dirty="0">
+                <a:hlinkClick r:id="rId8"/>
+              </a:rPr>
+              <a:t>JEP 379</a:t>
+            </a:r>
+            <a:r>
+              <a:rPr lang="fr-FR" sz="4000" dirty="0"/>
+              <a:t> </a:t>
+            </a:r>
+            <a:r>
+              <a:rPr lang="fr-FR" sz="4000" dirty="0">
+                <a:hlinkClick r:id="rId9"/>
+              </a:rPr>
+              <a:t>JEP 376</a:t>
+            </a:r>
+            <a:endParaRPr lang="fr-FR" sz="4000" dirty="0"/>
+          </a:p>
+        </p:txBody>
+      </p:sp>
+    </p:spTree>
+    <p:extLst>
+      <p:ext uri="{BB962C8B-B14F-4D97-AF65-F5344CB8AC3E}">
+        <p14:creationId xmlns:p14="http://schemas.microsoft.com/office/powerpoint/2010/main" val="2105161863"/>
+      </p:ext>
+    </p:extLst>
+  </p:cSld>
+  <p:clrMapOvr>
+    <a:masterClrMapping/>
+  </p:clrMapOvr>
+</p:sld>
+</file>
+
+<file path=ppt/slides/slide37.xml><?xml version="1.0" encoding="utf-8"?>
+<p:sld xmlns:a="http://schemas.openxmlformats.org/drawingml/2006/main" xmlns:r="http://schemas.openxmlformats.org/officeDocument/2006/relationships" xmlns:p="http://schemas.openxmlformats.org/presentationml/2006/main">
+  <p:cSld>
+    <p:spTree>
+      <p:nvGrpSpPr>
+        <p:cNvPr id="1" name=""/>
+        <p:cNvGrpSpPr/>
+        <p:nvPr/>
+      </p:nvGrpSpPr>
+      <p:grpSpPr>
+        <a:xfrm>
+          <a:off x="0" y="0"/>
+          <a:ext cx="0" cy="0"/>
+          <a:chOff x="0" y="0"/>
+          <a:chExt cx="0" cy="0"/>
+        </a:xfrm>
+      </p:grpSpPr>
+      <p:sp>
+        <p:nvSpPr>
+          <p:cNvPr id="2" name="Titre 1">
+            <a:extLst>
+              <a:ext uri="{FF2B5EF4-FFF2-40B4-BE49-F238E27FC236}">
+                <a16:creationId xmlns:a16="http://schemas.microsoft.com/office/drawing/2014/main" id="{771BD97B-BCF0-4516-89AB-2A00110D79A7}"/>
+              </a:ext>
+            </a:extLst>
+          </p:cNvPr>
+          <p:cNvSpPr>
+            <a:spLocks noGrp="1"/>
+          </p:cNvSpPr>
+          <p:nvPr>
+            <p:ph type="title"/>
+          </p:nvPr>
+        </p:nvSpPr>
+        <p:spPr>
+          <a:xfrm>
+            <a:off x="1002597" y="2479336"/>
+            <a:ext cx="10186805" cy="1635178"/>
+          </a:xfrm>
+        </p:spPr>
+        <p:txBody>
+          <a:bodyPr>
+            <a:normAutofit/>
+          </a:bodyPr>
+          <a:lstStyle/>
+          <a:p>
+            <a:pPr algn="ctr"/>
+            <a:r>
+              <a:rPr lang="fr-FR" dirty="0"/>
+              <a:t>CDS Archives</a:t>
+            </a:r>
+          </a:p>
+        </p:txBody>
+      </p:sp>
+      <p:sp>
+        <p:nvSpPr>
+          <p:cNvPr id="4" name="Espace réservé du numéro de diapositive 3">
+            <a:extLst>
+              <a:ext uri="{FF2B5EF4-FFF2-40B4-BE49-F238E27FC236}">
+                <a16:creationId xmlns:a16="http://schemas.microsoft.com/office/drawing/2014/main" id="{E2417486-AE2E-40EB-9FD4-6373FECB55F7}"/>
+              </a:ext>
+            </a:extLst>
+          </p:cNvPr>
+          <p:cNvSpPr>
+            <a:spLocks noGrp="1"/>
+          </p:cNvSpPr>
+          <p:nvPr>
+            <p:ph type="sldNum" sz="quarter" idx="12"/>
+          </p:nvPr>
+        </p:nvSpPr>
+        <p:spPr/>
+        <p:txBody>
+          <a:bodyPr/>
+          <a:lstStyle/>
+          <a:p>
+            <a:fld id="{4EA40E75-4466-4188-A2CC-18D20372CC4F}" type="slidenum">
+              <a:rPr lang="fr-FR" smtClean="0"/>
+              <a:t>37</a:t>
+            </a:fld>
+            <a:endParaRPr lang="fr-FR"/>
+          </a:p>
+        </p:txBody>
+      </p:sp>
+      <p:sp>
+        <p:nvSpPr>
+          <p:cNvPr id="6" name="Espace réservé du texte 5">
+            <a:extLst>
+              <a:ext uri="{FF2B5EF4-FFF2-40B4-BE49-F238E27FC236}">
+                <a16:creationId xmlns:a16="http://schemas.microsoft.com/office/drawing/2014/main" id="{08E130C1-B7A1-4125-A138-8B742C339780}"/>
+              </a:ext>
+            </a:extLst>
+          </p:cNvPr>
+          <p:cNvSpPr>
+            <a:spLocks noGrp="1"/>
+          </p:cNvSpPr>
+          <p:nvPr>
+            <p:ph type="body" idx="1"/>
+          </p:nvPr>
+        </p:nvSpPr>
+        <p:spPr>
+          <a:xfrm>
+            <a:off x="1097280" y="4515271"/>
+            <a:ext cx="10058400" cy="1143000"/>
+          </a:xfrm>
+        </p:spPr>
+        <p:txBody>
+          <a:bodyPr>
+            <a:normAutofit/>
+          </a:bodyPr>
+          <a:lstStyle/>
+          <a:p>
+            <a:pPr algn="ctr"/>
+            <a:r>
+              <a:rPr lang="fr-FR" sz="4000" dirty="0">
+                <a:hlinkClick r:id="rId2"/>
+              </a:rPr>
+              <a:t>JEP 341</a:t>
+            </a:r>
+            <a:r>
+              <a:rPr lang="fr-FR" sz="4000" dirty="0"/>
+              <a:t> </a:t>
+            </a:r>
+            <a:r>
+              <a:rPr lang="fr-FR" sz="4000" dirty="0">
+                <a:hlinkClick r:id="rId3"/>
+              </a:rPr>
+              <a:t>JEP 350</a:t>
+            </a:r>
+            <a:endParaRPr lang="fr-FR" sz="4000" dirty="0"/>
+          </a:p>
+        </p:txBody>
+      </p:sp>
+    </p:spTree>
+    <p:extLst>
+      <p:ext uri="{BB962C8B-B14F-4D97-AF65-F5344CB8AC3E}">
+        <p14:creationId xmlns:p14="http://schemas.microsoft.com/office/powerpoint/2010/main" val="923790113"/>
+      </p:ext>
+    </p:extLst>
+  </p:cSld>
+  <p:clrMapOvr>
+    <a:masterClrMapping/>
+  </p:clrMapOvr>
+</p:sld>
+</file>
+
+<file path=ppt/slides/slide38.xml><?xml version="1.0" encoding="utf-8"?>
+<p:sld xmlns:a="http://schemas.openxmlformats.org/drawingml/2006/main" xmlns:r="http://schemas.openxmlformats.org/officeDocument/2006/relationships" xmlns:p="http://schemas.openxmlformats.org/presentationml/2006/main">
+  <p:cSld>
+    <p:spTree>
+      <p:nvGrpSpPr>
+        <p:cNvPr id="1" name=""/>
+        <p:cNvGrpSpPr/>
+        <p:nvPr/>
+      </p:nvGrpSpPr>
+      <p:grpSpPr>
+        <a:xfrm>
+          <a:off x="0" y="0"/>
+          <a:ext cx="0" cy="0"/>
+          <a:chOff x="0" y="0"/>
+          <a:chExt cx="0" cy="0"/>
+        </a:xfrm>
+      </p:grpSpPr>
+      <p:sp>
+        <p:nvSpPr>
+          <p:cNvPr id="2" name="Titre 1">
+            <a:extLst>
+              <a:ext uri="{FF2B5EF4-FFF2-40B4-BE49-F238E27FC236}">
+                <a16:creationId xmlns:a16="http://schemas.microsoft.com/office/drawing/2014/main" id="{E5C9D29C-AE6D-45B1-B9D3-106826227453}"/>
+              </a:ext>
+            </a:extLst>
+          </p:cNvPr>
+          <p:cNvSpPr>
+            <a:spLocks noGrp="1"/>
+          </p:cNvSpPr>
+          <p:nvPr>
+            <p:ph type="title"/>
+          </p:nvPr>
+        </p:nvSpPr>
+        <p:spPr/>
+        <p:txBody>
+          <a:bodyPr/>
+          <a:lstStyle/>
+          <a:p>
+            <a:pPr algn="ctr"/>
+            <a:r>
+              <a:rPr lang="fr-FR" dirty="0"/>
+              <a:t>CDS Archives</a:t>
+            </a:r>
+          </a:p>
+        </p:txBody>
+      </p:sp>
+      <p:sp>
+        <p:nvSpPr>
+          <p:cNvPr id="3" name="Espace réservé du contenu 2">
+            <a:extLst>
+              <a:ext uri="{FF2B5EF4-FFF2-40B4-BE49-F238E27FC236}">
+                <a16:creationId xmlns:a16="http://schemas.microsoft.com/office/drawing/2014/main" id="{8DC1CF38-C9BA-4383-B743-E3E0DE253D70}"/>
+              </a:ext>
+            </a:extLst>
+          </p:cNvPr>
+          <p:cNvSpPr>
+            <a:spLocks noGrp="1"/>
+          </p:cNvSpPr>
+          <p:nvPr>
+            <p:ph idx="1"/>
+          </p:nvPr>
+        </p:nvSpPr>
+        <p:spPr>
+          <a:xfrm>
+            <a:off x="1097280" y="2561359"/>
+            <a:ext cx="10058400" cy="2782165"/>
+          </a:xfrm>
+        </p:spPr>
+        <p:txBody>
+          <a:bodyPr>
+            <a:normAutofit/>
+          </a:bodyPr>
+          <a:lstStyle/>
+          <a:p>
+            <a:pPr marL="0" indent="0" algn="ctr">
+              <a:buNone/>
+            </a:pPr>
+            <a:r>
+              <a:rPr lang="fr-FR" sz="2800" dirty="0"/>
+              <a:t>Exports the </a:t>
+            </a:r>
+            <a:r>
+              <a:rPr lang="fr-FR" sz="2800" dirty="0" err="1"/>
+              <a:t>loaded</a:t>
+            </a:r>
+            <a:r>
+              <a:rPr lang="fr-FR" sz="2800" dirty="0"/>
+              <a:t> classes </a:t>
+            </a:r>
+            <a:r>
+              <a:rPr lang="fr-FR" sz="2800" dirty="0" err="1"/>
+              <a:t>into</a:t>
+            </a:r>
+            <a:r>
+              <a:rPr lang="fr-FR" sz="2800" dirty="0"/>
+              <a:t> an archive</a:t>
+            </a:r>
+          </a:p>
+          <a:p>
+            <a:pPr marL="0" indent="0" algn="ctr">
+              <a:buNone/>
+            </a:pPr>
+            <a:endParaRPr lang="fr-FR" sz="2800" dirty="0"/>
+          </a:p>
+          <a:p>
+            <a:pPr marL="0" indent="0" algn="ctr">
+              <a:buNone/>
+            </a:pPr>
+            <a:r>
+              <a:rPr lang="fr-FR" sz="2800" dirty="0"/>
+              <a:t>The archive is </a:t>
+            </a:r>
+            <a:r>
+              <a:rPr lang="fr-FR" sz="2800" dirty="0" err="1"/>
+              <a:t>imported</a:t>
+            </a:r>
+            <a:r>
+              <a:rPr lang="fr-FR" sz="2800" dirty="0"/>
+              <a:t> at the </a:t>
+            </a:r>
+            <a:r>
+              <a:rPr lang="fr-FR" sz="2800" dirty="0" err="1"/>
+              <a:t>next</a:t>
+            </a:r>
+            <a:r>
+              <a:rPr lang="fr-FR" sz="2800" dirty="0"/>
+              <a:t> run</a:t>
+            </a:r>
+          </a:p>
+          <a:p>
+            <a:pPr marL="0" indent="0" algn="ctr">
+              <a:buNone/>
+            </a:pPr>
+            <a:endParaRPr lang="fr-FR" sz="2800" dirty="0"/>
+          </a:p>
+          <a:p>
+            <a:pPr marL="0" indent="0" algn="ctr">
+              <a:buNone/>
+            </a:pPr>
+            <a:r>
+              <a:rPr lang="fr-FR" sz="2800" dirty="0"/>
+              <a:t>It </a:t>
+            </a:r>
+            <a:r>
+              <a:rPr lang="fr-FR" sz="2800" dirty="0" err="1"/>
+              <a:t>reduces</a:t>
+            </a:r>
+            <a:r>
+              <a:rPr lang="fr-FR" sz="2800" dirty="0"/>
+              <a:t> the startup time and the memory </a:t>
+            </a:r>
+            <a:r>
+              <a:rPr lang="fr-FR" sz="2800" dirty="0" err="1"/>
+              <a:t>consumption</a:t>
+            </a:r>
+            <a:endParaRPr lang="fr-FR" sz="2800" dirty="0"/>
+          </a:p>
+        </p:txBody>
+      </p:sp>
+      <p:sp>
+        <p:nvSpPr>
+          <p:cNvPr id="4" name="Espace réservé du numéro de diapositive 3">
+            <a:extLst>
+              <a:ext uri="{FF2B5EF4-FFF2-40B4-BE49-F238E27FC236}">
+                <a16:creationId xmlns:a16="http://schemas.microsoft.com/office/drawing/2014/main" id="{9EF3796C-0468-41E7-B03F-D7A2CF73FD65}"/>
+              </a:ext>
+            </a:extLst>
+          </p:cNvPr>
+          <p:cNvSpPr>
+            <a:spLocks noGrp="1"/>
+          </p:cNvSpPr>
+          <p:nvPr>
+            <p:ph type="sldNum" sz="quarter" idx="12"/>
+          </p:nvPr>
+        </p:nvSpPr>
+        <p:spPr/>
+        <p:txBody>
+          <a:bodyPr/>
+          <a:lstStyle/>
+          <a:p>
+            <a:fld id="{4EA40E75-4466-4188-A2CC-18D20372CC4F}" type="slidenum">
+              <a:rPr lang="fr-FR" smtClean="0"/>
+              <a:t>38</a:t>
+            </a:fld>
+            <a:endParaRPr lang="fr-FR"/>
+          </a:p>
+        </p:txBody>
+      </p:sp>
+    </p:spTree>
+    <p:extLst>
+      <p:ext uri="{BB962C8B-B14F-4D97-AF65-F5344CB8AC3E}">
+        <p14:creationId xmlns:p14="http://schemas.microsoft.com/office/powerpoint/2010/main" val="3078914324"/>
+      </p:ext>
+    </p:extLst>
+  </p:cSld>
+  <p:clrMapOvr>
+    <a:masterClrMapping/>
+  </p:clrMapOvr>
+  <p:timing>
+    <p:tnLst>
+      <p:par>
+        <p:cTn id="1" dur="indefinite" restart="never" nodeType="tmRoot">
+          <p:childTnLst>
+            <p:seq concurrent="1" nextAc="seek">
+              <p:cTn id="2" dur="indefinite" nodeType="mainSeq">
+                <p:childTnLst>
+                  <p:par>
+                    <p:cTn id="3" fill="hold">
+                      <p:stCondLst>
+                        <p:cond delay="indefinite"/>
+                      </p:stCondLst>
+                      <p:childTnLst>
+                        <p:par>
+                          <p:cTn id="4" fill="hold">
+                            <p:stCondLst>
+                              <p:cond delay="0"/>
+                            </p:stCondLst>
+                            <p:childTnLst>
+                              <p:par>
+                                <p:cTn id="5" presetID="1" presetClass="entr" presetSubtype="0" fill="hold" grpId="0" nodeType="clickEffect">
+                                  <p:stCondLst>
+                                    <p:cond delay="0"/>
+                                  </p:stCondLst>
+                                  <p:childTnLst>
+                                    <p:set>
+                                      <p:cBhvr>
+                                        <p:cTn id="6" dur="1" fill="hold">
+                                          <p:stCondLst>
+                                            <p:cond delay="0"/>
+                                          </p:stCondLst>
+                                        </p:cTn>
+                                        <p:tgtEl>
+                                          <p:spTgt spid="3">
+                                            <p:txEl>
+                                              <p:pRg st="0" end="0"/>
+                                            </p:txEl>
+                                          </p:spTgt>
+                                        </p:tgtEl>
+                                        <p:attrNameLst>
+                                          <p:attrName>style.visibility</p:attrName>
+                                        </p:attrNameLst>
+                                      </p:cBhvr>
+                                      <p:to>
+                                        <p:strVal val="visible"/>
+                                      </p:to>
+                                    </p:set>
+                                  </p:childTnLst>
+                                </p:cTn>
+                              </p:par>
+                            </p:childTnLst>
+                          </p:cTn>
+                        </p:par>
+                      </p:childTnLst>
+                    </p:cTn>
+                  </p:par>
+                  <p:par>
+                    <p:cTn id="7" fill="hold">
+                      <p:stCondLst>
+                        <p:cond delay="indefinite"/>
+                      </p:stCondLst>
+                      <p:childTnLst>
+                        <p:par>
+                          <p:cTn id="8" fill="hold">
+                            <p:stCondLst>
+                              <p:cond delay="0"/>
+                            </p:stCondLst>
+                            <p:childTnLst>
+                              <p:par>
+                                <p:cTn id="9" presetID="1" presetClass="entr" presetSubtype="0" fill="hold" grpId="0" nodeType="clickEffect">
+                                  <p:stCondLst>
+                                    <p:cond delay="0"/>
+                                  </p:stCondLst>
+                                  <p:childTnLst>
+                                    <p:set>
+                                      <p:cBhvr>
+                                        <p:cTn id="10" dur="1" fill="hold">
+                                          <p:stCondLst>
+                                            <p:cond delay="0"/>
+                                          </p:stCondLst>
+                                        </p:cTn>
+                                        <p:tgtEl>
+                                          <p:spTgt spid="3">
+                                            <p:txEl>
+                                              <p:pRg st="2" end="2"/>
+                                            </p:txEl>
+                                          </p:spTgt>
+                                        </p:tgtEl>
+                                        <p:attrNameLst>
+                                          <p:attrName>style.visibility</p:attrName>
+                                        </p:attrNameLst>
+                                      </p:cBhvr>
+                                      <p:to>
+                                        <p:strVal val="visible"/>
+                                      </p:to>
+                                    </p:set>
+                                  </p:childTnLst>
+                                </p:cTn>
+                              </p:par>
+                            </p:childTnLst>
+                          </p:cTn>
+                        </p:par>
+                      </p:childTnLst>
+                    </p:cTn>
+                  </p:par>
+                  <p:par>
+                    <p:cTn id="11" fill="hold">
+                      <p:stCondLst>
+                        <p:cond delay="indefinite"/>
+                      </p:stCondLst>
+                      <p:childTnLst>
+                        <p:par>
+                          <p:cTn id="12" fill="hold">
+                            <p:stCondLst>
+                              <p:cond delay="0"/>
+                            </p:stCondLst>
+                            <p:childTnLst>
+                              <p:par>
+                                <p:cTn id="13" presetID="1" presetClass="entr" presetSubtype="0" fill="hold" grpId="0" nodeType="clickEffect">
+                                  <p:stCondLst>
+                                    <p:cond delay="0"/>
+                                  </p:stCondLst>
+                                  <p:childTnLst>
+                                    <p:set>
+                                      <p:cBhvr>
+                                        <p:cTn id="14" dur="1" fill="hold">
+                                          <p:stCondLst>
+                                            <p:cond delay="0"/>
+                                          </p:stCondLst>
+                                        </p:cTn>
+                                        <p:tgtEl>
+                                          <p:spTgt spid="3">
+                                            <p:txEl>
+                                              <p:pRg st="4" end="4"/>
+                                            </p:txEl>
+                                          </p:spTgt>
+                                        </p:tgtEl>
+                                        <p:attrNameLst>
+                                          <p:attrName>style.visibility</p:attrName>
+                                        </p:attrNameLst>
+                                      </p:cBhvr>
+                                      <p:to>
+                                        <p:strVal val="visible"/>
+                                      </p:to>
+                                    </p:set>
+                                  </p:childTnLst>
+                                </p:cTn>
+                              </p:par>
+                            </p:childTnLst>
+                          </p:cTn>
+                        </p:par>
+                      </p:childTnLst>
+                    </p:cTn>
+                  </p:par>
+                </p:childTnLst>
+              </p:cTn>
+              <p:prevCondLst>
+                <p:cond evt="onPrev" delay="0">
+                  <p:tgtEl>
+                    <p:sldTgt/>
+                  </p:tgtEl>
+                </p:cond>
+              </p:prevCondLst>
+              <p:nextCondLst>
+                <p:cond evt="onNext" delay="0">
+                  <p:tgtEl>
+                    <p:sldTgt/>
+                  </p:tgtEl>
+                </p:cond>
+              </p:nextCondLst>
+            </p:seq>
+          </p:childTnLst>
+        </p:cTn>
+      </p:par>
+    </p:tnLst>
+    <p:bldLst>
+      <p:bldP spid="3" grpId="0" uiExpand="1" build="p"/>
+    </p:bldLst>
+  </p:timing>
+</p:sld>
+</file>
+
+<file path=ppt/slides/slide39.xml><?xml version="1.0" encoding="utf-8"?>
+<p:sld xmlns:a="http://schemas.openxmlformats.org/drawingml/2006/main" xmlns:r="http://schemas.openxmlformats.org/officeDocument/2006/relationships" xmlns:p="http://schemas.openxmlformats.org/presentationml/2006/main">
+  <p:cSld>
+    <p:spTree>
+      <p:nvGrpSpPr>
+        <p:cNvPr id="1" name=""/>
+        <p:cNvGrpSpPr/>
+        <p:nvPr/>
+      </p:nvGrpSpPr>
+      <p:grpSpPr>
+        <a:xfrm>
+          <a:off x="0" y="0"/>
+          <a:ext cx="0" cy="0"/>
+          <a:chOff x="0" y="0"/>
+          <a:chExt cx="0" cy="0"/>
+        </a:xfrm>
+      </p:grpSpPr>
+      <p:sp>
+        <p:nvSpPr>
+          <p:cNvPr id="2" name="Titre 1">
+            <a:extLst>
+              <a:ext uri="{FF2B5EF4-FFF2-40B4-BE49-F238E27FC236}">
+                <a16:creationId xmlns:a16="http://schemas.microsoft.com/office/drawing/2014/main" id="{771BD97B-BCF0-4516-89AB-2A00110D79A7}"/>
+              </a:ext>
+            </a:extLst>
+          </p:cNvPr>
+          <p:cNvSpPr>
+            <a:spLocks noGrp="1"/>
+          </p:cNvSpPr>
+          <p:nvPr>
+            <p:ph type="title"/>
+          </p:nvPr>
+        </p:nvSpPr>
+        <p:spPr>
+          <a:xfrm>
+            <a:off x="1002597" y="2479336"/>
+            <a:ext cx="10186805" cy="1635178"/>
+          </a:xfrm>
+        </p:spPr>
+        <p:txBody>
+          <a:bodyPr>
+            <a:normAutofit/>
+          </a:bodyPr>
+          <a:lstStyle/>
+          <a:p>
+            <a:pPr algn="ctr"/>
+            <a:r>
+              <a:rPr lang="fr-FR" dirty="0"/>
+              <a:t>Packaging Tool</a:t>
+            </a:r>
+          </a:p>
+        </p:txBody>
+      </p:sp>
+      <p:sp>
+        <p:nvSpPr>
+          <p:cNvPr id="4" name="Espace réservé du numéro de diapositive 3">
+            <a:extLst>
+              <a:ext uri="{FF2B5EF4-FFF2-40B4-BE49-F238E27FC236}">
+                <a16:creationId xmlns:a16="http://schemas.microsoft.com/office/drawing/2014/main" id="{E2417486-AE2E-40EB-9FD4-6373FECB55F7}"/>
+              </a:ext>
+            </a:extLst>
+          </p:cNvPr>
+          <p:cNvSpPr>
+            <a:spLocks noGrp="1"/>
+          </p:cNvSpPr>
+          <p:nvPr>
+            <p:ph type="sldNum" sz="quarter" idx="12"/>
+          </p:nvPr>
+        </p:nvSpPr>
+        <p:spPr/>
+        <p:txBody>
+          <a:bodyPr/>
+          <a:lstStyle/>
+          <a:p>
+            <a:fld id="{4EA40E75-4466-4188-A2CC-18D20372CC4F}" type="slidenum">
+              <a:rPr lang="fr-FR" smtClean="0"/>
+              <a:t>39</a:t>
+            </a:fld>
+            <a:endParaRPr lang="fr-FR"/>
+          </a:p>
+        </p:txBody>
+      </p:sp>
+      <p:sp>
+        <p:nvSpPr>
+          <p:cNvPr id="6" name="Espace réservé du texte 5">
+            <a:extLst>
+              <a:ext uri="{FF2B5EF4-FFF2-40B4-BE49-F238E27FC236}">
+                <a16:creationId xmlns:a16="http://schemas.microsoft.com/office/drawing/2014/main" id="{08E130C1-B7A1-4125-A138-8B742C339780}"/>
+              </a:ext>
+            </a:extLst>
+          </p:cNvPr>
+          <p:cNvSpPr>
+            <a:spLocks noGrp="1"/>
+          </p:cNvSpPr>
+          <p:nvPr>
+            <p:ph type="body" idx="1"/>
+          </p:nvPr>
+        </p:nvSpPr>
+        <p:spPr>
+          <a:xfrm>
+            <a:off x="1097280" y="4515271"/>
+            <a:ext cx="10058400" cy="1143000"/>
+          </a:xfrm>
+        </p:spPr>
+        <p:txBody>
+          <a:bodyPr>
+            <a:normAutofit/>
+          </a:bodyPr>
+          <a:lstStyle/>
+          <a:p>
+            <a:pPr algn="ctr"/>
+            <a:r>
+              <a:rPr lang="fr-FR" sz="4000" dirty="0">
+                <a:hlinkClick r:id="rId2"/>
+              </a:rPr>
+              <a:t>JEP 392</a:t>
+            </a:r>
+            <a:endParaRPr lang="fr-FR" sz="4000" dirty="0"/>
+          </a:p>
+        </p:txBody>
+      </p:sp>
+    </p:spTree>
+    <p:extLst>
+      <p:ext uri="{BB962C8B-B14F-4D97-AF65-F5344CB8AC3E}">
+        <p14:creationId xmlns:p14="http://schemas.microsoft.com/office/powerpoint/2010/main" val="3256626407"/>
       </p:ext>
     </p:extLst>
   </p:cSld>
@@ -13083,6 +14563,147 @@
           <p:cNvPr id="2" name="Titre 1">
             <a:extLst>
               <a:ext uri="{FF2B5EF4-FFF2-40B4-BE49-F238E27FC236}">
+                <a16:creationId xmlns:a16="http://schemas.microsoft.com/office/drawing/2014/main" id="{771BD97B-BCF0-4516-89AB-2A00110D79A7}"/>
+              </a:ext>
+            </a:extLst>
+          </p:cNvPr>
+          <p:cNvSpPr>
+            <a:spLocks noGrp="1"/>
+          </p:cNvSpPr>
+          <p:nvPr>
+            <p:ph type="title"/>
+          </p:nvPr>
+        </p:nvSpPr>
+        <p:spPr>
+          <a:xfrm>
+            <a:off x="1097280" y="2479336"/>
+            <a:ext cx="10058400" cy="1635178"/>
+          </a:xfrm>
+        </p:spPr>
+        <p:txBody>
+          <a:bodyPr/>
+          <a:lstStyle/>
+          <a:p>
+            <a:pPr algn="ctr"/>
+            <a:r>
+              <a:rPr lang="fr-FR" dirty="0" err="1"/>
+              <a:t>Preview</a:t>
+            </a:r>
+            <a:r>
+              <a:rPr lang="fr-FR" dirty="0"/>
+              <a:t> </a:t>
+            </a:r>
+            <a:r>
+              <a:rPr lang="fr-FR" dirty="0" err="1"/>
+              <a:t>Features</a:t>
+            </a:r>
+            <a:endParaRPr lang="fr-FR" dirty="0"/>
+          </a:p>
+        </p:txBody>
+      </p:sp>
+      <p:sp>
+        <p:nvSpPr>
+          <p:cNvPr id="4" name="Espace réservé du numéro de diapositive 3">
+            <a:extLst>
+              <a:ext uri="{FF2B5EF4-FFF2-40B4-BE49-F238E27FC236}">
+                <a16:creationId xmlns:a16="http://schemas.microsoft.com/office/drawing/2014/main" id="{E2417486-AE2E-40EB-9FD4-6373FECB55F7}"/>
+              </a:ext>
+            </a:extLst>
+          </p:cNvPr>
+          <p:cNvSpPr>
+            <a:spLocks noGrp="1"/>
+          </p:cNvSpPr>
+          <p:nvPr>
+            <p:ph type="sldNum" sz="quarter" idx="12"/>
+          </p:nvPr>
+        </p:nvSpPr>
+        <p:spPr/>
+        <p:txBody>
+          <a:bodyPr/>
+          <a:lstStyle/>
+          <a:p>
+            <a:fld id="{4EA40E75-4466-4188-A2CC-18D20372CC4F}" type="slidenum">
+              <a:rPr lang="fr-FR" smtClean="0"/>
+              <a:t>4</a:t>
+            </a:fld>
+            <a:endParaRPr lang="fr-FR"/>
+          </a:p>
+        </p:txBody>
+      </p:sp>
+      <p:sp>
+        <p:nvSpPr>
+          <p:cNvPr id="6" name="Espace réservé du texte 5">
+            <a:extLst>
+              <a:ext uri="{FF2B5EF4-FFF2-40B4-BE49-F238E27FC236}">
+                <a16:creationId xmlns:a16="http://schemas.microsoft.com/office/drawing/2014/main" id="{08E130C1-B7A1-4125-A138-8B742C339780}"/>
+              </a:ext>
+            </a:extLst>
+          </p:cNvPr>
+          <p:cNvSpPr>
+            <a:spLocks noGrp="1"/>
+          </p:cNvSpPr>
+          <p:nvPr>
+            <p:ph type="body" idx="1"/>
+          </p:nvPr>
+        </p:nvSpPr>
+        <p:spPr>
+          <a:xfrm>
+            <a:off x="1097280" y="4515271"/>
+            <a:ext cx="10058400" cy="1143000"/>
+          </a:xfrm>
+        </p:spPr>
+        <p:txBody>
+          <a:bodyPr>
+            <a:normAutofit/>
+          </a:bodyPr>
+          <a:lstStyle/>
+          <a:p>
+            <a:pPr algn="ctr"/>
+            <a:r>
+              <a:rPr lang="fr-FR" sz="4000" dirty="0">
+                <a:hlinkClick r:id="rId2"/>
+              </a:rPr>
+              <a:t>JEP 12</a:t>
+            </a:r>
+            <a:endParaRPr lang="fr-FR" sz="4000" dirty="0"/>
+          </a:p>
+        </p:txBody>
+      </p:sp>
+    </p:spTree>
+    <p:extLst>
+      <p:ext uri="{BB962C8B-B14F-4D97-AF65-F5344CB8AC3E}">
+        <p14:creationId xmlns:p14="http://schemas.microsoft.com/office/powerpoint/2010/main" val="3897539062"/>
+      </p:ext>
+    </p:extLst>
+  </p:cSld>
+  <p:clrMapOvr>
+    <a:masterClrMapping/>
+  </p:clrMapOvr>
+</p:sld>
+</file>
+
+<file path=ppt/slides/slide40.xml><?xml version="1.0" encoding="utf-8"?>
+<p:sld xmlns:a="http://schemas.openxmlformats.org/drawingml/2006/main" xmlns:r="http://schemas.openxmlformats.org/officeDocument/2006/relationships" xmlns:p="http://schemas.openxmlformats.org/presentationml/2006/main">
+  <p:cSld>
+    <p:spTree>
+      <p:nvGrpSpPr>
+        <p:cNvPr id="1" name=""/>
+        <p:cNvGrpSpPr/>
+        <p:nvPr/>
+      </p:nvGrpSpPr>
+      <p:grpSpPr>
+        <a:xfrm>
+          <a:off x="0" y="0"/>
+          <a:ext cx="0" cy="0"/>
+          <a:chOff x="0" y="0"/>
+          <a:chExt cx="0" cy="0"/>
+        </a:xfrm>
+      </p:grpSpPr>
+      <p:sp>
+        <p:nvSpPr>
+          <p:cNvPr id="2" name="Titre 1">
+            <a:extLst>
+              <a:ext uri="{FF2B5EF4-FFF2-40B4-BE49-F238E27FC236}">
                 <a16:creationId xmlns:a16="http://schemas.microsoft.com/office/drawing/2014/main" id="{E5C9D29C-AE6D-45B1-B9D3-106826227453}"/>
               </a:ext>
             </a:extLst>
@@ -13101,18 +14722,9 @@
           <a:p>
             <a:pPr algn="ctr"/>
             <a:r>
-              <a:rPr lang="fr-FR" dirty="0" err="1"/>
-              <a:t>Preview</a:t>
-            </a:r>
-            <a:r>
               <a:rPr lang="fr-FR" dirty="0"/>
-              <a:t> </a:t>
-            </a:r>
-            <a:r>
-              <a:rPr lang="fr-FR" dirty="0" err="1"/>
-              <a:t>Features</a:t>
-            </a:r>
-            <a:endParaRPr lang="fr-FR" dirty="0"/>
+              <a:t>Packaging Tool</a:t>
+            </a:r>
           </a:p>
         </p:txBody>
       </p:sp>
@@ -13135,7 +14747,7 @@
         <p:spPr>
           <a:xfrm>
             <a:off x="1097280" y="2428009"/>
-            <a:ext cx="10058400" cy="1315316"/>
+            <a:ext cx="10058400" cy="1305791"/>
           </a:xfrm>
         </p:spPr>
         <p:txBody>
@@ -13148,36 +14760,16 @@
               <a:buNone/>
             </a:pPr>
             <a:r>
-              <a:rPr lang="fr-FR" sz="2400" dirty="0" err="1"/>
-              <a:t>Feature</a:t>
-            </a:r>
-            <a:r>
-              <a:rPr lang="fr-FR" sz="2400" dirty="0"/>
-              <a:t> that </a:t>
-            </a:r>
-            <a:r>
-              <a:rPr lang="fr-FR" sz="2400" dirty="0" err="1"/>
-              <a:t>may</a:t>
-            </a:r>
-            <a:r>
-              <a:rPr lang="fr-FR" sz="2400" dirty="0"/>
-              <a:t> </a:t>
-            </a:r>
-            <a:r>
-              <a:rPr lang="fr-FR" sz="2400" dirty="0" err="1"/>
-              <a:t>evolve</a:t>
-            </a:r>
-            <a:r>
-              <a:rPr lang="fr-FR" sz="2400" dirty="0"/>
-              <a:t> or </a:t>
-            </a:r>
-            <a:r>
-              <a:rPr lang="fr-FR" sz="2400" dirty="0" err="1"/>
-              <a:t>disabled</a:t>
-            </a:r>
-            <a:r>
-              <a:rPr lang="fr-FR" sz="2400" dirty="0"/>
-              <a:t> in the future</a:t>
+              <a:rPr lang="fr-FR" sz="2800" dirty="0"/>
+              <a:t>Tool that </a:t>
+            </a:r>
+            <a:r>
+              <a:rPr lang="fr-FR" sz="2800" dirty="0" err="1"/>
+              <a:t>generates</a:t>
+            </a:r>
+            <a:r>
+              <a:rPr lang="fr-FR" sz="2800" dirty="0"/>
+              <a:t> an installer from a java application</a:t>
             </a:r>
           </a:p>
           <a:p>
@@ -13185,32 +14777,25 @@
               <a:buNone/>
             </a:pPr>
             <a:r>
-              <a:rPr lang="fr-FR" sz="2400" dirty="0" err="1"/>
-              <a:t>Aimed</a:t>
-            </a:r>
-            <a:r>
-              <a:rPr lang="fr-FR" sz="2400" dirty="0"/>
-              <a:t> to </a:t>
-            </a:r>
-            <a:r>
-              <a:rPr lang="fr-FR" sz="2400" dirty="0" err="1"/>
-              <a:t>collect</a:t>
-            </a:r>
-            <a:r>
-              <a:rPr lang="fr-FR" sz="2400" dirty="0"/>
-              <a:t> feedback from the </a:t>
-            </a:r>
-            <a:r>
-              <a:rPr lang="fr-FR" sz="2400" dirty="0" err="1"/>
-              <a:t>community</a:t>
-            </a:r>
-            <a:endParaRPr lang="fr-FR" sz="2400" dirty="0"/>
-          </a:p>
-          <a:p>
-            <a:pPr marL="0" indent="0" algn="ctr">
-              <a:buNone/>
-            </a:pPr>
-            <a:endParaRPr lang="fr-FR" sz="2400" dirty="0"/>
+              <a:rPr lang="fr-FR" sz="2800" dirty="0"/>
+              <a:t>Multiple output types (.deb, .</a:t>
+            </a:r>
+            <a:r>
+              <a:rPr lang="fr-FR" sz="2800" dirty="0" err="1"/>
+              <a:t>pkg</a:t>
+            </a:r>
+            <a:r>
+              <a:rPr lang="fr-FR" sz="2800" dirty="0"/>
+              <a:t>, .</a:t>
+            </a:r>
+            <a:r>
+              <a:rPr lang="fr-FR" sz="2800" dirty="0" err="1"/>
+              <a:t>msi</a:t>
+            </a:r>
+            <a:r>
+              <a:rPr lang="fr-FR" sz="2800" dirty="0"/>
+              <a:t>…)</a:t>
+            </a:r>
           </a:p>
         </p:txBody>
       </p:sp>
@@ -13237,7 +14822,1461 @@
           <a:p>
             <a:fld id="{4EA40E75-4466-4188-A2CC-18D20372CC4F}" type="slidenum">
               <a:rPr lang="fr-FR" smtClean="0"/>
-              <a:t>4</a:t>
+              <a:t>40</a:t>
+            </a:fld>
+            <a:endParaRPr lang="fr-FR"/>
+          </a:p>
+        </p:txBody>
+      </p:sp>
+      <p:pic>
+        <p:nvPicPr>
+          <p:cNvPr id="7" name="Image 6">
+            <a:extLst>
+              <a:ext uri="{FF2B5EF4-FFF2-40B4-BE49-F238E27FC236}">
+                <a16:creationId xmlns:a16="http://schemas.microsoft.com/office/drawing/2014/main" id="{D68F4257-7F53-4615-957D-81B3C1E27535}"/>
+              </a:ext>
+            </a:extLst>
+          </p:cNvPr>
+          <p:cNvPicPr>
+            <a:picLocks noChangeAspect="1"/>
+          </p:cNvPicPr>
+          <p:nvPr/>
+        </p:nvPicPr>
+        <p:blipFill>
+          <a:blip r:embed="rId3">
+            <a:extLst>
+              <a:ext uri="{28A0092B-C50C-407E-A947-70E740481C1C}">
+                <a14:useLocalDpi xmlns:a14="http://schemas.microsoft.com/office/drawing/2010/main" val="0"/>
+              </a:ext>
+            </a:extLst>
+          </a:blip>
+          <a:stretch>
+            <a:fillRect/>
+          </a:stretch>
+        </p:blipFill>
+        <p:spPr>
+          <a:xfrm>
+            <a:off x="701040" y="4167505"/>
+            <a:ext cx="10789920" cy="1515804"/>
+          </a:xfrm>
+          <a:prstGeom prst="rect">
+            <a:avLst/>
+          </a:prstGeom>
+        </p:spPr>
+      </p:pic>
+    </p:spTree>
+    <p:extLst>
+      <p:ext uri="{BB962C8B-B14F-4D97-AF65-F5344CB8AC3E}">
+        <p14:creationId xmlns:p14="http://schemas.microsoft.com/office/powerpoint/2010/main" val="977821144"/>
+      </p:ext>
+    </p:extLst>
+  </p:cSld>
+  <p:clrMapOvr>
+    <a:masterClrMapping/>
+  </p:clrMapOvr>
+  <p:timing>
+    <p:tnLst>
+      <p:par>
+        <p:cTn id="1" dur="indefinite" restart="never" nodeType="tmRoot">
+          <p:childTnLst>
+            <p:seq concurrent="1" nextAc="seek">
+              <p:cTn id="2" dur="indefinite" nodeType="mainSeq">
+                <p:childTnLst>
+                  <p:par>
+                    <p:cTn id="3" fill="hold">
+                      <p:stCondLst>
+                        <p:cond delay="indefinite"/>
+                      </p:stCondLst>
+                      <p:childTnLst>
+                        <p:par>
+                          <p:cTn id="4" fill="hold">
+                            <p:stCondLst>
+                              <p:cond delay="0"/>
+                            </p:stCondLst>
+                            <p:childTnLst>
+                              <p:par>
+                                <p:cTn id="5" presetID="1" presetClass="entr" presetSubtype="0" fill="hold" grpId="0" nodeType="clickEffect">
+                                  <p:stCondLst>
+                                    <p:cond delay="0"/>
+                                  </p:stCondLst>
+                                  <p:childTnLst>
+                                    <p:set>
+                                      <p:cBhvr>
+                                        <p:cTn id="6" dur="1" fill="hold">
+                                          <p:stCondLst>
+                                            <p:cond delay="0"/>
+                                          </p:stCondLst>
+                                        </p:cTn>
+                                        <p:tgtEl>
+                                          <p:spTgt spid="3">
+                                            <p:txEl>
+                                              <p:pRg st="0" end="0"/>
+                                            </p:txEl>
+                                          </p:spTgt>
+                                        </p:tgtEl>
+                                        <p:attrNameLst>
+                                          <p:attrName>style.visibility</p:attrName>
+                                        </p:attrNameLst>
+                                      </p:cBhvr>
+                                      <p:to>
+                                        <p:strVal val="visible"/>
+                                      </p:to>
+                                    </p:set>
+                                  </p:childTnLst>
+                                </p:cTn>
+                              </p:par>
+                            </p:childTnLst>
+                          </p:cTn>
+                        </p:par>
+                      </p:childTnLst>
+                    </p:cTn>
+                  </p:par>
+                  <p:par>
+                    <p:cTn id="7" fill="hold">
+                      <p:stCondLst>
+                        <p:cond delay="indefinite"/>
+                      </p:stCondLst>
+                      <p:childTnLst>
+                        <p:par>
+                          <p:cTn id="8" fill="hold">
+                            <p:stCondLst>
+                              <p:cond delay="0"/>
+                            </p:stCondLst>
+                            <p:childTnLst>
+                              <p:par>
+                                <p:cTn id="9" presetID="1" presetClass="entr" presetSubtype="0" fill="hold" grpId="0" nodeType="clickEffect">
+                                  <p:stCondLst>
+                                    <p:cond delay="0"/>
+                                  </p:stCondLst>
+                                  <p:childTnLst>
+                                    <p:set>
+                                      <p:cBhvr>
+                                        <p:cTn id="10" dur="1" fill="hold">
+                                          <p:stCondLst>
+                                            <p:cond delay="0"/>
+                                          </p:stCondLst>
+                                        </p:cTn>
+                                        <p:tgtEl>
+                                          <p:spTgt spid="3">
+                                            <p:txEl>
+                                              <p:pRg st="1" end="1"/>
+                                            </p:txEl>
+                                          </p:spTgt>
+                                        </p:tgtEl>
+                                        <p:attrNameLst>
+                                          <p:attrName>style.visibility</p:attrName>
+                                        </p:attrNameLst>
+                                      </p:cBhvr>
+                                      <p:to>
+                                        <p:strVal val="visible"/>
+                                      </p:to>
+                                    </p:set>
+                                  </p:childTnLst>
+                                </p:cTn>
+                              </p:par>
+                            </p:childTnLst>
+                          </p:cTn>
+                        </p:par>
+                      </p:childTnLst>
+                    </p:cTn>
+                  </p:par>
+                  <p:par>
+                    <p:cTn id="11" fill="hold">
+                      <p:stCondLst>
+                        <p:cond delay="indefinite"/>
+                      </p:stCondLst>
+                      <p:childTnLst>
+                        <p:par>
+                          <p:cTn id="12" fill="hold">
+                            <p:stCondLst>
+                              <p:cond delay="0"/>
+                            </p:stCondLst>
+                            <p:childTnLst>
+                              <p:par>
+                                <p:cTn id="13" presetID="1" presetClass="entr" presetSubtype="0" fill="hold" nodeType="clickEffect">
+                                  <p:stCondLst>
+                                    <p:cond delay="0"/>
+                                  </p:stCondLst>
+                                  <p:childTnLst>
+                                    <p:set>
+                                      <p:cBhvr>
+                                        <p:cTn id="14" dur="1" fill="hold">
+                                          <p:stCondLst>
+                                            <p:cond delay="0"/>
+                                          </p:stCondLst>
+                                        </p:cTn>
+                                        <p:tgtEl>
+                                          <p:spTgt spid="7"/>
+                                        </p:tgtEl>
+                                        <p:attrNameLst>
+                                          <p:attrName>style.visibility</p:attrName>
+                                        </p:attrNameLst>
+                                      </p:cBhvr>
+                                      <p:to>
+                                        <p:strVal val="visible"/>
+                                      </p:to>
+                                    </p:set>
+                                  </p:childTnLst>
+                                </p:cTn>
+                              </p:par>
+                            </p:childTnLst>
+                          </p:cTn>
+                        </p:par>
+                      </p:childTnLst>
+                    </p:cTn>
+                  </p:par>
+                </p:childTnLst>
+              </p:cTn>
+              <p:prevCondLst>
+                <p:cond evt="onPrev" delay="0">
+                  <p:tgtEl>
+                    <p:sldTgt/>
+                  </p:tgtEl>
+                </p:cond>
+              </p:prevCondLst>
+              <p:nextCondLst>
+                <p:cond evt="onNext" delay="0">
+                  <p:tgtEl>
+                    <p:sldTgt/>
+                  </p:tgtEl>
+                </p:cond>
+              </p:nextCondLst>
+            </p:seq>
+          </p:childTnLst>
+        </p:cTn>
+      </p:par>
+    </p:tnLst>
+    <p:bldLst>
+      <p:bldP spid="3" grpId="0" uiExpand="1" build="p"/>
+    </p:bldLst>
+  </p:timing>
+</p:sld>
+</file>
+
+<file path=ppt/slides/slide41.xml><?xml version="1.0" encoding="utf-8"?>
+<p:sld xmlns:a="http://schemas.openxmlformats.org/drawingml/2006/main" xmlns:r="http://schemas.openxmlformats.org/officeDocument/2006/relationships" xmlns:p="http://schemas.openxmlformats.org/presentationml/2006/main">
+  <p:cSld>
+    <p:spTree>
+      <p:nvGrpSpPr>
+        <p:cNvPr id="1" name=""/>
+        <p:cNvGrpSpPr/>
+        <p:nvPr/>
+      </p:nvGrpSpPr>
+      <p:grpSpPr>
+        <a:xfrm>
+          <a:off x="0" y="0"/>
+          <a:ext cx="0" cy="0"/>
+          <a:chOff x="0" y="0"/>
+          <a:chExt cx="0" cy="0"/>
+        </a:xfrm>
+      </p:grpSpPr>
+      <p:sp>
+        <p:nvSpPr>
+          <p:cNvPr id="2" name="Titre 1">
+            <a:extLst>
+              <a:ext uri="{FF2B5EF4-FFF2-40B4-BE49-F238E27FC236}">
+                <a16:creationId xmlns:a16="http://schemas.microsoft.com/office/drawing/2014/main" id="{771BD97B-BCF0-4516-89AB-2A00110D79A7}"/>
+              </a:ext>
+            </a:extLst>
+          </p:cNvPr>
+          <p:cNvSpPr>
+            <a:spLocks noGrp="1"/>
+          </p:cNvSpPr>
+          <p:nvPr>
+            <p:ph type="title"/>
+          </p:nvPr>
+        </p:nvSpPr>
+        <p:spPr>
+          <a:xfrm>
+            <a:off x="1002597" y="2479336"/>
+            <a:ext cx="10186805" cy="1635178"/>
+          </a:xfrm>
+        </p:spPr>
+        <p:txBody>
+          <a:bodyPr>
+            <a:normAutofit/>
+          </a:bodyPr>
+          <a:lstStyle/>
+          <a:p>
+            <a:pPr algn="ctr"/>
+            <a:r>
+              <a:rPr lang="fr-FR" dirty="0"/>
+              <a:t>Natives API (</a:t>
+            </a:r>
+            <a:r>
+              <a:rPr lang="fr-FR" dirty="0" err="1"/>
+              <a:t>incubator</a:t>
+            </a:r>
+            <a:r>
+              <a:rPr lang="fr-FR" dirty="0"/>
+              <a:t>)</a:t>
+            </a:r>
+          </a:p>
+        </p:txBody>
+      </p:sp>
+      <p:sp>
+        <p:nvSpPr>
+          <p:cNvPr id="4" name="Espace réservé du numéro de diapositive 3">
+            <a:extLst>
+              <a:ext uri="{FF2B5EF4-FFF2-40B4-BE49-F238E27FC236}">
+                <a16:creationId xmlns:a16="http://schemas.microsoft.com/office/drawing/2014/main" id="{E2417486-AE2E-40EB-9FD4-6373FECB55F7}"/>
+              </a:ext>
+            </a:extLst>
+          </p:cNvPr>
+          <p:cNvSpPr>
+            <a:spLocks noGrp="1"/>
+          </p:cNvSpPr>
+          <p:nvPr>
+            <p:ph type="sldNum" sz="quarter" idx="12"/>
+          </p:nvPr>
+        </p:nvSpPr>
+        <p:spPr/>
+        <p:txBody>
+          <a:bodyPr/>
+          <a:lstStyle/>
+          <a:p>
+            <a:fld id="{4EA40E75-4466-4188-A2CC-18D20372CC4F}" type="slidenum">
+              <a:rPr lang="fr-FR" smtClean="0"/>
+              <a:t>41</a:t>
+            </a:fld>
+            <a:endParaRPr lang="fr-FR"/>
+          </a:p>
+        </p:txBody>
+      </p:sp>
+      <p:sp>
+        <p:nvSpPr>
+          <p:cNvPr id="6" name="Espace réservé du texte 5">
+            <a:extLst>
+              <a:ext uri="{FF2B5EF4-FFF2-40B4-BE49-F238E27FC236}">
+                <a16:creationId xmlns:a16="http://schemas.microsoft.com/office/drawing/2014/main" id="{08E130C1-B7A1-4125-A138-8B742C339780}"/>
+              </a:ext>
+            </a:extLst>
+          </p:cNvPr>
+          <p:cNvSpPr>
+            <a:spLocks noGrp="1"/>
+          </p:cNvSpPr>
+          <p:nvPr>
+            <p:ph type="body" idx="1"/>
+          </p:nvPr>
+        </p:nvSpPr>
+        <p:spPr>
+          <a:xfrm>
+            <a:off x="1097280" y="4515271"/>
+            <a:ext cx="10058400" cy="1143000"/>
+          </a:xfrm>
+        </p:spPr>
+        <p:txBody>
+          <a:bodyPr>
+            <a:normAutofit/>
+          </a:bodyPr>
+          <a:lstStyle/>
+          <a:p>
+            <a:pPr algn="ctr"/>
+            <a:r>
+              <a:rPr lang="fr-FR" sz="4000" dirty="0">
+                <a:hlinkClick r:id="rId2"/>
+              </a:rPr>
+              <a:t>JEP 389</a:t>
+            </a:r>
+            <a:r>
+              <a:rPr lang="fr-FR" sz="4000" dirty="0"/>
+              <a:t> </a:t>
+            </a:r>
+            <a:r>
+              <a:rPr lang="fr-FR" sz="4000" dirty="0">
+                <a:hlinkClick r:id="rId3"/>
+              </a:rPr>
+              <a:t>JEP 412</a:t>
+            </a:r>
+            <a:r>
+              <a:rPr lang="fr-FR" sz="4000" dirty="0"/>
+              <a:t> </a:t>
+            </a:r>
+            <a:r>
+              <a:rPr lang="fr-FR" sz="4000" dirty="0">
+                <a:hlinkClick r:id="rId4"/>
+              </a:rPr>
+              <a:t>JEP 414</a:t>
+            </a:r>
+            <a:r>
+              <a:rPr lang="fr-FR" sz="4000" dirty="0"/>
+              <a:t> </a:t>
+            </a:r>
+          </a:p>
+        </p:txBody>
+      </p:sp>
+    </p:spTree>
+    <p:extLst>
+      <p:ext uri="{BB962C8B-B14F-4D97-AF65-F5344CB8AC3E}">
+        <p14:creationId xmlns:p14="http://schemas.microsoft.com/office/powerpoint/2010/main" val="654310106"/>
+      </p:ext>
+    </p:extLst>
+  </p:cSld>
+  <p:clrMapOvr>
+    <a:masterClrMapping/>
+  </p:clrMapOvr>
+</p:sld>
+</file>
+
+<file path=ppt/slides/slide42.xml><?xml version="1.0" encoding="utf-8"?>
+<p:sld xmlns:a="http://schemas.openxmlformats.org/drawingml/2006/main" xmlns:r="http://schemas.openxmlformats.org/officeDocument/2006/relationships" xmlns:p="http://schemas.openxmlformats.org/presentationml/2006/main">
+  <p:cSld>
+    <p:spTree>
+      <p:nvGrpSpPr>
+        <p:cNvPr id="1" name=""/>
+        <p:cNvGrpSpPr/>
+        <p:nvPr/>
+      </p:nvGrpSpPr>
+      <p:grpSpPr>
+        <a:xfrm>
+          <a:off x="0" y="0"/>
+          <a:ext cx="0" cy="0"/>
+          <a:chOff x="0" y="0"/>
+          <a:chExt cx="0" cy="0"/>
+        </a:xfrm>
+      </p:grpSpPr>
+      <p:sp>
+        <p:nvSpPr>
+          <p:cNvPr id="2" name="Titre 1">
+            <a:extLst>
+              <a:ext uri="{FF2B5EF4-FFF2-40B4-BE49-F238E27FC236}">
+                <a16:creationId xmlns:a16="http://schemas.microsoft.com/office/drawing/2014/main" id="{E5C9D29C-AE6D-45B1-B9D3-106826227453}"/>
+              </a:ext>
+            </a:extLst>
+          </p:cNvPr>
+          <p:cNvSpPr>
+            <a:spLocks noGrp="1"/>
+          </p:cNvSpPr>
+          <p:nvPr>
+            <p:ph type="title"/>
+          </p:nvPr>
+        </p:nvSpPr>
+        <p:spPr/>
+        <p:txBody>
+          <a:bodyPr/>
+          <a:lstStyle/>
+          <a:p>
+            <a:pPr algn="ctr"/>
+            <a:r>
+              <a:rPr lang="fr-FR" dirty="0"/>
+              <a:t>Natives APIs (</a:t>
+            </a:r>
+            <a:r>
+              <a:rPr lang="fr-FR" dirty="0" err="1"/>
+              <a:t>Incubator</a:t>
+            </a:r>
+            <a:r>
+              <a:rPr lang="fr-FR" dirty="0"/>
+              <a:t>)</a:t>
+            </a:r>
+          </a:p>
+        </p:txBody>
+      </p:sp>
+      <p:sp>
+        <p:nvSpPr>
+          <p:cNvPr id="3" name="Espace réservé du contenu 2">
+            <a:extLst>
+              <a:ext uri="{FF2B5EF4-FFF2-40B4-BE49-F238E27FC236}">
+                <a16:creationId xmlns:a16="http://schemas.microsoft.com/office/drawing/2014/main" id="{8DC1CF38-C9BA-4383-B743-E3E0DE253D70}"/>
+              </a:ext>
+            </a:extLst>
+          </p:cNvPr>
+          <p:cNvSpPr>
+            <a:spLocks noGrp="1"/>
+          </p:cNvSpPr>
+          <p:nvPr>
+            <p:ph idx="1"/>
+          </p:nvPr>
+        </p:nvSpPr>
+        <p:spPr>
+          <a:xfrm>
+            <a:off x="1097280" y="2428009"/>
+            <a:ext cx="10058400" cy="2763116"/>
+          </a:xfrm>
+        </p:spPr>
+        <p:txBody>
+          <a:bodyPr>
+            <a:normAutofit/>
+          </a:bodyPr>
+          <a:lstStyle/>
+          <a:p>
+            <a:pPr marL="0" indent="0" algn="ctr">
+              <a:buNone/>
+            </a:pPr>
+            <a:r>
+              <a:rPr lang="fr-FR" sz="2800" dirty="0" err="1"/>
+              <a:t>Helps</a:t>
+            </a:r>
+            <a:r>
+              <a:rPr lang="fr-FR" sz="2800" dirty="0"/>
+              <a:t> </a:t>
+            </a:r>
+            <a:r>
+              <a:rPr lang="fr-FR" sz="2800" dirty="0" err="1"/>
+              <a:t>calling</a:t>
+            </a:r>
+            <a:r>
+              <a:rPr lang="fr-FR" sz="2800" dirty="0"/>
+              <a:t> native </a:t>
+            </a:r>
+            <a:r>
+              <a:rPr lang="fr-FR" sz="2800" dirty="0" err="1"/>
+              <a:t>third</a:t>
+            </a:r>
+            <a:r>
+              <a:rPr lang="fr-FR" sz="2800" dirty="0"/>
+              <a:t> party librairies</a:t>
+            </a:r>
+          </a:p>
+          <a:p>
+            <a:pPr marL="0" indent="0" algn="ctr">
+              <a:buNone/>
+            </a:pPr>
+            <a:r>
+              <a:rPr lang="fr-FR" sz="2800" dirty="0"/>
+              <a:t>Alternative to JNI - no need to </a:t>
+            </a:r>
+            <a:r>
+              <a:rPr lang="fr-FR" sz="2800" dirty="0" err="1"/>
+              <a:t>write</a:t>
+            </a:r>
+            <a:r>
+              <a:rPr lang="fr-FR" sz="2800" dirty="0"/>
+              <a:t> glue code</a:t>
+            </a:r>
+          </a:p>
+          <a:p>
+            <a:pPr marL="0" indent="0" algn="ctr">
+              <a:buNone/>
+            </a:pPr>
+            <a:r>
+              <a:rPr lang="fr-FR" sz="2800" dirty="0" err="1"/>
+              <a:t>Currently</a:t>
+            </a:r>
+            <a:r>
+              <a:rPr lang="fr-FR" sz="2800" dirty="0"/>
+              <a:t>, </a:t>
+            </a:r>
+            <a:r>
+              <a:rPr lang="fr-FR" sz="2800" dirty="0" err="1"/>
+              <a:t>Foreign</a:t>
+            </a:r>
+            <a:r>
+              <a:rPr lang="fr-FR" sz="2800" dirty="0"/>
+              <a:t> </a:t>
+            </a:r>
+            <a:r>
+              <a:rPr lang="fr-FR" sz="2800" dirty="0" err="1"/>
+              <a:t>Functions</a:t>
+            </a:r>
+            <a:r>
+              <a:rPr lang="fr-FR" sz="2800" dirty="0"/>
+              <a:t> and </a:t>
+            </a:r>
+            <a:r>
+              <a:rPr lang="fr-FR" sz="2800" dirty="0" err="1"/>
+              <a:t>Foreign</a:t>
+            </a:r>
+            <a:r>
+              <a:rPr lang="fr-FR" sz="2800" dirty="0"/>
+              <a:t> Memory </a:t>
+            </a:r>
+            <a:r>
+              <a:rPr lang="fr-FR" sz="2800" dirty="0" err="1"/>
+              <a:t>access</a:t>
+            </a:r>
+            <a:endParaRPr lang="fr-FR" sz="2800" dirty="0"/>
+          </a:p>
+          <a:p>
+            <a:pPr marL="0" indent="0" algn="ctr">
+              <a:buNone/>
+            </a:pPr>
+            <a:r>
+              <a:rPr lang="fr-FR" sz="2800" dirty="0"/>
+              <a:t>Part of the </a:t>
+            </a:r>
+            <a:r>
+              <a:rPr lang="fr-FR" sz="2800" dirty="0">
+                <a:hlinkClick r:id="rId3"/>
+              </a:rPr>
+              <a:t>Panama</a:t>
+            </a:r>
+            <a:r>
+              <a:rPr lang="fr-FR" sz="2800" dirty="0"/>
+              <a:t> </a:t>
+            </a:r>
+            <a:r>
+              <a:rPr lang="fr-FR" sz="2800" dirty="0" err="1"/>
+              <a:t>project</a:t>
+            </a:r>
+            <a:endParaRPr lang="fr-FR" sz="2800" dirty="0"/>
+          </a:p>
+        </p:txBody>
+      </p:sp>
+      <p:sp>
+        <p:nvSpPr>
+          <p:cNvPr id="4" name="Espace réservé du numéro de diapositive 3">
+            <a:extLst>
+              <a:ext uri="{FF2B5EF4-FFF2-40B4-BE49-F238E27FC236}">
+                <a16:creationId xmlns:a16="http://schemas.microsoft.com/office/drawing/2014/main" id="{9EF3796C-0468-41E7-B03F-D7A2CF73FD65}"/>
+              </a:ext>
+            </a:extLst>
+          </p:cNvPr>
+          <p:cNvSpPr>
+            <a:spLocks noGrp="1"/>
+          </p:cNvSpPr>
+          <p:nvPr>
+            <p:ph type="sldNum" sz="quarter" idx="12"/>
+          </p:nvPr>
+        </p:nvSpPr>
+        <p:spPr/>
+        <p:txBody>
+          <a:bodyPr/>
+          <a:lstStyle/>
+          <a:p>
+            <a:fld id="{4EA40E75-4466-4188-A2CC-18D20372CC4F}" type="slidenum">
+              <a:rPr lang="fr-FR" smtClean="0"/>
+              <a:t>42</a:t>
+            </a:fld>
+            <a:endParaRPr lang="fr-FR"/>
+          </a:p>
+        </p:txBody>
+      </p:sp>
+    </p:spTree>
+    <p:extLst>
+      <p:ext uri="{BB962C8B-B14F-4D97-AF65-F5344CB8AC3E}">
+        <p14:creationId xmlns:p14="http://schemas.microsoft.com/office/powerpoint/2010/main" val="3488311393"/>
+      </p:ext>
+    </p:extLst>
+  </p:cSld>
+  <p:clrMapOvr>
+    <a:masterClrMapping/>
+  </p:clrMapOvr>
+  <p:timing>
+    <p:tnLst>
+      <p:par>
+        <p:cTn id="1" dur="indefinite" restart="never" nodeType="tmRoot">
+          <p:childTnLst>
+            <p:seq concurrent="1" nextAc="seek">
+              <p:cTn id="2" dur="indefinite" nodeType="mainSeq">
+                <p:childTnLst>
+                  <p:par>
+                    <p:cTn id="3" fill="hold">
+                      <p:stCondLst>
+                        <p:cond delay="indefinite"/>
+                      </p:stCondLst>
+                      <p:childTnLst>
+                        <p:par>
+                          <p:cTn id="4" fill="hold">
+                            <p:stCondLst>
+                              <p:cond delay="0"/>
+                            </p:stCondLst>
+                            <p:childTnLst>
+                              <p:par>
+                                <p:cTn id="5" presetID="1" presetClass="entr" presetSubtype="0" fill="hold" grpId="0" nodeType="clickEffect">
+                                  <p:stCondLst>
+                                    <p:cond delay="0"/>
+                                  </p:stCondLst>
+                                  <p:childTnLst>
+                                    <p:set>
+                                      <p:cBhvr>
+                                        <p:cTn id="6" dur="1" fill="hold">
+                                          <p:stCondLst>
+                                            <p:cond delay="0"/>
+                                          </p:stCondLst>
+                                        </p:cTn>
+                                        <p:tgtEl>
+                                          <p:spTgt spid="3">
+                                            <p:txEl>
+                                              <p:pRg st="0" end="0"/>
+                                            </p:txEl>
+                                          </p:spTgt>
+                                        </p:tgtEl>
+                                        <p:attrNameLst>
+                                          <p:attrName>style.visibility</p:attrName>
+                                        </p:attrNameLst>
+                                      </p:cBhvr>
+                                      <p:to>
+                                        <p:strVal val="visible"/>
+                                      </p:to>
+                                    </p:set>
+                                  </p:childTnLst>
+                                </p:cTn>
+                              </p:par>
+                            </p:childTnLst>
+                          </p:cTn>
+                        </p:par>
+                      </p:childTnLst>
+                    </p:cTn>
+                  </p:par>
+                  <p:par>
+                    <p:cTn id="7" fill="hold">
+                      <p:stCondLst>
+                        <p:cond delay="indefinite"/>
+                      </p:stCondLst>
+                      <p:childTnLst>
+                        <p:par>
+                          <p:cTn id="8" fill="hold">
+                            <p:stCondLst>
+                              <p:cond delay="0"/>
+                            </p:stCondLst>
+                            <p:childTnLst>
+                              <p:par>
+                                <p:cTn id="9" presetID="1" presetClass="entr" presetSubtype="0" fill="hold" grpId="0" nodeType="clickEffect">
+                                  <p:stCondLst>
+                                    <p:cond delay="0"/>
+                                  </p:stCondLst>
+                                  <p:childTnLst>
+                                    <p:set>
+                                      <p:cBhvr>
+                                        <p:cTn id="10" dur="1" fill="hold">
+                                          <p:stCondLst>
+                                            <p:cond delay="0"/>
+                                          </p:stCondLst>
+                                        </p:cTn>
+                                        <p:tgtEl>
+                                          <p:spTgt spid="3">
+                                            <p:txEl>
+                                              <p:pRg st="1" end="1"/>
+                                            </p:txEl>
+                                          </p:spTgt>
+                                        </p:tgtEl>
+                                        <p:attrNameLst>
+                                          <p:attrName>style.visibility</p:attrName>
+                                        </p:attrNameLst>
+                                      </p:cBhvr>
+                                      <p:to>
+                                        <p:strVal val="visible"/>
+                                      </p:to>
+                                    </p:set>
+                                  </p:childTnLst>
+                                </p:cTn>
+                              </p:par>
+                            </p:childTnLst>
+                          </p:cTn>
+                        </p:par>
+                      </p:childTnLst>
+                    </p:cTn>
+                  </p:par>
+                  <p:par>
+                    <p:cTn id="11" fill="hold">
+                      <p:stCondLst>
+                        <p:cond delay="indefinite"/>
+                      </p:stCondLst>
+                      <p:childTnLst>
+                        <p:par>
+                          <p:cTn id="12" fill="hold">
+                            <p:stCondLst>
+                              <p:cond delay="0"/>
+                            </p:stCondLst>
+                            <p:childTnLst>
+                              <p:par>
+                                <p:cTn id="13" presetID="1" presetClass="entr" presetSubtype="0" fill="hold" grpId="0" nodeType="clickEffect">
+                                  <p:stCondLst>
+                                    <p:cond delay="0"/>
+                                  </p:stCondLst>
+                                  <p:childTnLst>
+                                    <p:set>
+                                      <p:cBhvr>
+                                        <p:cTn id="14" dur="1" fill="hold">
+                                          <p:stCondLst>
+                                            <p:cond delay="0"/>
+                                          </p:stCondLst>
+                                        </p:cTn>
+                                        <p:tgtEl>
+                                          <p:spTgt spid="3">
+                                            <p:txEl>
+                                              <p:pRg st="2" end="2"/>
+                                            </p:txEl>
+                                          </p:spTgt>
+                                        </p:tgtEl>
+                                        <p:attrNameLst>
+                                          <p:attrName>style.visibility</p:attrName>
+                                        </p:attrNameLst>
+                                      </p:cBhvr>
+                                      <p:to>
+                                        <p:strVal val="visible"/>
+                                      </p:to>
+                                    </p:set>
+                                  </p:childTnLst>
+                                </p:cTn>
+                              </p:par>
+                            </p:childTnLst>
+                          </p:cTn>
+                        </p:par>
+                      </p:childTnLst>
+                    </p:cTn>
+                  </p:par>
+                  <p:par>
+                    <p:cTn id="15" fill="hold">
+                      <p:stCondLst>
+                        <p:cond delay="indefinite"/>
+                      </p:stCondLst>
+                      <p:childTnLst>
+                        <p:par>
+                          <p:cTn id="16" fill="hold">
+                            <p:stCondLst>
+                              <p:cond delay="0"/>
+                            </p:stCondLst>
+                            <p:childTnLst>
+                              <p:par>
+                                <p:cTn id="17" presetID="1" presetClass="entr" presetSubtype="0" fill="hold" grpId="0" nodeType="clickEffect">
+                                  <p:stCondLst>
+                                    <p:cond delay="0"/>
+                                  </p:stCondLst>
+                                  <p:childTnLst>
+                                    <p:set>
+                                      <p:cBhvr>
+                                        <p:cTn id="18" dur="1" fill="hold">
+                                          <p:stCondLst>
+                                            <p:cond delay="0"/>
+                                          </p:stCondLst>
+                                        </p:cTn>
+                                        <p:tgtEl>
+                                          <p:spTgt spid="3">
+                                            <p:txEl>
+                                              <p:pRg st="3" end="3"/>
+                                            </p:txEl>
+                                          </p:spTgt>
+                                        </p:tgtEl>
+                                        <p:attrNameLst>
+                                          <p:attrName>style.visibility</p:attrName>
+                                        </p:attrNameLst>
+                                      </p:cBhvr>
+                                      <p:to>
+                                        <p:strVal val="visible"/>
+                                      </p:to>
+                                    </p:set>
+                                  </p:childTnLst>
+                                </p:cTn>
+                              </p:par>
+                            </p:childTnLst>
+                          </p:cTn>
+                        </p:par>
+                      </p:childTnLst>
+                    </p:cTn>
+                  </p:par>
+                </p:childTnLst>
+              </p:cTn>
+              <p:prevCondLst>
+                <p:cond evt="onPrev" delay="0">
+                  <p:tgtEl>
+                    <p:sldTgt/>
+                  </p:tgtEl>
+                </p:cond>
+              </p:prevCondLst>
+              <p:nextCondLst>
+                <p:cond evt="onNext" delay="0">
+                  <p:tgtEl>
+                    <p:sldTgt/>
+                  </p:tgtEl>
+                </p:cond>
+              </p:nextCondLst>
+            </p:seq>
+          </p:childTnLst>
+        </p:cTn>
+      </p:par>
+    </p:tnLst>
+    <p:bldLst>
+      <p:bldP spid="3" grpId="0" uiExpand="1" build="p"/>
+    </p:bldLst>
+  </p:timing>
+</p:sld>
+</file>
+
+<file path=ppt/slides/slide43.xml><?xml version="1.0" encoding="utf-8"?>
+<p:sld xmlns:a="http://schemas.openxmlformats.org/drawingml/2006/main" xmlns:r="http://schemas.openxmlformats.org/officeDocument/2006/relationships" xmlns:p="http://schemas.openxmlformats.org/presentationml/2006/main">
+  <p:cSld>
+    <p:spTree>
+      <p:nvGrpSpPr>
+        <p:cNvPr id="1" name=""/>
+        <p:cNvGrpSpPr/>
+        <p:nvPr/>
+      </p:nvGrpSpPr>
+      <p:grpSpPr>
+        <a:xfrm>
+          <a:off x="0" y="0"/>
+          <a:ext cx="0" cy="0"/>
+          <a:chOff x="0" y="0"/>
+          <a:chExt cx="0" cy="0"/>
+        </a:xfrm>
+      </p:grpSpPr>
+      <p:sp>
+        <p:nvSpPr>
+          <p:cNvPr id="2" name="Titre 1">
+            <a:extLst>
+              <a:ext uri="{FF2B5EF4-FFF2-40B4-BE49-F238E27FC236}">
+                <a16:creationId xmlns:a16="http://schemas.microsoft.com/office/drawing/2014/main" id="{771BD97B-BCF0-4516-89AB-2A00110D79A7}"/>
+              </a:ext>
+            </a:extLst>
+          </p:cNvPr>
+          <p:cNvSpPr>
+            <a:spLocks noGrp="1"/>
+          </p:cNvSpPr>
+          <p:nvPr>
+            <p:ph type="title"/>
+          </p:nvPr>
+        </p:nvSpPr>
+        <p:spPr>
+          <a:xfrm>
+            <a:off x="1002597" y="2479336"/>
+            <a:ext cx="10186805" cy="1635178"/>
+          </a:xfrm>
+        </p:spPr>
+        <p:txBody>
+          <a:bodyPr>
+            <a:normAutofit/>
+          </a:bodyPr>
+          <a:lstStyle/>
+          <a:p>
+            <a:pPr algn="ctr"/>
+            <a:r>
+              <a:rPr lang="fr-FR" dirty="0"/>
+              <a:t>Migration to </a:t>
+            </a:r>
+            <a:r>
+              <a:rPr lang="fr-FR" dirty="0" err="1"/>
+              <a:t>Github</a:t>
+            </a:r>
+            <a:endParaRPr lang="fr-FR" dirty="0"/>
+          </a:p>
+        </p:txBody>
+      </p:sp>
+      <p:sp>
+        <p:nvSpPr>
+          <p:cNvPr id="4" name="Espace réservé du numéro de diapositive 3">
+            <a:extLst>
+              <a:ext uri="{FF2B5EF4-FFF2-40B4-BE49-F238E27FC236}">
+                <a16:creationId xmlns:a16="http://schemas.microsoft.com/office/drawing/2014/main" id="{E2417486-AE2E-40EB-9FD4-6373FECB55F7}"/>
+              </a:ext>
+            </a:extLst>
+          </p:cNvPr>
+          <p:cNvSpPr>
+            <a:spLocks noGrp="1"/>
+          </p:cNvSpPr>
+          <p:nvPr>
+            <p:ph type="sldNum" sz="quarter" idx="12"/>
+          </p:nvPr>
+        </p:nvSpPr>
+        <p:spPr/>
+        <p:txBody>
+          <a:bodyPr/>
+          <a:lstStyle/>
+          <a:p>
+            <a:fld id="{4EA40E75-4466-4188-A2CC-18D20372CC4F}" type="slidenum">
+              <a:rPr lang="fr-FR" smtClean="0"/>
+              <a:t>43</a:t>
+            </a:fld>
+            <a:endParaRPr lang="fr-FR"/>
+          </a:p>
+        </p:txBody>
+      </p:sp>
+      <p:sp>
+        <p:nvSpPr>
+          <p:cNvPr id="6" name="Espace réservé du texte 5">
+            <a:extLst>
+              <a:ext uri="{FF2B5EF4-FFF2-40B4-BE49-F238E27FC236}">
+                <a16:creationId xmlns:a16="http://schemas.microsoft.com/office/drawing/2014/main" id="{08E130C1-B7A1-4125-A138-8B742C339780}"/>
+              </a:ext>
+            </a:extLst>
+          </p:cNvPr>
+          <p:cNvSpPr>
+            <a:spLocks noGrp="1"/>
+          </p:cNvSpPr>
+          <p:nvPr>
+            <p:ph type="body" idx="1"/>
+          </p:nvPr>
+        </p:nvSpPr>
+        <p:spPr>
+          <a:xfrm>
+            <a:off x="1097280" y="4515271"/>
+            <a:ext cx="10058400" cy="1475954"/>
+          </a:xfrm>
+        </p:spPr>
+        <p:txBody>
+          <a:bodyPr>
+            <a:normAutofit/>
+          </a:bodyPr>
+          <a:lstStyle/>
+          <a:p>
+            <a:pPr algn="ctr"/>
+            <a:r>
+              <a:rPr lang="fr-FR" sz="4000" dirty="0">
+                <a:hlinkClick r:id="rId2"/>
+              </a:rPr>
+              <a:t>JEP 369</a:t>
+            </a:r>
+            <a:endParaRPr lang="fr-FR" sz="4000" dirty="0"/>
+          </a:p>
+          <a:p>
+            <a:pPr algn="ctr"/>
+            <a:r>
+              <a:rPr lang="fr-FR" sz="4000" cap="none" dirty="0">
+                <a:hlinkClick r:id="rId3"/>
+              </a:rPr>
+              <a:t>https://github.com/openjdk/</a:t>
+            </a:r>
+            <a:r>
+              <a:rPr lang="fr-FR" sz="4000" cap="none" dirty="0"/>
+              <a:t> </a:t>
+            </a:r>
+          </a:p>
+        </p:txBody>
+      </p:sp>
+    </p:spTree>
+    <p:extLst>
+      <p:ext uri="{BB962C8B-B14F-4D97-AF65-F5344CB8AC3E}">
+        <p14:creationId xmlns:p14="http://schemas.microsoft.com/office/powerpoint/2010/main" val="3407324278"/>
+      </p:ext>
+    </p:extLst>
+  </p:cSld>
+  <p:clrMapOvr>
+    <a:masterClrMapping/>
+  </p:clrMapOvr>
+</p:sld>
+</file>
+
+<file path=ppt/slides/slide44.xml><?xml version="1.0" encoding="utf-8"?>
+<p:sld xmlns:a="http://schemas.openxmlformats.org/drawingml/2006/main" xmlns:r="http://schemas.openxmlformats.org/officeDocument/2006/relationships" xmlns:p="http://schemas.openxmlformats.org/presentationml/2006/main">
+  <p:cSld>
+    <p:spTree>
+      <p:nvGrpSpPr>
+        <p:cNvPr id="1" name=""/>
+        <p:cNvGrpSpPr/>
+        <p:nvPr/>
+      </p:nvGrpSpPr>
+      <p:grpSpPr>
+        <a:xfrm>
+          <a:off x="0" y="0"/>
+          <a:ext cx="0" cy="0"/>
+          <a:chOff x="0" y="0"/>
+          <a:chExt cx="0" cy="0"/>
+        </a:xfrm>
+      </p:grpSpPr>
+      <p:sp>
+        <p:nvSpPr>
+          <p:cNvPr id="4" name="Espace réservé du numéro de diapositive 3">
+            <a:extLst>
+              <a:ext uri="{FF2B5EF4-FFF2-40B4-BE49-F238E27FC236}">
+                <a16:creationId xmlns:a16="http://schemas.microsoft.com/office/drawing/2014/main" id="{E2417486-AE2E-40EB-9FD4-6373FECB55F7}"/>
+              </a:ext>
+            </a:extLst>
+          </p:cNvPr>
+          <p:cNvSpPr>
+            <a:spLocks noGrp="1"/>
+          </p:cNvSpPr>
+          <p:nvPr>
+            <p:ph type="sldNum" sz="quarter" idx="12"/>
+          </p:nvPr>
+        </p:nvSpPr>
+        <p:spPr/>
+        <p:txBody>
+          <a:bodyPr/>
+          <a:lstStyle/>
+          <a:p>
+            <a:fld id="{4EA40E75-4466-4188-A2CC-18D20372CC4F}" type="slidenum">
+              <a:rPr lang="fr-FR" smtClean="0"/>
+              <a:t>44</a:t>
+            </a:fld>
+            <a:endParaRPr lang="fr-FR"/>
+          </a:p>
+        </p:txBody>
+      </p:sp>
+      <p:grpSp>
+        <p:nvGrpSpPr>
+          <p:cNvPr id="13" name="Groupe 12">
+            <a:extLst>
+              <a:ext uri="{FF2B5EF4-FFF2-40B4-BE49-F238E27FC236}">
+                <a16:creationId xmlns:a16="http://schemas.microsoft.com/office/drawing/2014/main" id="{56A5BEE2-7D0A-4E08-BCD9-D08858DD4C7B}"/>
+              </a:ext>
+            </a:extLst>
+          </p:cNvPr>
+          <p:cNvGrpSpPr/>
+          <p:nvPr/>
+        </p:nvGrpSpPr>
+        <p:grpSpPr>
+          <a:xfrm>
+            <a:off x="7598239" y="1334571"/>
+            <a:ext cx="3920193" cy="3866078"/>
+            <a:chOff x="7598239" y="1077396"/>
+            <a:chExt cx="3920193" cy="3866078"/>
+          </a:xfrm>
+        </p:grpSpPr>
+        <p:pic>
+          <p:nvPicPr>
+            <p:cNvPr id="6" name="Image 5">
+              <a:extLst>
+                <a:ext uri="{FF2B5EF4-FFF2-40B4-BE49-F238E27FC236}">
+                  <a16:creationId xmlns:a16="http://schemas.microsoft.com/office/drawing/2014/main" id="{1AC3D523-49AA-483A-BE49-39ECBA30F9AF}"/>
+                </a:ext>
+              </a:extLst>
+            </p:cNvPr>
+            <p:cNvPicPr>
+              <a:picLocks noChangeAspect="1"/>
+            </p:cNvPicPr>
+            <p:nvPr/>
+          </p:nvPicPr>
+          <p:blipFill>
+            <a:blip r:embed="rId2">
+              <a:extLst>
+                <a:ext uri="{28A0092B-C50C-407E-A947-70E740481C1C}">
+                  <a14:useLocalDpi xmlns:a14="http://schemas.microsoft.com/office/drawing/2010/main" val="0"/>
+                </a:ext>
+              </a:extLst>
+            </a:blip>
+            <a:stretch>
+              <a:fillRect/>
+            </a:stretch>
+          </p:blipFill>
+          <p:spPr>
+            <a:xfrm>
+              <a:off x="7810499" y="1077396"/>
+              <a:ext cx="3495675" cy="3495675"/>
+            </a:xfrm>
+            <a:prstGeom prst="rect">
+              <a:avLst/>
+            </a:prstGeom>
+          </p:spPr>
+        </p:pic>
+        <p:grpSp>
+          <p:nvGrpSpPr>
+            <p:cNvPr id="11" name="Groupe 10">
+              <a:extLst>
+                <a:ext uri="{FF2B5EF4-FFF2-40B4-BE49-F238E27FC236}">
+                  <a16:creationId xmlns:a16="http://schemas.microsoft.com/office/drawing/2014/main" id="{83885F55-6A5B-4BB9-B72F-BCE602C81D7B}"/>
+                </a:ext>
+              </a:extLst>
+            </p:cNvPr>
+            <p:cNvGrpSpPr/>
+            <p:nvPr/>
+          </p:nvGrpSpPr>
+          <p:grpSpPr>
+            <a:xfrm>
+              <a:off x="7598239" y="4574142"/>
+              <a:ext cx="3920193" cy="369332"/>
+              <a:chOff x="1590673" y="4614861"/>
+              <a:chExt cx="4133852" cy="369332"/>
+            </a:xfrm>
+          </p:grpSpPr>
+          <p:sp>
+            <p:nvSpPr>
+              <p:cNvPr id="8" name="ZoneTexte 7">
+                <a:extLst>
+                  <a:ext uri="{FF2B5EF4-FFF2-40B4-BE49-F238E27FC236}">
+                    <a16:creationId xmlns:a16="http://schemas.microsoft.com/office/drawing/2014/main" id="{978EEB67-F9B6-4B14-96BB-01A0B81F93EB}"/>
+                  </a:ext>
+                </a:extLst>
+              </p:cNvPr>
+              <p:cNvSpPr txBox="1"/>
+              <p:nvPr/>
+            </p:nvSpPr>
+            <p:spPr>
+              <a:xfrm>
+                <a:off x="1914525" y="4614861"/>
+                <a:ext cx="3810000" cy="369332"/>
+              </a:xfrm>
+              <a:prstGeom prst="rect">
+                <a:avLst/>
+              </a:prstGeom>
+              <a:noFill/>
+            </p:spPr>
+            <p:txBody>
+              <a:bodyPr wrap="square">
+                <a:spAutoFit/>
+              </a:bodyPr>
+              <a:lstStyle/>
+              <a:p>
+                <a:pPr algn="ctr"/>
+                <a:r>
+                  <a:rPr lang="fr-FR" dirty="0">
+                    <a:hlinkClick r:id="rId3"/>
+                  </a:rPr>
+                  <a:t>https://github.com/bnau/java-11-17</a:t>
+                </a:r>
+                <a:endParaRPr lang="fr-FR" dirty="0"/>
+              </a:p>
+            </p:txBody>
+          </p:sp>
+          <p:pic>
+            <p:nvPicPr>
+              <p:cNvPr id="1026" name="Picture 2" descr="GitHub — Wikipédia">
+                <a:extLst>
+                  <a:ext uri="{FF2B5EF4-FFF2-40B4-BE49-F238E27FC236}">
+                    <a16:creationId xmlns:a16="http://schemas.microsoft.com/office/drawing/2014/main" id="{D3102DBC-64C0-490E-A1A2-D9FEB4400684}"/>
+                  </a:ext>
+                </a:extLst>
+              </p:cNvPr>
+              <p:cNvPicPr>
+                <a:picLocks noChangeAspect="1" noChangeArrowheads="1"/>
+              </p:cNvPicPr>
+              <p:nvPr/>
+            </p:nvPicPr>
+            <p:blipFill>
+              <a:blip r:embed="rId4">
+                <a:extLst>
+                  <a:ext uri="{28A0092B-C50C-407E-A947-70E740481C1C}">
+                    <a14:useLocalDpi xmlns:a14="http://schemas.microsoft.com/office/drawing/2010/main" val="0"/>
+                  </a:ext>
+                </a:extLst>
+              </a:blip>
+              <a:srcRect/>
+              <a:stretch>
+                <a:fillRect/>
+              </a:stretch>
+            </p:blipFill>
+            <p:spPr bwMode="auto">
+              <a:xfrm>
+                <a:off x="1590673" y="4637601"/>
+                <a:ext cx="323851" cy="323851"/>
+              </a:xfrm>
+              <a:prstGeom prst="rect">
+                <a:avLst/>
+              </a:prstGeom>
+              <a:noFill/>
+              <a:extLst>
+                <a:ext uri="{909E8E84-426E-40DD-AFC4-6F175D3DCCD1}">
+                  <a14:hiddenFill xmlns:a14="http://schemas.microsoft.com/office/drawing/2010/main">
+                    <a:solidFill>
+                      <a:srgbClr val="FFFFFF"/>
+                    </a:solidFill>
+                  </a14:hiddenFill>
+                </a:ext>
+              </a:extLst>
+            </p:spPr>
+          </p:pic>
+        </p:grpSp>
+      </p:grpSp>
+      <p:sp>
+        <p:nvSpPr>
+          <p:cNvPr id="12" name="ZoneTexte 11">
+            <a:extLst>
+              <a:ext uri="{FF2B5EF4-FFF2-40B4-BE49-F238E27FC236}">
+                <a16:creationId xmlns:a16="http://schemas.microsoft.com/office/drawing/2014/main" id="{8234D811-E470-431B-B198-E828D0708421}"/>
+              </a:ext>
+            </a:extLst>
+          </p:cNvPr>
+          <p:cNvSpPr txBox="1"/>
+          <p:nvPr/>
+        </p:nvSpPr>
+        <p:spPr>
+          <a:xfrm>
+            <a:off x="742950" y="2574576"/>
+            <a:ext cx="5857875" cy="1015663"/>
+          </a:xfrm>
+          <a:prstGeom prst="rect">
+            <a:avLst/>
+          </a:prstGeom>
+          <a:noFill/>
+        </p:spPr>
+        <p:txBody>
+          <a:bodyPr wrap="square" rtlCol="0">
+            <a:spAutoFit/>
+          </a:bodyPr>
+          <a:lstStyle/>
+          <a:p>
+            <a:pPr algn="ctr"/>
+            <a:r>
+              <a:rPr lang="fr-FR" sz="6000" i="1" dirty="0"/>
+              <a:t>Thank </a:t>
+            </a:r>
+            <a:r>
+              <a:rPr lang="fr-FR" sz="6000" i="1" dirty="0" err="1"/>
+              <a:t>you</a:t>
+            </a:r>
+            <a:endParaRPr lang="fr-FR" sz="6000" i="1" dirty="0"/>
+          </a:p>
+        </p:txBody>
+      </p:sp>
+    </p:spTree>
+    <p:extLst>
+      <p:ext uri="{BB962C8B-B14F-4D97-AF65-F5344CB8AC3E}">
+        <p14:creationId xmlns:p14="http://schemas.microsoft.com/office/powerpoint/2010/main" val="520399345"/>
+      </p:ext>
+    </p:extLst>
+  </p:cSld>
+  <p:clrMapOvr>
+    <a:masterClrMapping/>
+  </p:clrMapOvr>
+</p:sld>
+</file>
+
+<file path=ppt/slides/slide5.xml><?xml version="1.0" encoding="utf-8"?>
+<p:sld xmlns:a="http://schemas.openxmlformats.org/drawingml/2006/main" xmlns:r="http://schemas.openxmlformats.org/officeDocument/2006/relationships" xmlns:p="http://schemas.openxmlformats.org/presentationml/2006/main">
+  <p:cSld>
+    <p:spTree>
+      <p:nvGrpSpPr>
+        <p:cNvPr id="1" name=""/>
+        <p:cNvGrpSpPr/>
+        <p:nvPr/>
+      </p:nvGrpSpPr>
+      <p:grpSpPr>
+        <a:xfrm>
+          <a:off x="0" y="0"/>
+          <a:ext cx="0" cy="0"/>
+          <a:chOff x="0" y="0"/>
+          <a:chExt cx="0" cy="0"/>
+        </a:xfrm>
+      </p:grpSpPr>
+      <p:sp>
+        <p:nvSpPr>
+          <p:cNvPr id="2" name="Titre 1">
+            <a:extLst>
+              <a:ext uri="{FF2B5EF4-FFF2-40B4-BE49-F238E27FC236}">
+                <a16:creationId xmlns:a16="http://schemas.microsoft.com/office/drawing/2014/main" id="{E5C9D29C-AE6D-45B1-B9D3-106826227453}"/>
+              </a:ext>
+            </a:extLst>
+          </p:cNvPr>
+          <p:cNvSpPr>
+            <a:spLocks noGrp="1"/>
+          </p:cNvSpPr>
+          <p:nvPr>
+            <p:ph type="title"/>
+          </p:nvPr>
+        </p:nvSpPr>
+        <p:spPr/>
+        <p:txBody>
+          <a:bodyPr/>
+          <a:lstStyle/>
+          <a:p>
+            <a:pPr algn="ctr"/>
+            <a:r>
+              <a:rPr lang="fr-FR" dirty="0" err="1"/>
+              <a:t>Preview</a:t>
+            </a:r>
+            <a:r>
+              <a:rPr lang="fr-FR" dirty="0"/>
+              <a:t> </a:t>
+            </a:r>
+            <a:r>
+              <a:rPr lang="fr-FR" dirty="0" err="1"/>
+              <a:t>Features</a:t>
+            </a:r>
+            <a:endParaRPr lang="fr-FR" dirty="0"/>
+          </a:p>
+        </p:txBody>
+      </p:sp>
+      <p:sp>
+        <p:nvSpPr>
+          <p:cNvPr id="3" name="Espace réservé du contenu 2">
+            <a:extLst>
+              <a:ext uri="{FF2B5EF4-FFF2-40B4-BE49-F238E27FC236}">
+                <a16:creationId xmlns:a16="http://schemas.microsoft.com/office/drawing/2014/main" id="{8DC1CF38-C9BA-4383-B743-E3E0DE253D70}"/>
+              </a:ext>
+            </a:extLst>
+          </p:cNvPr>
+          <p:cNvSpPr>
+            <a:spLocks noGrp="1"/>
+          </p:cNvSpPr>
+          <p:nvPr>
+            <p:ph idx="1"/>
+          </p:nvPr>
+        </p:nvSpPr>
+        <p:spPr>
+          <a:xfrm>
+            <a:off x="1097280" y="2428009"/>
+            <a:ext cx="10058400" cy="1315316"/>
+          </a:xfrm>
+        </p:spPr>
+        <p:txBody>
+          <a:bodyPr>
+            <a:normAutofit/>
+          </a:bodyPr>
+          <a:lstStyle/>
+          <a:p>
+            <a:pPr marL="0" indent="0" algn="ctr">
+              <a:buNone/>
+            </a:pPr>
+            <a:r>
+              <a:rPr lang="fr-FR" sz="2400" dirty="0" err="1"/>
+              <a:t>Feature</a:t>
+            </a:r>
+            <a:r>
+              <a:rPr lang="fr-FR" sz="2400" dirty="0"/>
+              <a:t> that </a:t>
+            </a:r>
+            <a:r>
+              <a:rPr lang="fr-FR" sz="2400" dirty="0" err="1"/>
+              <a:t>may</a:t>
+            </a:r>
+            <a:r>
+              <a:rPr lang="fr-FR" sz="2400" dirty="0"/>
+              <a:t> </a:t>
+            </a:r>
+            <a:r>
+              <a:rPr lang="fr-FR" sz="2400" dirty="0" err="1"/>
+              <a:t>evolve</a:t>
+            </a:r>
+            <a:r>
+              <a:rPr lang="fr-FR" sz="2400" dirty="0"/>
+              <a:t> or </a:t>
+            </a:r>
+            <a:r>
+              <a:rPr lang="fr-FR" sz="2400" dirty="0" err="1"/>
+              <a:t>disabled</a:t>
+            </a:r>
+            <a:r>
+              <a:rPr lang="fr-FR" sz="2400" dirty="0"/>
+              <a:t> in the future</a:t>
+            </a:r>
+          </a:p>
+          <a:p>
+            <a:pPr marL="0" indent="0" algn="ctr">
+              <a:buNone/>
+            </a:pPr>
+            <a:r>
+              <a:rPr lang="fr-FR" sz="2400" dirty="0" err="1"/>
+              <a:t>Aimed</a:t>
+            </a:r>
+            <a:r>
+              <a:rPr lang="fr-FR" sz="2400" dirty="0"/>
+              <a:t> to </a:t>
+            </a:r>
+            <a:r>
+              <a:rPr lang="fr-FR" sz="2400" dirty="0" err="1"/>
+              <a:t>collect</a:t>
+            </a:r>
+            <a:r>
+              <a:rPr lang="fr-FR" sz="2400" dirty="0"/>
+              <a:t> feedback from the </a:t>
+            </a:r>
+            <a:r>
+              <a:rPr lang="fr-FR" sz="2400" dirty="0" err="1"/>
+              <a:t>community</a:t>
+            </a:r>
+            <a:endParaRPr lang="fr-FR" sz="2400" dirty="0"/>
+          </a:p>
+          <a:p>
+            <a:pPr marL="0" indent="0" algn="ctr">
+              <a:buNone/>
+            </a:pPr>
+            <a:endParaRPr lang="fr-FR" sz="2400" dirty="0"/>
+          </a:p>
+        </p:txBody>
+      </p:sp>
+      <p:sp>
+        <p:nvSpPr>
+          <p:cNvPr id="4" name="Espace réservé du numéro de diapositive 3">
+            <a:extLst>
+              <a:ext uri="{FF2B5EF4-FFF2-40B4-BE49-F238E27FC236}">
+                <a16:creationId xmlns:a16="http://schemas.microsoft.com/office/drawing/2014/main" id="{9EF3796C-0468-41E7-B03F-D7A2CF73FD65}"/>
+              </a:ext>
+            </a:extLst>
+          </p:cNvPr>
+          <p:cNvSpPr>
+            <a:spLocks noGrp="1"/>
+          </p:cNvSpPr>
+          <p:nvPr>
+            <p:ph type="sldNum" sz="quarter" idx="12"/>
+          </p:nvPr>
+        </p:nvSpPr>
+        <p:spPr/>
+        <p:txBody>
+          <a:bodyPr/>
+          <a:lstStyle/>
+          <a:p>
+            <a:fld id="{4EA40E75-4466-4188-A2CC-18D20372CC4F}" type="slidenum">
+              <a:rPr lang="fr-FR" smtClean="0"/>
+              <a:t>5</a:t>
             </a:fld>
             <a:endParaRPr lang="fr-FR"/>
           </a:p>
@@ -13468,7 +16507,7 @@
 </p:sld>
 </file>
 
-<file path=ppt/slides/slide5.xml><?xml version="1.0" encoding="utf-8"?>
+<file path=ppt/slides/slide6.xml><?xml version="1.0" encoding="utf-8"?>
 <p:sld xmlns:a="http://schemas.openxmlformats.org/drawingml/2006/main" xmlns:r="http://schemas.openxmlformats.org/officeDocument/2006/relationships" xmlns:p="http://schemas.openxmlformats.org/presentationml/2006/main">
   <p:cSld>
     <p:spTree>
@@ -13549,7 +16588,7 @@
           <a:p>
             <a:fld id="{4EA40E75-4466-4188-A2CC-18D20372CC4F}" type="slidenum">
               <a:rPr lang="fr-FR" smtClean="0"/>
-              <a:t>5</a:t>
+              <a:t>6</a:t>
             </a:fld>
             <a:endParaRPr lang="fr-FR"/>
           </a:p>
@@ -13603,131 +16642,6 @@
 </p:sld>
 </file>
 
-<file path=ppt/slides/slide6.xml><?xml version="1.0" encoding="utf-8"?>
-<p:sld xmlns:a="http://schemas.openxmlformats.org/drawingml/2006/main" xmlns:r="http://schemas.openxmlformats.org/officeDocument/2006/relationships" xmlns:p="http://schemas.openxmlformats.org/presentationml/2006/main">
-  <p:cSld>
-    <p:spTree>
-      <p:nvGrpSpPr>
-        <p:cNvPr id="1" name=""/>
-        <p:cNvGrpSpPr/>
-        <p:nvPr/>
-      </p:nvGrpSpPr>
-      <p:grpSpPr>
-        <a:xfrm>
-          <a:off x="0" y="0"/>
-          <a:ext cx="0" cy="0"/>
-          <a:chOff x="0" y="0"/>
-          <a:chExt cx="0" cy="0"/>
-        </a:xfrm>
-      </p:grpSpPr>
-      <p:sp>
-        <p:nvSpPr>
-          <p:cNvPr id="2" name="Titre 1">
-            <a:extLst>
-              <a:ext uri="{FF2B5EF4-FFF2-40B4-BE49-F238E27FC236}">
-                <a16:creationId xmlns:a16="http://schemas.microsoft.com/office/drawing/2014/main" id="{E5C9D29C-AE6D-45B1-B9D3-106826227453}"/>
-              </a:ext>
-            </a:extLst>
-          </p:cNvPr>
-          <p:cNvSpPr>
-            <a:spLocks noGrp="1"/>
-          </p:cNvSpPr>
-          <p:nvPr>
-            <p:ph type="title"/>
-          </p:nvPr>
-        </p:nvSpPr>
-        <p:spPr/>
-        <p:txBody>
-          <a:bodyPr/>
-          <a:lstStyle/>
-          <a:p>
-            <a:pPr algn="ctr"/>
-            <a:r>
-              <a:rPr lang="fr-FR" dirty="0" err="1"/>
-              <a:t>Preview</a:t>
-            </a:r>
-            <a:r>
-              <a:rPr lang="fr-FR" dirty="0"/>
-              <a:t> </a:t>
-            </a:r>
-            <a:r>
-              <a:rPr lang="fr-FR" dirty="0" err="1"/>
-              <a:t>Features</a:t>
-            </a:r>
-            <a:r>
-              <a:rPr lang="fr-FR" dirty="0"/>
-              <a:t>: Gradle</a:t>
-            </a:r>
-          </a:p>
-        </p:txBody>
-      </p:sp>
-      <p:sp>
-        <p:nvSpPr>
-          <p:cNvPr id="4" name="Espace réservé du numéro de diapositive 3">
-            <a:extLst>
-              <a:ext uri="{FF2B5EF4-FFF2-40B4-BE49-F238E27FC236}">
-                <a16:creationId xmlns:a16="http://schemas.microsoft.com/office/drawing/2014/main" id="{9EF3796C-0468-41E7-B03F-D7A2CF73FD65}"/>
-              </a:ext>
-            </a:extLst>
-          </p:cNvPr>
-          <p:cNvSpPr>
-            <a:spLocks noGrp="1"/>
-          </p:cNvSpPr>
-          <p:nvPr>
-            <p:ph type="sldNum" sz="quarter" idx="12"/>
-          </p:nvPr>
-        </p:nvSpPr>
-        <p:spPr/>
-        <p:txBody>
-          <a:bodyPr/>
-          <a:lstStyle/>
-          <a:p>
-            <a:fld id="{4EA40E75-4466-4188-A2CC-18D20372CC4F}" type="slidenum">
-              <a:rPr lang="fr-FR" smtClean="0"/>
-              <a:t>6</a:t>
-            </a:fld>
-            <a:endParaRPr lang="fr-FR"/>
-          </a:p>
-        </p:txBody>
-      </p:sp>
-      <p:sp>
-        <p:nvSpPr>
-          <p:cNvPr id="5" name="Espace réservé du contenu 4">
-            <a:extLst>
-              <a:ext uri="{FF2B5EF4-FFF2-40B4-BE49-F238E27FC236}">
-                <a16:creationId xmlns:a16="http://schemas.microsoft.com/office/drawing/2014/main" id="{3ED0353B-E7F0-4DEE-96D0-8F1908E2DEBC}"/>
-              </a:ext>
-            </a:extLst>
-          </p:cNvPr>
-          <p:cNvSpPr>
-            <a:spLocks noGrp="1"/>
-          </p:cNvSpPr>
-          <p:nvPr>
-            <p:ph idx="1"/>
-          </p:nvPr>
-        </p:nvSpPr>
-        <p:spPr/>
-        <p:txBody>
-          <a:bodyPr/>
-          <a:lstStyle/>
-          <a:p>
-            <a:endParaRPr lang="fr-FR"/>
-          </a:p>
-        </p:txBody>
-      </p:sp>
-    </p:spTree>
-    <p:extLst>
-      <p:ext uri="{BB962C8B-B14F-4D97-AF65-F5344CB8AC3E}">
-        <p14:creationId xmlns:p14="http://schemas.microsoft.com/office/powerpoint/2010/main" val="3811289677"/>
-      </p:ext>
-    </p:extLst>
-  </p:cSld>
-  <p:clrMapOvr>
-    <a:masterClrMapping/>
-  </p:clrMapOvr>
-</p:sld>
-</file>
-
 <file path=ppt/slides/slide7.xml><?xml version="1.0" encoding="utf-8"?>
 <p:sld xmlns:a="http://schemas.openxmlformats.org/drawingml/2006/main" xmlns:r="http://schemas.openxmlformats.org/officeDocument/2006/relationships" xmlns:p="http://schemas.openxmlformats.org/presentationml/2006/main">
   <p:cSld>
@@ -13750,7 +16664,7 @@
           <p:cNvPr id="2" name="Titre 1">
             <a:extLst>
               <a:ext uri="{FF2B5EF4-FFF2-40B4-BE49-F238E27FC236}">
-                <a16:creationId xmlns:a16="http://schemas.microsoft.com/office/drawing/2014/main" id="{771BD97B-BCF0-4516-89AB-2A00110D79A7}"/>
+                <a16:creationId xmlns:a16="http://schemas.microsoft.com/office/drawing/2014/main" id="{E5C9D29C-AE6D-45B1-B9D3-106826227453}"/>
               </a:ext>
             </a:extLst>
           </p:cNvPr>
@@ -13761,12 +16675,7 @@
             <p:ph type="title"/>
           </p:nvPr>
         </p:nvSpPr>
-        <p:spPr>
-          <a:xfrm>
-            <a:off x="1097280" y="2479336"/>
-            <a:ext cx="10058400" cy="1635178"/>
-          </a:xfrm>
-        </p:spPr>
+        <p:spPr/>
         <p:txBody>
           <a:bodyPr/>
           <a:lstStyle/>
@@ -13774,11 +16683,19 @@
             <a:pPr algn="ctr"/>
             <a:r>
               <a:rPr lang="fr-FR" dirty="0" err="1"/>
-              <a:t>Text</a:t>
+              <a:t>Preview</a:t>
             </a:r>
             <a:r>
               <a:rPr lang="fr-FR" dirty="0"/>
-              <a:t> Blocks</a:t>
+              <a:t> </a:t>
+            </a:r>
+            <a:r>
+              <a:rPr lang="fr-FR" dirty="0" err="1"/>
+              <a:t>Features</a:t>
+            </a:r>
+            <a:r>
+              <a:rPr lang="fr-FR" dirty="0"/>
+              <a:t>: Gradle</a:t>
             </a:r>
           </a:p>
         </p:txBody>
@@ -13788,7 +16705,7 @@
           <p:cNvPr id="4" name="Espace réservé du numéro de diapositive 3">
             <a:extLst>
               <a:ext uri="{FF2B5EF4-FFF2-40B4-BE49-F238E27FC236}">
-                <a16:creationId xmlns:a16="http://schemas.microsoft.com/office/drawing/2014/main" id="{E2417486-AE2E-40EB-9FD4-6373FECB55F7}"/>
+                <a16:creationId xmlns:a16="http://schemas.microsoft.com/office/drawing/2014/main" id="{9EF3796C-0468-41E7-B03F-D7A2CF73FD65}"/>
               </a:ext>
             </a:extLst>
           </p:cNvPr>
@@ -13812,49 +16729,45 @@
           </a:p>
         </p:txBody>
       </p:sp>
-      <p:sp>
-        <p:nvSpPr>
-          <p:cNvPr id="6" name="Espace réservé du texte 5">
+      <p:pic>
+        <p:nvPicPr>
+          <p:cNvPr id="10" name="Espace réservé du contenu 9" descr="Une image contenant texte&#10;&#10;Description générée automatiquement">
             <a:extLst>
               <a:ext uri="{FF2B5EF4-FFF2-40B4-BE49-F238E27FC236}">
-                <a16:creationId xmlns:a16="http://schemas.microsoft.com/office/drawing/2014/main" id="{08E130C1-B7A1-4125-A138-8B742C339780}"/>
+                <a16:creationId xmlns:a16="http://schemas.microsoft.com/office/drawing/2014/main" id="{3B8F1A9A-9032-4C15-A23D-7498754EE6F9}"/>
               </a:ext>
             </a:extLst>
           </p:cNvPr>
-          <p:cNvSpPr>
-            <a:spLocks noGrp="1"/>
-          </p:cNvSpPr>
-          <p:nvPr>
-            <p:ph type="body" idx="1"/>
-          </p:nvPr>
-        </p:nvSpPr>
+          <p:cNvPicPr>
+            <a:picLocks noGrp="1" noChangeAspect="1"/>
+          </p:cNvPicPr>
+          <p:nvPr>
+            <p:ph idx="1"/>
+          </p:nvPr>
+        </p:nvPicPr>
+        <p:blipFill>
+          <a:blip r:embed="rId2">
+            <a:extLst>
+              <a:ext uri="{28A0092B-C50C-407E-A947-70E740481C1C}">
+                <a14:useLocalDpi xmlns:a14="http://schemas.microsoft.com/office/drawing/2010/main" val="0"/>
+              </a:ext>
+            </a:extLst>
+          </a:blip>
+          <a:stretch>
+            <a:fillRect/>
+          </a:stretch>
+        </p:blipFill>
         <p:spPr>
           <a:xfrm>
-            <a:off x="1097280" y="4515271"/>
-            <a:ext cx="10058400" cy="1143000"/>
+            <a:off x="1668463" y="2619375"/>
+            <a:ext cx="8915400" cy="2476500"/>
           </a:xfrm>
         </p:spPr>
-        <p:txBody>
-          <a:bodyPr>
-            <a:normAutofit/>
-          </a:bodyPr>
-          <a:lstStyle/>
-          <a:p>
-            <a:pPr algn="ctr"/>
-            <a:r>
-              <a:rPr lang="fr-FR" sz="4000" dirty="0">
-                <a:hlinkClick r:id="rId2"/>
-              </a:rPr>
-              <a:t>JEP 378</a:t>
-            </a:r>
-            <a:endParaRPr lang="fr-FR" sz="4000" dirty="0"/>
-          </a:p>
-        </p:txBody>
-      </p:sp>
+      </p:pic>
     </p:spTree>
     <p:extLst>
       <p:ext uri="{BB962C8B-B14F-4D97-AF65-F5344CB8AC3E}">
-        <p14:creationId xmlns:p14="http://schemas.microsoft.com/office/powerpoint/2010/main" val="1230795339"/>
+        <p14:creationId xmlns:p14="http://schemas.microsoft.com/office/powerpoint/2010/main" val="3811289677"/>
       </p:ext>
     </p:extLst>
   </p:cSld>
@@ -13886,6 +16799,142 @@
           <p:cNvPr id="2" name="Titre 1">
             <a:extLst>
               <a:ext uri="{FF2B5EF4-FFF2-40B4-BE49-F238E27FC236}">
+                <a16:creationId xmlns:a16="http://schemas.microsoft.com/office/drawing/2014/main" id="{771BD97B-BCF0-4516-89AB-2A00110D79A7}"/>
+              </a:ext>
+            </a:extLst>
+          </p:cNvPr>
+          <p:cNvSpPr>
+            <a:spLocks noGrp="1"/>
+          </p:cNvSpPr>
+          <p:nvPr>
+            <p:ph type="title"/>
+          </p:nvPr>
+        </p:nvSpPr>
+        <p:spPr>
+          <a:xfrm>
+            <a:off x="1097280" y="2479336"/>
+            <a:ext cx="10058400" cy="1635178"/>
+          </a:xfrm>
+        </p:spPr>
+        <p:txBody>
+          <a:bodyPr/>
+          <a:lstStyle/>
+          <a:p>
+            <a:pPr algn="ctr"/>
+            <a:r>
+              <a:rPr lang="fr-FR" dirty="0" err="1"/>
+              <a:t>Text</a:t>
+            </a:r>
+            <a:r>
+              <a:rPr lang="fr-FR" dirty="0"/>
+              <a:t> Blocks</a:t>
+            </a:r>
+          </a:p>
+        </p:txBody>
+      </p:sp>
+      <p:sp>
+        <p:nvSpPr>
+          <p:cNvPr id="4" name="Espace réservé du numéro de diapositive 3">
+            <a:extLst>
+              <a:ext uri="{FF2B5EF4-FFF2-40B4-BE49-F238E27FC236}">
+                <a16:creationId xmlns:a16="http://schemas.microsoft.com/office/drawing/2014/main" id="{E2417486-AE2E-40EB-9FD4-6373FECB55F7}"/>
+              </a:ext>
+            </a:extLst>
+          </p:cNvPr>
+          <p:cNvSpPr>
+            <a:spLocks noGrp="1"/>
+          </p:cNvSpPr>
+          <p:nvPr>
+            <p:ph type="sldNum" sz="quarter" idx="12"/>
+          </p:nvPr>
+        </p:nvSpPr>
+        <p:spPr/>
+        <p:txBody>
+          <a:bodyPr/>
+          <a:lstStyle/>
+          <a:p>
+            <a:fld id="{4EA40E75-4466-4188-A2CC-18D20372CC4F}" type="slidenum">
+              <a:rPr lang="fr-FR" smtClean="0"/>
+              <a:t>8</a:t>
+            </a:fld>
+            <a:endParaRPr lang="fr-FR"/>
+          </a:p>
+        </p:txBody>
+      </p:sp>
+      <p:sp>
+        <p:nvSpPr>
+          <p:cNvPr id="6" name="Espace réservé du texte 5">
+            <a:extLst>
+              <a:ext uri="{FF2B5EF4-FFF2-40B4-BE49-F238E27FC236}">
+                <a16:creationId xmlns:a16="http://schemas.microsoft.com/office/drawing/2014/main" id="{08E130C1-B7A1-4125-A138-8B742C339780}"/>
+              </a:ext>
+            </a:extLst>
+          </p:cNvPr>
+          <p:cNvSpPr>
+            <a:spLocks noGrp="1"/>
+          </p:cNvSpPr>
+          <p:nvPr>
+            <p:ph type="body" idx="1"/>
+          </p:nvPr>
+        </p:nvSpPr>
+        <p:spPr>
+          <a:xfrm>
+            <a:off x="1097280" y="4515271"/>
+            <a:ext cx="10058400" cy="1143000"/>
+          </a:xfrm>
+        </p:spPr>
+        <p:txBody>
+          <a:bodyPr>
+            <a:normAutofit/>
+          </a:bodyPr>
+          <a:lstStyle/>
+          <a:p>
+            <a:pPr algn="ctr"/>
+            <a:r>
+              <a:rPr lang="fr-FR" sz="4000" dirty="0">
+                <a:hlinkClick r:id="rId2"/>
+              </a:rPr>
+              <a:t>JEP 378</a:t>
+            </a:r>
+            <a:endParaRPr lang="fr-FR" sz="4000" dirty="0"/>
+          </a:p>
+        </p:txBody>
+      </p:sp>
+    </p:spTree>
+    <p:extLst>
+      <p:ext uri="{BB962C8B-B14F-4D97-AF65-F5344CB8AC3E}">
+        <p14:creationId xmlns:p14="http://schemas.microsoft.com/office/powerpoint/2010/main" val="1230795339"/>
+      </p:ext>
+    </p:extLst>
+  </p:cSld>
+  <p:clrMapOvr>
+    <a:masterClrMapping/>
+  </p:clrMapOvr>
+</p:sld>
+</file>
+
+<file path=ppt/slides/slide9.xml><?xml version="1.0" encoding="utf-8"?>
+<p:sld xmlns:a="http://schemas.openxmlformats.org/drawingml/2006/main" xmlns:r="http://schemas.openxmlformats.org/officeDocument/2006/relationships" xmlns:p="http://schemas.openxmlformats.org/presentationml/2006/main">
+  <p:cSld>
+    <p:spTree>
+      <p:nvGrpSpPr>
+        <p:cNvPr id="1" name=""/>
+        <p:cNvGrpSpPr/>
+        <p:nvPr/>
+      </p:nvGrpSpPr>
+      <p:grpSpPr>
+        <a:xfrm>
+          <a:off x="0" y="0"/>
+          <a:ext cx="0" cy="0"/>
+          <a:chOff x="0" y="0"/>
+          <a:chExt cx="0" cy="0"/>
+        </a:xfrm>
+      </p:grpSpPr>
+      <p:sp>
+        <p:nvSpPr>
+          <p:cNvPr id="2" name="Titre 1">
+            <a:extLst>
+              <a:ext uri="{FF2B5EF4-FFF2-40B4-BE49-F238E27FC236}">
                 <a16:creationId xmlns:a16="http://schemas.microsoft.com/office/drawing/2014/main" id="{E5C9D29C-AE6D-45B1-B9D3-106826227453}"/>
               </a:ext>
             </a:extLst>
@@ -14015,7 +17064,7 @@
           <a:p>
             <a:fld id="{4EA40E75-4466-4188-A2CC-18D20372CC4F}" type="slidenum">
               <a:rPr lang="fr-FR" smtClean="0"/>
-              <a:t>8</a:t>
+              <a:t>9</a:t>
             </a:fld>
             <a:endParaRPr lang="fr-FR"/>
           </a:p>
@@ -14211,242 +17260,6 @@
       <p:bldP spid="3" grpId="0" uiExpand="1" build="p"/>
     </p:bldLst>
   </p:timing>
-</p:sld>
-</file>
-
-<file path=ppt/slides/slide9.xml><?xml version="1.0" encoding="utf-8"?>
-<p:sld xmlns:a="http://schemas.openxmlformats.org/drawingml/2006/main" xmlns:r="http://schemas.openxmlformats.org/officeDocument/2006/relationships" xmlns:p="http://schemas.openxmlformats.org/presentationml/2006/main">
-  <p:cSld>
-    <p:spTree>
-      <p:nvGrpSpPr>
-        <p:cNvPr id="1" name=""/>
-        <p:cNvGrpSpPr/>
-        <p:nvPr/>
-      </p:nvGrpSpPr>
-      <p:grpSpPr>
-        <a:xfrm>
-          <a:off x="0" y="0"/>
-          <a:ext cx="0" cy="0"/>
-          <a:chOff x="0" y="0"/>
-          <a:chExt cx="0" cy="0"/>
-        </a:xfrm>
-      </p:grpSpPr>
-      <p:sp>
-        <p:nvSpPr>
-          <p:cNvPr id="2" name="Titre 1">
-            <a:extLst>
-              <a:ext uri="{FF2B5EF4-FFF2-40B4-BE49-F238E27FC236}">
-                <a16:creationId xmlns:a16="http://schemas.microsoft.com/office/drawing/2014/main" id="{E5C9D29C-AE6D-45B1-B9D3-106826227453}"/>
-              </a:ext>
-            </a:extLst>
-          </p:cNvPr>
-          <p:cNvSpPr>
-            <a:spLocks noGrp="1"/>
-          </p:cNvSpPr>
-          <p:nvPr>
-            <p:ph type="title"/>
-          </p:nvPr>
-        </p:nvSpPr>
-        <p:spPr/>
-        <p:txBody>
-          <a:bodyPr/>
-          <a:lstStyle/>
-          <a:p>
-            <a:pPr algn="ctr"/>
-            <a:r>
-              <a:rPr lang="fr-FR" dirty="0" err="1"/>
-              <a:t>Text</a:t>
-            </a:r>
-            <a:r>
-              <a:rPr lang="fr-FR" dirty="0"/>
-              <a:t> Blocks</a:t>
-            </a:r>
-          </a:p>
-        </p:txBody>
-      </p:sp>
-      <p:sp>
-        <p:nvSpPr>
-          <p:cNvPr id="4" name="Espace réservé du numéro de diapositive 3">
-            <a:extLst>
-              <a:ext uri="{FF2B5EF4-FFF2-40B4-BE49-F238E27FC236}">
-                <a16:creationId xmlns:a16="http://schemas.microsoft.com/office/drawing/2014/main" id="{9EF3796C-0468-41E7-B03F-D7A2CF73FD65}"/>
-              </a:ext>
-            </a:extLst>
-          </p:cNvPr>
-          <p:cNvSpPr>
-            <a:spLocks noGrp="1"/>
-          </p:cNvSpPr>
-          <p:nvPr>
-            <p:ph type="sldNum" sz="quarter" idx="12"/>
-          </p:nvPr>
-        </p:nvSpPr>
-        <p:spPr/>
-        <p:txBody>
-          <a:bodyPr/>
-          <a:lstStyle/>
-          <a:p>
-            <a:fld id="{4EA40E75-4466-4188-A2CC-18D20372CC4F}" type="slidenum">
-              <a:rPr lang="fr-FR" smtClean="0"/>
-              <a:t>9</a:t>
-            </a:fld>
-            <a:endParaRPr lang="fr-FR"/>
-          </a:p>
-        </p:txBody>
-      </p:sp>
-      <p:sp>
-        <p:nvSpPr>
-          <p:cNvPr id="9" name="ZoneTexte 8">
-            <a:extLst>
-              <a:ext uri="{FF2B5EF4-FFF2-40B4-BE49-F238E27FC236}">
-                <a16:creationId xmlns:a16="http://schemas.microsoft.com/office/drawing/2014/main" id="{388EA872-79CA-410A-8F0E-A3A723D9861C}"/>
-              </a:ext>
-            </a:extLst>
-          </p:cNvPr>
-          <p:cNvSpPr txBox="1"/>
-          <p:nvPr/>
-        </p:nvSpPr>
-        <p:spPr>
-          <a:xfrm>
-            <a:off x="501939" y="2600950"/>
-            <a:ext cx="5464753" cy="461665"/>
-          </a:xfrm>
-          <a:prstGeom prst="rect">
-            <a:avLst/>
-          </a:prstGeom>
-          <a:noFill/>
-        </p:spPr>
-        <p:txBody>
-          <a:bodyPr wrap="square" rtlCol="0">
-            <a:spAutoFit/>
-          </a:bodyPr>
-          <a:lstStyle/>
-          <a:p>
-            <a:pPr algn="ctr"/>
-            <a:r>
-              <a:rPr lang="fr-FR" sz="2400" dirty="0"/>
-              <a:t>Java 11</a:t>
-            </a:r>
-          </a:p>
-        </p:txBody>
-      </p:sp>
-      <p:pic>
-        <p:nvPicPr>
-          <p:cNvPr id="19" name="Image 18" descr="Une image contenant texte&#10;&#10;Description générée automatiquement">
-            <a:extLst>
-              <a:ext uri="{FF2B5EF4-FFF2-40B4-BE49-F238E27FC236}">
-                <a16:creationId xmlns:a16="http://schemas.microsoft.com/office/drawing/2014/main" id="{C6ABD838-490F-4115-973F-E1D5CD24C8DE}"/>
-              </a:ext>
-            </a:extLst>
-          </p:cNvPr>
-          <p:cNvPicPr>
-            <a:picLocks noChangeAspect="1"/>
-          </p:cNvPicPr>
-          <p:nvPr/>
-        </p:nvPicPr>
-        <p:blipFill>
-          <a:blip r:embed="rId2">
-            <a:extLst>
-              <a:ext uri="{28A0092B-C50C-407E-A947-70E740481C1C}">
-                <a14:useLocalDpi xmlns:a14="http://schemas.microsoft.com/office/drawing/2010/main" val="0"/>
-              </a:ext>
-            </a:extLst>
-          </a:blip>
-          <a:stretch>
-            <a:fillRect/>
-          </a:stretch>
-        </p:blipFill>
-        <p:spPr>
-          <a:xfrm>
-            <a:off x="501939" y="3150351"/>
-            <a:ext cx="5464753" cy="2723534"/>
-          </a:xfrm>
-          <a:prstGeom prst="rect">
-            <a:avLst/>
-          </a:prstGeom>
-        </p:spPr>
-      </p:pic>
-      <p:pic>
-        <p:nvPicPr>
-          <p:cNvPr id="23" name="Image 22">
-            <a:extLst>
-              <a:ext uri="{FF2B5EF4-FFF2-40B4-BE49-F238E27FC236}">
-                <a16:creationId xmlns:a16="http://schemas.microsoft.com/office/drawing/2014/main" id="{35DCE139-F182-46A3-A034-A3F2D3B77747}"/>
-              </a:ext>
-            </a:extLst>
-          </p:cNvPr>
-          <p:cNvPicPr>
-            <a:picLocks noChangeAspect="1"/>
-          </p:cNvPicPr>
-          <p:nvPr/>
-        </p:nvPicPr>
-        <p:blipFill>
-          <a:blip r:embed="rId3">
-            <a:extLst>
-              <a:ext uri="{28A0092B-C50C-407E-A947-70E740481C1C}">
-                <a14:useLocalDpi xmlns:a14="http://schemas.microsoft.com/office/drawing/2010/main" val="0"/>
-              </a:ext>
-            </a:extLst>
-          </a:blip>
-          <a:stretch>
-            <a:fillRect/>
-          </a:stretch>
-        </p:blipFill>
-        <p:spPr>
-          <a:xfrm>
-            <a:off x="6692612" y="2758312"/>
-            <a:ext cx="4935970" cy="3507612"/>
-          </a:xfrm>
-          <a:prstGeom prst="rect">
-            <a:avLst/>
-          </a:prstGeom>
-        </p:spPr>
-      </p:pic>
-      <p:sp>
-        <p:nvSpPr>
-          <p:cNvPr id="24" name="ZoneTexte 23">
-            <a:extLst>
-              <a:ext uri="{FF2B5EF4-FFF2-40B4-BE49-F238E27FC236}">
-                <a16:creationId xmlns:a16="http://schemas.microsoft.com/office/drawing/2014/main" id="{1449C898-5F44-4E3A-B7E7-B6C6E5C279C6}"/>
-              </a:ext>
-            </a:extLst>
-          </p:cNvPr>
-          <p:cNvSpPr txBox="1"/>
-          <p:nvPr/>
-        </p:nvSpPr>
-        <p:spPr>
-          <a:xfrm>
-            <a:off x="6692612" y="2220022"/>
-            <a:ext cx="4935970" cy="461665"/>
-          </a:xfrm>
-          <a:prstGeom prst="rect">
-            <a:avLst/>
-          </a:prstGeom>
-          <a:noFill/>
-        </p:spPr>
-        <p:txBody>
-          <a:bodyPr wrap="square" rtlCol="0">
-            <a:spAutoFit/>
-          </a:bodyPr>
-          <a:lstStyle/>
-          <a:p>
-            <a:pPr algn="ctr"/>
-            <a:r>
-              <a:rPr lang="fr-FR" sz="2400" dirty="0"/>
-              <a:t>Java 17</a:t>
-            </a:r>
-          </a:p>
-        </p:txBody>
-      </p:sp>
-    </p:spTree>
-    <p:extLst>
-      <p:ext uri="{BB962C8B-B14F-4D97-AF65-F5344CB8AC3E}">
-        <p14:creationId xmlns:p14="http://schemas.microsoft.com/office/powerpoint/2010/main" val="893655152"/>
-      </p:ext>
-    </p:extLst>
-  </p:cSld>
-  <p:clrMapOvr>
-    <a:masterClrMapping/>
-  </p:clrMapOvr>
 </p:sld>
 </file>
 

--- a/java-11-17.pptx
+++ b/java-11-17.pptx
@@ -5,10 +5,10 @@
     <p:sldMasterId id="2147483899" r:id="rId1"/>
   </p:sldMasterIdLst>
   <p:notesMasterIdLst>
-    <p:notesMasterId r:id="rId46"/>
+    <p:notesMasterId r:id="rId50"/>
   </p:notesMasterIdLst>
   <p:handoutMasterIdLst>
-    <p:handoutMasterId r:id="rId47"/>
+    <p:handoutMasterId r:id="rId51"/>
   </p:handoutMasterIdLst>
   <p:sldIdLst>
     <p:sldId id="256" r:id="rId2"/>
@@ -47,14 +47,18 @@
     <p:sldId id="286" r:id="rId35"/>
     <p:sldId id="287" r:id="rId36"/>
     <p:sldId id="296" r:id="rId37"/>
-    <p:sldId id="297" r:id="rId38"/>
-    <p:sldId id="305" r:id="rId39"/>
-    <p:sldId id="299" r:id="rId40"/>
-    <p:sldId id="304" r:id="rId41"/>
-    <p:sldId id="300" r:id="rId42"/>
-    <p:sldId id="306" r:id="rId43"/>
-    <p:sldId id="303" r:id="rId44"/>
-    <p:sldId id="302" r:id="rId45"/>
+    <p:sldId id="310" r:id="rId38"/>
+    <p:sldId id="307" r:id="rId39"/>
+    <p:sldId id="297" r:id="rId40"/>
+    <p:sldId id="305" r:id="rId41"/>
+    <p:sldId id="299" r:id="rId42"/>
+    <p:sldId id="304" r:id="rId43"/>
+    <p:sldId id="300" r:id="rId44"/>
+    <p:sldId id="306" r:id="rId45"/>
+    <p:sldId id="308" r:id="rId46"/>
+    <p:sldId id="309" r:id="rId47"/>
+    <p:sldId id="303" r:id="rId48"/>
+    <p:sldId id="302" r:id="rId49"/>
   </p:sldIdLst>
   <p:sldSz cx="12192000" cy="6858000"/>
   <p:notesSz cx="6858000" cy="9144000"/>
@@ -258,7 +262,7 @@
           <a:p>
             <a:fld id="{C0691E93-FCE9-4637-A231-41265759DF2A}" type="datetimeFigureOut">
               <a:rPr lang="fr-FR" smtClean="0"/>
-              <a:t>14/12/2021</a:t>
+              <a:t>16/12/2021</a:t>
             </a:fld>
             <a:endParaRPr lang="fr-FR"/>
           </a:p>
@@ -435,7 +439,7 @@
           <a:p>
             <a:fld id="{F55AC44C-65B7-406C-A849-BD91E2E102C5}" type="datetimeFigureOut">
               <a:rPr lang="fr-FR" smtClean="0"/>
-              <a:t>14/12/2021</a:t>
+              <a:t>16/12/2021</a:t>
             </a:fld>
             <a:endParaRPr lang="fr-FR"/>
           </a:p>
@@ -1519,7 +1523,10 @@
           <a:bodyPr/>
           <a:lstStyle/>
           <a:p>
-            <a:endParaRPr lang="fr-FR" dirty="0"/>
+            <a:r>
+              <a:rPr lang="fr-FR" dirty="0"/>
+              <a:t>Démo!!!!!!!!!!!!!!!!!!!!</a:t>
+            </a:r>
           </a:p>
         </p:txBody>
       </p:sp>
@@ -1540,7 +1547,7 @@
           <a:p>
             <a:fld id="{3FF4E6BB-AC26-47B6-9605-8412E8089B25}" type="slidenum">
               <a:rPr lang="fr-FR" smtClean="0"/>
-              <a:t>38</a:t>
+              <a:t>36</a:t>
             </a:fld>
             <a:endParaRPr lang="fr-FR"/>
           </a:p>
@@ -1549,7 +1556,7 @@
     </p:spTree>
     <p:extLst>
       <p:ext uri="{BB962C8B-B14F-4D97-AF65-F5344CB8AC3E}">
-        <p14:creationId xmlns:p14="http://schemas.microsoft.com/office/powerpoint/2010/main" val="1693667360"/>
+        <p14:creationId xmlns:p14="http://schemas.microsoft.com/office/powerpoint/2010/main" val="3085600693"/>
       </p:ext>
     </p:extLst>
   </p:cSld>
@@ -1624,7 +1631,7 @@
           <a:p>
             <a:fld id="{3FF4E6BB-AC26-47B6-9605-8412E8089B25}" type="slidenum">
               <a:rPr lang="fr-FR" smtClean="0"/>
-              <a:t>40</a:t>
+              <a:t>38</a:t>
             </a:fld>
             <a:endParaRPr lang="fr-FR"/>
           </a:p>
@@ -1633,7 +1640,7 @@
     </p:spTree>
     <p:extLst>
       <p:ext uri="{BB962C8B-B14F-4D97-AF65-F5344CB8AC3E}">
-        <p14:creationId xmlns:p14="http://schemas.microsoft.com/office/powerpoint/2010/main" val="3204142077"/>
+        <p14:creationId xmlns:p14="http://schemas.microsoft.com/office/powerpoint/2010/main" val="1760936400"/>
       </p:ext>
     </p:extLst>
   </p:cSld>
@@ -1795,7 +1802,175 @@
           <a:p>
             <a:fld id="{3FF4E6BB-AC26-47B6-9605-8412E8089B25}" type="slidenum">
               <a:rPr lang="fr-FR" smtClean="0"/>
+              <a:t>40</a:t>
+            </a:fld>
+            <a:endParaRPr lang="fr-FR"/>
+          </a:p>
+        </p:txBody>
+      </p:sp>
+    </p:spTree>
+    <p:extLst>
+      <p:ext uri="{BB962C8B-B14F-4D97-AF65-F5344CB8AC3E}">
+        <p14:creationId xmlns:p14="http://schemas.microsoft.com/office/powerpoint/2010/main" val="1693667360"/>
+      </p:ext>
+    </p:extLst>
+  </p:cSld>
+  <p:clrMapOvr>
+    <a:masterClrMapping/>
+  </p:clrMapOvr>
+</p:notes>
+</file>
+
+<file path=ppt/notesSlides/notesSlide21.xml><?xml version="1.0" encoding="utf-8"?>
+<p:notes xmlns:a="http://schemas.openxmlformats.org/drawingml/2006/main" xmlns:r="http://schemas.openxmlformats.org/officeDocument/2006/relationships" xmlns:p="http://schemas.openxmlformats.org/presentationml/2006/main">
+  <p:cSld>
+    <p:spTree>
+      <p:nvGrpSpPr>
+        <p:cNvPr id="1" name=""/>
+        <p:cNvGrpSpPr/>
+        <p:nvPr/>
+      </p:nvGrpSpPr>
+      <p:grpSpPr>
+        <a:xfrm>
+          <a:off x="0" y="0"/>
+          <a:ext cx="0" cy="0"/>
+          <a:chOff x="0" y="0"/>
+          <a:chExt cx="0" cy="0"/>
+        </a:xfrm>
+      </p:grpSpPr>
+      <p:sp>
+        <p:nvSpPr>
+          <p:cNvPr id="2" name="Espace réservé de l'image des diapositives 1"/>
+          <p:cNvSpPr>
+            <a:spLocks noGrp="1" noRot="1" noChangeAspect="1"/>
+          </p:cNvSpPr>
+          <p:nvPr>
+            <p:ph type="sldImg"/>
+          </p:nvPr>
+        </p:nvSpPr>
+        <p:spPr/>
+      </p:sp>
+      <p:sp>
+        <p:nvSpPr>
+          <p:cNvPr id="3" name="Espace réservé des notes 2"/>
+          <p:cNvSpPr>
+            <a:spLocks noGrp="1"/>
+          </p:cNvSpPr>
+          <p:nvPr>
+            <p:ph type="body" idx="1"/>
+          </p:nvPr>
+        </p:nvSpPr>
+        <p:spPr/>
+        <p:txBody>
+          <a:bodyPr/>
+          <a:lstStyle/>
+          <a:p>
+            <a:endParaRPr lang="fr-FR" dirty="0"/>
+          </a:p>
+        </p:txBody>
+      </p:sp>
+      <p:sp>
+        <p:nvSpPr>
+          <p:cNvPr id="4" name="Espace réservé du numéro de diapositive 3"/>
+          <p:cNvSpPr>
+            <a:spLocks noGrp="1"/>
+          </p:cNvSpPr>
+          <p:nvPr>
+            <p:ph type="sldNum" sz="quarter" idx="5"/>
+          </p:nvPr>
+        </p:nvSpPr>
+        <p:spPr/>
+        <p:txBody>
+          <a:bodyPr/>
+          <a:lstStyle/>
+          <a:p>
+            <a:fld id="{3FF4E6BB-AC26-47B6-9605-8412E8089B25}" type="slidenum">
+              <a:rPr lang="fr-FR" smtClean="0"/>
               <a:t>42</a:t>
+            </a:fld>
+            <a:endParaRPr lang="fr-FR"/>
+          </a:p>
+        </p:txBody>
+      </p:sp>
+    </p:spTree>
+    <p:extLst>
+      <p:ext uri="{BB962C8B-B14F-4D97-AF65-F5344CB8AC3E}">
+        <p14:creationId xmlns:p14="http://schemas.microsoft.com/office/powerpoint/2010/main" val="3204142077"/>
+      </p:ext>
+    </p:extLst>
+  </p:cSld>
+  <p:clrMapOvr>
+    <a:masterClrMapping/>
+  </p:clrMapOvr>
+</p:notes>
+</file>
+
+<file path=ppt/notesSlides/notesSlide22.xml><?xml version="1.0" encoding="utf-8"?>
+<p:notes xmlns:a="http://schemas.openxmlformats.org/drawingml/2006/main" xmlns:r="http://schemas.openxmlformats.org/officeDocument/2006/relationships" xmlns:p="http://schemas.openxmlformats.org/presentationml/2006/main">
+  <p:cSld>
+    <p:spTree>
+      <p:nvGrpSpPr>
+        <p:cNvPr id="1" name=""/>
+        <p:cNvGrpSpPr/>
+        <p:nvPr/>
+      </p:nvGrpSpPr>
+      <p:grpSpPr>
+        <a:xfrm>
+          <a:off x="0" y="0"/>
+          <a:ext cx="0" cy="0"/>
+          <a:chOff x="0" y="0"/>
+          <a:chExt cx="0" cy="0"/>
+        </a:xfrm>
+      </p:grpSpPr>
+      <p:sp>
+        <p:nvSpPr>
+          <p:cNvPr id="2" name="Espace réservé de l'image des diapositives 1"/>
+          <p:cNvSpPr>
+            <a:spLocks noGrp="1" noRot="1" noChangeAspect="1"/>
+          </p:cNvSpPr>
+          <p:nvPr>
+            <p:ph type="sldImg"/>
+          </p:nvPr>
+        </p:nvSpPr>
+        <p:spPr/>
+      </p:sp>
+      <p:sp>
+        <p:nvSpPr>
+          <p:cNvPr id="3" name="Espace réservé des notes 2"/>
+          <p:cNvSpPr>
+            <a:spLocks noGrp="1"/>
+          </p:cNvSpPr>
+          <p:nvPr>
+            <p:ph type="body" idx="1"/>
+          </p:nvPr>
+        </p:nvSpPr>
+        <p:spPr/>
+        <p:txBody>
+          <a:bodyPr/>
+          <a:lstStyle/>
+          <a:p>
+            <a:endParaRPr lang="fr-FR" dirty="0"/>
+          </a:p>
+        </p:txBody>
+      </p:sp>
+      <p:sp>
+        <p:nvSpPr>
+          <p:cNvPr id="4" name="Espace réservé du numéro de diapositive 3"/>
+          <p:cNvSpPr>
+            <a:spLocks noGrp="1"/>
+          </p:cNvSpPr>
+          <p:nvPr>
+            <p:ph type="sldNum" sz="quarter" idx="5"/>
+          </p:nvPr>
+        </p:nvSpPr>
+        <p:spPr/>
+        <p:txBody>
+          <a:bodyPr/>
+          <a:lstStyle/>
+          <a:p>
+            <a:fld id="{3FF4E6BB-AC26-47B6-9605-8412E8089B25}" type="slidenum">
+              <a:rPr lang="fr-FR" smtClean="0"/>
+              <a:t>44</a:t>
             </a:fld>
             <a:endParaRPr lang="fr-FR"/>
           </a:p>
@@ -1805,6 +1980,174 @@
     <p:extLst>
       <p:ext uri="{BB962C8B-B14F-4D97-AF65-F5344CB8AC3E}">
         <p14:creationId xmlns:p14="http://schemas.microsoft.com/office/powerpoint/2010/main" val="3592912171"/>
+      </p:ext>
+    </p:extLst>
+  </p:cSld>
+  <p:clrMapOvr>
+    <a:masterClrMapping/>
+  </p:clrMapOvr>
+</p:notes>
+</file>
+
+<file path=ppt/notesSlides/notesSlide23.xml><?xml version="1.0" encoding="utf-8"?>
+<p:notes xmlns:a="http://schemas.openxmlformats.org/drawingml/2006/main" xmlns:r="http://schemas.openxmlformats.org/officeDocument/2006/relationships" xmlns:p="http://schemas.openxmlformats.org/presentationml/2006/main">
+  <p:cSld>
+    <p:spTree>
+      <p:nvGrpSpPr>
+        <p:cNvPr id="1" name=""/>
+        <p:cNvGrpSpPr/>
+        <p:nvPr/>
+      </p:nvGrpSpPr>
+      <p:grpSpPr>
+        <a:xfrm>
+          <a:off x="0" y="0"/>
+          <a:ext cx="0" cy="0"/>
+          <a:chOff x="0" y="0"/>
+          <a:chExt cx="0" cy="0"/>
+        </a:xfrm>
+      </p:grpSpPr>
+      <p:sp>
+        <p:nvSpPr>
+          <p:cNvPr id="2" name="Espace réservé de l'image des diapositives 1"/>
+          <p:cNvSpPr>
+            <a:spLocks noGrp="1" noRot="1" noChangeAspect="1"/>
+          </p:cNvSpPr>
+          <p:nvPr>
+            <p:ph type="sldImg"/>
+          </p:nvPr>
+        </p:nvSpPr>
+        <p:spPr/>
+      </p:sp>
+      <p:sp>
+        <p:nvSpPr>
+          <p:cNvPr id="3" name="Espace réservé des notes 2"/>
+          <p:cNvSpPr>
+            <a:spLocks noGrp="1"/>
+          </p:cNvSpPr>
+          <p:nvPr>
+            <p:ph type="body" idx="1"/>
+          </p:nvPr>
+        </p:nvSpPr>
+        <p:spPr/>
+        <p:txBody>
+          <a:bodyPr/>
+          <a:lstStyle/>
+          <a:p>
+            <a:endParaRPr lang="fr-FR" dirty="0"/>
+          </a:p>
+        </p:txBody>
+      </p:sp>
+      <p:sp>
+        <p:nvSpPr>
+          <p:cNvPr id="4" name="Espace réservé du numéro de diapositive 3"/>
+          <p:cNvSpPr>
+            <a:spLocks noGrp="1"/>
+          </p:cNvSpPr>
+          <p:nvPr>
+            <p:ph type="sldNum" sz="quarter" idx="5"/>
+          </p:nvPr>
+        </p:nvSpPr>
+        <p:spPr/>
+        <p:txBody>
+          <a:bodyPr/>
+          <a:lstStyle/>
+          <a:p>
+            <a:fld id="{3FF4E6BB-AC26-47B6-9605-8412E8089B25}" type="slidenum">
+              <a:rPr lang="fr-FR" smtClean="0"/>
+              <a:t>45</a:t>
+            </a:fld>
+            <a:endParaRPr lang="fr-FR"/>
+          </a:p>
+        </p:txBody>
+      </p:sp>
+    </p:spTree>
+    <p:extLst>
+      <p:ext uri="{BB962C8B-B14F-4D97-AF65-F5344CB8AC3E}">
+        <p14:creationId xmlns:p14="http://schemas.microsoft.com/office/powerpoint/2010/main" val="3268078297"/>
+      </p:ext>
+    </p:extLst>
+  </p:cSld>
+  <p:clrMapOvr>
+    <a:masterClrMapping/>
+  </p:clrMapOvr>
+</p:notes>
+</file>
+
+<file path=ppt/notesSlides/notesSlide24.xml><?xml version="1.0" encoding="utf-8"?>
+<p:notes xmlns:a="http://schemas.openxmlformats.org/drawingml/2006/main" xmlns:r="http://schemas.openxmlformats.org/officeDocument/2006/relationships" xmlns:p="http://schemas.openxmlformats.org/presentationml/2006/main">
+  <p:cSld>
+    <p:spTree>
+      <p:nvGrpSpPr>
+        <p:cNvPr id="1" name=""/>
+        <p:cNvGrpSpPr/>
+        <p:nvPr/>
+      </p:nvGrpSpPr>
+      <p:grpSpPr>
+        <a:xfrm>
+          <a:off x="0" y="0"/>
+          <a:ext cx="0" cy="0"/>
+          <a:chOff x="0" y="0"/>
+          <a:chExt cx="0" cy="0"/>
+        </a:xfrm>
+      </p:grpSpPr>
+      <p:sp>
+        <p:nvSpPr>
+          <p:cNvPr id="2" name="Espace réservé de l'image des diapositives 1"/>
+          <p:cNvSpPr>
+            <a:spLocks noGrp="1" noRot="1" noChangeAspect="1"/>
+          </p:cNvSpPr>
+          <p:nvPr>
+            <p:ph type="sldImg"/>
+          </p:nvPr>
+        </p:nvSpPr>
+        <p:spPr/>
+      </p:sp>
+      <p:sp>
+        <p:nvSpPr>
+          <p:cNvPr id="3" name="Espace réservé des notes 2"/>
+          <p:cNvSpPr>
+            <a:spLocks noGrp="1"/>
+          </p:cNvSpPr>
+          <p:nvPr>
+            <p:ph type="body" idx="1"/>
+          </p:nvPr>
+        </p:nvSpPr>
+        <p:spPr/>
+        <p:txBody>
+          <a:bodyPr/>
+          <a:lstStyle/>
+          <a:p>
+            <a:endParaRPr lang="fr-FR" dirty="0"/>
+          </a:p>
+        </p:txBody>
+      </p:sp>
+      <p:sp>
+        <p:nvSpPr>
+          <p:cNvPr id="4" name="Espace réservé du numéro de diapositive 3"/>
+          <p:cNvSpPr>
+            <a:spLocks noGrp="1"/>
+          </p:cNvSpPr>
+          <p:nvPr>
+            <p:ph type="sldNum" sz="quarter" idx="5"/>
+          </p:nvPr>
+        </p:nvSpPr>
+        <p:spPr/>
+        <p:txBody>
+          <a:bodyPr/>
+          <a:lstStyle/>
+          <a:p>
+            <a:fld id="{3FF4E6BB-AC26-47B6-9605-8412E8089B25}" type="slidenum">
+              <a:rPr lang="fr-FR" smtClean="0"/>
+              <a:t>46</a:t>
+            </a:fld>
+            <a:endParaRPr lang="fr-FR"/>
+          </a:p>
+        </p:txBody>
+      </p:sp>
+    </p:spTree>
+    <p:extLst>
+      <p:ext uri="{BB962C8B-B14F-4D97-AF65-F5344CB8AC3E}">
+        <p14:creationId xmlns:p14="http://schemas.microsoft.com/office/powerpoint/2010/main" val="2095654996"/>
       </p:ext>
     </p:extLst>
   </p:cSld>
@@ -2651,7 +2994,7 @@
           <a:p>
             <a:fld id="{3E9A7E9A-ED42-4501-8D90-C284A0C74BA0}" type="datetime1">
               <a:rPr lang="fr-FR" smtClean="0"/>
-              <a:t>14/12/2021</a:t>
+              <a:t>16/12/2021</a:t>
             </a:fld>
             <a:endParaRPr lang="fr-FR"/>
           </a:p>
@@ -2895,7 +3238,7 @@
           <a:p>
             <a:fld id="{011731C5-66D9-40D1-AD62-85284915D8C0}" type="datetime1">
               <a:rPr lang="fr-FR" smtClean="0"/>
-              <a:t>14/12/2021</a:t>
+              <a:t>16/12/2021</a:t>
             </a:fld>
             <a:endParaRPr lang="fr-FR"/>
           </a:p>
@@ -3151,7 +3494,7 @@
           <a:p>
             <a:fld id="{69A0C85A-3B63-44EA-B3D9-9A0F52CCE6A2}" type="datetime1">
               <a:rPr lang="fr-FR" smtClean="0"/>
-              <a:t>14/12/2021</a:t>
+              <a:t>16/12/2021</a:t>
             </a:fld>
             <a:endParaRPr lang="fr-FR"/>
           </a:p>
@@ -3325,7 +3668,7 @@
           <a:p>
             <a:fld id="{3CE03D01-19B8-47BE-948A-3CFA30B826BF}" type="datetime1">
               <a:rPr lang="fr-FR" smtClean="0"/>
-              <a:t>14/12/2021</a:t>
+              <a:t>16/12/2021</a:t>
             </a:fld>
             <a:endParaRPr lang="fr-FR"/>
           </a:p>
@@ -3668,7 +4011,7 @@
           <a:p>
             <a:fld id="{007DEB42-D5C0-4A8E-97F2-008433135B73}" type="datetime1">
               <a:rPr lang="fr-FR" smtClean="0"/>
-              <a:t>14/12/2021</a:t>
+              <a:t>16/12/2021</a:t>
             </a:fld>
             <a:endParaRPr lang="fr-FR"/>
           </a:p>
@@ -3979,7 +4322,7 @@
           <a:p>
             <a:fld id="{179C7A2F-A17B-42D2-BE59-8C278563A5C9}" type="datetime1">
               <a:rPr lang="fr-FR" smtClean="0"/>
-              <a:t>14/12/2021</a:t>
+              <a:t>16/12/2021</a:t>
             </a:fld>
             <a:endParaRPr lang="fr-FR"/>
           </a:p>
@@ -4358,7 +4701,7 @@
           <a:p>
             <a:fld id="{02A30240-5FA3-4E5C-9030-7B7F07508C75}" type="datetime1">
               <a:rPr lang="fr-FR" smtClean="0"/>
-              <a:t>14/12/2021</a:t>
+              <a:t>16/12/2021</a:t>
             </a:fld>
             <a:endParaRPr lang="fr-FR"/>
           </a:p>
@@ -4476,7 +4819,7 @@
           <a:p>
             <a:fld id="{0A5C02E6-A879-4622-BC22-B453EA43177A}" type="datetime1">
               <a:rPr lang="fr-FR" smtClean="0"/>
-              <a:t>14/12/2021</a:t>
+              <a:t>16/12/2021</a:t>
             </a:fld>
             <a:endParaRPr lang="fr-FR"/>
           </a:p>
@@ -4647,7 +4990,7 @@
           <a:p>
             <a:fld id="{E1866222-02FE-4D51-8558-4201C298598E}" type="datetime1">
               <a:rPr lang="fr-FR" smtClean="0"/>
-              <a:t>14/12/2021</a:t>
+              <a:t>16/12/2021</a:t>
             </a:fld>
             <a:endParaRPr lang="fr-FR"/>
           </a:p>
@@ -5037,7 +5380,7 @@
           <a:p>
             <a:fld id="{FC48FF92-93C7-4711-8B84-E9634535DE69}" type="datetime1">
               <a:rPr lang="fr-FR" smtClean="0"/>
-              <a:t>14/12/2021</a:t>
+              <a:t>16/12/2021</a:t>
             </a:fld>
             <a:endParaRPr lang="fr-FR"/>
           </a:p>
@@ -5419,7 +5762,7 @@
           <a:p>
             <a:fld id="{9006B5A5-1C1D-440B-B69F-35DCE3DE75D0}" type="datetime1">
               <a:rPr lang="fr-FR" smtClean="0"/>
-              <a:t>14/12/2021</a:t>
+              <a:t>16/12/2021</a:t>
             </a:fld>
             <a:endParaRPr lang="fr-FR"/>
           </a:p>
@@ -5713,7 +6056,7 @@
           <a:p>
             <a:fld id="{F85A370E-A298-4B06-946F-FB83BDD5ADB9}" type="datetime1">
               <a:rPr lang="fr-FR" smtClean="0"/>
-              <a:t>14/12/2021</a:t>
+              <a:t>16/12/2021</a:t>
             </a:fld>
             <a:endParaRPr lang="fr-FR"/>
           </a:p>
@@ -6405,7 +6748,15 @@
           <a:p>
             <a:r>
               <a:rPr lang="fr-FR" i="1" dirty="0"/>
-              <a:t>Lead Développeur @ Talan </a:t>
+              <a:t>Lead </a:t>
+            </a:r>
+            <a:r>
+              <a:rPr lang="fr-FR" i="1" dirty="0" err="1"/>
+              <a:t>Developper</a:t>
+            </a:r>
+            <a:r>
+              <a:rPr lang="fr-FR" i="1" dirty="0"/>
+              <a:t> @ Talan </a:t>
             </a:r>
             <a:r>
               <a:rPr lang="fr-FR" i="1" dirty="0" err="1"/>
@@ -6783,6 +7134,12 @@
             <a:pPr marL="0" indent="0" algn="ctr">
               <a:buNone/>
             </a:pPr>
+            <a:endParaRPr lang="fr-FR" sz="2400" dirty="0"/>
+          </a:p>
+          <a:p>
+            <a:pPr marL="0" indent="0" algn="ctr">
+              <a:buNone/>
+            </a:pPr>
             <a:r>
               <a:rPr lang="fr-FR" sz="2400" dirty="0" err="1"/>
               <a:t>Trailing</a:t>
@@ -6827,6 +7184,12 @@
               <a:rPr lang="fr-FR" sz="2400" dirty="0" err="1"/>
               <a:t>escaped</a:t>
             </a:r>
+            <a:endParaRPr lang="fr-FR" sz="2400" dirty="0"/>
+          </a:p>
+          <a:p>
+            <a:pPr marL="0" indent="0" algn="ctr">
+              <a:buNone/>
+            </a:pPr>
             <a:endParaRPr lang="fr-FR" sz="2400" dirty="0"/>
           </a:p>
           <a:p>
@@ -6980,7 +7343,7 @@
                                         <p:tgtEl>
                                           <p:spTgt spid="3">
                                             <p:txEl>
-                                              <p:pRg st="1" end="1"/>
+                                              <p:pRg st="2" end="2"/>
                                             </p:txEl>
                                           </p:spTgt>
                                         </p:tgtEl>
@@ -7029,7 +7392,7 @@
                                         <p:tgtEl>
                                           <p:spTgt spid="3">
                                             <p:txEl>
-                                              <p:pRg st="2" end="2"/>
+                                              <p:pRg st="4" end="4"/>
                                             </p:txEl>
                                           </p:spTgt>
                                         </p:tgtEl>
@@ -7643,6 +8006,12 @@
             <a:pPr marL="0" indent="0" algn="ctr">
               <a:buNone/>
             </a:pPr>
+            <a:endParaRPr lang="fr-FR" sz="2400" dirty="0"/>
+          </a:p>
+          <a:p>
+            <a:pPr marL="0" indent="0" algn="ctr">
+              <a:buNone/>
+            </a:pPr>
             <a:r>
               <a:rPr lang="fr-FR" sz="2400" dirty="0"/>
               <a:t>Hard to use </a:t>
@@ -7667,6 +8036,12 @@
               <a:rPr lang="fr-FR" sz="2400" dirty="0" err="1"/>
               <a:t>rules</a:t>
             </a:r>
+            <a:endParaRPr lang="fr-FR" sz="2400" dirty="0"/>
+          </a:p>
+          <a:p>
+            <a:pPr marL="0" indent="0" algn="ctr">
+              <a:buNone/>
+            </a:pPr>
             <a:endParaRPr lang="fr-FR" sz="2400" dirty="0"/>
           </a:p>
           <a:p>
@@ -7813,7 +8188,7 @@
                                         <p:tgtEl>
                                           <p:spTgt spid="3">
                                             <p:txEl>
-                                              <p:pRg st="1" end="1"/>
+                                              <p:pRg st="2" end="2"/>
                                             </p:txEl>
                                           </p:spTgt>
                                         </p:tgtEl>
@@ -7862,7 +8237,7 @@
                                         <p:tgtEl>
                                           <p:spTgt spid="3">
                                             <p:txEl>
-                                              <p:pRg st="2" end="2"/>
+                                              <p:pRg st="4" end="4"/>
                                             </p:txEl>
                                           </p:spTgt>
                                         </p:tgtEl>
@@ -8454,8 +8829,8 @@
         </p:nvSpPr>
         <p:spPr>
           <a:xfrm>
-            <a:off x="1066800" y="2909453"/>
-            <a:ext cx="10058400" cy="2114934"/>
+            <a:off x="1066800" y="2652277"/>
+            <a:ext cx="10058400" cy="2729347"/>
           </a:xfrm>
         </p:spPr>
         <p:txBody>
@@ -8517,6 +8892,12 @@
             <a:pPr marL="0" indent="0" algn="ctr">
               <a:buNone/>
             </a:pPr>
+            <a:endParaRPr lang="fr-FR" sz="2400" dirty="0"/>
+          </a:p>
+          <a:p>
+            <a:pPr marL="0" indent="0" algn="ctr">
+              <a:buNone/>
+            </a:pPr>
             <a:r>
               <a:rPr lang="fr-FR" sz="2400" dirty="0" err="1"/>
               <a:t>Accessors</a:t>
@@ -8525,6 +8906,12 @@
               <a:rPr lang="fr-FR" sz="2400" dirty="0"/>
               <a:t> are not getters</a:t>
             </a:r>
+          </a:p>
+          <a:p>
+            <a:pPr marL="0" indent="0" algn="ctr">
+              <a:buNone/>
+            </a:pPr>
+            <a:endParaRPr lang="fr-FR" sz="2400" dirty="0"/>
           </a:p>
           <a:p>
             <a:pPr marL="0" indent="0" algn="ctr">
@@ -8696,7 +9083,7 @@
                                         <p:tgtEl>
                                           <p:spTgt spid="3">
                                             <p:txEl>
-                                              <p:pRg st="1" end="1"/>
+                                              <p:pRg st="2" end="2"/>
                                             </p:txEl>
                                           </p:spTgt>
                                         </p:tgtEl>
@@ -8745,7 +9132,7 @@
                                         <p:tgtEl>
                                           <p:spTgt spid="3">
                                             <p:txEl>
-                                              <p:pRg st="2" end="2"/>
+                                              <p:pRg st="4" end="4"/>
                                             </p:txEl>
                                           </p:spTgt>
                                         </p:tgtEl>
@@ -10105,8 +10492,8 @@
         </p:nvSpPr>
         <p:spPr>
           <a:xfrm>
-            <a:off x="1066800" y="2909453"/>
-            <a:ext cx="10058400" cy="2211187"/>
+            <a:off x="1066800" y="2333625"/>
+            <a:ext cx="10058400" cy="2787015"/>
           </a:xfrm>
         </p:spPr>
         <p:txBody>
@@ -10152,6 +10539,12 @@
             <a:pPr marL="0" indent="0" algn="ctr">
               <a:buNone/>
             </a:pPr>
+            <a:endParaRPr lang="fr-FR" sz="2400" dirty="0"/>
+          </a:p>
+          <a:p>
+            <a:pPr marL="0" indent="0" algn="ctr">
+              <a:buNone/>
+            </a:pPr>
             <a:r>
               <a:rPr lang="fr-FR" sz="2400" dirty="0" err="1"/>
               <a:t>Allowed</a:t>
@@ -10184,6 +10577,12 @@
               <a:rPr lang="fr-FR" sz="2400" dirty="0"/>
               <a:t> keyword</a:t>
             </a:r>
+          </a:p>
+          <a:p>
+            <a:pPr marL="0" indent="0" algn="ctr">
+              <a:buNone/>
+            </a:pPr>
+            <a:endParaRPr lang="fr-FR" sz="2400" dirty="0"/>
           </a:p>
           <a:p>
             <a:pPr marL="0" indent="0" algn="ctr">
@@ -10355,7 +10754,7 @@
                                         <p:tgtEl>
                                           <p:spTgt spid="3">
                                             <p:txEl>
-                                              <p:pRg st="1" end="1"/>
+                                              <p:pRg st="2" end="2"/>
                                             </p:txEl>
                                           </p:spTgt>
                                         </p:tgtEl>
@@ -10404,7 +10803,7 @@
                                         <p:tgtEl>
                                           <p:spTgt spid="3">
                                             <p:txEl>
-                                              <p:pRg st="2" end="2"/>
+                                              <p:pRg st="4" end="4"/>
                                             </p:txEl>
                                           </p:spTgt>
                                         </p:tgtEl>
@@ -11877,7 +12276,7 @@
         <p:spPr>
           <a:xfrm>
             <a:off x="1066800" y="2909453"/>
-            <a:ext cx="10058400" cy="2211187"/>
+            <a:ext cx="10058400" cy="3024622"/>
           </a:xfrm>
         </p:spPr>
         <p:txBody>
@@ -11926,6 +12325,12 @@
             <a:pPr marL="0" indent="0" algn="ctr">
               <a:buNone/>
             </a:pPr>
+            <a:endParaRPr lang="fr-FR" sz="2400" dirty="0"/>
+          </a:p>
+          <a:p>
+            <a:pPr marL="0" indent="0" algn="ctr">
+              <a:buNone/>
+            </a:pPr>
             <a:r>
               <a:rPr lang="fr-FR" sz="2400" dirty="0"/>
               <a:t>If a </a:t>
@@ -11950,6 +12355,12 @@
               <a:rPr lang="fr-FR" sz="2400" dirty="0" err="1"/>
               <a:t>error</a:t>
             </a:r>
+            <a:endParaRPr lang="fr-FR" sz="2400" dirty="0"/>
+          </a:p>
+          <a:p>
+            <a:pPr marL="0" indent="0" algn="ctr">
+              <a:buNone/>
+            </a:pPr>
             <a:endParaRPr lang="fr-FR" sz="2400" dirty="0"/>
           </a:p>
           <a:p>
@@ -12087,7 +12498,7 @@
                                         <p:tgtEl>
                                           <p:spTgt spid="3">
                                             <p:txEl>
-                                              <p:pRg st="1" end="1"/>
+                                              <p:pRg st="2" end="2"/>
                                             </p:txEl>
                                           </p:spTgt>
                                         </p:tgtEl>
@@ -12136,7 +12547,7 @@
                                         <p:tgtEl>
                                           <p:spTgt spid="3">
                                             <p:txEl>
-                                              <p:pRg st="2" end="2"/>
+                                              <p:pRg st="4" end="4"/>
                                             </p:txEl>
                                           </p:spTgt>
                                         </p:tgtEl>
@@ -12576,6 +12987,713 @@
           </a:p>
         </p:txBody>
       </p:sp>
+      <p:sp>
+        <p:nvSpPr>
+          <p:cNvPr id="3" name="ZoneTexte 2">
+            <a:extLst>
+              <a:ext uri="{FF2B5EF4-FFF2-40B4-BE49-F238E27FC236}">
+                <a16:creationId xmlns:a16="http://schemas.microsoft.com/office/drawing/2014/main" id="{27394367-AFE8-4076-AC43-4FBE2FC949A3}"/>
+              </a:ext>
+            </a:extLst>
+          </p:cNvPr>
+          <p:cNvSpPr txBox="1"/>
+          <p:nvPr/>
+        </p:nvSpPr>
+        <p:spPr>
+          <a:xfrm>
+            <a:off x="1257300" y="2038350"/>
+            <a:ext cx="10058400" cy="5016758"/>
+          </a:xfrm>
+          <a:prstGeom prst="rect">
+            <a:avLst/>
+          </a:prstGeom>
+          <a:noFill/>
+        </p:spPr>
+        <p:txBody>
+          <a:bodyPr wrap="square" numCol="2" rtlCol="0">
+            <a:spAutoFit/>
+          </a:bodyPr>
+          <a:lstStyle/>
+          <a:p>
+            <a:r>
+              <a:rPr lang="fr-FR" sz="1600" b="1" u="sng" dirty="0"/>
+              <a:t>Transversal</a:t>
+            </a:r>
+          </a:p>
+          <a:p>
+            <a:r>
+              <a:rPr lang="fr-FR" sz="1600" b="0" i="0" u="none" strike="noStrike" dirty="0">
+                <a:solidFill>
+                  <a:srgbClr val="000000"/>
+                </a:solidFill>
+                <a:effectLst/>
+              </a:rPr>
+              <a:t>12: </a:t>
+            </a:r>
+            <a:r>
+              <a:rPr lang="fr-FR" sz="1600" b="0" i="0" u="sng" strike="noStrike" dirty="0" err="1">
+                <a:solidFill>
+                  <a:srgbClr val="000000"/>
+                </a:solidFill>
+                <a:effectLst/>
+                <a:hlinkClick r:id="rId2"/>
+              </a:rPr>
+              <a:t>Preview</a:t>
+            </a:r>
+            <a:r>
+              <a:rPr lang="fr-FR" sz="1600" b="0" i="0" u="sng" strike="noStrike" dirty="0">
+                <a:solidFill>
+                  <a:srgbClr val="000000"/>
+                </a:solidFill>
+                <a:effectLst/>
+                <a:hlinkClick r:id="rId2"/>
+              </a:rPr>
+              <a:t> </a:t>
+            </a:r>
+            <a:r>
+              <a:rPr lang="fr-FR" sz="1600" b="0" i="0" u="sng" strike="noStrike" dirty="0" err="1">
+                <a:solidFill>
+                  <a:srgbClr val="000000"/>
+                </a:solidFill>
+                <a:effectLst/>
+                <a:hlinkClick r:id="rId2"/>
+              </a:rPr>
+              <a:t>Features</a:t>
+            </a:r>
+            <a:r>
+              <a:rPr lang="fr-FR" sz="1600" dirty="0"/>
+              <a:t> </a:t>
+            </a:r>
+          </a:p>
+          <a:p>
+            <a:endParaRPr lang="fr-FR" sz="1600" dirty="0"/>
+          </a:p>
+          <a:p>
+            <a:endParaRPr lang="fr-FR" sz="1600" dirty="0"/>
+          </a:p>
+          <a:p>
+            <a:endParaRPr lang="fr-FR" sz="1600" dirty="0"/>
+          </a:p>
+          <a:p>
+            <a:r>
+              <a:rPr lang="fr-FR" sz="1600" b="1" u="sng" dirty="0" err="1"/>
+              <a:t>Language</a:t>
+            </a:r>
+            <a:endParaRPr lang="fr-FR" sz="1600" b="1" u="sng" dirty="0"/>
+          </a:p>
+          <a:p>
+            <a:r>
+              <a:rPr lang="fr-FR" sz="1600" b="0" i="0" u="none" strike="noStrike" dirty="0">
+                <a:solidFill>
+                  <a:srgbClr val="000000"/>
+                </a:solidFill>
+                <a:effectLst/>
+              </a:rPr>
+              <a:t>378: </a:t>
+            </a:r>
+            <a:r>
+              <a:rPr lang="fr-FR" sz="1600" b="0" i="0" u="sng" strike="noStrike" dirty="0" err="1">
+                <a:solidFill>
+                  <a:srgbClr val="000000"/>
+                </a:solidFill>
+                <a:effectLst/>
+                <a:hlinkClick r:id="rId3"/>
+              </a:rPr>
+              <a:t>Text</a:t>
+            </a:r>
+            <a:r>
+              <a:rPr lang="fr-FR" sz="1600" b="0" i="0" u="sng" strike="noStrike" dirty="0">
+                <a:solidFill>
+                  <a:srgbClr val="000000"/>
+                </a:solidFill>
+                <a:effectLst/>
+                <a:hlinkClick r:id="rId3"/>
+              </a:rPr>
+              <a:t> Blocks</a:t>
+            </a:r>
+            <a:r>
+              <a:rPr lang="fr-FR" sz="1600" dirty="0"/>
+              <a:t> </a:t>
+            </a:r>
+          </a:p>
+          <a:p>
+            <a:r>
+              <a:rPr lang="fr-FR" sz="1600" b="0" i="0" u="none" strike="noStrike" dirty="0">
+                <a:solidFill>
+                  <a:srgbClr val="000000"/>
+                </a:solidFill>
+                <a:effectLst/>
+              </a:rPr>
+              <a:t>395:</a:t>
+            </a:r>
+            <a:r>
+              <a:rPr lang="fr-FR" sz="1600" dirty="0"/>
+              <a:t> </a:t>
+            </a:r>
+            <a:r>
+              <a:rPr lang="fr-FR" sz="1600" b="0" i="0" u="sng" strike="noStrike" dirty="0">
+                <a:solidFill>
+                  <a:srgbClr val="000000"/>
+                </a:solidFill>
+                <a:effectLst/>
+                <a:hlinkClick r:id="rId4"/>
+              </a:rPr>
+              <a:t>Records</a:t>
+            </a:r>
+            <a:r>
+              <a:rPr lang="fr-FR" sz="1600" dirty="0"/>
+              <a:t> </a:t>
+            </a:r>
+          </a:p>
+          <a:p>
+            <a:r>
+              <a:rPr lang="fr-FR" sz="1600" b="0" i="0" u="none" strike="noStrike" dirty="0">
+                <a:solidFill>
+                  <a:srgbClr val="000000"/>
+                </a:solidFill>
+                <a:effectLst/>
+              </a:rPr>
+              <a:t>409: </a:t>
+            </a:r>
+            <a:r>
+              <a:rPr lang="fr-FR" sz="1600" b="0" i="0" u="sng" strike="noStrike" dirty="0" err="1">
+                <a:solidFill>
+                  <a:srgbClr val="000000"/>
+                </a:solidFill>
+                <a:effectLst/>
+                <a:hlinkClick r:id="rId5"/>
+              </a:rPr>
+              <a:t>Sealed</a:t>
+            </a:r>
+            <a:r>
+              <a:rPr lang="fr-FR" sz="1600" b="0" i="0" u="sng" strike="noStrike" dirty="0">
+                <a:solidFill>
+                  <a:srgbClr val="000000"/>
+                </a:solidFill>
+                <a:effectLst/>
+                <a:hlinkClick r:id="rId5"/>
+              </a:rPr>
+              <a:t> Classes</a:t>
+            </a:r>
+            <a:r>
+              <a:rPr lang="fr-FR" sz="1600" dirty="0"/>
+              <a:t> </a:t>
+            </a:r>
+          </a:p>
+          <a:p>
+            <a:r>
+              <a:rPr lang="fr-FR" sz="1600" b="0" i="0" u="none" strike="noStrike" dirty="0">
+                <a:solidFill>
+                  <a:srgbClr val="000000"/>
+                </a:solidFill>
+                <a:effectLst/>
+              </a:rPr>
+              <a:t>361:</a:t>
+            </a:r>
+            <a:r>
+              <a:rPr lang="fr-FR" sz="1600" dirty="0"/>
+              <a:t> </a:t>
+            </a:r>
+            <a:r>
+              <a:rPr lang="fr-FR" sz="1600" b="0" i="0" u="sng" strike="noStrike" dirty="0">
+                <a:solidFill>
+                  <a:srgbClr val="000000"/>
+                </a:solidFill>
+                <a:effectLst/>
+                <a:hlinkClick r:id="rId6"/>
+              </a:rPr>
+              <a:t>Switch Expressions</a:t>
+            </a:r>
+            <a:endParaRPr lang="fr-FR" sz="1600" b="0" i="0" u="sng" strike="noStrike" dirty="0">
+              <a:solidFill>
+                <a:srgbClr val="000000"/>
+              </a:solidFill>
+              <a:effectLst/>
+            </a:endParaRPr>
+          </a:p>
+          <a:p>
+            <a:r>
+              <a:rPr lang="en-US" sz="1600" b="0" i="0" u="none" strike="noStrike" dirty="0">
+                <a:solidFill>
+                  <a:srgbClr val="000000"/>
+                </a:solidFill>
+                <a:effectLst/>
+              </a:rPr>
+              <a:t>406:</a:t>
+            </a:r>
+            <a:r>
+              <a:rPr lang="en-US" sz="1600" dirty="0"/>
+              <a:t> </a:t>
+            </a:r>
+            <a:r>
+              <a:rPr lang="en-US" sz="1600" b="0" i="0" u="sng" strike="noStrike" dirty="0">
+                <a:solidFill>
+                  <a:srgbClr val="7030A0"/>
+                </a:solidFill>
+                <a:effectLst/>
+                <a:hlinkClick r:id="rId7"/>
+              </a:rPr>
+              <a:t>Pattern Matching for switch (Preview)</a:t>
+            </a:r>
+            <a:r>
+              <a:rPr lang="en-US" sz="1600" dirty="0"/>
+              <a:t> </a:t>
+            </a:r>
+            <a:endParaRPr lang="fr-FR" sz="1600" u="sng" dirty="0">
+              <a:solidFill>
+                <a:srgbClr val="000000"/>
+              </a:solidFill>
+            </a:endParaRPr>
+          </a:p>
+          <a:p>
+            <a:r>
+              <a:rPr lang="en-US" sz="1600" b="0" i="0" u="none" strike="noStrike" dirty="0">
+                <a:solidFill>
+                  <a:srgbClr val="000000"/>
+                </a:solidFill>
+                <a:effectLst/>
+              </a:rPr>
+              <a:t>394:</a:t>
+            </a:r>
+            <a:r>
+              <a:rPr lang="en-US" sz="1600" dirty="0"/>
+              <a:t> </a:t>
+            </a:r>
+            <a:r>
+              <a:rPr lang="en-US" sz="1600" b="0" i="0" u="sng" strike="noStrike" dirty="0">
+                <a:solidFill>
+                  <a:srgbClr val="000000"/>
+                </a:solidFill>
+                <a:effectLst/>
+                <a:hlinkClick r:id="rId8"/>
+              </a:rPr>
+              <a:t>Pattern Matching for </a:t>
+            </a:r>
+            <a:r>
+              <a:rPr lang="en-US" sz="1600" b="0" i="0" u="sng" strike="noStrike" dirty="0" err="1">
+                <a:solidFill>
+                  <a:srgbClr val="000000"/>
+                </a:solidFill>
+                <a:effectLst/>
+                <a:hlinkClick r:id="rId8"/>
+              </a:rPr>
+              <a:t>instanceof</a:t>
+            </a:r>
+            <a:r>
+              <a:rPr lang="en-US" sz="1600" dirty="0"/>
+              <a:t> </a:t>
+            </a:r>
+            <a:endParaRPr lang="fr-FR" sz="1600" u="sng" dirty="0">
+              <a:solidFill>
+                <a:srgbClr val="000000"/>
+              </a:solidFill>
+            </a:endParaRPr>
+          </a:p>
+          <a:p>
+            <a:endParaRPr lang="fr-FR" sz="1600" u="sng" dirty="0">
+              <a:solidFill>
+                <a:srgbClr val="000000"/>
+              </a:solidFill>
+            </a:endParaRPr>
+          </a:p>
+          <a:p>
+            <a:endParaRPr lang="fr-FR" sz="1600" u="sng" dirty="0">
+              <a:solidFill>
+                <a:srgbClr val="000000"/>
+              </a:solidFill>
+            </a:endParaRPr>
+          </a:p>
+          <a:p>
+            <a:endParaRPr lang="fr-FR" sz="1600" u="sng" dirty="0">
+              <a:solidFill>
+                <a:srgbClr val="000000"/>
+              </a:solidFill>
+            </a:endParaRPr>
+          </a:p>
+          <a:p>
+            <a:r>
+              <a:rPr lang="fr-FR" sz="1600" b="1" u="sng" dirty="0">
+                <a:solidFill>
+                  <a:srgbClr val="000000"/>
+                </a:solidFill>
+              </a:rPr>
+              <a:t>API Evolutions</a:t>
+            </a:r>
+          </a:p>
+          <a:p>
+            <a:endParaRPr lang="fr-FR" sz="1600" dirty="0">
+              <a:solidFill>
+                <a:srgbClr val="000000"/>
+              </a:solidFill>
+            </a:endParaRPr>
+          </a:p>
+          <a:p>
+            <a:endParaRPr lang="fr-FR" sz="1600" dirty="0">
+              <a:solidFill>
+                <a:srgbClr val="000000"/>
+              </a:solidFill>
+            </a:endParaRPr>
+          </a:p>
+          <a:p>
+            <a:endParaRPr lang="fr-FR" sz="1600" dirty="0">
+              <a:solidFill>
+                <a:srgbClr val="000000"/>
+              </a:solidFill>
+            </a:endParaRPr>
+          </a:p>
+          <a:p>
+            <a:endParaRPr lang="fr-FR" sz="1600" dirty="0">
+              <a:solidFill>
+                <a:srgbClr val="000000"/>
+              </a:solidFill>
+            </a:endParaRPr>
+          </a:p>
+          <a:p>
+            <a:r>
+              <a:rPr lang="fr-FR" sz="1600" b="1" u="sng" dirty="0">
+                <a:solidFill>
+                  <a:srgbClr val="000000"/>
+                </a:solidFill>
+              </a:rPr>
+              <a:t>Hotspot</a:t>
+            </a:r>
+            <a:r>
+              <a:rPr lang="fr-FR" sz="1600" dirty="0"/>
+              <a:t> </a:t>
+            </a:r>
+          </a:p>
+          <a:p>
+            <a:r>
+              <a:rPr lang="fr-FR" sz="1600" b="0" i="0" u="none" strike="noStrike" dirty="0">
+                <a:solidFill>
+                  <a:srgbClr val="000000"/>
+                </a:solidFill>
+                <a:effectLst/>
+              </a:rPr>
+              <a:t>358:</a:t>
+            </a:r>
+            <a:r>
+              <a:rPr lang="fr-FR" sz="1600" dirty="0"/>
+              <a:t> </a:t>
+            </a:r>
+            <a:r>
+              <a:rPr lang="fr-FR" sz="1600" b="0" i="0" u="sng" strike="noStrike" dirty="0" err="1">
+                <a:solidFill>
+                  <a:srgbClr val="000000"/>
+                </a:solidFill>
+                <a:effectLst/>
+                <a:hlinkClick r:id="rId9"/>
+              </a:rPr>
+              <a:t>Helpful</a:t>
+            </a:r>
+            <a:r>
+              <a:rPr lang="fr-FR" sz="1600" b="0" i="0" u="sng" strike="noStrike" dirty="0">
+                <a:solidFill>
+                  <a:srgbClr val="000000"/>
+                </a:solidFill>
+                <a:effectLst/>
+                <a:hlinkClick r:id="rId9"/>
+              </a:rPr>
+              <a:t> </a:t>
+            </a:r>
+            <a:r>
+              <a:rPr lang="fr-FR" sz="1600" b="0" i="0" u="sng" strike="noStrike" dirty="0" err="1">
+                <a:solidFill>
+                  <a:srgbClr val="000000"/>
+                </a:solidFill>
+                <a:effectLst/>
+                <a:hlinkClick r:id="rId9"/>
+              </a:rPr>
+              <a:t>NullPointerExceptions</a:t>
+            </a:r>
+            <a:r>
+              <a:rPr lang="fr-FR" sz="1600" dirty="0"/>
+              <a:t> </a:t>
+            </a:r>
+          </a:p>
+          <a:p>
+            <a:r>
+              <a:rPr lang="en-US" sz="1600" b="0" i="0" u="none" strike="noStrike" dirty="0">
+                <a:solidFill>
+                  <a:srgbClr val="000000"/>
+                </a:solidFill>
+                <a:effectLst/>
+              </a:rPr>
+              <a:t>377:</a:t>
+            </a:r>
+            <a:r>
+              <a:rPr lang="en-US" sz="1600" dirty="0"/>
+              <a:t> </a:t>
+            </a:r>
+            <a:r>
+              <a:rPr lang="en-US" sz="1600" b="0" i="0" u="sng" strike="noStrike" dirty="0">
+                <a:solidFill>
+                  <a:srgbClr val="000000"/>
+                </a:solidFill>
+                <a:effectLst/>
+                <a:hlinkClick r:id="rId10"/>
+              </a:rPr>
+              <a:t>ZGC: A Scalable Low-Latency Garbage Collector</a:t>
+            </a:r>
+            <a:r>
+              <a:rPr lang="en-US" sz="1600" dirty="0"/>
+              <a:t> </a:t>
+            </a:r>
+            <a:endParaRPr lang="fr-FR" sz="1600" dirty="0"/>
+          </a:p>
+          <a:p>
+            <a:r>
+              <a:rPr lang="en-US" sz="1600" b="0" i="0" u="none" strike="noStrike" dirty="0">
+                <a:solidFill>
+                  <a:srgbClr val="000000"/>
+                </a:solidFill>
+                <a:effectLst/>
+              </a:rPr>
+              <a:t>379:</a:t>
+            </a:r>
+            <a:r>
+              <a:rPr lang="en-US" sz="1600" dirty="0"/>
+              <a:t> </a:t>
+            </a:r>
+            <a:r>
+              <a:rPr lang="en-US" sz="1600" b="0" i="0" u="sng" strike="noStrike" dirty="0">
+                <a:solidFill>
+                  <a:srgbClr val="000000"/>
+                </a:solidFill>
+                <a:effectLst/>
+                <a:hlinkClick r:id="rId11"/>
+              </a:rPr>
+              <a:t>Shenandoah: A Low-Pause-Time Garbage Collector</a:t>
+            </a:r>
+            <a:r>
+              <a:rPr lang="en-US" sz="1600" dirty="0"/>
+              <a:t> </a:t>
+            </a:r>
+            <a:endParaRPr lang="fr-FR" sz="1600" dirty="0"/>
+          </a:p>
+          <a:p>
+            <a:r>
+              <a:rPr lang="fr-FR" sz="1600" b="0" i="0" u="none" strike="noStrike" dirty="0">
+                <a:solidFill>
+                  <a:srgbClr val="000000"/>
+                </a:solidFill>
+                <a:effectLst/>
+              </a:rPr>
+              <a:t>341:</a:t>
+            </a:r>
+            <a:r>
+              <a:rPr lang="fr-FR" sz="1600" dirty="0"/>
+              <a:t> </a:t>
+            </a:r>
+            <a:r>
+              <a:rPr lang="fr-FR" sz="1600" b="0" i="0" u="sng" strike="noStrike" dirty="0">
+                <a:solidFill>
+                  <a:srgbClr val="000000"/>
+                </a:solidFill>
+                <a:effectLst/>
+                <a:hlinkClick r:id="rId12"/>
+              </a:rPr>
+              <a:t>Default CDS Archives</a:t>
+            </a:r>
+            <a:r>
+              <a:rPr lang="fr-FR" sz="1600" dirty="0"/>
+              <a:t> </a:t>
+            </a:r>
+          </a:p>
+          <a:p>
+            <a:r>
+              <a:rPr lang="fr-FR" sz="1600" b="0" i="0" u="none" strike="noStrike" dirty="0">
+                <a:solidFill>
+                  <a:srgbClr val="000000"/>
+                </a:solidFill>
+                <a:effectLst/>
+              </a:rPr>
+              <a:t>350:</a:t>
+            </a:r>
+            <a:r>
+              <a:rPr lang="fr-FR" sz="1600" dirty="0"/>
+              <a:t> </a:t>
+            </a:r>
+            <a:r>
+              <a:rPr lang="fr-FR" sz="1600" b="0" i="0" u="sng" strike="noStrike" dirty="0">
+                <a:solidFill>
+                  <a:srgbClr val="000000"/>
+                </a:solidFill>
+                <a:effectLst/>
+                <a:hlinkClick r:id="rId13"/>
+              </a:rPr>
+              <a:t>Dynamic CDS Archives</a:t>
+            </a:r>
+            <a:r>
+              <a:rPr lang="fr-FR" sz="1600" dirty="0"/>
+              <a:t> </a:t>
+            </a:r>
+          </a:p>
+          <a:p>
+            <a:endParaRPr lang="fr-FR" sz="1600" dirty="0"/>
+          </a:p>
+          <a:p>
+            <a:r>
+              <a:rPr lang="fr-FR" sz="1600" b="1" u="sng" dirty="0"/>
+              <a:t>Tools</a:t>
+            </a:r>
+          </a:p>
+          <a:p>
+            <a:r>
+              <a:rPr lang="fr-FR" sz="1600" b="0" i="0" u="none" strike="noStrike" dirty="0">
+                <a:solidFill>
+                  <a:srgbClr val="000000"/>
+                </a:solidFill>
+                <a:effectLst/>
+              </a:rPr>
+              <a:t>392:</a:t>
+            </a:r>
+            <a:r>
+              <a:rPr lang="fr-FR" sz="1600" dirty="0"/>
+              <a:t> </a:t>
+            </a:r>
+            <a:r>
+              <a:rPr lang="fr-FR" sz="1600" b="0" i="0" u="sng" strike="noStrike" dirty="0">
+                <a:solidFill>
+                  <a:srgbClr val="000000"/>
+                </a:solidFill>
+                <a:effectLst/>
+                <a:hlinkClick r:id="rId14"/>
+              </a:rPr>
+              <a:t>Packaging Tool</a:t>
+            </a:r>
+            <a:r>
+              <a:rPr lang="fr-FR" sz="1600" dirty="0"/>
+              <a:t> </a:t>
+            </a:r>
+          </a:p>
+          <a:p>
+            <a:endParaRPr lang="fr-FR" sz="1600" dirty="0"/>
+          </a:p>
+          <a:p>
+            <a:r>
+              <a:rPr lang="fr-FR" sz="1600" b="1" u="sng" dirty="0" err="1"/>
+              <a:t>Core</a:t>
+            </a:r>
+            <a:r>
+              <a:rPr lang="fr-FR" sz="1600" b="1" u="sng" dirty="0"/>
+              <a:t> </a:t>
+            </a:r>
+            <a:r>
+              <a:rPr lang="fr-FR" sz="1600" b="1" u="sng" dirty="0" err="1"/>
+              <a:t>libs</a:t>
+            </a:r>
+            <a:endParaRPr lang="fr-FR" sz="1600" b="1" u="sng" dirty="0"/>
+          </a:p>
+          <a:p>
+            <a:r>
+              <a:rPr lang="en-US" sz="1600" b="0" i="0" u="none" strike="noStrike" dirty="0">
+                <a:solidFill>
+                  <a:srgbClr val="000000"/>
+                </a:solidFill>
+                <a:effectLst/>
+              </a:rPr>
+              <a:t>389:</a:t>
+            </a:r>
+            <a:r>
+              <a:rPr lang="en-US" sz="1600" dirty="0"/>
+              <a:t> </a:t>
+            </a:r>
+            <a:r>
+              <a:rPr lang="en-US" sz="1600" b="0" i="0" u="sng" strike="noStrike" dirty="0">
+                <a:solidFill>
+                  <a:srgbClr val="7030A0"/>
+                </a:solidFill>
+                <a:effectLst/>
+                <a:hlinkClick r:id="rId15"/>
+              </a:rPr>
+              <a:t>Foreign Linker API (Incubator)</a:t>
+            </a:r>
+            <a:r>
+              <a:rPr lang="en-US" sz="1600" dirty="0"/>
+              <a:t> </a:t>
+            </a:r>
+            <a:endParaRPr lang="fr-FR" sz="1600" dirty="0"/>
+          </a:p>
+          <a:p>
+            <a:r>
+              <a:rPr lang="en-US" sz="1600" b="0" i="0" u="none" strike="noStrike" dirty="0">
+                <a:solidFill>
+                  <a:srgbClr val="000000"/>
+                </a:solidFill>
+                <a:effectLst/>
+              </a:rPr>
+              <a:t>412:</a:t>
+            </a:r>
+            <a:r>
+              <a:rPr lang="en-US" sz="1600" dirty="0"/>
+              <a:t> </a:t>
+            </a:r>
+            <a:r>
+              <a:rPr lang="en-US" sz="1600" b="0" i="0" u="sng" strike="noStrike" dirty="0">
+                <a:solidFill>
+                  <a:srgbClr val="7030A0"/>
+                </a:solidFill>
+                <a:effectLst/>
+                <a:hlinkClick r:id="rId16"/>
+              </a:rPr>
+              <a:t>Foreign Function &amp; Memory API (Incubator)</a:t>
+            </a:r>
+            <a:r>
+              <a:rPr lang="en-US" sz="1600" dirty="0"/>
+              <a:t> </a:t>
+            </a:r>
+          </a:p>
+          <a:p>
+            <a:endParaRPr lang="fr-FR" sz="1600" dirty="0"/>
+          </a:p>
+          <a:p>
+            <a:r>
+              <a:rPr lang="fr-FR" sz="1600" b="1" u="sng" dirty="0"/>
+              <a:t>Infrastructure</a:t>
+            </a:r>
+          </a:p>
+          <a:p>
+            <a:r>
+              <a:rPr lang="fr-FR" sz="1600" b="0" i="0" u="none" strike="noStrike" dirty="0">
+                <a:solidFill>
+                  <a:srgbClr val="000000"/>
+                </a:solidFill>
+                <a:effectLst/>
+              </a:rPr>
+              <a:t>369:</a:t>
+            </a:r>
+            <a:r>
+              <a:rPr lang="fr-FR" sz="1600" dirty="0"/>
+              <a:t> </a:t>
+            </a:r>
+            <a:r>
+              <a:rPr lang="fr-FR" sz="1600" b="0" i="0" u="sng" strike="noStrike" dirty="0" err="1">
+                <a:solidFill>
+                  <a:srgbClr val="000000"/>
+                </a:solidFill>
+                <a:effectLst/>
+                <a:hlinkClick r:id="rId17"/>
+              </a:rPr>
+              <a:t>Migrate</a:t>
+            </a:r>
+            <a:r>
+              <a:rPr lang="fr-FR" sz="1600" b="0" i="0" u="sng" strike="noStrike" dirty="0">
+                <a:solidFill>
+                  <a:srgbClr val="000000"/>
+                </a:solidFill>
+                <a:effectLst/>
+                <a:hlinkClick r:id="rId17"/>
+              </a:rPr>
+              <a:t> to GitHub</a:t>
+            </a:r>
+            <a:r>
+              <a:rPr lang="fr-FR" sz="1600" dirty="0"/>
+              <a:t> </a:t>
+            </a:r>
+          </a:p>
+        </p:txBody>
+      </p:sp>
     </p:spTree>
     <p:extLst>
       <p:ext uri="{BB962C8B-B14F-4D97-AF65-F5344CB8AC3E}">
@@ -12794,8 +13912,13 @@
             <a:pPr algn="ctr"/>
             <a:r>
               <a:rPr lang="fr-FR" dirty="0"/>
-              <a:t>Pattern Matching for switch</a:t>
-            </a:r>
+              <a:t>Pattern Matching for </a:t>
+            </a:r>
+            <a:r>
+              <a:rPr lang="fr-FR" dirty="0" err="1"/>
+              <a:t>instanceof</a:t>
+            </a:r>
+            <a:endParaRPr lang="fr-FR" dirty="0"/>
           </a:p>
         </p:txBody>
       </p:sp>
@@ -12842,6 +13965,12 @@
               <a:rPr lang="fr-FR" sz="2400" dirty="0"/>
               <a:t> cast the variable</a:t>
             </a:r>
+          </a:p>
+          <a:p>
+            <a:pPr marL="0" indent="0" algn="ctr">
+              <a:buNone/>
+            </a:pPr>
+            <a:endParaRPr lang="fr-FR" sz="2400" dirty="0"/>
           </a:p>
           <a:p>
             <a:pPr marL="0" indent="0" algn="ctr">
@@ -13005,7 +14134,7 @@
                                         <p:tgtEl>
                                           <p:spTgt spid="3">
                                             <p:txEl>
-                                              <p:pRg st="1" end="1"/>
+                                              <p:pRg st="2" end="2"/>
                                             </p:txEl>
                                           </p:spTgt>
                                         </p:tgtEl>
@@ -13722,8 +14851,12 @@
           <a:p>
             <a:pPr algn="ctr"/>
             <a:r>
+              <a:rPr lang="fr-FR" dirty="0" err="1"/>
+              <a:t>Helpful</a:t>
+            </a:r>
+            <a:r>
               <a:rPr lang="fr-FR" dirty="0"/>
-              <a:t>Garbage Collectors</a:t>
+              <a:t> NPE</a:t>
             </a:r>
           </a:p>
         </p:txBody>
@@ -13788,84 +14921,20 @@
             <a:pPr algn="ctr"/>
             <a:r>
               <a:rPr lang="fr-FR" sz="4000" dirty="0">
-                <a:hlinkClick r:id="rId2"/>
-              </a:rPr>
-              <a:t>JEP 344</a:t>
-            </a:r>
-            <a:r>
-              <a:rPr lang="fr-FR" sz="4000" dirty="0"/>
-              <a:t> </a:t>
-            </a:r>
-            <a:r>
-              <a:rPr lang="fr-FR" sz="4000" dirty="0">
                 <a:hlinkClick r:id="rId3"/>
               </a:rPr>
-              <a:t>JEP 351</a:t>
-            </a:r>
-            <a:r>
-              <a:rPr lang="fr-FR" sz="4000" dirty="0"/>
-              <a:t> </a:t>
+              <a:t>J</a:t>
             </a:r>
             <a:r>
               <a:rPr lang="fr-FR" sz="4000" dirty="0">
                 <a:hlinkClick r:id="rId4"/>
               </a:rPr>
-              <a:t>JEP 345</a:t>
+              <a:t>EP 358</a:t>
             </a:r>
             <a:r>
               <a:rPr lang="fr-FR" sz="4000" dirty="0"/>
               <a:t> </a:t>
             </a:r>
-            <a:r>
-              <a:rPr lang="fr-FR" sz="4000" dirty="0">
-                <a:hlinkClick r:id="rId5"/>
-              </a:rPr>
-              <a:t>JEP 364</a:t>
-            </a:r>
-            <a:r>
-              <a:rPr lang="fr-FR" sz="4000" dirty="0"/>
-              <a:t> </a:t>
-            </a:r>
-          </a:p>
-          <a:p>
-            <a:pPr algn="ctr"/>
-            <a:r>
-              <a:rPr lang="fr-FR" sz="4000" dirty="0">
-                <a:hlinkClick r:id="rId6"/>
-              </a:rPr>
-              <a:t>JEP 365</a:t>
-            </a:r>
-            <a:r>
-              <a:rPr lang="fr-FR" sz="4000" dirty="0"/>
-              <a:t> </a:t>
-            </a:r>
-            <a:r>
-              <a:rPr lang="fr-FR" sz="4000" dirty="0">
-                <a:hlinkClick r:id="rId7"/>
-              </a:rPr>
-              <a:t>JEP 377</a:t>
-            </a:r>
-            <a:r>
-              <a:rPr lang="fr-FR" sz="4000" dirty="0"/>
-              <a:t> </a:t>
-            </a:r>
-            <a:r>
-              <a:rPr lang="fr-FR" sz="4000" dirty="0">
-                <a:hlinkClick r:id="rId8"/>
-              </a:rPr>
-              <a:t>JEP 379</a:t>
-            </a:r>
-            <a:r>
-              <a:rPr lang="fr-FR" sz="4000" dirty="0"/>
-              <a:t> </a:t>
-            </a:r>
-            <a:r>
-              <a:rPr lang="fr-FR" sz="4000" dirty="0">
-                <a:hlinkClick r:id="rId9"/>
-              </a:rPr>
-              <a:t>JEP 376</a:t>
-            </a:r>
-            <a:endParaRPr lang="fr-FR" sz="4000" dirty="0"/>
           </a:p>
         </p:txBody>
       </p:sp>
@@ -13930,7 +14999,7 @@
             <a:pPr algn="ctr"/>
             <a:r>
               <a:rPr lang="fr-FR" dirty="0"/>
-              <a:t>CDS Archives</a:t>
+              <a:t>Garbage Collectors</a:t>
             </a:r>
           </a:p>
         </p:txBody>
@@ -13983,7 +15052,7 @@
         <p:spPr>
           <a:xfrm>
             <a:off x="1097280" y="4515271"/>
-            <a:ext cx="10058400" cy="1143000"/>
+            <a:ext cx="10058400" cy="1495004"/>
           </a:xfrm>
         </p:spPr>
         <p:txBody>
@@ -13997,7 +15066,7 @@
               <a:rPr lang="fr-FR" sz="4000" dirty="0">
                 <a:hlinkClick r:id="rId2"/>
               </a:rPr>
-              <a:t>JEP 341</a:t>
+              <a:t>JEP 377</a:t>
             </a:r>
             <a:r>
               <a:rPr lang="fr-FR" sz="4000" dirty="0"/>
@@ -14007,16 +15076,19 @@
               <a:rPr lang="fr-FR" sz="4000" dirty="0">
                 <a:hlinkClick r:id="rId3"/>
               </a:rPr>
-              <a:t>JEP 350</a:t>
-            </a:r>
-            <a:endParaRPr lang="fr-FR" sz="4000" dirty="0"/>
+              <a:t>JEP 379</a:t>
+            </a:r>
+            <a:r>
+              <a:rPr lang="fr-FR" sz="4000" dirty="0"/>
+              <a:t> </a:t>
+            </a:r>
           </a:p>
         </p:txBody>
       </p:sp>
     </p:spTree>
     <p:extLst>
       <p:ext uri="{BB962C8B-B14F-4D97-AF65-F5344CB8AC3E}">
-        <p14:creationId xmlns:p14="http://schemas.microsoft.com/office/powerpoint/2010/main" val="923790113"/>
+        <p14:creationId xmlns:p14="http://schemas.microsoft.com/office/powerpoint/2010/main" val="943294115"/>
       </p:ext>
     </p:extLst>
   </p:cSld>
@@ -14067,7 +15139,7 @@
             <a:pPr algn="ctr"/>
             <a:r>
               <a:rPr lang="fr-FR" dirty="0"/>
-              <a:t>CDS Archives</a:t>
+              <a:t>Garbage Collectors</a:t>
             </a:r>
           </a:p>
         </p:txBody>
@@ -14090,8 +15162,8 @@
         </p:nvSpPr>
         <p:spPr>
           <a:xfrm>
-            <a:off x="1097280" y="2561359"/>
-            <a:ext cx="10058400" cy="2782165"/>
+            <a:off x="1097280" y="2037918"/>
+            <a:ext cx="10058400" cy="638094"/>
           </a:xfrm>
         </p:spPr>
         <p:txBody>
@@ -14105,81 +15177,27 @@
             </a:pPr>
             <a:r>
               <a:rPr lang="fr-FR" sz="2800" dirty="0"/>
-              <a:t>Exports the </a:t>
+              <a:t>2 new </a:t>
             </a:r>
             <a:r>
               <a:rPr lang="fr-FR" sz="2800" dirty="0" err="1"/>
-              <a:t>loaded</a:t>
+              <a:t>low</a:t>
             </a:r>
             <a:r>
               <a:rPr lang="fr-FR" sz="2800" dirty="0"/>
-              <a:t> classes </a:t>
+              <a:t> </a:t>
             </a:r>
             <a:r>
               <a:rPr lang="fr-FR" sz="2800" dirty="0" err="1"/>
-              <a:t>into</a:t>
+              <a:t>latency</a:t>
             </a:r>
             <a:r>
               <a:rPr lang="fr-FR" sz="2800" dirty="0"/>
-              <a:t> an archive</a:t>
-            </a:r>
-          </a:p>
-          <a:p>
-            <a:pPr marL="0" indent="0" algn="ctr">
-              <a:buNone/>
-            </a:pPr>
-            <a:endParaRPr lang="fr-FR" sz="2800" dirty="0"/>
-          </a:p>
-          <a:p>
-            <a:pPr marL="0" indent="0" algn="ctr">
-              <a:buNone/>
-            </a:pPr>
-            <a:r>
-              <a:rPr lang="fr-FR" sz="2800" dirty="0"/>
-              <a:t>The archive is </a:t>
+              <a:t> </a:t>
             </a:r>
             <a:r>
               <a:rPr lang="fr-FR" sz="2800" dirty="0" err="1"/>
-              <a:t>imported</a:t>
-            </a:r>
-            <a:r>
-              <a:rPr lang="fr-FR" sz="2800" dirty="0"/>
-              <a:t> at the </a:t>
-            </a:r>
-            <a:r>
-              <a:rPr lang="fr-FR" sz="2800" dirty="0" err="1"/>
-              <a:t>next</a:t>
-            </a:r>
-            <a:r>
-              <a:rPr lang="fr-FR" sz="2800" dirty="0"/>
-              <a:t> run</a:t>
-            </a:r>
-          </a:p>
-          <a:p>
-            <a:pPr marL="0" indent="0" algn="ctr">
-              <a:buNone/>
-            </a:pPr>
-            <a:endParaRPr lang="fr-FR" sz="2800" dirty="0"/>
-          </a:p>
-          <a:p>
-            <a:pPr marL="0" indent="0" algn="ctr">
-              <a:buNone/>
-            </a:pPr>
-            <a:r>
-              <a:rPr lang="fr-FR" sz="2800" dirty="0"/>
-              <a:t>It </a:t>
-            </a:r>
-            <a:r>
-              <a:rPr lang="fr-FR" sz="2800" dirty="0" err="1"/>
-              <a:t>reduces</a:t>
-            </a:r>
-            <a:r>
-              <a:rPr lang="fr-FR" sz="2800" dirty="0"/>
-              <a:t> the startup time and the memory </a:t>
-            </a:r>
-            <a:r>
-              <a:rPr lang="fr-FR" sz="2800" dirty="0" err="1"/>
-              <a:t>consumption</a:t>
+              <a:t>GCs</a:t>
             </a:r>
             <a:endParaRPr lang="fr-FR" sz="2800" dirty="0"/>
           </a:p>
@@ -14209,6 +15227,1192 @@
             <a:fld id="{4EA40E75-4466-4188-A2CC-18D20372CC4F}" type="slidenum">
               <a:rPr lang="fr-FR" smtClean="0"/>
               <a:t>38</a:t>
+            </a:fld>
+            <a:endParaRPr lang="fr-FR"/>
+          </a:p>
+        </p:txBody>
+      </p:sp>
+      <p:sp>
+        <p:nvSpPr>
+          <p:cNvPr id="5" name="Espace réservé du contenu 2">
+            <a:extLst>
+              <a:ext uri="{FF2B5EF4-FFF2-40B4-BE49-F238E27FC236}">
+                <a16:creationId xmlns:a16="http://schemas.microsoft.com/office/drawing/2014/main" id="{9801D5F1-06BD-443A-9AA3-0D1E7182F0E3}"/>
+              </a:ext>
+            </a:extLst>
+          </p:cNvPr>
+          <p:cNvSpPr txBox="1">
+            <a:spLocks/>
+          </p:cNvSpPr>
+          <p:nvPr/>
+        </p:nvSpPr>
+        <p:spPr>
+          <a:xfrm>
+            <a:off x="5791199" y="2976570"/>
+            <a:ext cx="6174105" cy="1495858"/>
+          </a:xfrm>
+          <a:prstGeom prst="rect">
+            <a:avLst/>
+          </a:prstGeom>
+        </p:spPr>
+        <p:txBody>
+          <a:bodyPr vert="horz" lIns="0" tIns="45720" rIns="0" bIns="45720" rtlCol="0">
+            <a:normAutofit/>
+          </a:bodyPr>
+          <a:lstStyle>
+            <a:lvl1pPr marL="91440" indent="-91440" algn="l" defTabSz="914400" rtl="0" eaLnBrk="1" latinLnBrk="0" hangingPunct="1">
+              <a:lnSpc>
+                <a:spcPct val="90000"/>
+              </a:lnSpc>
+              <a:spcBef>
+                <a:spcPts val="1200"/>
+              </a:spcBef>
+              <a:spcAft>
+                <a:spcPts val="200"/>
+              </a:spcAft>
+              <a:buClr>
+                <a:schemeClr val="accent1"/>
+              </a:buClr>
+              <a:buSzPct val="100000"/>
+              <a:buFont typeface="Calibri" panose="020F0502020204030204" pitchFamily="34" charset="0"/>
+              <a:buChar char=" "/>
+              <a:defRPr sz="2000" kern="1200">
+                <a:solidFill>
+                  <a:schemeClr val="tx1">
+                    <a:lumMod val="75000"/>
+                    <a:lumOff val="25000"/>
+                  </a:schemeClr>
+                </a:solidFill>
+                <a:latin typeface="+mn-lt"/>
+                <a:ea typeface="+mn-ea"/>
+                <a:cs typeface="+mn-cs"/>
+              </a:defRPr>
+            </a:lvl1pPr>
+            <a:lvl2pPr marL="384048" indent="-182880" algn="l" defTabSz="914400" rtl="0" eaLnBrk="1" latinLnBrk="0" hangingPunct="1">
+              <a:lnSpc>
+                <a:spcPct val="90000"/>
+              </a:lnSpc>
+              <a:spcBef>
+                <a:spcPts val="200"/>
+              </a:spcBef>
+              <a:spcAft>
+                <a:spcPts val="400"/>
+              </a:spcAft>
+              <a:buClr>
+                <a:schemeClr val="accent1"/>
+              </a:buClr>
+              <a:buFont typeface="Calibri" pitchFamily="34" charset="0"/>
+              <a:buChar char="◦"/>
+              <a:defRPr sz="1800" kern="1200">
+                <a:solidFill>
+                  <a:schemeClr val="tx1">
+                    <a:lumMod val="75000"/>
+                    <a:lumOff val="25000"/>
+                  </a:schemeClr>
+                </a:solidFill>
+                <a:latin typeface="+mn-lt"/>
+                <a:ea typeface="+mn-ea"/>
+                <a:cs typeface="+mn-cs"/>
+              </a:defRPr>
+            </a:lvl2pPr>
+            <a:lvl3pPr marL="566928" indent="-182880" algn="l" defTabSz="914400" rtl="0" eaLnBrk="1" latinLnBrk="0" hangingPunct="1">
+              <a:lnSpc>
+                <a:spcPct val="90000"/>
+              </a:lnSpc>
+              <a:spcBef>
+                <a:spcPts val="200"/>
+              </a:spcBef>
+              <a:spcAft>
+                <a:spcPts val="400"/>
+              </a:spcAft>
+              <a:buClr>
+                <a:schemeClr val="accent1"/>
+              </a:buClr>
+              <a:buFont typeface="Calibri" pitchFamily="34" charset="0"/>
+              <a:buChar char="◦"/>
+              <a:defRPr sz="1400" kern="1200">
+                <a:solidFill>
+                  <a:schemeClr val="tx1">
+                    <a:lumMod val="75000"/>
+                    <a:lumOff val="25000"/>
+                  </a:schemeClr>
+                </a:solidFill>
+                <a:latin typeface="+mn-lt"/>
+                <a:ea typeface="+mn-ea"/>
+                <a:cs typeface="+mn-cs"/>
+              </a:defRPr>
+            </a:lvl3pPr>
+            <a:lvl4pPr marL="749808" indent="-182880" algn="l" defTabSz="914400" rtl="0" eaLnBrk="1" latinLnBrk="0" hangingPunct="1">
+              <a:lnSpc>
+                <a:spcPct val="90000"/>
+              </a:lnSpc>
+              <a:spcBef>
+                <a:spcPts val="200"/>
+              </a:spcBef>
+              <a:spcAft>
+                <a:spcPts val="400"/>
+              </a:spcAft>
+              <a:buClr>
+                <a:schemeClr val="accent1"/>
+              </a:buClr>
+              <a:buFont typeface="Calibri" pitchFamily="34" charset="0"/>
+              <a:buChar char="◦"/>
+              <a:defRPr sz="1400" kern="1200">
+                <a:solidFill>
+                  <a:schemeClr val="tx1">
+                    <a:lumMod val="75000"/>
+                    <a:lumOff val="25000"/>
+                  </a:schemeClr>
+                </a:solidFill>
+                <a:latin typeface="+mn-lt"/>
+                <a:ea typeface="+mn-ea"/>
+                <a:cs typeface="+mn-cs"/>
+              </a:defRPr>
+            </a:lvl4pPr>
+            <a:lvl5pPr marL="932688" indent="-182880" algn="l" defTabSz="914400" rtl="0" eaLnBrk="1" latinLnBrk="0" hangingPunct="1">
+              <a:lnSpc>
+                <a:spcPct val="90000"/>
+              </a:lnSpc>
+              <a:spcBef>
+                <a:spcPts val="200"/>
+              </a:spcBef>
+              <a:spcAft>
+                <a:spcPts val="400"/>
+              </a:spcAft>
+              <a:buClr>
+                <a:schemeClr val="accent1"/>
+              </a:buClr>
+              <a:buFont typeface="Calibri" pitchFamily="34" charset="0"/>
+              <a:buChar char="◦"/>
+              <a:defRPr sz="1400" kern="1200">
+                <a:solidFill>
+                  <a:schemeClr val="tx1">
+                    <a:lumMod val="75000"/>
+                    <a:lumOff val="25000"/>
+                  </a:schemeClr>
+                </a:solidFill>
+                <a:latin typeface="+mn-lt"/>
+                <a:ea typeface="+mn-ea"/>
+                <a:cs typeface="+mn-cs"/>
+              </a:defRPr>
+            </a:lvl5pPr>
+            <a:lvl6pPr marL="1100000" indent="-228600" algn="l" defTabSz="914400" rtl="0" eaLnBrk="1" latinLnBrk="0" hangingPunct="1">
+              <a:lnSpc>
+                <a:spcPct val="90000"/>
+              </a:lnSpc>
+              <a:spcBef>
+                <a:spcPts val="200"/>
+              </a:spcBef>
+              <a:spcAft>
+                <a:spcPts val="400"/>
+              </a:spcAft>
+              <a:buClr>
+                <a:schemeClr val="accent1"/>
+              </a:buClr>
+              <a:buFont typeface="Calibri" pitchFamily="34" charset="0"/>
+              <a:buChar char="◦"/>
+              <a:defRPr sz="1400" kern="1200">
+                <a:solidFill>
+                  <a:schemeClr val="tx1">
+                    <a:lumMod val="75000"/>
+                    <a:lumOff val="25000"/>
+                  </a:schemeClr>
+                </a:solidFill>
+                <a:latin typeface="+mn-lt"/>
+                <a:ea typeface="+mn-ea"/>
+                <a:cs typeface="+mn-cs"/>
+              </a:defRPr>
+            </a:lvl6pPr>
+            <a:lvl7pPr marL="1300000" indent="-228600" algn="l" defTabSz="914400" rtl="0" eaLnBrk="1" latinLnBrk="0" hangingPunct="1">
+              <a:lnSpc>
+                <a:spcPct val="90000"/>
+              </a:lnSpc>
+              <a:spcBef>
+                <a:spcPts val="200"/>
+              </a:spcBef>
+              <a:spcAft>
+                <a:spcPts val="400"/>
+              </a:spcAft>
+              <a:buClr>
+                <a:schemeClr val="accent1"/>
+              </a:buClr>
+              <a:buFont typeface="Calibri" pitchFamily="34" charset="0"/>
+              <a:buChar char="◦"/>
+              <a:defRPr sz="1400" kern="1200">
+                <a:solidFill>
+                  <a:schemeClr val="tx1">
+                    <a:lumMod val="75000"/>
+                    <a:lumOff val="25000"/>
+                  </a:schemeClr>
+                </a:solidFill>
+                <a:latin typeface="+mn-lt"/>
+                <a:ea typeface="+mn-ea"/>
+                <a:cs typeface="+mn-cs"/>
+              </a:defRPr>
+            </a:lvl7pPr>
+            <a:lvl8pPr marL="1500000" indent="-228600" algn="l" defTabSz="914400" rtl="0" eaLnBrk="1" latinLnBrk="0" hangingPunct="1">
+              <a:lnSpc>
+                <a:spcPct val="90000"/>
+              </a:lnSpc>
+              <a:spcBef>
+                <a:spcPts val="200"/>
+              </a:spcBef>
+              <a:spcAft>
+                <a:spcPts val="400"/>
+              </a:spcAft>
+              <a:buClr>
+                <a:schemeClr val="accent1"/>
+              </a:buClr>
+              <a:buFont typeface="Calibri" pitchFamily="34" charset="0"/>
+              <a:buChar char="◦"/>
+              <a:defRPr sz="1400" kern="1200">
+                <a:solidFill>
+                  <a:schemeClr val="tx1">
+                    <a:lumMod val="75000"/>
+                    <a:lumOff val="25000"/>
+                  </a:schemeClr>
+                </a:solidFill>
+                <a:latin typeface="+mn-lt"/>
+                <a:ea typeface="+mn-ea"/>
+                <a:cs typeface="+mn-cs"/>
+              </a:defRPr>
+            </a:lvl8pPr>
+            <a:lvl9pPr marL="1700000" indent="-228600" algn="l" defTabSz="914400" rtl="0" eaLnBrk="1" latinLnBrk="0" hangingPunct="1">
+              <a:lnSpc>
+                <a:spcPct val="90000"/>
+              </a:lnSpc>
+              <a:spcBef>
+                <a:spcPts val="200"/>
+              </a:spcBef>
+              <a:spcAft>
+                <a:spcPts val="400"/>
+              </a:spcAft>
+              <a:buClr>
+                <a:schemeClr val="accent1"/>
+              </a:buClr>
+              <a:buFont typeface="Calibri" pitchFamily="34" charset="0"/>
+              <a:buChar char="◦"/>
+              <a:defRPr sz="1400" kern="1200">
+                <a:solidFill>
+                  <a:schemeClr val="tx1">
+                    <a:lumMod val="75000"/>
+                    <a:lumOff val="25000"/>
+                  </a:schemeClr>
+                </a:solidFill>
+                <a:latin typeface="+mn-lt"/>
+                <a:ea typeface="+mn-ea"/>
+                <a:cs typeface="+mn-cs"/>
+              </a:defRPr>
+            </a:lvl9pPr>
+          </a:lstStyle>
+          <a:p>
+            <a:pPr algn="ctr">
+              <a:buFontTx/>
+              <a:buChar char="-"/>
+            </a:pPr>
+            <a:r>
+              <a:rPr lang="fr-FR" sz="2800" b="1" dirty="0"/>
+              <a:t>Shenandoah</a:t>
+            </a:r>
+            <a:r>
+              <a:rPr lang="fr-FR" sz="2800" dirty="0"/>
+              <a:t>: </a:t>
+            </a:r>
+            <a:r>
+              <a:rPr lang="fr-FR" sz="2800" dirty="0" err="1"/>
+              <a:t>Developped</a:t>
+            </a:r>
+            <a:r>
+              <a:rPr lang="fr-FR" sz="2800" dirty="0"/>
+              <a:t> by Red Hat</a:t>
+            </a:r>
+          </a:p>
+          <a:p>
+            <a:pPr algn="ctr"/>
+            <a:r>
+              <a:rPr lang="fr-FR" sz="2800" dirty="0"/>
+              <a:t>Not </a:t>
+            </a:r>
+            <a:r>
+              <a:rPr lang="fr-FR" sz="2800" dirty="0" err="1"/>
+              <a:t>supported</a:t>
+            </a:r>
+            <a:r>
+              <a:rPr lang="fr-FR" sz="2800" dirty="0"/>
+              <a:t> by the Oracle JDK</a:t>
+            </a:r>
+          </a:p>
+        </p:txBody>
+      </p:sp>
+      <p:pic>
+        <p:nvPicPr>
+          <p:cNvPr id="7" name="Image 6">
+            <a:extLst>
+              <a:ext uri="{FF2B5EF4-FFF2-40B4-BE49-F238E27FC236}">
+                <a16:creationId xmlns:a16="http://schemas.microsoft.com/office/drawing/2014/main" id="{494EBB1F-51CC-459D-B433-BE4C8932FB15}"/>
+              </a:ext>
+            </a:extLst>
+          </p:cNvPr>
+          <p:cNvPicPr>
+            <a:picLocks noChangeAspect="1"/>
+          </p:cNvPicPr>
+          <p:nvPr/>
+        </p:nvPicPr>
+        <p:blipFill>
+          <a:blip r:embed="rId3">
+            <a:extLst>
+              <a:ext uri="{28A0092B-C50C-407E-A947-70E740481C1C}">
+                <a14:useLocalDpi xmlns:a14="http://schemas.microsoft.com/office/drawing/2010/main" val="0"/>
+              </a:ext>
+            </a:extLst>
+          </a:blip>
+          <a:stretch>
+            <a:fillRect/>
+          </a:stretch>
+        </p:blipFill>
+        <p:spPr>
+          <a:xfrm>
+            <a:off x="1822940" y="4655104"/>
+            <a:ext cx="2577609" cy="1385651"/>
+          </a:xfrm>
+          <a:prstGeom prst="rect">
+            <a:avLst/>
+          </a:prstGeom>
+        </p:spPr>
+      </p:pic>
+      <p:sp>
+        <p:nvSpPr>
+          <p:cNvPr id="8" name="Espace réservé du contenu 2">
+            <a:extLst>
+              <a:ext uri="{FF2B5EF4-FFF2-40B4-BE49-F238E27FC236}">
+                <a16:creationId xmlns:a16="http://schemas.microsoft.com/office/drawing/2014/main" id="{FD7ECF8A-64AC-4FF4-8D73-BABA02613699}"/>
+              </a:ext>
+            </a:extLst>
+          </p:cNvPr>
+          <p:cNvSpPr txBox="1">
+            <a:spLocks/>
+          </p:cNvSpPr>
+          <p:nvPr/>
+        </p:nvSpPr>
+        <p:spPr>
+          <a:xfrm>
+            <a:off x="954405" y="2976570"/>
+            <a:ext cx="4522470" cy="1272276"/>
+          </a:xfrm>
+          <a:prstGeom prst="rect">
+            <a:avLst/>
+          </a:prstGeom>
+        </p:spPr>
+        <p:txBody>
+          <a:bodyPr vert="horz" lIns="0" tIns="45720" rIns="0" bIns="45720" rtlCol="0">
+            <a:normAutofit/>
+          </a:bodyPr>
+          <a:lstStyle>
+            <a:lvl1pPr marL="91440" indent="-91440" algn="l" defTabSz="914400" rtl="0" eaLnBrk="1" latinLnBrk="0" hangingPunct="1">
+              <a:lnSpc>
+                <a:spcPct val="90000"/>
+              </a:lnSpc>
+              <a:spcBef>
+                <a:spcPts val="1200"/>
+              </a:spcBef>
+              <a:spcAft>
+                <a:spcPts val="200"/>
+              </a:spcAft>
+              <a:buClr>
+                <a:schemeClr val="accent1"/>
+              </a:buClr>
+              <a:buSzPct val="100000"/>
+              <a:buFont typeface="Calibri" panose="020F0502020204030204" pitchFamily="34" charset="0"/>
+              <a:buChar char=" "/>
+              <a:defRPr sz="2000" kern="1200">
+                <a:solidFill>
+                  <a:schemeClr val="tx1">
+                    <a:lumMod val="75000"/>
+                    <a:lumOff val="25000"/>
+                  </a:schemeClr>
+                </a:solidFill>
+                <a:latin typeface="+mn-lt"/>
+                <a:ea typeface="+mn-ea"/>
+                <a:cs typeface="+mn-cs"/>
+              </a:defRPr>
+            </a:lvl1pPr>
+            <a:lvl2pPr marL="384048" indent="-182880" algn="l" defTabSz="914400" rtl="0" eaLnBrk="1" latinLnBrk="0" hangingPunct="1">
+              <a:lnSpc>
+                <a:spcPct val="90000"/>
+              </a:lnSpc>
+              <a:spcBef>
+                <a:spcPts val="200"/>
+              </a:spcBef>
+              <a:spcAft>
+                <a:spcPts val="400"/>
+              </a:spcAft>
+              <a:buClr>
+                <a:schemeClr val="accent1"/>
+              </a:buClr>
+              <a:buFont typeface="Calibri" pitchFamily="34" charset="0"/>
+              <a:buChar char="◦"/>
+              <a:defRPr sz="1800" kern="1200">
+                <a:solidFill>
+                  <a:schemeClr val="tx1">
+                    <a:lumMod val="75000"/>
+                    <a:lumOff val="25000"/>
+                  </a:schemeClr>
+                </a:solidFill>
+                <a:latin typeface="+mn-lt"/>
+                <a:ea typeface="+mn-ea"/>
+                <a:cs typeface="+mn-cs"/>
+              </a:defRPr>
+            </a:lvl2pPr>
+            <a:lvl3pPr marL="566928" indent="-182880" algn="l" defTabSz="914400" rtl="0" eaLnBrk="1" latinLnBrk="0" hangingPunct="1">
+              <a:lnSpc>
+                <a:spcPct val="90000"/>
+              </a:lnSpc>
+              <a:spcBef>
+                <a:spcPts val="200"/>
+              </a:spcBef>
+              <a:spcAft>
+                <a:spcPts val="400"/>
+              </a:spcAft>
+              <a:buClr>
+                <a:schemeClr val="accent1"/>
+              </a:buClr>
+              <a:buFont typeface="Calibri" pitchFamily="34" charset="0"/>
+              <a:buChar char="◦"/>
+              <a:defRPr sz="1400" kern="1200">
+                <a:solidFill>
+                  <a:schemeClr val="tx1">
+                    <a:lumMod val="75000"/>
+                    <a:lumOff val="25000"/>
+                  </a:schemeClr>
+                </a:solidFill>
+                <a:latin typeface="+mn-lt"/>
+                <a:ea typeface="+mn-ea"/>
+                <a:cs typeface="+mn-cs"/>
+              </a:defRPr>
+            </a:lvl3pPr>
+            <a:lvl4pPr marL="749808" indent="-182880" algn="l" defTabSz="914400" rtl="0" eaLnBrk="1" latinLnBrk="0" hangingPunct="1">
+              <a:lnSpc>
+                <a:spcPct val="90000"/>
+              </a:lnSpc>
+              <a:spcBef>
+                <a:spcPts val="200"/>
+              </a:spcBef>
+              <a:spcAft>
+                <a:spcPts val="400"/>
+              </a:spcAft>
+              <a:buClr>
+                <a:schemeClr val="accent1"/>
+              </a:buClr>
+              <a:buFont typeface="Calibri" pitchFamily="34" charset="0"/>
+              <a:buChar char="◦"/>
+              <a:defRPr sz="1400" kern="1200">
+                <a:solidFill>
+                  <a:schemeClr val="tx1">
+                    <a:lumMod val="75000"/>
+                    <a:lumOff val="25000"/>
+                  </a:schemeClr>
+                </a:solidFill>
+                <a:latin typeface="+mn-lt"/>
+                <a:ea typeface="+mn-ea"/>
+                <a:cs typeface="+mn-cs"/>
+              </a:defRPr>
+            </a:lvl4pPr>
+            <a:lvl5pPr marL="932688" indent="-182880" algn="l" defTabSz="914400" rtl="0" eaLnBrk="1" latinLnBrk="0" hangingPunct="1">
+              <a:lnSpc>
+                <a:spcPct val="90000"/>
+              </a:lnSpc>
+              <a:spcBef>
+                <a:spcPts val="200"/>
+              </a:spcBef>
+              <a:spcAft>
+                <a:spcPts val="400"/>
+              </a:spcAft>
+              <a:buClr>
+                <a:schemeClr val="accent1"/>
+              </a:buClr>
+              <a:buFont typeface="Calibri" pitchFamily="34" charset="0"/>
+              <a:buChar char="◦"/>
+              <a:defRPr sz="1400" kern="1200">
+                <a:solidFill>
+                  <a:schemeClr val="tx1">
+                    <a:lumMod val="75000"/>
+                    <a:lumOff val="25000"/>
+                  </a:schemeClr>
+                </a:solidFill>
+                <a:latin typeface="+mn-lt"/>
+                <a:ea typeface="+mn-ea"/>
+                <a:cs typeface="+mn-cs"/>
+              </a:defRPr>
+            </a:lvl5pPr>
+            <a:lvl6pPr marL="1100000" indent="-228600" algn="l" defTabSz="914400" rtl="0" eaLnBrk="1" latinLnBrk="0" hangingPunct="1">
+              <a:lnSpc>
+                <a:spcPct val="90000"/>
+              </a:lnSpc>
+              <a:spcBef>
+                <a:spcPts val="200"/>
+              </a:spcBef>
+              <a:spcAft>
+                <a:spcPts val="400"/>
+              </a:spcAft>
+              <a:buClr>
+                <a:schemeClr val="accent1"/>
+              </a:buClr>
+              <a:buFont typeface="Calibri" pitchFamily="34" charset="0"/>
+              <a:buChar char="◦"/>
+              <a:defRPr sz="1400" kern="1200">
+                <a:solidFill>
+                  <a:schemeClr val="tx1">
+                    <a:lumMod val="75000"/>
+                    <a:lumOff val="25000"/>
+                  </a:schemeClr>
+                </a:solidFill>
+                <a:latin typeface="+mn-lt"/>
+                <a:ea typeface="+mn-ea"/>
+                <a:cs typeface="+mn-cs"/>
+              </a:defRPr>
+            </a:lvl6pPr>
+            <a:lvl7pPr marL="1300000" indent="-228600" algn="l" defTabSz="914400" rtl="0" eaLnBrk="1" latinLnBrk="0" hangingPunct="1">
+              <a:lnSpc>
+                <a:spcPct val="90000"/>
+              </a:lnSpc>
+              <a:spcBef>
+                <a:spcPts val="200"/>
+              </a:spcBef>
+              <a:spcAft>
+                <a:spcPts val="400"/>
+              </a:spcAft>
+              <a:buClr>
+                <a:schemeClr val="accent1"/>
+              </a:buClr>
+              <a:buFont typeface="Calibri" pitchFamily="34" charset="0"/>
+              <a:buChar char="◦"/>
+              <a:defRPr sz="1400" kern="1200">
+                <a:solidFill>
+                  <a:schemeClr val="tx1">
+                    <a:lumMod val="75000"/>
+                    <a:lumOff val="25000"/>
+                  </a:schemeClr>
+                </a:solidFill>
+                <a:latin typeface="+mn-lt"/>
+                <a:ea typeface="+mn-ea"/>
+                <a:cs typeface="+mn-cs"/>
+              </a:defRPr>
+            </a:lvl7pPr>
+            <a:lvl8pPr marL="1500000" indent="-228600" algn="l" defTabSz="914400" rtl="0" eaLnBrk="1" latinLnBrk="0" hangingPunct="1">
+              <a:lnSpc>
+                <a:spcPct val="90000"/>
+              </a:lnSpc>
+              <a:spcBef>
+                <a:spcPts val="200"/>
+              </a:spcBef>
+              <a:spcAft>
+                <a:spcPts val="400"/>
+              </a:spcAft>
+              <a:buClr>
+                <a:schemeClr val="accent1"/>
+              </a:buClr>
+              <a:buFont typeface="Calibri" pitchFamily="34" charset="0"/>
+              <a:buChar char="◦"/>
+              <a:defRPr sz="1400" kern="1200">
+                <a:solidFill>
+                  <a:schemeClr val="tx1">
+                    <a:lumMod val="75000"/>
+                    <a:lumOff val="25000"/>
+                  </a:schemeClr>
+                </a:solidFill>
+                <a:latin typeface="+mn-lt"/>
+                <a:ea typeface="+mn-ea"/>
+                <a:cs typeface="+mn-cs"/>
+              </a:defRPr>
+            </a:lvl8pPr>
+            <a:lvl9pPr marL="1700000" indent="-228600" algn="l" defTabSz="914400" rtl="0" eaLnBrk="1" latinLnBrk="0" hangingPunct="1">
+              <a:lnSpc>
+                <a:spcPct val="90000"/>
+              </a:lnSpc>
+              <a:spcBef>
+                <a:spcPts val="200"/>
+              </a:spcBef>
+              <a:spcAft>
+                <a:spcPts val="400"/>
+              </a:spcAft>
+              <a:buClr>
+                <a:schemeClr val="accent1"/>
+              </a:buClr>
+              <a:buFont typeface="Calibri" pitchFamily="34" charset="0"/>
+              <a:buChar char="◦"/>
+              <a:defRPr sz="1400" kern="1200">
+                <a:solidFill>
+                  <a:schemeClr val="tx1">
+                    <a:lumMod val="75000"/>
+                    <a:lumOff val="25000"/>
+                  </a:schemeClr>
+                </a:solidFill>
+                <a:latin typeface="+mn-lt"/>
+                <a:ea typeface="+mn-ea"/>
+                <a:cs typeface="+mn-cs"/>
+              </a:defRPr>
+            </a:lvl9pPr>
+          </a:lstStyle>
+          <a:p>
+            <a:pPr algn="ctr">
+              <a:buFontTx/>
+              <a:buChar char="-"/>
+            </a:pPr>
+            <a:r>
+              <a:rPr lang="fr-FR" sz="2800" b="1" dirty="0"/>
+              <a:t>ZGC</a:t>
+            </a:r>
+            <a:r>
+              <a:rPr lang="fr-FR" sz="2800" dirty="0"/>
+              <a:t>: </a:t>
+            </a:r>
+            <a:r>
+              <a:rPr lang="fr-FR" sz="2800" dirty="0" err="1"/>
+              <a:t>Developped</a:t>
+            </a:r>
+            <a:r>
+              <a:rPr lang="fr-FR" sz="2800" dirty="0"/>
+              <a:t> by Oracle</a:t>
+            </a:r>
+          </a:p>
+          <a:p>
+            <a:pPr marL="0" indent="0" algn="ctr">
+              <a:buFont typeface="Calibri" panose="020F0502020204030204" pitchFamily="34" charset="0"/>
+              <a:buNone/>
+            </a:pPr>
+            <a:r>
+              <a:rPr lang="fr-FR" sz="2800" dirty="0"/>
+              <a:t>Up to 16 TB of </a:t>
+            </a:r>
+            <a:r>
+              <a:rPr lang="fr-FR" sz="2800" dirty="0" err="1"/>
+              <a:t>heap</a:t>
+            </a:r>
+            <a:endParaRPr lang="fr-FR" sz="2800" dirty="0"/>
+          </a:p>
+          <a:p>
+            <a:pPr algn="ctr"/>
+            <a:endParaRPr lang="fr-FR" sz="2800" dirty="0"/>
+          </a:p>
+        </p:txBody>
+      </p:sp>
+      <p:pic>
+        <p:nvPicPr>
+          <p:cNvPr id="10" name="Image 9" descr="Une image contenant texte&#10;&#10;Description générée automatiquement">
+            <a:extLst>
+              <a:ext uri="{FF2B5EF4-FFF2-40B4-BE49-F238E27FC236}">
+                <a16:creationId xmlns:a16="http://schemas.microsoft.com/office/drawing/2014/main" id="{4CA0D344-04E5-430A-892E-92BB00CD5EF9}"/>
+              </a:ext>
+            </a:extLst>
+          </p:cNvPr>
+          <p:cNvPicPr>
+            <a:picLocks noChangeAspect="1"/>
+          </p:cNvPicPr>
+          <p:nvPr/>
+        </p:nvPicPr>
+        <p:blipFill>
+          <a:blip r:embed="rId4">
+            <a:extLst>
+              <a:ext uri="{28A0092B-C50C-407E-A947-70E740481C1C}">
+                <a14:useLocalDpi xmlns:a14="http://schemas.microsoft.com/office/drawing/2010/main" val="0"/>
+              </a:ext>
+            </a:extLst>
+          </a:blip>
+          <a:stretch>
+            <a:fillRect/>
+          </a:stretch>
+        </p:blipFill>
+        <p:spPr>
+          <a:xfrm>
+            <a:off x="7020876" y="4653318"/>
+            <a:ext cx="3714750" cy="1387437"/>
+          </a:xfrm>
+          <a:prstGeom prst="rect">
+            <a:avLst/>
+          </a:prstGeom>
+        </p:spPr>
+      </p:pic>
+    </p:spTree>
+    <p:extLst>
+      <p:ext uri="{BB962C8B-B14F-4D97-AF65-F5344CB8AC3E}">
+        <p14:creationId xmlns:p14="http://schemas.microsoft.com/office/powerpoint/2010/main" val="3167013230"/>
+      </p:ext>
+    </p:extLst>
+  </p:cSld>
+  <p:clrMapOvr>
+    <a:masterClrMapping/>
+  </p:clrMapOvr>
+</p:sld>
+</file>
+
+<file path=ppt/slides/slide39.xml><?xml version="1.0" encoding="utf-8"?>
+<p:sld xmlns:a="http://schemas.openxmlformats.org/drawingml/2006/main" xmlns:r="http://schemas.openxmlformats.org/officeDocument/2006/relationships" xmlns:p="http://schemas.openxmlformats.org/presentationml/2006/main">
+  <p:cSld>
+    <p:spTree>
+      <p:nvGrpSpPr>
+        <p:cNvPr id="1" name=""/>
+        <p:cNvGrpSpPr/>
+        <p:nvPr/>
+      </p:nvGrpSpPr>
+      <p:grpSpPr>
+        <a:xfrm>
+          <a:off x="0" y="0"/>
+          <a:ext cx="0" cy="0"/>
+          <a:chOff x="0" y="0"/>
+          <a:chExt cx="0" cy="0"/>
+        </a:xfrm>
+      </p:grpSpPr>
+      <p:sp>
+        <p:nvSpPr>
+          <p:cNvPr id="2" name="Titre 1">
+            <a:extLst>
+              <a:ext uri="{FF2B5EF4-FFF2-40B4-BE49-F238E27FC236}">
+                <a16:creationId xmlns:a16="http://schemas.microsoft.com/office/drawing/2014/main" id="{771BD97B-BCF0-4516-89AB-2A00110D79A7}"/>
+              </a:ext>
+            </a:extLst>
+          </p:cNvPr>
+          <p:cNvSpPr>
+            <a:spLocks noGrp="1"/>
+          </p:cNvSpPr>
+          <p:nvPr>
+            <p:ph type="title"/>
+          </p:nvPr>
+        </p:nvSpPr>
+        <p:spPr>
+          <a:xfrm>
+            <a:off x="1002597" y="2479336"/>
+            <a:ext cx="10186805" cy="1635178"/>
+          </a:xfrm>
+        </p:spPr>
+        <p:txBody>
+          <a:bodyPr>
+            <a:normAutofit/>
+          </a:bodyPr>
+          <a:lstStyle/>
+          <a:p>
+            <a:pPr algn="ctr"/>
+            <a:r>
+              <a:rPr lang="fr-FR" dirty="0"/>
+              <a:t>CDS Archives</a:t>
+            </a:r>
+          </a:p>
+        </p:txBody>
+      </p:sp>
+      <p:sp>
+        <p:nvSpPr>
+          <p:cNvPr id="4" name="Espace réservé du numéro de diapositive 3">
+            <a:extLst>
+              <a:ext uri="{FF2B5EF4-FFF2-40B4-BE49-F238E27FC236}">
+                <a16:creationId xmlns:a16="http://schemas.microsoft.com/office/drawing/2014/main" id="{E2417486-AE2E-40EB-9FD4-6373FECB55F7}"/>
+              </a:ext>
+            </a:extLst>
+          </p:cNvPr>
+          <p:cNvSpPr>
+            <a:spLocks noGrp="1"/>
+          </p:cNvSpPr>
+          <p:nvPr>
+            <p:ph type="sldNum" sz="quarter" idx="12"/>
+          </p:nvPr>
+        </p:nvSpPr>
+        <p:spPr/>
+        <p:txBody>
+          <a:bodyPr/>
+          <a:lstStyle/>
+          <a:p>
+            <a:fld id="{4EA40E75-4466-4188-A2CC-18D20372CC4F}" type="slidenum">
+              <a:rPr lang="fr-FR" smtClean="0"/>
+              <a:t>39</a:t>
+            </a:fld>
+            <a:endParaRPr lang="fr-FR"/>
+          </a:p>
+        </p:txBody>
+      </p:sp>
+      <p:sp>
+        <p:nvSpPr>
+          <p:cNvPr id="6" name="Espace réservé du texte 5">
+            <a:extLst>
+              <a:ext uri="{FF2B5EF4-FFF2-40B4-BE49-F238E27FC236}">
+                <a16:creationId xmlns:a16="http://schemas.microsoft.com/office/drawing/2014/main" id="{08E130C1-B7A1-4125-A138-8B742C339780}"/>
+              </a:ext>
+            </a:extLst>
+          </p:cNvPr>
+          <p:cNvSpPr>
+            <a:spLocks noGrp="1"/>
+          </p:cNvSpPr>
+          <p:nvPr>
+            <p:ph type="body" idx="1"/>
+          </p:nvPr>
+        </p:nvSpPr>
+        <p:spPr>
+          <a:xfrm>
+            <a:off x="1097280" y="4515271"/>
+            <a:ext cx="10058400" cy="1143000"/>
+          </a:xfrm>
+        </p:spPr>
+        <p:txBody>
+          <a:bodyPr>
+            <a:normAutofit/>
+          </a:bodyPr>
+          <a:lstStyle/>
+          <a:p>
+            <a:pPr algn="ctr"/>
+            <a:r>
+              <a:rPr lang="fr-FR" sz="4000" dirty="0">
+                <a:hlinkClick r:id="rId2"/>
+              </a:rPr>
+              <a:t>JEP 341</a:t>
+            </a:r>
+            <a:r>
+              <a:rPr lang="fr-FR" sz="4000" dirty="0"/>
+              <a:t> </a:t>
+            </a:r>
+            <a:r>
+              <a:rPr lang="fr-FR" sz="4000" dirty="0">
+                <a:hlinkClick r:id="rId3"/>
+              </a:rPr>
+              <a:t>JEP 350</a:t>
+            </a:r>
+            <a:endParaRPr lang="fr-FR" sz="4000" dirty="0"/>
+          </a:p>
+        </p:txBody>
+      </p:sp>
+    </p:spTree>
+    <p:extLst>
+      <p:ext uri="{BB962C8B-B14F-4D97-AF65-F5344CB8AC3E}">
+        <p14:creationId xmlns:p14="http://schemas.microsoft.com/office/powerpoint/2010/main" val="923790113"/>
+      </p:ext>
+    </p:extLst>
+  </p:cSld>
+  <p:clrMapOvr>
+    <a:masterClrMapping/>
+  </p:clrMapOvr>
+</p:sld>
+</file>
+
+<file path=ppt/slides/slide4.xml><?xml version="1.0" encoding="utf-8"?>
+<p:sld xmlns:a="http://schemas.openxmlformats.org/drawingml/2006/main" xmlns:r="http://schemas.openxmlformats.org/officeDocument/2006/relationships" xmlns:p="http://schemas.openxmlformats.org/presentationml/2006/main">
+  <p:cSld>
+    <p:spTree>
+      <p:nvGrpSpPr>
+        <p:cNvPr id="1" name=""/>
+        <p:cNvGrpSpPr/>
+        <p:nvPr/>
+      </p:nvGrpSpPr>
+      <p:grpSpPr>
+        <a:xfrm>
+          <a:off x="0" y="0"/>
+          <a:ext cx="0" cy="0"/>
+          <a:chOff x="0" y="0"/>
+          <a:chExt cx="0" cy="0"/>
+        </a:xfrm>
+      </p:grpSpPr>
+      <p:sp>
+        <p:nvSpPr>
+          <p:cNvPr id="2" name="Titre 1">
+            <a:extLst>
+              <a:ext uri="{FF2B5EF4-FFF2-40B4-BE49-F238E27FC236}">
+                <a16:creationId xmlns:a16="http://schemas.microsoft.com/office/drawing/2014/main" id="{771BD97B-BCF0-4516-89AB-2A00110D79A7}"/>
+              </a:ext>
+            </a:extLst>
+          </p:cNvPr>
+          <p:cNvSpPr>
+            <a:spLocks noGrp="1"/>
+          </p:cNvSpPr>
+          <p:nvPr>
+            <p:ph type="title"/>
+          </p:nvPr>
+        </p:nvSpPr>
+        <p:spPr>
+          <a:xfrm>
+            <a:off x="1097280" y="2479336"/>
+            <a:ext cx="10058400" cy="1635178"/>
+          </a:xfrm>
+        </p:spPr>
+        <p:txBody>
+          <a:bodyPr/>
+          <a:lstStyle/>
+          <a:p>
+            <a:pPr algn="ctr"/>
+            <a:r>
+              <a:rPr lang="fr-FR" dirty="0" err="1"/>
+              <a:t>Preview</a:t>
+            </a:r>
+            <a:r>
+              <a:rPr lang="fr-FR" dirty="0"/>
+              <a:t> </a:t>
+            </a:r>
+            <a:r>
+              <a:rPr lang="fr-FR" dirty="0" err="1"/>
+              <a:t>Features</a:t>
+            </a:r>
+            <a:endParaRPr lang="fr-FR" dirty="0"/>
+          </a:p>
+        </p:txBody>
+      </p:sp>
+      <p:sp>
+        <p:nvSpPr>
+          <p:cNvPr id="4" name="Espace réservé du numéro de diapositive 3">
+            <a:extLst>
+              <a:ext uri="{FF2B5EF4-FFF2-40B4-BE49-F238E27FC236}">
+                <a16:creationId xmlns:a16="http://schemas.microsoft.com/office/drawing/2014/main" id="{E2417486-AE2E-40EB-9FD4-6373FECB55F7}"/>
+              </a:ext>
+            </a:extLst>
+          </p:cNvPr>
+          <p:cNvSpPr>
+            <a:spLocks noGrp="1"/>
+          </p:cNvSpPr>
+          <p:nvPr>
+            <p:ph type="sldNum" sz="quarter" idx="12"/>
+          </p:nvPr>
+        </p:nvSpPr>
+        <p:spPr/>
+        <p:txBody>
+          <a:bodyPr/>
+          <a:lstStyle/>
+          <a:p>
+            <a:fld id="{4EA40E75-4466-4188-A2CC-18D20372CC4F}" type="slidenum">
+              <a:rPr lang="fr-FR" smtClean="0"/>
+              <a:t>4</a:t>
+            </a:fld>
+            <a:endParaRPr lang="fr-FR"/>
+          </a:p>
+        </p:txBody>
+      </p:sp>
+      <p:sp>
+        <p:nvSpPr>
+          <p:cNvPr id="6" name="Espace réservé du texte 5">
+            <a:extLst>
+              <a:ext uri="{FF2B5EF4-FFF2-40B4-BE49-F238E27FC236}">
+                <a16:creationId xmlns:a16="http://schemas.microsoft.com/office/drawing/2014/main" id="{08E130C1-B7A1-4125-A138-8B742C339780}"/>
+              </a:ext>
+            </a:extLst>
+          </p:cNvPr>
+          <p:cNvSpPr>
+            <a:spLocks noGrp="1"/>
+          </p:cNvSpPr>
+          <p:nvPr>
+            <p:ph type="body" idx="1"/>
+          </p:nvPr>
+        </p:nvSpPr>
+        <p:spPr>
+          <a:xfrm>
+            <a:off x="1097280" y="4515271"/>
+            <a:ext cx="10058400" cy="1143000"/>
+          </a:xfrm>
+        </p:spPr>
+        <p:txBody>
+          <a:bodyPr>
+            <a:normAutofit/>
+          </a:bodyPr>
+          <a:lstStyle/>
+          <a:p>
+            <a:pPr algn="ctr"/>
+            <a:r>
+              <a:rPr lang="fr-FR" sz="4000" dirty="0">
+                <a:hlinkClick r:id="rId2"/>
+              </a:rPr>
+              <a:t>JEP 12</a:t>
+            </a:r>
+            <a:endParaRPr lang="fr-FR" sz="4000" dirty="0"/>
+          </a:p>
+        </p:txBody>
+      </p:sp>
+    </p:spTree>
+    <p:extLst>
+      <p:ext uri="{BB962C8B-B14F-4D97-AF65-F5344CB8AC3E}">
+        <p14:creationId xmlns:p14="http://schemas.microsoft.com/office/powerpoint/2010/main" val="3897539062"/>
+      </p:ext>
+    </p:extLst>
+  </p:cSld>
+  <p:clrMapOvr>
+    <a:masterClrMapping/>
+  </p:clrMapOvr>
+</p:sld>
+</file>
+
+<file path=ppt/slides/slide40.xml><?xml version="1.0" encoding="utf-8"?>
+<p:sld xmlns:a="http://schemas.openxmlformats.org/drawingml/2006/main" xmlns:r="http://schemas.openxmlformats.org/officeDocument/2006/relationships" xmlns:p="http://schemas.openxmlformats.org/presentationml/2006/main">
+  <p:cSld>
+    <p:spTree>
+      <p:nvGrpSpPr>
+        <p:cNvPr id="1" name=""/>
+        <p:cNvGrpSpPr/>
+        <p:nvPr/>
+      </p:nvGrpSpPr>
+      <p:grpSpPr>
+        <a:xfrm>
+          <a:off x="0" y="0"/>
+          <a:ext cx="0" cy="0"/>
+          <a:chOff x="0" y="0"/>
+          <a:chExt cx="0" cy="0"/>
+        </a:xfrm>
+      </p:grpSpPr>
+      <p:sp>
+        <p:nvSpPr>
+          <p:cNvPr id="2" name="Titre 1">
+            <a:extLst>
+              <a:ext uri="{FF2B5EF4-FFF2-40B4-BE49-F238E27FC236}">
+                <a16:creationId xmlns:a16="http://schemas.microsoft.com/office/drawing/2014/main" id="{E5C9D29C-AE6D-45B1-B9D3-106826227453}"/>
+              </a:ext>
+            </a:extLst>
+          </p:cNvPr>
+          <p:cNvSpPr>
+            <a:spLocks noGrp="1"/>
+          </p:cNvSpPr>
+          <p:nvPr>
+            <p:ph type="title"/>
+          </p:nvPr>
+        </p:nvSpPr>
+        <p:spPr/>
+        <p:txBody>
+          <a:bodyPr/>
+          <a:lstStyle/>
+          <a:p>
+            <a:pPr algn="ctr"/>
+            <a:r>
+              <a:rPr lang="fr-FR" dirty="0"/>
+              <a:t>CDS Archives</a:t>
+            </a:r>
+          </a:p>
+        </p:txBody>
+      </p:sp>
+      <p:sp>
+        <p:nvSpPr>
+          <p:cNvPr id="3" name="Espace réservé du contenu 2">
+            <a:extLst>
+              <a:ext uri="{FF2B5EF4-FFF2-40B4-BE49-F238E27FC236}">
+                <a16:creationId xmlns:a16="http://schemas.microsoft.com/office/drawing/2014/main" id="{8DC1CF38-C9BA-4383-B743-E3E0DE253D70}"/>
+              </a:ext>
+            </a:extLst>
+          </p:cNvPr>
+          <p:cNvSpPr>
+            <a:spLocks noGrp="1"/>
+          </p:cNvSpPr>
+          <p:nvPr>
+            <p:ph idx="1"/>
+          </p:nvPr>
+        </p:nvSpPr>
+        <p:spPr>
+          <a:xfrm>
+            <a:off x="1097280" y="2561359"/>
+            <a:ext cx="10058400" cy="2782165"/>
+          </a:xfrm>
+        </p:spPr>
+        <p:txBody>
+          <a:bodyPr>
+            <a:normAutofit/>
+          </a:bodyPr>
+          <a:lstStyle/>
+          <a:p>
+            <a:pPr marL="0" indent="0" algn="ctr">
+              <a:buNone/>
+            </a:pPr>
+            <a:r>
+              <a:rPr lang="fr-FR" sz="2800" dirty="0"/>
+              <a:t>Exports classes and </a:t>
+            </a:r>
+            <a:r>
+              <a:rPr lang="fr-FR" sz="2800" dirty="0" err="1"/>
+              <a:t>metadata</a:t>
+            </a:r>
+            <a:r>
+              <a:rPr lang="fr-FR" sz="2800" dirty="0"/>
+              <a:t> </a:t>
+            </a:r>
+            <a:r>
+              <a:rPr lang="fr-FR" sz="2800" dirty="0" err="1"/>
+              <a:t>into</a:t>
+            </a:r>
+            <a:r>
+              <a:rPr lang="fr-FR" sz="2800" dirty="0"/>
+              <a:t> an archive</a:t>
+            </a:r>
+          </a:p>
+          <a:p>
+            <a:pPr marL="0" indent="0" algn="ctr">
+              <a:buNone/>
+            </a:pPr>
+            <a:endParaRPr lang="fr-FR" sz="2800" dirty="0"/>
+          </a:p>
+          <a:p>
+            <a:pPr marL="0" indent="0" algn="ctr">
+              <a:buNone/>
+            </a:pPr>
+            <a:r>
+              <a:rPr lang="fr-FR" sz="2800" dirty="0"/>
+              <a:t>The archive is </a:t>
+            </a:r>
+            <a:r>
+              <a:rPr lang="fr-FR" sz="2800" dirty="0" err="1"/>
+              <a:t>imported</a:t>
+            </a:r>
+            <a:r>
+              <a:rPr lang="fr-FR" sz="2800" dirty="0"/>
+              <a:t> at the </a:t>
+            </a:r>
+            <a:r>
+              <a:rPr lang="fr-FR" sz="2800" dirty="0" err="1"/>
+              <a:t>next</a:t>
+            </a:r>
+            <a:r>
+              <a:rPr lang="fr-FR" sz="2800" dirty="0"/>
+              <a:t> run</a:t>
+            </a:r>
+          </a:p>
+          <a:p>
+            <a:pPr marL="0" indent="0" algn="ctr">
+              <a:buNone/>
+            </a:pPr>
+            <a:endParaRPr lang="fr-FR" sz="2800" dirty="0"/>
+          </a:p>
+          <a:p>
+            <a:pPr marL="0" indent="0" algn="ctr">
+              <a:buNone/>
+            </a:pPr>
+            <a:r>
+              <a:rPr lang="fr-FR" sz="2800" dirty="0"/>
+              <a:t>It </a:t>
+            </a:r>
+            <a:r>
+              <a:rPr lang="fr-FR" sz="2800" dirty="0" err="1"/>
+              <a:t>reduces</a:t>
+            </a:r>
+            <a:r>
+              <a:rPr lang="fr-FR" sz="2800" dirty="0"/>
+              <a:t> the startup time and the memory </a:t>
+            </a:r>
+            <a:r>
+              <a:rPr lang="fr-FR" sz="2800" dirty="0" err="1"/>
+              <a:t>consumption</a:t>
+            </a:r>
+            <a:endParaRPr lang="fr-FR" sz="2800" dirty="0"/>
+          </a:p>
+        </p:txBody>
+      </p:sp>
+      <p:sp>
+        <p:nvSpPr>
+          <p:cNvPr id="4" name="Espace réservé du numéro de diapositive 3">
+            <a:extLst>
+              <a:ext uri="{FF2B5EF4-FFF2-40B4-BE49-F238E27FC236}">
+                <a16:creationId xmlns:a16="http://schemas.microsoft.com/office/drawing/2014/main" id="{9EF3796C-0468-41E7-B03F-D7A2CF73FD65}"/>
+              </a:ext>
+            </a:extLst>
+          </p:cNvPr>
+          <p:cNvSpPr>
+            <a:spLocks noGrp="1"/>
+          </p:cNvSpPr>
+          <p:nvPr>
+            <p:ph type="sldNum" sz="quarter" idx="12"/>
+          </p:nvPr>
+        </p:nvSpPr>
+        <p:spPr/>
+        <p:txBody>
+          <a:bodyPr/>
+          <a:lstStyle/>
+          <a:p>
+            <a:fld id="{4EA40E75-4466-4188-A2CC-18D20372CC4F}" type="slidenum">
+              <a:rPr lang="fr-FR" smtClean="0"/>
+              <a:t>40</a:t>
             </a:fld>
             <a:endParaRPr lang="fr-FR"/>
           </a:p>
@@ -14407,7 +16611,7 @@
 </p:sld>
 </file>
 
-<file path=ppt/slides/slide39.xml><?xml version="1.0" encoding="utf-8"?>
+<file path=ppt/slides/slide41.xml><?xml version="1.0" encoding="utf-8"?>
 <p:sld xmlns:a="http://schemas.openxmlformats.org/drawingml/2006/main" xmlns:r="http://schemas.openxmlformats.org/officeDocument/2006/relationships" xmlns:p="http://schemas.openxmlformats.org/presentationml/2006/main">
   <p:cSld>
     <p:spTree>
@@ -14483,7 +16687,7 @@
           <a:p>
             <a:fld id="{4EA40E75-4466-4188-A2CC-18D20372CC4F}" type="slidenum">
               <a:rPr lang="fr-FR" smtClean="0"/>
-              <a:t>39</a:t>
+              <a:t>41</a:t>
             </a:fld>
             <a:endParaRPr lang="fr-FR"/>
           </a:p>
@@ -14541,7 +16745,7 @@
 </p:sld>
 </file>
 
-<file path=ppt/slides/slide4.xml><?xml version="1.0" encoding="utf-8"?>
+<file path=ppt/slides/slide42.xml><?xml version="1.0" encoding="utf-8"?>
 <p:sld xmlns:a="http://schemas.openxmlformats.org/drawingml/2006/main" xmlns:r="http://schemas.openxmlformats.org/officeDocument/2006/relationships" xmlns:p="http://schemas.openxmlformats.org/presentationml/2006/main">
   <p:cSld>
     <p:spTree>
@@ -14563,147 +16767,6 @@
           <p:cNvPr id="2" name="Titre 1">
             <a:extLst>
               <a:ext uri="{FF2B5EF4-FFF2-40B4-BE49-F238E27FC236}">
-                <a16:creationId xmlns:a16="http://schemas.microsoft.com/office/drawing/2014/main" id="{771BD97B-BCF0-4516-89AB-2A00110D79A7}"/>
-              </a:ext>
-            </a:extLst>
-          </p:cNvPr>
-          <p:cNvSpPr>
-            <a:spLocks noGrp="1"/>
-          </p:cNvSpPr>
-          <p:nvPr>
-            <p:ph type="title"/>
-          </p:nvPr>
-        </p:nvSpPr>
-        <p:spPr>
-          <a:xfrm>
-            <a:off x="1097280" y="2479336"/>
-            <a:ext cx="10058400" cy="1635178"/>
-          </a:xfrm>
-        </p:spPr>
-        <p:txBody>
-          <a:bodyPr/>
-          <a:lstStyle/>
-          <a:p>
-            <a:pPr algn="ctr"/>
-            <a:r>
-              <a:rPr lang="fr-FR" dirty="0" err="1"/>
-              <a:t>Preview</a:t>
-            </a:r>
-            <a:r>
-              <a:rPr lang="fr-FR" dirty="0"/>
-              <a:t> </a:t>
-            </a:r>
-            <a:r>
-              <a:rPr lang="fr-FR" dirty="0" err="1"/>
-              <a:t>Features</a:t>
-            </a:r>
-            <a:endParaRPr lang="fr-FR" dirty="0"/>
-          </a:p>
-        </p:txBody>
-      </p:sp>
-      <p:sp>
-        <p:nvSpPr>
-          <p:cNvPr id="4" name="Espace réservé du numéro de diapositive 3">
-            <a:extLst>
-              <a:ext uri="{FF2B5EF4-FFF2-40B4-BE49-F238E27FC236}">
-                <a16:creationId xmlns:a16="http://schemas.microsoft.com/office/drawing/2014/main" id="{E2417486-AE2E-40EB-9FD4-6373FECB55F7}"/>
-              </a:ext>
-            </a:extLst>
-          </p:cNvPr>
-          <p:cNvSpPr>
-            <a:spLocks noGrp="1"/>
-          </p:cNvSpPr>
-          <p:nvPr>
-            <p:ph type="sldNum" sz="quarter" idx="12"/>
-          </p:nvPr>
-        </p:nvSpPr>
-        <p:spPr/>
-        <p:txBody>
-          <a:bodyPr/>
-          <a:lstStyle/>
-          <a:p>
-            <a:fld id="{4EA40E75-4466-4188-A2CC-18D20372CC4F}" type="slidenum">
-              <a:rPr lang="fr-FR" smtClean="0"/>
-              <a:t>4</a:t>
-            </a:fld>
-            <a:endParaRPr lang="fr-FR"/>
-          </a:p>
-        </p:txBody>
-      </p:sp>
-      <p:sp>
-        <p:nvSpPr>
-          <p:cNvPr id="6" name="Espace réservé du texte 5">
-            <a:extLst>
-              <a:ext uri="{FF2B5EF4-FFF2-40B4-BE49-F238E27FC236}">
-                <a16:creationId xmlns:a16="http://schemas.microsoft.com/office/drawing/2014/main" id="{08E130C1-B7A1-4125-A138-8B742C339780}"/>
-              </a:ext>
-            </a:extLst>
-          </p:cNvPr>
-          <p:cNvSpPr>
-            <a:spLocks noGrp="1"/>
-          </p:cNvSpPr>
-          <p:nvPr>
-            <p:ph type="body" idx="1"/>
-          </p:nvPr>
-        </p:nvSpPr>
-        <p:spPr>
-          <a:xfrm>
-            <a:off x="1097280" y="4515271"/>
-            <a:ext cx="10058400" cy="1143000"/>
-          </a:xfrm>
-        </p:spPr>
-        <p:txBody>
-          <a:bodyPr>
-            <a:normAutofit/>
-          </a:bodyPr>
-          <a:lstStyle/>
-          <a:p>
-            <a:pPr algn="ctr"/>
-            <a:r>
-              <a:rPr lang="fr-FR" sz="4000" dirty="0">
-                <a:hlinkClick r:id="rId2"/>
-              </a:rPr>
-              <a:t>JEP 12</a:t>
-            </a:r>
-            <a:endParaRPr lang="fr-FR" sz="4000" dirty="0"/>
-          </a:p>
-        </p:txBody>
-      </p:sp>
-    </p:spTree>
-    <p:extLst>
-      <p:ext uri="{BB962C8B-B14F-4D97-AF65-F5344CB8AC3E}">
-        <p14:creationId xmlns:p14="http://schemas.microsoft.com/office/powerpoint/2010/main" val="3897539062"/>
-      </p:ext>
-    </p:extLst>
-  </p:cSld>
-  <p:clrMapOvr>
-    <a:masterClrMapping/>
-  </p:clrMapOvr>
-</p:sld>
-</file>
-
-<file path=ppt/slides/slide40.xml><?xml version="1.0" encoding="utf-8"?>
-<p:sld xmlns:a="http://schemas.openxmlformats.org/drawingml/2006/main" xmlns:r="http://schemas.openxmlformats.org/officeDocument/2006/relationships" xmlns:p="http://schemas.openxmlformats.org/presentationml/2006/main">
-  <p:cSld>
-    <p:spTree>
-      <p:nvGrpSpPr>
-        <p:cNvPr id="1" name=""/>
-        <p:cNvGrpSpPr/>
-        <p:nvPr/>
-      </p:nvGrpSpPr>
-      <p:grpSpPr>
-        <a:xfrm>
-          <a:off x="0" y="0"/>
-          <a:ext cx="0" cy="0"/>
-          <a:chOff x="0" y="0"/>
-          <a:chExt cx="0" cy="0"/>
-        </a:xfrm>
-      </p:grpSpPr>
-      <p:sp>
-        <p:nvSpPr>
-          <p:cNvPr id="2" name="Titre 1">
-            <a:extLst>
-              <a:ext uri="{FF2B5EF4-FFF2-40B4-BE49-F238E27FC236}">
                 <a16:creationId xmlns:a16="http://schemas.microsoft.com/office/drawing/2014/main" id="{E5C9D29C-AE6D-45B1-B9D3-106826227453}"/>
               </a:ext>
             </a:extLst>
@@ -14822,7 +16885,7 @@
           <a:p>
             <a:fld id="{4EA40E75-4466-4188-A2CC-18D20372CC4F}" type="slidenum">
               <a:rPr lang="fr-FR" smtClean="0"/>
-              <a:t>40</a:t>
+              <a:t>42</a:t>
             </a:fld>
             <a:endParaRPr lang="fr-FR"/>
           </a:p>
@@ -15053,7 +17116,7 @@
 </p:sld>
 </file>
 
-<file path=ppt/slides/slide41.xml><?xml version="1.0" encoding="utf-8"?>
+<file path=ppt/slides/slide43.xml><?xml version="1.0" encoding="utf-8"?>
 <p:sld xmlns:a="http://schemas.openxmlformats.org/drawingml/2006/main" xmlns:r="http://schemas.openxmlformats.org/officeDocument/2006/relationships" xmlns:p="http://schemas.openxmlformats.org/presentationml/2006/main">
   <p:cSld>
     <p:spTree>
@@ -15137,7 +17200,7 @@
           <a:p>
             <a:fld id="{4EA40E75-4466-4188-A2CC-18D20372CC4F}" type="slidenum">
               <a:rPr lang="fr-FR" smtClean="0"/>
-              <a:t>41</a:t>
+              <a:t>43</a:t>
             </a:fld>
             <a:endParaRPr lang="fr-FR"/>
           </a:p>
@@ -15187,16 +17250,6 @@
                 <a:hlinkClick r:id="rId3"/>
               </a:rPr>
               <a:t>JEP 412</a:t>
-            </a:r>
-            <a:r>
-              <a:rPr lang="fr-FR" sz="4000" dirty="0"/>
-              <a:t> </a:t>
-            </a:r>
-            <a:r>
-              <a:rPr lang="fr-FR" sz="4000" dirty="0">
-                <a:hlinkClick r:id="rId4"/>
-              </a:rPr>
-              <a:t>JEP 414</a:t>
             </a:r>
             <a:r>
               <a:rPr lang="fr-FR" sz="4000" dirty="0"/>
@@ -15218,7 +17271,7 @@
 </p:sld>
 </file>
 
-<file path=ppt/slides/slide42.xml><?xml version="1.0" encoding="utf-8"?>
+<file path=ppt/slides/slide44.xml><?xml version="1.0" encoding="utf-8"?>
 <p:sld xmlns:a="http://schemas.openxmlformats.org/drawingml/2006/main" xmlns:r="http://schemas.openxmlformats.org/officeDocument/2006/relationships" xmlns:p="http://schemas.openxmlformats.org/presentationml/2006/main">
   <p:cSld>
     <p:spTree>
@@ -15291,12 +17344,12 @@
         <p:spPr>
           <a:xfrm>
             <a:off x="1097280" y="2428009"/>
-            <a:ext cx="10058400" cy="2763116"/>
+            <a:ext cx="10058400" cy="3277466"/>
           </a:xfrm>
         </p:spPr>
         <p:txBody>
           <a:bodyPr>
-            <a:normAutofit/>
+            <a:normAutofit fontScale="92500" lnSpcReduction="20000"/>
           </a:bodyPr>
           <a:lstStyle/>
           <a:p>
@@ -15332,24 +17385,36 @@
             <a:pPr marL="0" indent="0" algn="ctr">
               <a:buNone/>
             </a:pPr>
-            <a:r>
-              <a:rPr lang="fr-FR" sz="2800" dirty="0"/>
-              <a:t>Alternative to JNI - no need to </a:t>
-            </a:r>
-            <a:r>
-              <a:rPr lang="fr-FR" sz="2800" dirty="0" err="1"/>
-              <a:t>write</a:t>
-            </a:r>
-            <a:r>
-              <a:rPr lang="fr-FR" sz="2800" dirty="0"/>
-              <a:t> glue code</a:t>
-            </a:r>
+            <a:endParaRPr lang="fr-FR" sz="2800" dirty="0"/>
           </a:p>
           <a:p>
             <a:pPr marL="0" indent="0" algn="ctr">
               <a:buNone/>
             </a:pPr>
             <a:r>
+              <a:rPr lang="fr-FR" sz="2800" dirty="0"/>
+              <a:t>Alternative to JNI - no need to </a:t>
+            </a:r>
+            <a:r>
+              <a:rPr lang="fr-FR" sz="2800" dirty="0" err="1"/>
+              <a:t>write</a:t>
+            </a:r>
+            <a:r>
+              <a:rPr lang="fr-FR" sz="2800" dirty="0"/>
+              <a:t> glue code</a:t>
+            </a:r>
+          </a:p>
+          <a:p>
+            <a:pPr marL="0" indent="0" algn="ctr">
+              <a:buNone/>
+            </a:pPr>
+            <a:endParaRPr lang="fr-FR" sz="2800" dirty="0"/>
+          </a:p>
+          <a:p>
+            <a:pPr marL="0" indent="0" algn="ctr">
+              <a:buNone/>
+            </a:pPr>
+            <a:r>
               <a:rPr lang="fr-FR" sz="2800" dirty="0" err="1"/>
               <a:t>Currently</a:t>
             </a:r>
@@ -15385,6 +17450,12 @@
               <a:rPr lang="fr-FR" sz="2800" dirty="0" err="1"/>
               <a:t>access</a:t>
             </a:r>
+            <a:endParaRPr lang="fr-FR" sz="2800" dirty="0"/>
+          </a:p>
+          <a:p>
+            <a:pPr marL="0" indent="0" algn="ctr">
+              <a:buNone/>
+            </a:pPr>
             <a:endParaRPr lang="fr-FR" sz="2800" dirty="0"/>
           </a:p>
           <a:p>
@@ -15436,7 +17507,7 @@
           <a:p>
             <a:fld id="{4EA40E75-4466-4188-A2CC-18D20372CC4F}" type="slidenum">
               <a:rPr lang="fr-FR" smtClean="0"/>
-              <a:t>42</a:t>
+              <a:t>44</a:t>
             </a:fld>
             <a:endParaRPr lang="fr-FR"/>
           </a:p>
@@ -15537,7 +17608,7 @@
                                         <p:tgtEl>
                                           <p:spTgt spid="3">
                                             <p:txEl>
-                                              <p:pRg st="1" end="1"/>
+                                              <p:pRg st="2" end="2"/>
                                             </p:txEl>
                                           </p:spTgt>
                                         </p:tgtEl>
@@ -15586,7 +17657,7 @@
                                         <p:tgtEl>
                                           <p:spTgt spid="3">
                                             <p:txEl>
-                                              <p:pRg st="2" end="2"/>
+                                              <p:pRg st="4" end="4"/>
                                             </p:txEl>
                                           </p:spTgt>
                                         </p:tgtEl>
@@ -15635,7 +17706,7 @@
                                         <p:tgtEl>
                                           <p:spTgt spid="3">
                                             <p:txEl>
-                                              <p:pRg st="3" end="3"/>
+                                              <p:pRg st="6" end="6"/>
                                             </p:txEl>
                                           </p:spTgt>
                                         </p:tgtEl>
@@ -15684,7 +17755,7 @@
 </p:sld>
 </file>
 
-<file path=ppt/slides/slide43.xml><?xml version="1.0" encoding="utf-8"?>
+<file path=ppt/slides/slide45.xml><?xml version="1.0" encoding="utf-8"?>
 <p:sld xmlns:a="http://schemas.openxmlformats.org/drawingml/2006/main" xmlns:r="http://schemas.openxmlformats.org/officeDocument/2006/relationships" xmlns:p="http://schemas.openxmlformats.org/presentationml/2006/main">
   <p:cSld>
     <p:spTree>
@@ -15706,7 +17777,7 @@
           <p:cNvPr id="2" name="Titre 1">
             <a:extLst>
               <a:ext uri="{FF2B5EF4-FFF2-40B4-BE49-F238E27FC236}">
-                <a16:creationId xmlns:a16="http://schemas.microsoft.com/office/drawing/2014/main" id="{771BD97B-BCF0-4516-89AB-2A00110D79A7}"/>
+                <a16:creationId xmlns:a16="http://schemas.microsoft.com/office/drawing/2014/main" id="{E5C9D29C-AE6D-45B1-B9D3-106826227453}"/>
               </a:ext>
             </a:extLst>
           </p:cNvPr>
@@ -15717,28 +17788,24 @@
             <p:ph type="title"/>
           </p:nvPr>
         </p:nvSpPr>
-        <p:spPr>
-          <a:xfrm>
-            <a:off x="1002597" y="2479336"/>
-            <a:ext cx="10186805" cy="1635178"/>
-          </a:xfrm>
-        </p:spPr>
-        <p:txBody>
-          <a:bodyPr>
-            <a:normAutofit/>
-          </a:bodyPr>
+        <p:spPr/>
+        <p:txBody>
+          <a:bodyPr/>
           <a:lstStyle/>
           <a:p>
             <a:pPr algn="ctr"/>
             <a:r>
               <a:rPr lang="fr-FR" dirty="0"/>
-              <a:t>Migration to </a:t>
+              <a:t>Natives APIs (</a:t>
             </a:r>
             <a:r>
               <a:rPr lang="fr-FR" dirty="0" err="1"/>
-              <a:t>Github</a:t>
-            </a:r>
-            <a:endParaRPr lang="fr-FR" dirty="0"/>
+              <a:t>Incubator</a:t>
+            </a:r>
+            <a:r>
+              <a:rPr lang="fr-FR" dirty="0"/>
+              <a:t>)</a:t>
+            </a:r>
           </a:p>
         </p:txBody>
       </p:sp>
@@ -15747,7 +17814,7 @@
           <p:cNvPr id="4" name="Espace réservé du numéro de diapositive 3">
             <a:extLst>
               <a:ext uri="{FF2B5EF4-FFF2-40B4-BE49-F238E27FC236}">
-                <a16:creationId xmlns:a16="http://schemas.microsoft.com/office/drawing/2014/main" id="{E2417486-AE2E-40EB-9FD4-6373FECB55F7}"/>
+                <a16:creationId xmlns:a16="http://schemas.microsoft.com/office/drawing/2014/main" id="{9EF3796C-0468-41E7-B03F-D7A2CF73FD65}"/>
               </a:ext>
             </a:extLst>
           </p:cNvPr>
@@ -15765,68 +17832,52 @@
           <a:p>
             <a:fld id="{4EA40E75-4466-4188-A2CC-18D20372CC4F}" type="slidenum">
               <a:rPr lang="fr-FR" smtClean="0"/>
-              <a:t>43</a:t>
+              <a:t>45</a:t>
             </a:fld>
             <a:endParaRPr lang="fr-FR"/>
           </a:p>
         </p:txBody>
       </p:sp>
-      <p:sp>
-        <p:nvSpPr>
-          <p:cNvPr id="6" name="Espace réservé du texte 5">
+      <p:pic>
+        <p:nvPicPr>
+          <p:cNvPr id="8" name="Image 7" descr="Une image contenant texte&#10;&#10;Description générée automatiquement">
             <a:extLst>
               <a:ext uri="{FF2B5EF4-FFF2-40B4-BE49-F238E27FC236}">
-                <a16:creationId xmlns:a16="http://schemas.microsoft.com/office/drawing/2014/main" id="{08E130C1-B7A1-4125-A138-8B742C339780}"/>
+                <a16:creationId xmlns:a16="http://schemas.microsoft.com/office/drawing/2014/main" id="{41081491-E5B1-471D-96BB-DB4F72A7292E}"/>
               </a:ext>
             </a:extLst>
           </p:cNvPr>
-          <p:cNvSpPr>
-            <a:spLocks noGrp="1"/>
-          </p:cNvSpPr>
-          <p:nvPr>
-            <p:ph type="body" idx="1"/>
-          </p:nvPr>
-        </p:nvSpPr>
+          <p:cNvPicPr>
+            <a:picLocks noChangeAspect="1"/>
+          </p:cNvPicPr>
+          <p:nvPr/>
+        </p:nvPicPr>
+        <p:blipFill>
+          <a:blip r:embed="rId3">
+            <a:extLst>
+              <a:ext uri="{28A0092B-C50C-407E-A947-70E740481C1C}">
+                <a14:useLocalDpi xmlns:a14="http://schemas.microsoft.com/office/drawing/2010/main" val="0"/>
+              </a:ext>
+            </a:extLst>
+          </a:blip>
+          <a:stretch>
+            <a:fillRect/>
+          </a:stretch>
+        </p:blipFill>
         <p:spPr>
           <a:xfrm>
-            <a:off x="1097280" y="4515271"/>
-            <a:ext cx="10058400" cy="1475954"/>
+            <a:off x="1790500" y="2699704"/>
+            <a:ext cx="8610999" cy="2420937"/>
           </a:xfrm>
+          <a:prstGeom prst="rect">
+            <a:avLst/>
+          </a:prstGeom>
         </p:spPr>
-        <p:txBody>
-          <a:bodyPr>
-            <a:normAutofit/>
-          </a:bodyPr>
-          <a:lstStyle/>
-          <a:p>
-            <a:pPr algn="ctr"/>
-            <a:r>
-              <a:rPr lang="fr-FR" sz="4000" dirty="0">
-                <a:hlinkClick r:id="rId2"/>
-              </a:rPr>
-              <a:t>JEP 369</a:t>
-            </a:r>
-            <a:endParaRPr lang="fr-FR" sz="4000" dirty="0"/>
-          </a:p>
-          <a:p>
-            <a:pPr algn="ctr"/>
-            <a:r>
-              <a:rPr lang="fr-FR" sz="4000" cap="none" dirty="0">
-                <a:hlinkClick r:id="rId3"/>
-              </a:rPr>
-              <a:t>https://github.com/openjdk/</a:t>
-            </a:r>
-            <a:r>
-              <a:rPr lang="fr-FR" sz="4000" cap="none" dirty="0"/>
-              <a:t> </a:t>
-            </a:r>
-          </a:p>
-        </p:txBody>
-      </p:sp>
+      </p:pic>
     </p:spTree>
     <p:extLst>
       <p:ext uri="{BB962C8B-B14F-4D97-AF65-F5344CB8AC3E}">
-        <p14:creationId xmlns:p14="http://schemas.microsoft.com/office/powerpoint/2010/main" val="3407324278"/>
+        <p14:creationId xmlns:p14="http://schemas.microsoft.com/office/powerpoint/2010/main" val="1619819006"/>
       </p:ext>
     </p:extLst>
   </p:cSld>
@@ -15836,7 +17887,7 @@
 </p:sld>
 </file>
 
-<file path=ppt/slides/slide44.xml><?xml version="1.0" encoding="utf-8"?>
+<file path=ppt/slides/slide46.xml><?xml version="1.0" encoding="utf-8"?>
 <p:sld xmlns:a="http://schemas.openxmlformats.org/drawingml/2006/main" xmlns:r="http://schemas.openxmlformats.org/officeDocument/2006/relationships" xmlns:p="http://schemas.openxmlformats.org/presentationml/2006/main">
   <p:cSld>
     <p:spTree>
@@ -15855,6 +17906,179 @@
       </p:grpSpPr>
       <p:sp>
         <p:nvSpPr>
+          <p:cNvPr id="2" name="Titre 1">
+            <a:extLst>
+              <a:ext uri="{FF2B5EF4-FFF2-40B4-BE49-F238E27FC236}">
+                <a16:creationId xmlns:a16="http://schemas.microsoft.com/office/drawing/2014/main" id="{E5C9D29C-AE6D-45B1-B9D3-106826227453}"/>
+              </a:ext>
+            </a:extLst>
+          </p:cNvPr>
+          <p:cNvSpPr>
+            <a:spLocks noGrp="1"/>
+          </p:cNvSpPr>
+          <p:nvPr>
+            <p:ph type="title"/>
+          </p:nvPr>
+        </p:nvSpPr>
+        <p:spPr/>
+        <p:txBody>
+          <a:bodyPr/>
+          <a:lstStyle/>
+          <a:p>
+            <a:pPr algn="ctr"/>
+            <a:r>
+              <a:rPr lang="fr-FR" dirty="0"/>
+              <a:t>Natives APIs (</a:t>
+            </a:r>
+            <a:r>
+              <a:rPr lang="fr-FR" dirty="0" err="1"/>
+              <a:t>Incubator</a:t>
+            </a:r>
+            <a:r>
+              <a:rPr lang="fr-FR" dirty="0"/>
+              <a:t>)</a:t>
+            </a:r>
+          </a:p>
+        </p:txBody>
+      </p:sp>
+      <p:sp>
+        <p:nvSpPr>
+          <p:cNvPr id="4" name="Espace réservé du numéro de diapositive 3">
+            <a:extLst>
+              <a:ext uri="{FF2B5EF4-FFF2-40B4-BE49-F238E27FC236}">
+                <a16:creationId xmlns:a16="http://schemas.microsoft.com/office/drawing/2014/main" id="{9EF3796C-0468-41E7-B03F-D7A2CF73FD65}"/>
+              </a:ext>
+            </a:extLst>
+          </p:cNvPr>
+          <p:cNvSpPr>
+            <a:spLocks noGrp="1"/>
+          </p:cNvSpPr>
+          <p:nvPr>
+            <p:ph type="sldNum" sz="quarter" idx="12"/>
+          </p:nvPr>
+        </p:nvSpPr>
+        <p:spPr/>
+        <p:txBody>
+          <a:bodyPr/>
+          <a:lstStyle/>
+          <a:p>
+            <a:fld id="{4EA40E75-4466-4188-A2CC-18D20372CC4F}" type="slidenum">
+              <a:rPr lang="fr-FR" smtClean="0"/>
+              <a:t>46</a:t>
+            </a:fld>
+            <a:endParaRPr lang="fr-FR"/>
+          </a:p>
+        </p:txBody>
+      </p:sp>
+      <p:pic>
+        <p:nvPicPr>
+          <p:cNvPr id="5" name="Image 4" descr="Une image contenant texte&#10;&#10;Description générée automatiquement">
+            <a:extLst>
+              <a:ext uri="{FF2B5EF4-FFF2-40B4-BE49-F238E27FC236}">
+                <a16:creationId xmlns:a16="http://schemas.microsoft.com/office/drawing/2014/main" id="{F88405F5-6EA8-4094-9BA3-3ECBB15A7DFD}"/>
+              </a:ext>
+            </a:extLst>
+          </p:cNvPr>
+          <p:cNvPicPr>
+            <a:picLocks noChangeAspect="1"/>
+          </p:cNvPicPr>
+          <p:nvPr/>
+        </p:nvPicPr>
+        <p:blipFill>
+          <a:blip r:embed="rId3">
+            <a:extLst>
+              <a:ext uri="{28A0092B-C50C-407E-A947-70E740481C1C}">
+                <a14:useLocalDpi xmlns:a14="http://schemas.microsoft.com/office/drawing/2010/main" val="0"/>
+              </a:ext>
+            </a:extLst>
+          </a:blip>
+          <a:stretch>
+            <a:fillRect/>
+          </a:stretch>
+        </p:blipFill>
+        <p:spPr>
+          <a:xfrm>
+            <a:off x="1522252" y="2520465"/>
+            <a:ext cx="9208456" cy="3156215"/>
+          </a:xfrm>
+          <a:prstGeom prst="rect">
+            <a:avLst/>
+          </a:prstGeom>
+        </p:spPr>
+      </p:pic>
+    </p:spTree>
+    <p:extLst>
+      <p:ext uri="{BB962C8B-B14F-4D97-AF65-F5344CB8AC3E}">
+        <p14:creationId xmlns:p14="http://schemas.microsoft.com/office/powerpoint/2010/main" val="1462988587"/>
+      </p:ext>
+    </p:extLst>
+  </p:cSld>
+  <p:clrMapOvr>
+    <a:masterClrMapping/>
+  </p:clrMapOvr>
+</p:sld>
+</file>
+
+<file path=ppt/slides/slide47.xml><?xml version="1.0" encoding="utf-8"?>
+<p:sld xmlns:a="http://schemas.openxmlformats.org/drawingml/2006/main" xmlns:r="http://schemas.openxmlformats.org/officeDocument/2006/relationships" xmlns:p="http://schemas.openxmlformats.org/presentationml/2006/main">
+  <p:cSld>
+    <p:spTree>
+      <p:nvGrpSpPr>
+        <p:cNvPr id="1" name=""/>
+        <p:cNvGrpSpPr/>
+        <p:nvPr/>
+      </p:nvGrpSpPr>
+      <p:grpSpPr>
+        <a:xfrm>
+          <a:off x="0" y="0"/>
+          <a:ext cx="0" cy="0"/>
+          <a:chOff x="0" y="0"/>
+          <a:chExt cx="0" cy="0"/>
+        </a:xfrm>
+      </p:grpSpPr>
+      <p:sp>
+        <p:nvSpPr>
+          <p:cNvPr id="2" name="Titre 1">
+            <a:extLst>
+              <a:ext uri="{FF2B5EF4-FFF2-40B4-BE49-F238E27FC236}">
+                <a16:creationId xmlns:a16="http://schemas.microsoft.com/office/drawing/2014/main" id="{771BD97B-BCF0-4516-89AB-2A00110D79A7}"/>
+              </a:ext>
+            </a:extLst>
+          </p:cNvPr>
+          <p:cNvSpPr>
+            <a:spLocks noGrp="1"/>
+          </p:cNvSpPr>
+          <p:nvPr>
+            <p:ph type="title"/>
+          </p:nvPr>
+        </p:nvSpPr>
+        <p:spPr>
+          <a:xfrm>
+            <a:off x="1002597" y="2479336"/>
+            <a:ext cx="10186805" cy="1635178"/>
+          </a:xfrm>
+        </p:spPr>
+        <p:txBody>
+          <a:bodyPr>
+            <a:normAutofit/>
+          </a:bodyPr>
+          <a:lstStyle/>
+          <a:p>
+            <a:pPr algn="ctr"/>
+            <a:r>
+              <a:rPr lang="fr-FR" dirty="0"/>
+              <a:t>Migration to </a:t>
+            </a:r>
+            <a:r>
+              <a:rPr lang="fr-FR" dirty="0" err="1"/>
+              <a:t>Github</a:t>
+            </a:r>
+            <a:endParaRPr lang="fr-FR" dirty="0"/>
+          </a:p>
+        </p:txBody>
+      </p:sp>
+      <p:sp>
+        <p:nvSpPr>
           <p:cNvPr id="4" name="Espace réservé du numéro de diapositive 3">
             <a:extLst>
               <a:ext uri="{FF2B5EF4-FFF2-40B4-BE49-F238E27FC236}">
@@ -15876,7 +18100,118 @@
           <a:p>
             <a:fld id="{4EA40E75-4466-4188-A2CC-18D20372CC4F}" type="slidenum">
               <a:rPr lang="fr-FR" smtClean="0"/>
-              <a:t>44</a:t>
+              <a:t>47</a:t>
+            </a:fld>
+            <a:endParaRPr lang="fr-FR"/>
+          </a:p>
+        </p:txBody>
+      </p:sp>
+      <p:sp>
+        <p:nvSpPr>
+          <p:cNvPr id="6" name="Espace réservé du texte 5">
+            <a:extLst>
+              <a:ext uri="{FF2B5EF4-FFF2-40B4-BE49-F238E27FC236}">
+                <a16:creationId xmlns:a16="http://schemas.microsoft.com/office/drawing/2014/main" id="{08E130C1-B7A1-4125-A138-8B742C339780}"/>
+              </a:ext>
+            </a:extLst>
+          </p:cNvPr>
+          <p:cNvSpPr>
+            <a:spLocks noGrp="1"/>
+          </p:cNvSpPr>
+          <p:nvPr>
+            <p:ph type="body" idx="1"/>
+          </p:nvPr>
+        </p:nvSpPr>
+        <p:spPr>
+          <a:xfrm>
+            <a:off x="1097280" y="4515271"/>
+            <a:ext cx="10058400" cy="1475954"/>
+          </a:xfrm>
+        </p:spPr>
+        <p:txBody>
+          <a:bodyPr>
+            <a:normAutofit/>
+          </a:bodyPr>
+          <a:lstStyle/>
+          <a:p>
+            <a:pPr algn="ctr"/>
+            <a:r>
+              <a:rPr lang="fr-FR" sz="4000" dirty="0">
+                <a:hlinkClick r:id="rId2"/>
+              </a:rPr>
+              <a:t>JEP 369</a:t>
+            </a:r>
+            <a:endParaRPr lang="fr-FR" sz="4000" dirty="0"/>
+          </a:p>
+          <a:p>
+            <a:pPr algn="ctr"/>
+            <a:r>
+              <a:rPr lang="fr-FR" sz="4000" cap="none" dirty="0">
+                <a:hlinkClick r:id="rId3"/>
+              </a:rPr>
+              <a:t>https://github.com/openjdk/</a:t>
+            </a:r>
+            <a:r>
+              <a:rPr lang="fr-FR" sz="4000" cap="none" dirty="0"/>
+              <a:t> </a:t>
+            </a:r>
+          </a:p>
+        </p:txBody>
+      </p:sp>
+    </p:spTree>
+    <p:extLst>
+      <p:ext uri="{BB962C8B-B14F-4D97-AF65-F5344CB8AC3E}">
+        <p14:creationId xmlns:p14="http://schemas.microsoft.com/office/powerpoint/2010/main" val="3407324278"/>
+      </p:ext>
+    </p:extLst>
+  </p:cSld>
+  <p:clrMapOvr>
+    <a:masterClrMapping/>
+  </p:clrMapOvr>
+</p:sld>
+</file>
+
+<file path=ppt/slides/slide48.xml><?xml version="1.0" encoding="utf-8"?>
+<p:sld xmlns:a="http://schemas.openxmlformats.org/drawingml/2006/main" xmlns:r="http://schemas.openxmlformats.org/officeDocument/2006/relationships" xmlns:p="http://schemas.openxmlformats.org/presentationml/2006/main">
+  <p:cSld>
+    <p:spTree>
+      <p:nvGrpSpPr>
+        <p:cNvPr id="1" name=""/>
+        <p:cNvGrpSpPr/>
+        <p:nvPr/>
+      </p:nvGrpSpPr>
+      <p:grpSpPr>
+        <a:xfrm>
+          <a:off x="0" y="0"/>
+          <a:ext cx="0" cy="0"/>
+          <a:chOff x="0" y="0"/>
+          <a:chExt cx="0" cy="0"/>
+        </a:xfrm>
+      </p:grpSpPr>
+      <p:sp>
+        <p:nvSpPr>
+          <p:cNvPr id="4" name="Espace réservé du numéro de diapositive 3">
+            <a:extLst>
+              <a:ext uri="{FF2B5EF4-FFF2-40B4-BE49-F238E27FC236}">
+                <a16:creationId xmlns:a16="http://schemas.microsoft.com/office/drawing/2014/main" id="{E2417486-AE2E-40EB-9FD4-6373FECB55F7}"/>
+              </a:ext>
+            </a:extLst>
+          </p:cNvPr>
+          <p:cNvSpPr>
+            <a:spLocks noGrp="1"/>
+          </p:cNvSpPr>
+          <p:nvPr>
+            <p:ph type="sldNum" sz="quarter" idx="12"/>
+          </p:nvPr>
+        </p:nvSpPr>
+        <p:spPr/>
+        <p:txBody>
+          <a:bodyPr/>
+          <a:lstStyle/>
+          <a:p>
+            <a:fld id="{4EA40E75-4466-4188-A2CC-18D20372CC4F}" type="slidenum">
+              <a:rPr lang="fr-FR" smtClean="0"/>
+              <a:t>48</a:t>
             </a:fld>
             <a:endParaRPr lang="fr-FR"/>
           </a:p>
@@ -17008,6 +19343,12 @@
             <a:pPr marL="0" indent="0" algn="ctr">
               <a:buNone/>
             </a:pPr>
+            <a:endParaRPr lang="fr-FR" sz="2400" dirty="0"/>
+          </a:p>
+          <a:p>
+            <a:pPr marL="0" indent="0" algn="ctr">
+              <a:buNone/>
+            </a:pPr>
             <a:r>
               <a:rPr lang="fr-FR" sz="2400" dirty="0" err="1"/>
               <a:t>Enclosed</a:t>
@@ -17028,6 +19369,12 @@
               <a:rPr lang="fr-FR" sz="2400" dirty="0" err="1"/>
               <a:t>quotes</a:t>
             </a:r>
+            <a:endParaRPr lang="fr-FR" sz="2400" dirty="0"/>
+          </a:p>
+          <a:p>
+            <a:pPr marL="0" indent="0" algn="ctr">
+              <a:buNone/>
+            </a:pPr>
             <a:endParaRPr lang="fr-FR" sz="2400" dirty="0"/>
           </a:p>
           <a:p>
@@ -17165,7 +19512,7 @@
                                         <p:tgtEl>
                                           <p:spTgt spid="3">
                                             <p:txEl>
-                                              <p:pRg st="1" end="1"/>
+                                              <p:pRg st="2" end="2"/>
                                             </p:txEl>
                                           </p:spTgt>
                                         </p:tgtEl>
@@ -17214,7 +19561,7 @@
                                         <p:tgtEl>
                                           <p:spTgt spid="3">
                                             <p:txEl>
-                                              <p:pRg st="2" end="2"/>
+                                              <p:pRg st="4" end="4"/>
                                             </p:txEl>
                                           </p:spTgt>
                                         </p:tgtEl>

--- a/java-11-17.pptx
+++ b/java-11-17.pptx
@@ -262,7 +262,7 @@
           <a:p>
             <a:fld id="{C0691E93-FCE9-4637-A231-41265759DF2A}" type="datetimeFigureOut">
               <a:rPr lang="fr-FR" smtClean="0"/>
-              <a:t>16/12/2021</a:t>
+              <a:t>17/12/2021</a:t>
             </a:fld>
             <a:endParaRPr lang="fr-FR"/>
           </a:p>
@@ -439,7 +439,7 @@
           <a:p>
             <a:fld id="{F55AC44C-65B7-406C-A849-BD91E2E102C5}" type="datetimeFigureOut">
               <a:rPr lang="fr-FR" smtClean="0"/>
-              <a:t>16/12/2021</a:t>
+              <a:t>17/12/2021</a:t>
             </a:fld>
             <a:endParaRPr lang="fr-FR"/>
           </a:p>
@@ -2994,7 +2994,7 @@
           <a:p>
             <a:fld id="{3E9A7E9A-ED42-4501-8D90-C284A0C74BA0}" type="datetime1">
               <a:rPr lang="fr-FR" smtClean="0"/>
-              <a:t>16/12/2021</a:t>
+              <a:t>17/12/2021</a:t>
             </a:fld>
             <a:endParaRPr lang="fr-FR"/>
           </a:p>
@@ -3238,7 +3238,7 @@
           <a:p>
             <a:fld id="{011731C5-66D9-40D1-AD62-85284915D8C0}" type="datetime1">
               <a:rPr lang="fr-FR" smtClean="0"/>
-              <a:t>16/12/2021</a:t>
+              <a:t>17/12/2021</a:t>
             </a:fld>
             <a:endParaRPr lang="fr-FR"/>
           </a:p>
@@ -3494,7 +3494,7 @@
           <a:p>
             <a:fld id="{69A0C85A-3B63-44EA-B3D9-9A0F52CCE6A2}" type="datetime1">
               <a:rPr lang="fr-FR" smtClean="0"/>
-              <a:t>16/12/2021</a:t>
+              <a:t>17/12/2021</a:t>
             </a:fld>
             <a:endParaRPr lang="fr-FR"/>
           </a:p>
@@ -3668,7 +3668,7 @@
           <a:p>
             <a:fld id="{3CE03D01-19B8-47BE-948A-3CFA30B826BF}" type="datetime1">
               <a:rPr lang="fr-FR" smtClean="0"/>
-              <a:t>16/12/2021</a:t>
+              <a:t>17/12/2021</a:t>
             </a:fld>
             <a:endParaRPr lang="fr-FR"/>
           </a:p>
@@ -4011,7 +4011,7 @@
           <a:p>
             <a:fld id="{007DEB42-D5C0-4A8E-97F2-008433135B73}" type="datetime1">
               <a:rPr lang="fr-FR" smtClean="0"/>
-              <a:t>16/12/2021</a:t>
+              <a:t>17/12/2021</a:t>
             </a:fld>
             <a:endParaRPr lang="fr-FR"/>
           </a:p>
@@ -4322,7 +4322,7 @@
           <a:p>
             <a:fld id="{179C7A2F-A17B-42D2-BE59-8C278563A5C9}" type="datetime1">
               <a:rPr lang="fr-FR" smtClean="0"/>
-              <a:t>16/12/2021</a:t>
+              <a:t>17/12/2021</a:t>
             </a:fld>
             <a:endParaRPr lang="fr-FR"/>
           </a:p>
@@ -4701,7 +4701,7 @@
           <a:p>
             <a:fld id="{02A30240-5FA3-4E5C-9030-7B7F07508C75}" type="datetime1">
               <a:rPr lang="fr-FR" smtClean="0"/>
-              <a:t>16/12/2021</a:t>
+              <a:t>17/12/2021</a:t>
             </a:fld>
             <a:endParaRPr lang="fr-FR"/>
           </a:p>
@@ -4819,7 +4819,7 @@
           <a:p>
             <a:fld id="{0A5C02E6-A879-4622-BC22-B453EA43177A}" type="datetime1">
               <a:rPr lang="fr-FR" smtClean="0"/>
-              <a:t>16/12/2021</a:t>
+              <a:t>17/12/2021</a:t>
             </a:fld>
             <a:endParaRPr lang="fr-FR"/>
           </a:p>
@@ -4990,7 +4990,7 @@
           <a:p>
             <a:fld id="{E1866222-02FE-4D51-8558-4201C298598E}" type="datetime1">
               <a:rPr lang="fr-FR" smtClean="0"/>
-              <a:t>16/12/2021</a:t>
+              <a:t>17/12/2021</a:t>
             </a:fld>
             <a:endParaRPr lang="fr-FR"/>
           </a:p>
@@ -5380,7 +5380,7 @@
           <a:p>
             <a:fld id="{FC48FF92-93C7-4711-8B84-E9634535DE69}" type="datetime1">
               <a:rPr lang="fr-FR" smtClean="0"/>
-              <a:t>16/12/2021</a:t>
+              <a:t>17/12/2021</a:t>
             </a:fld>
             <a:endParaRPr lang="fr-FR"/>
           </a:p>
@@ -5762,7 +5762,7 @@
           <a:p>
             <a:fld id="{9006B5A5-1C1D-440B-B69F-35DCE3DE75D0}" type="datetime1">
               <a:rPr lang="fr-FR" smtClean="0"/>
-              <a:t>16/12/2021</a:t>
+              <a:t>17/12/2021</a:t>
             </a:fld>
             <a:endParaRPr lang="fr-FR"/>
           </a:p>
@@ -6056,7 +6056,7 @@
           <a:p>
             <a:fld id="{F85A370E-A298-4B06-946F-FB83BDD5ADB9}" type="datetime1">
               <a:rPr lang="fr-FR" smtClean="0"/>
-              <a:t>16/12/2021</a:t>
+              <a:t>17/12/2021</a:t>
             </a:fld>
             <a:endParaRPr lang="fr-FR"/>
           </a:p>
@@ -18547,6 +18547,14 @@
             </a:r>
             <a:r>
               <a:rPr lang="fr-FR" sz="2400" dirty="0" err="1"/>
+              <a:t>be</a:t>
+            </a:r>
+            <a:r>
+              <a:rPr lang="fr-FR" sz="2400" dirty="0"/>
+              <a:t> </a:t>
+            </a:r>
+            <a:r>
+              <a:rPr lang="fr-FR" sz="2400" dirty="0" err="1"/>
               <a:t>disabled</a:t>
             </a:r>
             <a:r>
@@ -18619,10 +18627,10 @@
       </p:sp>
       <p:pic>
         <p:nvPicPr>
-          <p:cNvPr id="6" name="Image 5" descr="Une image contenant texte&#10;&#10;Description générée automatiquement">
+          <p:cNvPr id="7" name="Image 6" descr="Une image contenant texte&#10;&#10;Description générée automatiquement">
             <a:extLst>
               <a:ext uri="{FF2B5EF4-FFF2-40B4-BE49-F238E27FC236}">
-                <a16:creationId xmlns:a16="http://schemas.microsoft.com/office/drawing/2014/main" id="{F6329BE7-0EC4-42D8-BBE3-E2EF3AE3EEA0}"/>
+                <a16:creationId xmlns:a16="http://schemas.microsoft.com/office/drawing/2014/main" id="{0077AF35-0E32-42AB-BBD9-8E931A024C72}"/>
               </a:ext>
             </a:extLst>
           </p:cNvPr>
@@ -18645,8 +18653,8 @@
         </p:blipFill>
         <p:spPr>
           <a:xfrm>
-            <a:off x="1436370" y="3878149"/>
-            <a:ext cx="9380220" cy="1998776"/>
+            <a:off x="1344930" y="3876675"/>
+            <a:ext cx="9563100" cy="2114550"/>
           </a:xfrm>
           <a:prstGeom prst="rect">
             <a:avLst/>
@@ -18795,7 +18803,7 @@
                                           </p:stCondLst>
                                         </p:cTn>
                                         <p:tgtEl>
-                                          <p:spTgt spid="6"/>
+                                          <p:spTgt spid="7"/>
                                         </p:tgtEl>
                                         <p:attrNameLst>
                                           <p:attrName>style.visibility</p:attrName>
